--- a/ForkandPotatoUI.pptx
+++ b/ForkandPotatoUI.pptx
@@ -2,23 +2,24 @@
 <file path=ppt/presentation.xml><?xml version="1.0" encoding="utf-8"?>
 <p:presentation xmlns:a="http://schemas.openxmlformats.org/drawingml/2006/main" xmlns:r="http://schemas.openxmlformats.org/officeDocument/2006/relationships" xmlns:p="http://schemas.openxmlformats.org/presentationml/2006/main" saveSubsetFonts="1">
   <p:sldMasterIdLst>
-    <p:sldMasterId id="2147483779" r:id="rId1"/>
-    <p:sldMasterId id="2147484005" r:id="rId2"/>
+    <p:sldMasterId id="2147484005" r:id="rId1"/>
   </p:sldMasterIdLst>
   <p:notesMasterIdLst>
-    <p:notesMasterId r:id="rId13"/>
+    <p:notesMasterId r:id="rId14"/>
   </p:notesMasterIdLst>
   <p:sldIdLst>
-    <p:sldId id="256" r:id="rId3"/>
-    <p:sldId id="257" r:id="rId4"/>
-    <p:sldId id="258" r:id="rId5"/>
-    <p:sldId id="259" r:id="rId6"/>
-    <p:sldId id="265" r:id="rId7"/>
-    <p:sldId id="264" r:id="rId8"/>
-    <p:sldId id="263" r:id="rId9"/>
-    <p:sldId id="261" r:id="rId10"/>
-    <p:sldId id="260" r:id="rId11"/>
-    <p:sldId id="262" r:id="rId12"/>
+    <p:sldId id="256" r:id="rId2"/>
+    <p:sldId id="257" r:id="rId3"/>
+    <p:sldId id="258" r:id="rId4"/>
+    <p:sldId id="259" r:id="rId5"/>
+    <p:sldId id="263" r:id="rId6"/>
+    <p:sldId id="264" r:id="rId7"/>
+    <p:sldId id="261" r:id="rId8"/>
+    <p:sldId id="260" r:id="rId9"/>
+    <p:sldId id="267" r:id="rId10"/>
+    <p:sldId id="266" r:id="rId11"/>
+    <p:sldId id="265" r:id="rId12"/>
+    <p:sldId id="268" r:id="rId13"/>
   </p:sldIdLst>
   <p:sldSz cx="12192000" cy="6858000"/>
   <p:notesSz cx="6858000" cy="9144000"/>
@@ -117,6 +118,11 @@
       </a:defRPr>
     </a:lvl9pPr>
   </p:defaultTextStyle>
+  <p:extLst>
+    <p:ext uri="{EFAFB233-063F-42B5-8137-9DF3F51BA10A}">
+      <p15:sldGuideLst xmlns:p15="http://schemas.microsoft.com/office/powerpoint/2012/main"/>
+    </p:ext>
+  </p:extLst>
 </p:presentation>
 </file>
 
@@ -202,7 +208,7 @@
           <a:p>
             <a:fld id="{85C9D185-BD0B-4F6A-ACA2-42A73062CFD2}" type="datetimeFigureOut">
               <a:rPr lang="en-US" smtClean="0"/>
-              <a:t>5/3/2017</a:t>
+              <a:t>5/4/2017</a:t>
             </a:fld>
             <a:endParaRPr lang="en-US"/>
           </a:p>
@@ -573,644 +579,6 @@
       </p:grpSpPr>
       <p:sp>
         <p:nvSpPr>
-          <p:cNvPr id="2" name="Title 1"/>
-          <p:cNvSpPr>
-            <a:spLocks noGrp="1"/>
-          </p:cNvSpPr>
-          <p:nvPr>
-            <p:ph type="ctrTitle"/>
-          </p:nvPr>
-        </p:nvSpPr>
-        <p:spPr>
-          <a:xfrm>
-            <a:off x="1524000" y="1122363"/>
-            <a:ext cx="9144000" cy="2387600"/>
-          </a:xfrm>
-        </p:spPr>
-        <p:txBody>
-          <a:bodyPr anchor="b"/>
-          <a:lstStyle>
-            <a:lvl1pPr algn="ctr">
-              <a:defRPr sz="6000"/>
-            </a:lvl1pPr>
-          </a:lstStyle>
-          <a:p>
-            <a:r>
-              <a:rPr lang="en-US" altLang="zh-TW"/>
-              <a:t>Click to edit Master title style</a:t>
-            </a:r>
-            <a:endParaRPr lang="zh-TW" altLang="en-US"/>
-          </a:p>
-        </p:txBody>
-      </p:sp>
-      <p:sp>
-        <p:nvSpPr>
-          <p:cNvPr id="3" name="Subtitle 2"/>
-          <p:cNvSpPr>
-            <a:spLocks noGrp="1"/>
-          </p:cNvSpPr>
-          <p:nvPr>
-            <p:ph type="subTitle" idx="1"/>
-          </p:nvPr>
-        </p:nvSpPr>
-        <p:spPr>
-          <a:xfrm>
-            <a:off x="1524000" y="3602038"/>
-            <a:ext cx="9144000" cy="1655762"/>
-          </a:xfrm>
-        </p:spPr>
-        <p:txBody>
-          <a:bodyPr/>
-          <a:lstStyle>
-            <a:lvl1pPr marL="0" indent="0" algn="ctr">
-              <a:buNone/>
-              <a:defRPr sz="2400"/>
-            </a:lvl1pPr>
-            <a:lvl2pPr marL="457200" indent="0" algn="ctr">
-              <a:buNone/>
-              <a:defRPr sz="2000"/>
-            </a:lvl2pPr>
-            <a:lvl3pPr marL="914400" indent="0" algn="ctr">
-              <a:buNone/>
-              <a:defRPr sz="1800"/>
-            </a:lvl3pPr>
-            <a:lvl4pPr marL="1371600" indent="0" algn="ctr">
-              <a:buNone/>
-              <a:defRPr sz="1600"/>
-            </a:lvl4pPr>
-            <a:lvl5pPr marL="1828800" indent="0" algn="ctr">
-              <a:buNone/>
-              <a:defRPr sz="1600"/>
-            </a:lvl5pPr>
-            <a:lvl6pPr marL="2286000" indent="0" algn="ctr">
-              <a:buNone/>
-              <a:defRPr sz="1600"/>
-            </a:lvl6pPr>
-            <a:lvl7pPr marL="2743200" indent="0" algn="ctr">
-              <a:buNone/>
-              <a:defRPr sz="1600"/>
-            </a:lvl7pPr>
-            <a:lvl8pPr marL="3200400" indent="0" algn="ctr">
-              <a:buNone/>
-              <a:defRPr sz="1600"/>
-            </a:lvl8pPr>
-            <a:lvl9pPr marL="3657600" indent="0" algn="ctr">
-              <a:buNone/>
-              <a:defRPr sz="1600"/>
-            </a:lvl9pPr>
-          </a:lstStyle>
-          <a:p>
-            <a:r>
-              <a:rPr lang="en-US" altLang="zh-TW"/>
-              <a:t>Click to edit Master subtitle style</a:t>
-            </a:r>
-            <a:endParaRPr lang="zh-TW" altLang="en-US"/>
-          </a:p>
-        </p:txBody>
-      </p:sp>
-      <p:sp>
-        <p:nvSpPr>
-          <p:cNvPr id="4" name="Date Placeholder 3"/>
-          <p:cNvSpPr>
-            <a:spLocks noGrp="1"/>
-          </p:cNvSpPr>
-          <p:nvPr>
-            <p:ph type="dt" sz="half" idx="10"/>
-          </p:nvPr>
-        </p:nvSpPr>
-        <p:spPr/>
-        <p:txBody>
-          <a:bodyPr/>
-          <a:lstStyle/>
-          <a:p>
-            <a:fld id="{17DF1E68-0589-4AB3-A6BD-B973EB6370BF}" type="datetimeFigureOut">
-              <a:rPr lang="zh-TW" altLang="en-US" smtClean="0">
-                <a:solidFill>
-                  <a:prstClr val="black">
-                    <a:tint val="75000"/>
-                  </a:prstClr>
-                </a:solidFill>
-              </a:rPr>
-              <a:pPr/>
-              <a:t>2017/5/3</a:t>
-            </a:fld>
-            <a:endParaRPr lang="zh-TW" altLang="en-US">
-              <a:solidFill>
-                <a:prstClr val="black">
-                  <a:tint val="75000"/>
-                </a:prstClr>
-              </a:solidFill>
-            </a:endParaRPr>
-          </a:p>
-        </p:txBody>
-      </p:sp>
-      <p:sp>
-        <p:nvSpPr>
-          <p:cNvPr id="5" name="Footer Placeholder 4"/>
-          <p:cNvSpPr>
-            <a:spLocks noGrp="1"/>
-          </p:cNvSpPr>
-          <p:nvPr>
-            <p:ph type="ftr" sz="quarter" idx="11"/>
-          </p:nvPr>
-        </p:nvSpPr>
-        <p:spPr/>
-        <p:txBody>
-          <a:bodyPr/>
-          <a:lstStyle/>
-          <a:p>
-            <a:endParaRPr lang="zh-TW" altLang="en-US">
-              <a:solidFill>
-                <a:prstClr val="black">
-                  <a:tint val="75000"/>
-                </a:prstClr>
-              </a:solidFill>
-            </a:endParaRPr>
-          </a:p>
-        </p:txBody>
-      </p:sp>
-      <p:sp>
-        <p:nvSpPr>
-          <p:cNvPr id="6" name="Slide Number Placeholder 5"/>
-          <p:cNvSpPr>
-            <a:spLocks noGrp="1"/>
-          </p:cNvSpPr>
-          <p:nvPr>
-            <p:ph type="sldNum" sz="quarter" idx="12"/>
-          </p:nvPr>
-        </p:nvSpPr>
-        <p:spPr/>
-        <p:txBody>
-          <a:bodyPr/>
-          <a:lstStyle/>
-          <a:p>
-            <a:fld id="{E32D4240-BCF3-4973-A51B-7B4F8665E35F}" type="slidenum">
-              <a:rPr lang="zh-TW" altLang="en-US" smtClean="0">
-                <a:solidFill>
-                  <a:prstClr val="black">
-                    <a:tint val="75000"/>
-                  </a:prstClr>
-                </a:solidFill>
-              </a:rPr>
-              <a:pPr/>
-              <a:t>‹#›</a:t>
-            </a:fld>
-            <a:endParaRPr lang="zh-TW" altLang="en-US">
-              <a:solidFill>
-                <a:prstClr val="black">
-                  <a:tint val="75000"/>
-                </a:prstClr>
-              </a:solidFill>
-            </a:endParaRPr>
-          </a:p>
-        </p:txBody>
-      </p:sp>
-    </p:spTree>
-    <p:extLst>
-      <p:ext uri="{BB962C8B-B14F-4D97-AF65-F5344CB8AC3E}">
-        <p14:creationId xmlns:p14="http://schemas.microsoft.com/office/powerpoint/2010/main" val="2330964412"/>
-      </p:ext>
-    </p:extLst>
-  </p:cSld>
-  <p:clrMapOvr>
-    <a:masterClrMapping/>
-  </p:clrMapOvr>
-</p:sldLayout>
-</file>
-
-<file path=ppt/slideLayouts/slideLayout10.xml><?xml version="1.0" encoding="utf-8"?>
-<p:sldLayout xmlns:a="http://schemas.openxmlformats.org/drawingml/2006/main" xmlns:r="http://schemas.openxmlformats.org/officeDocument/2006/relationships" xmlns:p="http://schemas.openxmlformats.org/presentationml/2006/main" type="vertTx" preserve="1">
-  <p:cSld name="Title and Vertical Text">
-    <p:spTree>
-      <p:nvGrpSpPr>
-        <p:cNvPr id="1" name=""/>
-        <p:cNvGrpSpPr/>
-        <p:nvPr/>
-      </p:nvGrpSpPr>
-      <p:grpSpPr>
-        <a:xfrm>
-          <a:off x="0" y="0"/>
-          <a:ext cx="0" cy="0"/>
-          <a:chOff x="0" y="0"/>
-          <a:chExt cx="0" cy="0"/>
-        </a:xfrm>
-      </p:grpSpPr>
-      <p:sp>
-        <p:nvSpPr>
-          <p:cNvPr id="2" name="Title 1"/>
-          <p:cNvSpPr>
-            <a:spLocks noGrp="1"/>
-          </p:cNvSpPr>
-          <p:nvPr>
-            <p:ph type="title"/>
-          </p:nvPr>
-        </p:nvSpPr>
-        <p:spPr/>
-        <p:txBody>
-          <a:bodyPr/>
-          <a:lstStyle/>
-          <a:p>
-            <a:r>
-              <a:rPr lang="en-US" altLang="zh-TW"/>
-              <a:t>Click to edit Master title style</a:t>
-            </a:r>
-            <a:endParaRPr lang="zh-TW" altLang="en-US"/>
-          </a:p>
-        </p:txBody>
-      </p:sp>
-      <p:sp>
-        <p:nvSpPr>
-          <p:cNvPr id="3" name="Vertical Text Placeholder 2"/>
-          <p:cNvSpPr>
-            <a:spLocks noGrp="1"/>
-          </p:cNvSpPr>
-          <p:nvPr>
-            <p:ph type="body" orient="vert" idx="1"/>
-          </p:nvPr>
-        </p:nvSpPr>
-        <p:spPr/>
-        <p:txBody>
-          <a:bodyPr vert="eaVert"/>
-          <a:lstStyle/>
-          <a:p>
-            <a:pPr lvl="0"/>
-            <a:r>
-              <a:rPr lang="en-US" altLang="zh-TW"/>
-              <a:t>Edit Master text styles</a:t>
-            </a:r>
-          </a:p>
-          <a:p>
-            <a:pPr lvl="1"/>
-            <a:r>
-              <a:rPr lang="en-US" altLang="zh-TW"/>
-              <a:t>Second level</a:t>
-            </a:r>
-          </a:p>
-          <a:p>
-            <a:pPr lvl="2"/>
-            <a:r>
-              <a:rPr lang="en-US" altLang="zh-TW"/>
-              <a:t>Third level</a:t>
-            </a:r>
-          </a:p>
-          <a:p>
-            <a:pPr lvl="3"/>
-            <a:r>
-              <a:rPr lang="en-US" altLang="zh-TW"/>
-              <a:t>Fourth level</a:t>
-            </a:r>
-          </a:p>
-          <a:p>
-            <a:pPr lvl="4"/>
-            <a:r>
-              <a:rPr lang="en-US" altLang="zh-TW"/>
-              <a:t>Fifth level</a:t>
-            </a:r>
-            <a:endParaRPr lang="zh-TW" altLang="en-US"/>
-          </a:p>
-        </p:txBody>
-      </p:sp>
-      <p:sp>
-        <p:nvSpPr>
-          <p:cNvPr id="4" name="Date Placeholder 3"/>
-          <p:cNvSpPr>
-            <a:spLocks noGrp="1"/>
-          </p:cNvSpPr>
-          <p:nvPr>
-            <p:ph type="dt" sz="half" idx="10"/>
-          </p:nvPr>
-        </p:nvSpPr>
-        <p:spPr/>
-        <p:txBody>
-          <a:bodyPr/>
-          <a:lstStyle/>
-          <a:p>
-            <a:fld id="{17DF1E68-0589-4AB3-A6BD-B973EB6370BF}" type="datetimeFigureOut">
-              <a:rPr lang="zh-TW" altLang="en-US" smtClean="0">
-                <a:solidFill>
-                  <a:prstClr val="black">
-                    <a:tint val="75000"/>
-                  </a:prstClr>
-                </a:solidFill>
-              </a:rPr>
-              <a:pPr/>
-              <a:t>2017/5/3</a:t>
-            </a:fld>
-            <a:endParaRPr lang="zh-TW" altLang="en-US">
-              <a:solidFill>
-                <a:prstClr val="black">
-                  <a:tint val="75000"/>
-                </a:prstClr>
-              </a:solidFill>
-            </a:endParaRPr>
-          </a:p>
-        </p:txBody>
-      </p:sp>
-      <p:sp>
-        <p:nvSpPr>
-          <p:cNvPr id="5" name="Footer Placeholder 4"/>
-          <p:cNvSpPr>
-            <a:spLocks noGrp="1"/>
-          </p:cNvSpPr>
-          <p:nvPr>
-            <p:ph type="ftr" sz="quarter" idx="11"/>
-          </p:nvPr>
-        </p:nvSpPr>
-        <p:spPr/>
-        <p:txBody>
-          <a:bodyPr/>
-          <a:lstStyle/>
-          <a:p>
-            <a:endParaRPr lang="zh-TW" altLang="en-US">
-              <a:solidFill>
-                <a:prstClr val="black">
-                  <a:tint val="75000"/>
-                </a:prstClr>
-              </a:solidFill>
-            </a:endParaRPr>
-          </a:p>
-        </p:txBody>
-      </p:sp>
-      <p:sp>
-        <p:nvSpPr>
-          <p:cNvPr id="6" name="Slide Number Placeholder 5"/>
-          <p:cNvSpPr>
-            <a:spLocks noGrp="1"/>
-          </p:cNvSpPr>
-          <p:nvPr>
-            <p:ph type="sldNum" sz="quarter" idx="12"/>
-          </p:nvPr>
-        </p:nvSpPr>
-        <p:spPr/>
-        <p:txBody>
-          <a:bodyPr/>
-          <a:lstStyle/>
-          <a:p>
-            <a:fld id="{E32D4240-BCF3-4973-A51B-7B4F8665E35F}" type="slidenum">
-              <a:rPr lang="zh-TW" altLang="en-US" smtClean="0">
-                <a:solidFill>
-                  <a:prstClr val="black">
-                    <a:tint val="75000"/>
-                  </a:prstClr>
-                </a:solidFill>
-              </a:rPr>
-              <a:pPr/>
-              <a:t>‹#›</a:t>
-            </a:fld>
-            <a:endParaRPr lang="zh-TW" altLang="en-US">
-              <a:solidFill>
-                <a:prstClr val="black">
-                  <a:tint val="75000"/>
-                </a:prstClr>
-              </a:solidFill>
-            </a:endParaRPr>
-          </a:p>
-        </p:txBody>
-      </p:sp>
-    </p:spTree>
-    <p:extLst>
-      <p:ext uri="{BB962C8B-B14F-4D97-AF65-F5344CB8AC3E}">
-        <p14:creationId xmlns:p14="http://schemas.microsoft.com/office/powerpoint/2010/main" val="1861680400"/>
-      </p:ext>
-    </p:extLst>
-  </p:cSld>
-  <p:clrMapOvr>
-    <a:masterClrMapping/>
-  </p:clrMapOvr>
-</p:sldLayout>
-</file>
-
-<file path=ppt/slideLayouts/slideLayout11.xml><?xml version="1.0" encoding="utf-8"?>
-<p:sldLayout xmlns:a="http://schemas.openxmlformats.org/drawingml/2006/main" xmlns:r="http://schemas.openxmlformats.org/officeDocument/2006/relationships" xmlns:p="http://schemas.openxmlformats.org/presentationml/2006/main" type="vertTitleAndTx" preserve="1">
-  <p:cSld name="Vertical Title and Text">
-    <p:spTree>
-      <p:nvGrpSpPr>
-        <p:cNvPr id="1" name=""/>
-        <p:cNvGrpSpPr/>
-        <p:nvPr/>
-      </p:nvGrpSpPr>
-      <p:grpSpPr>
-        <a:xfrm>
-          <a:off x="0" y="0"/>
-          <a:ext cx="0" cy="0"/>
-          <a:chOff x="0" y="0"/>
-          <a:chExt cx="0" cy="0"/>
-        </a:xfrm>
-      </p:grpSpPr>
-      <p:sp>
-        <p:nvSpPr>
-          <p:cNvPr id="2" name="Vertical Title 1"/>
-          <p:cNvSpPr>
-            <a:spLocks noGrp="1"/>
-          </p:cNvSpPr>
-          <p:nvPr>
-            <p:ph type="title" orient="vert"/>
-          </p:nvPr>
-        </p:nvSpPr>
-        <p:spPr>
-          <a:xfrm>
-            <a:off x="8724900" y="365125"/>
-            <a:ext cx="2628900" cy="5811838"/>
-          </a:xfrm>
-        </p:spPr>
-        <p:txBody>
-          <a:bodyPr vert="eaVert"/>
-          <a:lstStyle/>
-          <a:p>
-            <a:r>
-              <a:rPr lang="en-US" altLang="zh-TW"/>
-              <a:t>Click to edit Master title style</a:t>
-            </a:r>
-            <a:endParaRPr lang="zh-TW" altLang="en-US"/>
-          </a:p>
-        </p:txBody>
-      </p:sp>
-      <p:sp>
-        <p:nvSpPr>
-          <p:cNvPr id="3" name="Vertical Text Placeholder 2"/>
-          <p:cNvSpPr>
-            <a:spLocks noGrp="1"/>
-          </p:cNvSpPr>
-          <p:nvPr>
-            <p:ph type="body" orient="vert" idx="1"/>
-          </p:nvPr>
-        </p:nvSpPr>
-        <p:spPr>
-          <a:xfrm>
-            <a:off x="838200" y="365125"/>
-            <a:ext cx="7734300" cy="5811838"/>
-          </a:xfrm>
-        </p:spPr>
-        <p:txBody>
-          <a:bodyPr vert="eaVert"/>
-          <a:lstStyle/>
-          <a:p>
-            <a:pPr lvl="0"/>
-            <a:r>
-              <a:rPr lang="en-US" altLang="zh-TW"/>
-              <a:t>Edit Master text styles</a:t>
-            </a:r>
-          </a:p>
-          <a:p>
-            <a:pPr lvl="1"/>
-            <a:r>
-              <a:rPr lang="en-US" altLang="zh-TW"/>
-              <a:t>Second level</a:t>
-            </a:r>
-          </a:p>
-          <a:p>
-            <a:pPr lvl="2"/>
-            <a:r>
-              <a:rPr lang="en-US" altLang="zh-TW"/>
-              <a:t>Third level</a:t>
-            </a:r>
-          </a:p>
-          <a:p>
-            <a:pPr lvl="3"/>
-            <a:r>
-              <a:rPr lang="en-US" altLang="zh-TW"/>
-              <a:t>Fourth level</a:t>
-            </a:r>
-          </a:p>
-          <a:p>
-            <a:pPr lvl="4"/>
-            <a:r>
-              <a:rPr lang="en-US" altLang="zh-TW"/>
-              <a:t>Fifth level</a:t>
-            </a:r>
-            <a:endParaRPr lang="zh-TW" altLang="en-US"/>
-          </a:p>
-        </p:txBody>
-      </p:sp>
-      <p:sp>
-        <p:nvSpPr>
-          <p:cNvPr id="4" name="Date Placeholder 3"/>
-          <p:cNvSpPr>
-            <a:spLocks noGrp="1"/>
-          </p:cNvSpPr>
-          <p:nvPr>
-            <p:ph type="dt" sz="half" idx="10"/>
-          </p:nvPr>
-        </p:nvSpPr>
-        <p:spPr/>
-        <p:txBody>
-          <a:bodyPr/>
-          <a:lstStyle/>
-          <a:p>
-            <a:fld id="{17DF1E68-0589-4AB3-A6BD-B973EB6370BF}" type="datetimeFigureOut">
-              <a:rPr lang="zh-TW" altLang="en-US" smtClean="0">
-                <a:solidFill>
-                  <a:prstClr val="black">
-                    <a:tint val="75000"/>
-                  </a:prstClr>
-                </a:solidFill>
-              </a:rPr>
-              <a:pPr/>
-              <a:t>2017/5/3</a:t>
-            </a:fld>
-            <a:endParaRPr lang="zh-TW" altLang="en-US">
-              <a:solidFill>
-                <a:prstClr val="black">
-                  <a:tint val="75000"/>
-                </a:prstClr>
-              </a:solidFill>
-            </a:endParaRPr>
-          </a:p>
-        </p:txBody>
-      </p:sp>
-      <p:sp>
-        <p:nvSpPr>
-          <p:cNvPr id="5" name="Footer Placeholder 4"/>
-          <p:cNvSpPr>
-            <a:spLocks noGrp="1"/>
-          </p:cNvSpPr>
-          <p:nvPr>
-            <p:ph type="ftr" sz="quarter" idx="11"/>
-          </p:nvPr>
-        </p:nvSpPr>
-        <p:spPr/>
-        <p:txBody>
-          <a:bodyPr/>
-          <a:lstStyle/>
-          <a:p>
-            <a:endParaRPr lang="zh-TW" altLang="en-US">
-              <a:solidFill>
-                <a:prstClr val="black">
-                  <a:tint val="75000"/>
-                </a:prstClr>
-              </a:solidFill>
-            </a:endParaRPr>
-          </a:p>
-        </p:txBody>
-      </p:sp>
-      <p:sp>
-        <p:nvSpPr>
-          <p:cNvPr id="6" name="Slide Number Placeholder 5"/>
-          <p:cNvSpPr>
-            <a:spLocks noGrp="1"/>
-          </p:cNvSpPr>
-          <p:nvPr>
-            <p:ph type="sldNum" sz="quarter" idx="12"/>
-          </p:nvPr>
-        </p:nvSpPr>
-        <p:spPr/>
-        <p:txBody>
-          <a:bodyPr/>
-          <a:lstStyle/>
-          <a:p>
-            <a:fld id="{E32D4240-BCF3-4973-A51B-7B4F8665E35F}" type="slidenum">
-              <a:rPr lang="zh-TW" altLang="en-US" smtClean="0">
-                <a:solidFill>
-                  <a:prstClr val="black">
-                    <a:tint val="75000"/>
-                  </a:prstClr>
-                </a:solidFill>
-              </a:rPr>
-              <a:pPr/>
-              <a:t>‹#›</a:t>
-            </a:fld>
-            <a:endParaRPr lang="zh-TW" altLang="en-US">
-              <a:solidFill>
-                <a:prstClr val="black">
-                  <a:tint val="75000"/>
-                </a:prstClr>
-              </a:solidFill>
-            </a:endParaRPr>
-          </a:p>
-        </p:txBody>
-      </p:sp>
-    </p:spTree>
-    <p:extLst>
-      <p:ext uri="{BB962C8B-B14F-4D97-AF65-F5344CB8AC3E}">
-        <p14:creationId xmlns:p14="http://schemas.microsoft.com/office/powerpoint/2010/main" val="2235373824"/>
-      </p:ext>
-    </p:extLst>
-  </p:cSld>
-  <p:clrMapOvr>
-    <a:masterClrMapping/>
-  </p:clrMapOvr>
-</p:sldLayout>
-</file>
-
-<file path=ppt/slideLayouts/slideLayout12.xml><?xml version="1.0" encoding="utf-8"?>
-<p:sldLayout xmlns:a="http://schemas.openxmlformats.org/drawingml/2006/main" xmlns:r="http://schemas.openxmlformats.org/officeDocument/2006/relationships" xmlns:p="http://schemas.openxmlformats.org/presentationml/2006/main" showMasterSp="0" type="title" preserve="1">
-  <p:cSld name="Title Slide">
-    <p:spTree>
-      <p:nvGrpSpPr>
-        <p:cNvPr id="1" name=""/>
-        <p:cNvGrpSpPr/>
-        <p:nvPr/>
-      </p:nvGrpSpPr>
-      <p:grpSpPr>
-        <a:xfrm>
-          <a:off x="0" y="0"/>
-          <a:ext cx="0" cy="0"/>
-          <a:chOff x="0" y="0"/>
-          <a:chExt cx="0" cy="0"/>
-        </a:xfrm>
-      </p:grpSpPr>
-      <p:sp>
-        <p:nvSpPr>
           <p:cNvPr id="7" name="Rectangle 6"/>
           <p:cNvSpPr/>
           <p:nvPr/>
@@ -1382,7 +750,7 @@
           <a:p>
             <a:fld id="{3AF8BBF1-0960-4F0E-BBD3-56792029CCDE}" type="datetimeFigureOut">
               <a:rPr lang="en-US" smtClean="0"/>
-              <a:t>5/3/2017</a:t>
+              <a:t>5/4/2017</a:t>
             </a:fld>
             <a:endParaRPr lang="en-US"/>
           </a:p>
@@ -1478,7 +846,392 @@
 </p:sldLayout>
 </file>
 
-<file path=ppt/slideLayouts/slideLayout13.xml><?xml version="1.0" encoding="utf-8"?>
+<file path=ppt/slideLayouts/slideLayout10.xml><?xml version="1.0" encoding="utf-8"?>
+<p:sldLayout xmlns:a="http://schemas.openxmlformats.org/drawingml/2006/main" xmlns:r="http://schemas.openxmlformats.org/officeDocument/2006/relationships" xmlns:p="http://schemas.openxmlformats.org/presentationml/2006/main" type="vertTx" preserve="1">
+  <p:cSld name="Title and Vertical Text">
+    <p:spTree>
+      <p:nvGrpSpPr>
+        <p:cNvPr id="1" name=""/>
+        <p:cNvGrpSpPr/>
+        <p:nvPr/>
+      </p:nvGrpSpPr>
+      <p:grpSpPr>
+        <a:xfrm>
+          <a:off x="0" y="0"/>
+          <a:ext cx="0" cy="0"/>
+          <a:chOff x="0" y="0"/>
+          <a:chExt cx="0" cy="0"/>
+        </a:xfrm>
+      </p:grpSpPr>
+      <p:sp>
+        <p:nvSpPr>
+          <p:cNvPr id="2" name="Title 1"/>
+          <p:cNvSpPr>
+            <a:spLocks noGrp="1"/>
+          </p:cNvSpPr>
+          <p:nvPr>
+            <p:ph type="title"/>
+          </p:nvPr>
+        </p:nvSpPr>
+        <p:spPr/>
+        <p:txBody>
+          <a:bodyPr/>
+          <a:lstStyle/>
+          <a:p>
+            <a:r>
+              <a:rPr lang="en-US" smtClean="0"/>
+              <a:t>Click to edit Master title style</a:t>
+            </a:r>
+            <a:endParaRPr lang="en-US" dirty="0"/>
+          </a:p>
+        </p:txBody>
+      </p:sp>
+      <p:sp>
+        <p:nvSpPr>
+          <p:cNvPr id="3" name="Vertical Text Placeholder 2"/>
+          <p:cNvSpPr>
+            <a:spLocks noGrp="1"/>
+          </p:cNvSpPr>
+          <p:nvPr>
+            <p:ph type="body" orient="vert" idx="1"/>
+          </p:nvPr>
+        </p:nvSpPr>
+        <p:spPr/>
+        <p:txBody>
+          <a:bodyPr vert="eaVert"/>
+          <a:lstStyle/>
+          <a:p>
+            <a:pPr lvl="0"/>
+            <a:r>
+              <a:rPr lang="en-US" smtClean="0"/>
+              <a:t>Click to edit Master text styles</a:t>
+            </a:r>
+          </a:p>
+          <a:p>
+            <a:pPr lvl="1"/>
+            <a:r>
+              <a:rPr lang="en-US" smtClean="0"/>
+              <a:t>Second level</a:t>
+            </a:r>
+          </a:p>
+          <a:p>
+            <a:pPr lvl="2"/>
+            <a:r>
+              <a:rPr lang="en-US" smtClean="0"/>
+              <a:t>Third level</a:t>
+            </a:r>
+          </a:p>
+          <a:p>
+            <a:pPr lvl="3"/>
+            <a:r>
+              <a:rPr lang="en-US" smtClean="0"/>
+              <a:t>Fourth level</a:t>
+            </a:r>
+          </a:p>
+          <a:p>
+            <a:pPr lvl="4"/>
+            <a:r>
+              <a:rPr lang="en-US" smtClean="0"/>
+              <a:t>Fifth level</a:t>
+            </a:r>
+            <a:endParaRPr lang="en-US" dirty="0"/>
+          </a:p>
+        </p:txBody>
+      </p:sp>
+      <p:sp>
+        <p:nvSpPr>
+          <p:cNvPr id="4" name="Date Placeholder 3"/>
+          <p:cNvSpPr>
+            <a:spLocks noGrp="1"/>
+          </p:cNvSpPr>
+          <p:nvPr>
+            <p:ph type="dt" sz="half" idx="10"/>
+          </p:nvPr>
+        </p:nvSpPr>
+        <p:spPr/>
+        <p:txBody>
+          <a:bodyPr/>
+          <a:lstStyle/>
+          <a:p>
+            <a:fld id="{3AF8BBF1-0960-4F0E-BBD3-56792029CCDE}" type="datetimeFigureOut">
+              <a:rPr lang="en-US" smtClean="0"/>
+              <a:t>5/4/2017</a:t>
+            </a:fld>
+            <a:endParaRPr lang="en-US"/>
+          </a:p>
+        </p:txBody>
+      </p:sp>
+      <p:sp>
+        <p:nvSpPr>
+          <p:cNvPr id="5" name="Footer Placeholder 4"/>
+          <p:cNvSpPr>
+            <a:spLocks noGrp="1"/>
+          </p:cNvSpPr>
+          <p:nvPr>
+            <p:ph type="ftr" sz="quarter" idx="11"/>
+          </p:nvPr>
+        </p:nvSpPr>
+        <p:spPr/>
+        <p:txBody>
+          <a:bodyPr/>
+          <a:lstStyle/>
+          <a:p>
+            <a:endParaRPr lang="en-US"/>
+          </a:p>
+        </p:txBody>
+      </p:sp>
+      <p:sp>
+        <p:nvSpPr>
+          <p:cNvPr id="6" name="Slide Number Placeholder 5"/>
+          <p:cNvSpPr>
+            <a:spLocks noGrp="1"/>
+          </p:cNvSpPr>
+          <p:nvPr>
+            <p:ph type="sldNum" sz="quarter" idx="12"/>
+          </p:nvPr>
+        </p:nvSpPr>
+        <p:spPr/>
+        <p:txBody>
+          <a:bodyPr/>
+          <a:lstStyle/>
+          <a:p>
+            <a:fld id="{7FBFDB88-2C04-4BF8-8E11-7466C4E4EAFC}" type="slidenum">
+              <a:rPr lang="en-US" smtClean="0"/>
+              <a:t>‹#›</a:t>
+            </a:fld>
+            <a:endParaRPr lang="en-US"/>
+          </a:p>
+        </p:txBody>
+      </p:sp>
+    </p:spTree>
+    <p:extLst>
+      <p:ext uri="{BB962C8B-B14F-4D97-AF65-F5344CB8AC3E}">
+        <p14:creationId xmlns:p14="http://schemas.microsoft.com/office/powerpoint/2010/main" val="3748519013"/>
+      </p:ext>
+    </p:extLst>
+  </p:cSld>
+  <p:clrMapOvr>
+    <a:masterClrMapping/>
+  </p:clrMapOvr>
+</p:sldLayout>
+</file>
+
+<file path=ppt/slideLayouts/slideLayout11.xml><?xml version="1.0" encoding="utf-8"?>
+<p:sldLayout xmlns:a="http://schemas.openxmlformats.org/drawingml/2006/main" xmlns:r="http://schemas.openxmlformats.org/officeDocument/2006/relationships" xmlns:p="http://schemas.openxmlformats.org/presentationml/2006/main" type="vertTitleAndTx" preserve="1">
+  <p:cSld name="Vertical Title and Text">
+    <p:spTree>
+      <p:nvGrpSpPr>
+        <p:cNvPr id="1" name=""/>
+        <p:cNvGrpSpPr/>
+        <p:nvPr/>
+      </p:nvGrpSpPr>
+      <p:grpSpPr>
+        <a:xfrm>
+          <a:off x="0" y="0"/>
+          <a:ext cx="0" cy="0"/>
+          <a:chOff x="0" y="0"/>
+          <a:chExt cx="0" cy="0"/>
+        </a:xfrm>
+      </p:grpSpPr>
+      <p:sp>
+        <p:nvSpPr>
+          <p:cNvPr id="2" name="Vertical Title 1"/>
+          <p:cNvSpPr>
+            <a:spLocks noGrp="1"/>
+          </p:cNvSpPr>
+          <p:nvPr>
+            <p:ph type="title" orient="vert"/>
+          </p:nvPr>
+        </p:nvSpPr>
+        <p:spPr>
+          <a:xfrm>
+            <a:off x="8724900" y="762000"/>
+            <a:ext cx="2628900" cy="5410200"/>
+          </a:xfrm>
+        </p:spPr>
+        <p:txBody>
+          <a:bodyPr vert="eaVert" lIns="45720" tIns="91440" rIns="45720" bIns="91440"/>
+          <a:lstStyle/>
+          <a:p>
+            <a:r>
+              <a:rPr lang="en-US" smtClean="0"/>
+              <a:t>Click to edit Master title style</a:t>
+            </a:r>
+            <a:endParaRPr lang="en-US" dirty="0"/>
+          </a:p>
+        </p:txBody>
+      </p:sp>
+      <p:sp>
+        <p:nvSpPr>
+          <p:cNvPr id="3" name="Vertical Text Placeholder 2"/>
+          <p:cNvSpPr>
+            <a:spLocks noGrp="1"/>
+          </p:cNvSpPr>
+          <p:nvPr>
+            <p:ph type="body" orient="vert" idx="1"/>
+          </p:nvPr>
+        </p:nvSpPr>
+        <p:spPr>
+          <a:xfrm>
+            <a:off x="990600" y="762000"/>
+            <a:ext cx="7581900" cy="5410200"/>
+          </a:xfrm>
+        </p:spPr>
+        <p:txBody>
+          <a:bodyPr vert="eaVert"/>
+          <a:lstStyle/>
+          <a:p>
+            <a:pPr lvl="0"/>
+            <a:r>
+              <a:rPr lang="en-US" smtClean="0"/>
+              <a:t>Click to edit Master text styles</a:t>
+            </a:r>
+          </a:p>
+          <a:p>
+            <a:pPr lvl="1"/>
+            <a:r>
+              <a:rPr lang="en-US" smtClean="0"/>
+              <a:t>Second level</a:t>
+            </a:r>
+          </a:p>
+          <a:p>
+            <a:pPr lvl="2"/>
+            <a:r>
+              <a:rPr lang="en-US" smtClean="0"/>
+              <a:t>Third level</a:t>
+            </a:r>
+          </a:p>
+          <a:p>
+            <a:pPr lvl="3"/>
+            <a:r>
+              <a:rPr lang="en-US" smtClean="0"/>
+              <a:t>Fourth level</a:t>
+            </a:r>
+          </a:p>
+          <a:p>
+            <a:pPr lvl="4"/>
+            <a:r>
+              <a:rPr lang="en-US" smtClean="0"/>
+              <a:t>Fifth level</a:t>
+            </a:r>
+            <a:endParaRPr lang="en-US" dirty="0"/>
+          </a:p>
+        </p:txBody>
+      </p:sp>
+      <p:sp>
+        <p:nvSpPr>
+          <p:cNvPr id="4" name="Date Placeholder 3"/>
+          <p:cNvSpPr>
+            <a:spLocks noGrp="1"/>
+          </p:cNvSpPr>
+          <p:nvPr>
+            <p:ph type="dt" sz="half" idx="10"/>
+          </p:nvPr>
+        </p:nvSpPr>
+        <p:spPr/>
+        <p:txBody>
+          <a:bodyPr/>
+          <a:lstStyle/>
+          <a:p>
+            <a:fld id="{3AF8BBF1-0960-4F0E-BBD3-56792029CCDE}" type="datetimeFigureOut">
+              <a:rPr lang="en-US" smtClean="0"/>
+              <a:t>5/4/2017</a:t>
+            </a:fld>
+            <a:endParaRPr lang="en-US"/>
+          </a:p>
+        </p:txBody>
+      </p:sp>
+      <p:sp>
+        <p:nvSpPr>
+          <p:cNvPr id="5" name="Footer Placeholder 4"/>
+          <p:cNvSpPr>
+            <a:spLocks noGrp="1"/>
+          </p:cNvSpPr>
+          <p:nvPr>
+            <p:ph type="ftr" sz="quarter" idx="11"/>
+          </p:nvPr>
+        </p:nvSpPr>
+        <p:spPr/>
+        <p:txBody>
+          <a:bodyPr/>
+          <a:lstStyle/>
+          <a:p>
+            <a:endParaRPr lang="en-US"/>
+          </a:p>
+        </p:txBody>
+      </p:sp>
+      <p:sp>
+        <p:nvSpPr>
+          <p:cNvPr id="6" name="Slide Number Placeholder 5"/>
+          <p:cNvSpPr>
+            <a:spLocks noGrp="1"/>
+          </p:cNvSpPr>
+          <p:nvPr>
+            <p:ph type="sldNum" sz="quarter" idx="12"/>
+          </p:nvPr>
+        </p:nvSpPr>
+        <p:spPr/>
+        <p:txBody>
+          <a:bodyPr/>
+          <a:lstStyle/>
+          <a:p>
+            <a:fld id="{7FBFDB88-2C04-4BF8-8E11-7466C4E4EAFC}" type="slidenum">
+              <a:rPr lang="en-US" smtClean="0"/>
+              <a:t>‹#›</a:t>
+            </a:fld>
+            <a:endParaRPr lang="en-US"/>
+          </a:p>
+        </p:txBody>
+      </p:sp>
+      <p:cxnSp>
+        <p:nvCxnSpPr>
+          <p:cNvPr id="7" name="Straight Connector 6"/>
+          <p:cNvCxnSpPr/>
+          <p:nvPr/>
+        </p:nvCxnSpPr>
+        <p:spPr>
+          <a:xfrm rot="5400000" flipV="1">
+            <a:off x="10058400" y="59263"/>
+            <a:ext cx="0" cy="914400"/>
+          </a:xfrm>
+          <a:prstGeom prst="line">
+            <a:avLst/>
+          </a:prstGeom>
+          <a:ln w="19050">
+            <a:solidFill>
+              <a:schemeClr val="accent2"/>
+            </a:solidFill>
+          </a:ln>
+        </p:spPr>
+        <p:style>
+          <a:lnRef idx="1">
+            <a:schemeClr val="accent1"/>
+          </a:lnRef>
+          <a:fillRef idx="0">
+            <a:schemeClr val="accent1"/>
+          </a:fillRef>
+          <a:effectRef idx="0">
+            <a:schemeClr val="accent1"/>
+          </a:effectRef>
+          <a:fontRef idx="minor">
+            <a:schemeClr val="tx1"/>
+          </a:fontRef>
+        </p:style>
+      </p:cxnSp>
+    </p:spTree>
+    <p:extLst>
+      <p:ext uri="{BB962C8B-B14F-4D97-AF65-F5344CB8AC3E}">
+        <p14:creationId xmlns:p14="http://schemas.microsoft.com/office/powerpoint/2010/main" val="3109305985"/>
+      </p:ext>
+    </p:extLst>
+  </p:cSld>
+  <p:clrMapOvr>
+    <a:masterClrMapping/>
+  </p:clrMapOvr>
+</p:sldLayout>
+</file>
+
+<file path=ppt/slideLayouts/slideLayout2.xml><?xml version="1.0" encoding="utf-8"?>
 <p:sldLayout xmlns:a="http://schemas.openxmlformats.org/drawingml/2006/main" xmlns:r="http://schemas.openxmlformats.org/officeDocument/2006/relationships" xmlns:p="http://schemas.openxmlformats.org/presentationml/2006/main" type="obj" preserve="1">
   <p:cSld name="Title and Content">
     <p:spTree>
@@ -1587,7 +1340,7 @@
           <a:p>
             <a:fld id="{3AF8BBF1-0960-4F0E-BBD3-56792029CCDE}" type="datetimeFigureOut">
               <a:rPr lang="en-US" smtClean="0"/>
-              <a:t>5/3/2017</a:t>
+              <a:t>5/4/2017</a:t>
             </a:fld>
             <a:endParaRPr lang="en-US"/>
           </a:p>
@@ -1648,8 +1401,8 @@
 </p:sldLayout>
 </file>
 
-<file path=ppt/slideLayouts/slideLayout14.xml><?xml version="1.0" encoding="utf-8"?>
-<p:sldLayout xmlns:a="http://schemas.openxmlformats.org/drawingml/2006/main" xmlns:r="http://schemas.openxmlformats.org/officeDocument/2006/relationships" xmlns:p="http://schemas.openxmlformats.org/presentationml/2006/main" showMasterSp="0" type="secHead" preserve="1">
+<file path=ppt/slideLayouts/slideLayout3.xml><?xml version="1.0" encoding="utf-8"?>
+<p:sldLayout xmlns:a="http://schemas.openxmlformats.org/drawingml/2006/main" xmlns:r="http://schemas.openxmlformats.org/officeDocument/2006/relationships" xmlns:p="http://schemas.openxmlformats.org/presentationml/2006/main" type="secHead" preserve="1">
   <p:cSld name="Section Header">
     <p:spTree>
       <p:nvGrpSpPr>
@@ -1882,7 +1635,7 @@
           <a:p>
             <a:fld id="{3AF8BBF1-0960-4F0E-BBD3-56792029CCDE}" type="datetimeFigureOut">
               <a:rPr lang="en-US" smtClean="0"/>
-              <a:t>5/3/2017</a:t>
+              <a:t>5/4/2017</a:t>
             </a:fld>
             <a:endParaRPr lang="en-US"/>
           </a:p>
@@ -1978,7 +1731,7 @@
 </p:sldLayout>
 </file>
 
-<file path=ppt/slideLayouts/slideLayout15.xml><?xml version="1.0" encoding="utf-8"?>
+<file path=ppt/slideLayouts/slideLayout4.xml><?xml version="1.0" encoding="utf-8"?>
 <p:sldLayout xmlns:a="http://schemas.openxmlformats.org/drawingml/2006/main" xmlns:r="http://schemas.openxmlformats.org/officeDocument/2006/relationships" xmlns:p="http://schemas.openxmlformats.org/presentationml/2006/main" type="twoObj" preserve="1">
   <p:cSld name="Two Content">
     <p:spTree>
@@ -2154,7 +1907,7 @@
           <a:p>
             <a:fld id="{3AF8BBF1-0960-4F0E-BBD3-56792029CCDE}" type="datetimeFigureOut">
               <a:rPr lang="en-US" smtClean="0"/>
-              <a:t>5/3/2017</a:t>
+              <a:t>5/4/2017</a:t>
             </a:fld>
             <a:endParaRPr lang="en-US"/>
           </a:p>
@@ -2215,7 +1968,7 @@
 </p:sldLayout>
 </file>
 
-<file path=ppt/slideLayouts/slideLayout16.xml><?xml version="1.0" encoding="utf-8"?>
+<file path=ppt/slideLayouts/slideLayout5.xml><?xml version="1.0" encoding="utf-8"?>
 <p:sldLayout xmlns:a="http://schemas.openxmlformats.org/drawingml/2006/main" xmlns:r="http://schemas.openxmlformats.org/officeDocument/2006/relationships" xmlns:p="http://schemas.openxmlformats.org/presentationml/2006/main" type="twoTxTwoObj" preserve="1">
   <p:cSld name="Comparison">
     <p:spTree>
@@ -2561,7 +2314,7 @@
           <a:p>
             <a:fld id="{3AF8BBF1-0960-4F0E-BBD3-56792029CCDE}" type="datetimeFigureOut">
               <a:rPr lang="en-US" smtClean="0"/>
-              <a:t>5/3/2017</a:t>
+              <a:t>5/4/2017</a:t>
             </a:fld>
             <a:endParaRPr lang="en-US"/>
           </a:p>
@@ -2622,7 +2375,7 @@
 </p:sldLayout>
 </file>
 
-<file path=ppt/slideLayouts/slideLayout17.xml><?xml version="1.0" encoding="utf-8"?>
+<file path=ppt/slideLayouts/slideLayout6.xml><?xml version="1.0" encoding="utf-8"?>
 <p:sldLayout xmlns:a="http://schemas.openxmlformats.org/drawingml/2006/main" xmlns:r="http://schemas.openxmlformats.org/officeDocument/2006/relationships" xmlns:p="http://schemas.openxmlformats.org/presentationml/2006/main" type="titleOnly" preserve="1">
   <p:cSld name="Title Only">
     <p:spTree>
@@ -2679,7 +2432,7 @@
           <a:p>
             <a:fld id="{3AF8BBF1-0960-4F0E-BBD3-56792029CCDE}" type="datetimeFigureOut">
               <a:rPr lang="en-US" smtClean="0"/>
-              <a:t>5/3/2017</a:t>
+              <a:t>5/4/2017</a:t>
             </a:fld>
             <a:endParaRPr lang="en-US"/>
           </a:p>
@@ -2740,8 +2493,8 @@
 </p:sldLayout>
 </file>
 
-<file path=ppt/slideLayouts/slideLayout18.xml><?xml version="1.0" encoding="utf-8"?>
-<p:sldLayout xmlns:a="http://schemas.openxmlformats.org/drawingml/2006/main" xmlns:r="http://schemas.openxmlformats.org/officeDocument/2006/relationships" xmlns:p="http://schemas.openxmlformats.org/presentationml/2006/main" showMasterSp="0" type="blank" preserve="1">
+<file path=ppt/slideLayouts/slideLayout7.xml><?xml version="1.0" encoding="utf-8"?>
+<p:sldLayout xmlns:a="http://schemas.openxmlformats.org/drawingml/2006/main" xmlns:r="http://schemas.openxmlformats.org/officeDocument/2006/relationships" xmlns:p="http://schemas.openxmlformats.org/presentationml/2006/main" type="blank" preserve="1">
   <p:cSld name="Blank">
     <p:spTree>
       <p:nvGrpSpPr>
@@ -2774,7 +2527,7 @@
           <a:p>
             <a:fld id="{3AF8BBF1-0960-4F0E-BBD3-56792029CCDE}" type="datetimeFigureOut">
               <a:rPr lang="en-US" smtClean="0"/>
-              <a:t>5/3/2017</a:t>
+              <a:t>5/4/2017</a:t>
             </a:fld>
             <a:endParaRPr lang="en-US"/>
           </a:p>
@@ -2835,7 +2588,7 @@
 </p:sldLayout>
 </file>
 
-<file path=ppt/slideLayouts/slideLayout19.xml><?xml version="1.0" encoding="utf-8"?>
+<file path=ppt/slideLayouts/slideLayout8.xml><?xml version="1.0" encoding="utf-8"?>
 <p:sldLayout xmlns:a="http://schemas.openxmlformats.org/drawingml/2006/main" xmlns:r="http://schemas.openxmlformats.org/officeDocument/2006/relationships" xmlns:p="http://schemas.openxmlformats.org/presentationml/2006/main" type="objTx" preserve="1">
   <p:cSld name="Content with Caption">
     <p:spTree>
@@ -3064,7 +2817,7 @@
           <a:p>
             <a:fld id="{3AF8BBF1-0960-4F0E-BBD3-56792029CCDE}" type="datetimeFigureOut">
               <a:rPr lang="en-US" smtClean="0"/>
-              <a:t>5/3/2017</a:t>
+              <a:t>5/4/2017</a:t>
             </a:fld>
             <a:endParaRPr lang="en-US"/>
           </a:p>
@@ -3125,210 +2878,8 @@
 </p:sldLayout>
 </file>
 
-<file path=ppt/slideLayouts/slideLayout2.xml><?xml version="1.0" encoding="utf-8"?>
-<p:sldLayout xmlns:a="http://schemas.openxmlformats.org/drawingml/2006/main" xmlns:r="http://schemas.openxmlformats.org/officeDocument/2006/relationships" xmlns:p="http://schemas.openxmlformats.org/presentationml/2006/main" type="obj" preserve="1">
-  <p:cSld name="Title and Content">
-    <p:spTree>
-      <p:nvGrpSpPr>
-        <p:cNvPr id="1" name=""/>
-        <p:cNvGrpSpPr/>
-        <p:nvPr/>
-      </p:nvGrpSpPr>
-      <p:grpSpPr>
-        <a:xfrm>
-          <a:off x="0" y="0"/>
-          <a:ext cx="0" cy="0"/>
-          <a:chOff x="0" y="0"/>
-          <a:chExt cx="0" cy="0"/>
-        </a:xfrm>
-      </p:grpSpPr>
-      <p:sp>
-        <p:nvSpPr>
-          <p:cNvPr id="2" name="Title 1"/>
-          <p:cNvSpPr>
-            <a:spLocks noGrp="1"/>
-          </p:cNvSpPr>
-          <p:nvPr>
-            <p:ph type="title"/>
-          </p:nvPr>
-        </p:nvSpPr>
-        <p:spPr/>
-        <p:txBody>
-          <a:bodyPr/>
-          <a:lstStyle/>
-          <a:p>
-            <a:r>
-              <a:rPr lang="en-US" altLang="zh-TW"/>
-              <a:t>Click to edit Master title style</a:t>
-            </a:r>
-            <a:endParaRPr lang="zh-TW" altLang="en-US"/>
-          </a:p>
-        </p:txBody>
-      </p:sp>
-      <p:sp>
-        <p:nvSpPr>
-          <p:cNvPr id="3" name="Content Placeholder 2"/>
-          <p:cNvSpPr>
-            <a:spLocks noGrp="1"/>
-          </p:cNvSpPr>
-          <p:nvPr>
-            <p:ph idx="1"/>
-          </p:nvPr>
-        </p:nvSpPr>
-        <p:spPr/>
-        <p:txBody>
-          <a:bodyPr/>
-          <a:lstStyle/>
-          <a:p>
-            <a:pPr lvl="0"/>
-            <a:r>
-              <a:rPr lang="en-US" altLang="zh-TW"/>
-              <a:t>Edit Master text styles</a:t>
-            </a:r>
-          </a:p>
-          <a:p>
-            <a:pPr lvl="1"/>
-            <a:r>
-              <a:rPr lang="en-US" altLang="zh-TW"/>
-              <a:t>Second level</a:t>
-            </a:r>
-          </a:p>
-          <a:p>
-            <a:pPr lvl="2"/>
-            <a:r>
-              <a:rPr lang="en-US" altLang="zh-TW"/>
-              <a:t>Third level</a:t>
-            </a:r>
-          </a:p>
-          <a:p>
-            <a:pPr lvl="3"/>
-            <a:r>
-              <a:rPr lang="en-US" altLang="zh-TW"/>
-              <a:t>Fourth level</a:t>
-            </a:r>
-          </a:p>
-          <a:p>
-            <a:pPr lvl="4"/>
-            <a:r>
-              <a:rPr lang="en-US" altLang="zh-TW"/>
-              <a:t>Fifth level</a:t>
-            </a:r>
-            <a:endParaRPr lang="zh-TW" altLang="en-US"/>
-          </a:p>
-        </p:txBody>
-      </p:sp>
-      <p:sp>
-        <p:nvSpPr>
-          <p:cNvPr id="4" name="Date Placeholder 3"/>
-          <p:cNvSpPr>
-            <a:spLocks noGrp="1"/>
-          </p:cNvSpPr>
-          <p:nvPr>
-            <p:ph type="dt" sz="half" idx="10"/>
-          </p:nvPr>
-        </p:nvSpPr>
-        <p:spPr/>
-        <p:txBody>
-          <a:bodyPr/>
-          <a:lstStyle/>
-          <a:p>
-            <a:fld id="{17DF1E68-0589-4AB3-A6BD-B973EB6370BF}" type="datetimeFigureOut">
-              <a:rPr lang="zh-TW" altLang="en-US" smtClean="0">
-                <a:solidFill>
-                  <a:prstClr val="black">
-                    <a:tint val="75000"/>
-                  </a:prstClr>
-                </a:solidFill>
-              </a:rPr>
-              <a:pPr/>
-              <a:t>2017/5/3</a:t>
-            </a:fld>
-            <a:endParaRPr lang="zh-TW" altLang="en-US">
-              <a:solidFill>
-                <a:prstClr val="black">
-                  <a:tint val="75000"/>
-                </a:prstClr>
-              </a:solidFill>
-            </a:endParaRPr>
-          </a:p>
-        </p:txBody>
-      </p:sp>
-      <p:sp>
-        <p:nvSpPr>
-          <p:cNvPr id="5" name="Footer Placeholder 4"/>
-          <p:cNvSpPr>
-            <a:spLocks noGrp="1"/>
-          </p:cNvSpPr>
-          <p:nvPr>
-            <p:ph type="ftr" sz="quarter" idx="11"/>
-          </p:nvPr>
-        </p:nvSpPr>
-        <p:spPr/>
-        <p:txBody>
-          <a:bodyPr/>
-          <a:lstStyle/>
-          <a:p>
-            <a:endParaRPr lang="zh-TW" altLang="en-US">
-              <a:solidFill>
-                <a:prstClr val="black">
-                  <a:tint val="75000"/>
-                </a:prstClr>
-              </a:solidFill>
-            </a:endParaRPr>
-          </a:p>
-        </p:txBody>
-      </p:sp>
-      <p:sp>
-        <p:nvSpPr>
-          <p:cNvPr id="6" name="Slide Number Placeholder 5"/>
-          <p:cNvSpPr>
-            <a:spLocks noGrp="1"/>
-          </p:cNvSpPr>
-          <p:nvPr>
-            <p:ph type="sldNum" sz="quarter" idx="12"/>
-          </p:nvPr>
-        </p:nvSpPr>
-        <p:spPr/>
-        <p:txBody>
-          <a:bodyPr/>
-          <a:lstStyle/>
-          <a:p>
-            <a:fld id="{E32D4240-BCF3-4973-A51B-7B4F8665E35F}" type="slidenum">
-              <a:rPr lang="zh-TW" altLang="en-US" smtClean="0">
-                <a:solidFill>
-                  <a:prstClr val="black">
-                    <a:tint val="75000"/>
-                  </a:prstClr>
-                </a:solidFill>
-              </a:rPr>
-              <a:pPr/>
-              <a:t>‹#›</a:t>
-            </a:fld>
-            <a:endParaRPr lang="zh-TW" altLang="en-US">
-              <a:solidFill>
-                <a:prstClr val="black">
-                  <a:tint val="75000"/>
-                </a:prstClr>
-              </a:solidFill>
-            </a:endParaRPr>
-          </a:p>
-        </p:txBody>
-      </p:sp>
-    </p:spTree>
-    <p:extLst>
-      <p:ext uri="{BB962C8B-B14F-4D97-AF65-F5344CB8AC3E}">
-        <p14:creationId xmlns:p14="http://schemas.microsoft.com/office/powerpoint/2010/main" val="1620641186"/>
-      </p:ext>
-    </p:extLst>
-  </p:cSld>
-  <p:clrMapOvr>
-    <a:masterClrMapping/>
-  </p:clrMapOvr>
-</p:sldLayout>
-</file>
-
-<file path=ppt/slideLayouts/slideLayout20.xml><?xml version="1.0" encoding="utf-8"?>
-<p:sldLayout xmlns:a="http://schemas.openxmlformats.org/drawingml/2006/main" xmlns:r="http://schemas.openxmlformats.org/officeDocument/2006/relationships" xmlns:p="http://schemas.openxmlformats.org/presentationml/2006/main" showMasterSp="0" type="picTx" preserve="1">
+<file path=ppt/slideLayouts/slideLayout9.xml><?xml version="1.0" encoding="utf-8"?>
+<p:sldLayout xmlns:a="http://schemas.openxmlformats.org/drawingml/2006/main" xmlns:r="http://schemas.openxmlformats.org/officeDocument/2006/relationships" xmlns:p="http://schemas.openxmlformats.org/presentationml/2006/main" type="picTx" preserve="1">
   <p:cSld name="Picture with Caption">
     <p:spTree>
       <p:nvGrpSpPr>
@@ -3546,7 +3097,7 @@
           <a:p>
             <a:fld id="{3AF8BBF1-0960-4F0E-BBD3-56792029CCDE}" type="datetimeFigureOut">
               <a:rPr lang="en-US" smtClean="0"/>
-              <a:t>5/3/2017</a:t>
+              <a:t>5/4/2017</a:t>
             </a:fld>
             <a:endParaRPr lang="en-US"/>
           </a:p>
@@ -3642,2210 +3193,16 @@
 </p:sldLayout>
 </file>
 
-<file path=ppt/slideLayouts/slideLayout21.xml><?xml version="1.0" encoding="utf-8"?>
-<p:sldLayout xmlns:a="http://schemas.openxmlformats.org/drawingml/2006/main" xmlns:r="http://schemas.openxmlformats.org/officeDocument/2006/relationships" xmlns:p="http://schemas.openxmlformats.org/presentationml/2006/main" type="vertTx" preserve="1">
-  <p:cSld name="Title and Vertical Text">
-    <p:spTree>
-      <p:nvGrpSpPr>
-        <p:cNvPr id="1" name=""/>
-        <p:cNvGrpSpPr/>
-        <p:nvPr/>
-      </p:nvGrpSpPr>
-      <p:grpSpPr>
-        <a:xfrm>
-          <a:off x="0" y="0"/>
-          <a:ext cx="0" cy="0"/>
-          <a:chOff x="0" y="0"/>
-          <a:chExt cx="0" cy="0"/>
-        </a:xfrm>
-      </p:grpSpPr>
-      <p:sp>
-        <p:nvSpPr>
-          <p:cNvPr id="2" name="Title 1"/>
-          <p:cNvSpPr>
-            <a:spLocks noGrp="1"/>
-          </p:cNvSpPr>
-          <p:nvPr>
-            <p:ph type="title"/>
-          </p:nvPr>
-        </p:nvSpPr>
-        <p:spPr/>
-        <p:txBody>
-          <a:bodyPr/>
-          <a:lstStyle/>
-          <a:p>
-            <a:r>
-              <a:rPr lang="en-US" smtClean="0"/>
-              <a:t>Click to edit Master title style</a:t>
-            </a:r>
-            <a:endParaRPr lang="en-US" dirty="0"/>
-          </a:p>
-        </p:txBody>
-      </p:sp>
-      <p:sp>
-        <p:nvSpPr>
-          <p:cNvPr id="3" name="Vertical Text Placeholder 2"/>
-          <p:cNvSpPr>
-            <a:spLocks noGrp="1"/>
-          </p:cNvSpPr>
-          <p:nvPr>
-            <p:ph type="body" orient="vert" idx="1"/>
-          </p:nvPr>
-        </p:nvSpPr>
-        <p:spPr/>
-        <p:txBody>
-          <a:bodyPr vert="eaVert"/>
-          <a:lstStyle/>
-          <a:p>
-            <a:pPr lvl="0"/>
-            <a:r>
-              <a:rPr lang="en-US" smtClean="0"/>
-              <a:t>Click to edit Master text styles</a:t>
-            </a:r>
-          </a:p>
-          <a:p>
-            <a:pPr lvl="1"/>
-            <a:r>
-              <a:rPr lang="en-US" smtClean="0"/>
-              <a:t>Second level</a:t>
-            </a:r>
-          </a:p>
-          <a:p>
-            <a:pPr lvl="2"/>
-            <a:r>
-              <a:rPr lang="en-US" smtClean="0"/>
-              <a:t>Third level</a:t>
-            </a:r>
-          </a:p>
-          <a:p>
-            <a:pPr lvl="3"/>
-            <a:r>
-              <a:rPr lang="en-US" smtClean="0"/>
-              <a:t>Fourth level</a:t>
-            </a:r>
-          </a:p>
-          <a:p>
-            <a:pPr lvl="4"/>
-            <a:r>
-              <a:rPr lang="en-US" smtClean="0"/>
-              <a:t>Fifth level</a:t>
-            </a:r>
-            <a:endParaRPr lang="en-US" dirty="0"/>
-          </a:p>
-        </p:txBody>
-      </p:sp>
-      <p:sp>
-        <p:nvSpPr>
-          <p:cNvPr id="4" name="Date Placeholder 3"/>
-          <p:cNvSpPr>
-            <a:spLocks noGrp="1"/>
-          </p:cNvSpPr>
-          <p:nvPr>
-            <p:ph type="dt" sz="half" idx="10"/>
-          </p:nvPr>
-        </p:nvSpPr>
-        <p:spPr/>
-        <p:txBody>
-          <a:bodyPr/>
-          <a:lstStyle/>
-          <a:p>
-            <a:fld id="{3AF8BBF1-0960-4F0E-BBD3-56792029CCDE}" type="datetimeFigureOut">
-              <a:rPr lang="en-US" smtClean="0"/>
-              <a:t>5/3/2017</a:t>
-            </a:fld>
-            <a:endParaRPr lang="en-US"/>
-          </a:p>
-        </p:txBody>
-      </p:sp>
-      <p:sp>
-        <p:nvSpPr>
-          <p:cNvPr id="5" name="Footer Placeholder 4"/>
-          <p:cNvSpPr>
-            <a:spLocks noGrp="1"/>
-          </p:cNvSpPr>
-          <p:nvPr>
-            <p:ph type="ftr" sz="quarter" idx="11"/>
-          </p:nvPr>
-        </p:nvSpPr>
-        <p:spPr/>
-        <p:txBody>
-          <a:bodyPr/>
-          <a:lstStyle/>
-          <a:p>
-            <a:endParaRPr lang="en-US"/>
-          </a:p>
-        </p:txBody>
-      </p:sp>
-      <p:sp>
-        <p:nvSpPr>
-          <p:cNvPr id="6" name="Slide Number Placeholder 5"/>
-          <p:cNvSpPr>
-            <a:spLocks noGrp="1"/>
-          </p:cNvSpPr>
-          <p:nvPr>
-            <p:ph type="sldNum" sz="quarter" idx="12"/>
-          </p:nvPr>
-        </p:nvSpPr>
-        <p:spPr/>
-        <p:txBody>
-          <a:bodyPr/>
-          <a:lstStyle/>
-          <a:p>
-            <a:fld id="{7FBFDB88-2C04-4BF8-8E11-7466C4E4EAFC}" type="slidenum">
-              <a:rPr lang="en-US" smtClean="0"/>
-              <a:t>‹#›</a:t>
-            </a:fld>
-            <a:endParaRPr lang="en-US"/>
-          </a:p>
-        </p:txBody>
-      </p:sp>
-    </p:spTree>
-    <p:extLst>
-      <p:ext uri="{BB962C8B-B14F-4D97-AF65-F5344CB8AC3E}">
-        <p14:creationId xmlns:p14="http://schemas.microsoft.com/office/powerpoint/2010/main" val="3748519013"/>
-      </p:ext>
-    </p:extLst>
-  </p:cSld>
-  <p:clrMapOvr>
-    <a:masterClrMapping/>
-  </p:clrMapOvr>
-</p:sldLayout>
-</file>
-
-<file path=ppt/slideLayouts/slideLayout22.xml><?xml version="1.0" encoding="utf-8"?>
-<p:sldLayout xmlns:a="http://schemas.openxmlformats.org/drawingml/2006/main" xmlns:r="http://schemas.openxmlformats.org/officeDocument/2006/relationships" xmlns:p="http://schemas.openxmlformats.org/presentationml/2006/main" showMasterSp="0" type="vertTitleAndTx" preserve="1">
-  <p:cSld name="Vertical Title and Text">
-    <p:spTree>
-      <p:nvGrpSpPr>
-        <p:cNvPr id="1" name=""/>
-        <p:cNvGrpSpPr/>
-        <p:nvPr/>
-      </p:nvGrpSpPr>
-      <p:grpSpPr>
-        <a:xfrm>
-          <a:off x="0" y="0"/>
-          <a:ext cx="0" cy="0"/>
-          <a:chOff x="0" y="0"/>
-          <a:chExt cx="0" cy="0"/>
-        </a:xfrm>
-      </p:grpSpPr>
-      <p:sp>
-        <p:nvSpPr>
-          <p:cNvPr id="2" name="Vertical Title 1"/>
-          <p:cNvSpPr>
-            <a:spLocks noGrp="1"/>
-          </p:cNvSpPr>
-          <p:nvPr>
-            <p:ph type="title" orient="vert"/>
-          </p:nvPr>
-        </p:nvSpPr>
-        <p:spPr>
-          <a:xfrm>
-            <a:off x="8724900" y="762000"/>
-            <a:ext cx="2628900" cy="5410200"/>
-          </a:xfrm>
-        </p:spPr>
-        <p:txBody>
-          <a:bodyPr vert="eaVert" lIns="45720" tIns="91440" rIns="45720" bIns="91440"/>
-          <a:lstStyle/>
-          <a:p>
-            <a:r>
-              <a:rPr lang="en-US" smtClean="0"/>
-              <a:t>Click to edit Master title style</a:t>
-            </a:r>
-            <a:endParaRPr lang="en-US" dirty="0"/>
-          </a:p>
-        </p:txBody>
-      </p:sp>
-      <p:sp>
-        <p:nvSpPr>
-          <p:cNvPr id="3" name="Vertical Text Placeholder 2"/>
-          <p:cNvSpPr>
-            <a:spLocks noGrp="1"/>
-          </p:cNvSpPr>
-          <p:nvPr>
-            <p:ph type="body" orient="vert" idx="1"/>
-          </p:nvPr>
-        </p:nvSpPr>
-        <p:spPr>
-          <a:xfrm>
-            <a:off x="990600" y="762000"/>
-            <a:ext cx="7581900" cy="5410200"/>
-          </a:xfrm>
-        </p:spPr>
-        <p:txBody>
-          <a:bodyPr vert="eaVert"/>
-          <a:lstStyle/>
-          <a:p>
-            <a:pPr lvl="0"/>
-            <a:r>
-              <a:rPr lang="en-US" smtClean="0"/>
-              <a:t>Click to edit Master text styles</a:t>
-            </a:r>
-          </a:p>
-          <a:p>
-            <a:pPr lvl="1"/>
-            <a:r>
-              <a:rPr lang="en-US" smtClean="0"/>
-              <a:t>Second level</a:t>
-            </a:r>
-          </a:p>
-          <a:p>
-            <a:pPr lvl="2"/>
-            <a:r>
-              <a:rPr lang="en-US" smtClean="0"/>
-              <a:t>Third level</a:t>
-            </a:r>
-          </a:p>
-          <a:p>
-            <a:pPr lvl="3"/>
-            <a:r>
-              <a:rPr lang="en-US" smtClean="0"/>
-              <a:t>Fourth level</a:t>
-            </a:r>
-          </a:p>
-          <a:p>
-            <a:pPr lvl="4"/>
-            <a:r>
-              <a:rPr lang="en-US" smtClean="0"/>
-              <a:t>Fifth level</a:t>
-            </a:r>
-            <a:endParaRPr lang="en-US" dirty="0"/>
-          </a:p>
-        </p:txBody>
-      </p:sp>
-      <p:sp>
-        <p:nvSpPr>
-          <p:cNvPr id="4" name="Date Placeholder 3"/>
-          <p:cNvSpPr>
-            <a:spLocks noGrp="1"/>
-          </p:cNvSpPr>
-          <p:nvPr>
-            <p:ph type="dt" sz="half" idx="10"/>
-          </p:nvPr>
-        </p:nvSpPr>
-        <p:spPr/>
-        <p:txBody>
-          <a:bodyPr/>
-          <a:lstStyle/>
-          <a:p>
-            <a:fld id="{3AF8BBF1-0960-4F0E-BBD3-56792029CCDE}" type="datetimeFigureOut">
-              <a:rPr lang="en-US" smtClean="0"/>
-              <a:t>5/3/2017</a:t>
-            </a:fld>
-            <a:endParaRPr lang="en-US"/>
-          </a:p>
-        </p:txBody>
-      </p:sp>
-      <p:sp>
-        <p:nvSpPr>
-          <p:cNvPr id="5" name="Footer Placeholder 4"/>
-          <p:cNvSpPr>
-            <a:spLocks noGrp="1"/>
-          </p:cNvSpPr>
-          <p:nvPr>
-            <p:ph type="ftr" sz="quarter" idx="11"/>
-          </p:nvPr>
-        </p:nvSpPr>
-        <p:spPr/>
-        <p:txBody>
-          <a:bodyPr/>
-          <a:lstStyle/>
-          <a:p>
-            <a:endParaRPr lang="en-US"/>
-          </a:p>
-        </p:txBody>
-      </p:sp>
-      <p:sp>
-        <p:nvSpPr>
-          <p:cNvPr id="6" name="Slide Number Placeholder 5"/>
-          <p:cNvSpPr>
-            <a:spLocks noGrp="1"/>
-          </p:cNvSpPr>
-          <p:nvPr>
-            <p:ph type="sldNum" sz="quarter" idx="12"/>
-          </p:nvPr>
-        </p:nvSpPr>
-        <p:spPr/>
-        <p:txBody>
-          <a:bodyPr/>
-          <a:lstStyle/>
-          <a:p>
-            <a:fld id="{7FBFDB88-2C04-4BF8-8E11-7466C4E4EAFC}" type="slidenum">
-              <a:rPr lang="en-US" smtClean="0"/>
-              <a:t>‹#›</a:t>
-            </a:fld>
-            <a:endParaRPr lang="en-US"/>
-          </a:p>
-        </p:txBody>
-      </p:sp>
-      <p:cxnSp>
-        <p:nvCxnSpPr>
-          <p:cNvPr id="7" name="Straight Connector 6"/>
-          <p:cNvCxnSpPr/>
-          <p:nvPr/>
-        </p:nvCxnSpPr>
-        <p:spPr>
-          <a:xfrm rot="5400000" flipV="1">
-            <a:off x="10058400" y="59263"/>
-            <a:ext cx="0" cy="914400"/>
-          </a:xfrm>
-          <a:prstGeom prst="line">
-            <a:avLst/>
-          </a:prstGeom>
-          <a:ln w="19050">
-            <a:solidFill>
-              <a:schemeClr val="accent2"/>
-            </a:solidFill>
-          </a:ln>
-        </p:spPr>
-        <p:style>
-          <a:lnRef idx="1">
-            <a:schemeClr val="accent1"/>
-          </a:lnRef>
-          <a:fillRef idx="0">
-            <a:schemeClr val="accent1"/>
-          </a:fillRef>
-          <a:effectRef idx="0">
-            <a:schemeClr val="accent1"/>
-          </a:effectRef>
-          <a:fontRef idx="minor">
-            <a:schemeClr val="tx1"/>
-          </a:fontRef>
-        </p:style>
-      </p:cxnSp>
-    </p:spTree>
-    <p:extLst>
-      <p:ext uri="{BB962C8B-B14F-4D97-AF65-F5344CB8AC3E}">
-        <p14:creationId xmlns:p14="http://schemas.microsoft.com/office/powerpoint/2010/main" val="3109305985"/>
-      </p:ext>
-    </p:extLst>
-  </p:cSld>
-  <p:clrMapOvr>
-    <a:masterClrMapping/>
-  </p:clrMapOvr>
-</p:sldLayout>
-</file>
-
-<file path=ppt/slideLayouts/slideLayout3.xml><?xml version="1.0" encoding="utf-8"?>
-<p:sldLayout xmlns:a="http://schemas.openxmlformats.org/drawingml/2006/main" xmlns:r="http://schemas.openxmlformats.org/officeDocument/2006/relationships" xmlns:p="http://schemas.openxmlformats.org/presentationml/2006/main" type="secHead" preserve="1">
-  <p:cSld name="Section Header">
-    <p:spTree>
-      <p:nvGrpSpPr>
-        <p:cNvPr id="1" name=""/>
-        <p:cNvGrpSpPr/>
-        <p:nvPr/>
-      </p:nvGrpSpPr>
-      <p:grpSpPr>
-        <a:xfrm>
-          <a:off x="0" y="0"/>
-          <a:ext cx="0" cy="0"/>
-          <a:chOff x="0" y="0"/>
-          <a:chExt cx="0" cy="0"/>
-        </a:xfrm>
-      </p:grpSpPr>
-      <p:sp>
-        <p:nvSpPr>
-          <p:cNvPr id="2" name="Title 1"/>
-          <p:cNvSpPr>
-            <a:spLocks noGrp="1"/>
-          </p:cNvSpPr>
-          <p:nvPr>
-            <p:ph type="title"/>
-          </p:nvPr>
-        </p:nvSpPr>
-        <p:spPr>
-          <a:xfrm>
-            <a:off x="831850" y="1709738"/>
-            <a:ext cx="10515600" cy="2852737"/>
-          </a:xfrm>
-        </p:spPr>
-        <p:txBody>
-          <a:bodyPr anchor="b"/>
-          <a:lstStyle>
-            <a:lvl1pPr>
-              <a:defRPr sz="6000"/>
-            </a:lvl1pPr>
-          </a:lstStyle>
-          <a:p>
-            <a:r>
-              <a:rPr lang="en-US" altLang="zh-TW"/>
-              <a:t>Click to edit Master title style</a:t>
-            </a:r>
-            <a:endParaRPr lang="zh-TW" altLang="en-US"/>
-          </a:p>
-        </p:txBody>
-      </p:sp>
-      <p:sp>
-        <p:nvSpPr>
-          <p:cNvPr id="3" name="Text Placeholder 2"/>
-          <p:cNvSpPr>
-            <a:spLocks noGrp="1"/>
-          </p:cNvSpPr>
-          <p:nvPr>
-            <p:ph type="body" idx="1"/>
-          </p:nvPr>
-        </p:nvSpPr>
-        <p:spPr>
-          <a:xfrm>
-            <a:off x="831850" y="4589463"/>
-            <a:ext cx="10515600" cy="1500187"/>
-          </a:xfrm>
-        </p:spPr>
-        <p:txBody>
-          <a:bodyPr/>
-          <a:lstStyle>
-            <a:lvl1pPr marL="0" indent="0">
-              <a:buNone/>
-              <a:defRPr sz="2400">
-                <a:solidFill>
-                  <a:schemeClr val="tx1">
-                    <a:tint val="75000"/>
-                  </a:schemeClr>
-                </a:solidFill>
-              </a:defRPr>
-            </a:lvl1pPr>
-            <a:lvl2pPr marL="457200" indent="0">
-              <a:buNone/>
-              <a:defRPr sz="2000">
-                <a:solidFill>
-                  <a:schemeClr val="tx1">
-                    <a:tint val="75000"/>
-                  </a:schemeClr>
-                </a:solidFill>
-              </a:defRPr>
-            </a:lvl2pPr>
-            <a:lvl3pPr marL="914400" indent="0">
-              <a:buNone/>
-              <a:defRPr sz="1800">
-                <a:solidFill>
-                  <a:schemeClr val="tx1">
-                    <a:tint val="75000"/>
-                  </a:schemeClr>
-                </a:solidFill>
-              </a:defRPr>
-            </a:lvl3pPr>
-            <a:lvl4pPr marL="1371600" indent="0">
-              <a:buNone/>
-              <a:defRPr sz="1600">
-                <a:solidFill>
-                  <a:schemeClr val="tx1">
-                    <a:tint val="75000"/>
-                  </a:schemeClr>
-                </a:solidFill>
-              </a:defRPr>
-            </a:lvl4pPr>
-            <a:lvl5pPr marL="1828800" indent="0">
-              <a:buNone/>
-              <a:defRPr sz="1600">
-                <a:solidFill>
-                  <a:schemeClr val="tx1">
-                    <a:tint val="75000"/>
-                  </a:schemeClr>
-                </a:solidFill>
-              </a:defRPr>
-            </a:lvl5pPr>
-            <a:lvl6pPr marL="2286000" indent="0">
-              <a:buNone/>
-              <a:defRPr sz="1600">
-                <a:solidFill>
-                  <a:schemeClr val="tx1">
-                    <a:tint val="75000"/>
-                  </a:schemeClr>
-                </a:solidFill>
-              </a:defRPr>
-            </a:lvl6pPr>
-            <a:lvl7pPr marL="2743200" indent="0">
-              <a:buNone/>
-              <a:defRPr sz="1600">
-                <a:solidFill>
-                  <a:schemeClr val="tx1">
-                    <a:tint val="75000"/>
-                  </a:schemeClr>
-                </a:solidFill>
-              </a:defRPr>
-            </a:lvl7pPr>
-            <a:lvl8pPr marL="3200400" indent="0">
-              <a:buNone/>
-              <a:defRPr sz="1600">
-                <a:solidFill>
-                  <a:schemeClr val="tx1">
-                    <a:tint val="75000"/>
-                  </a:schemeClr>
-                </a:solidFill>
-              </a:defRPr>
-            </a:lvl8pPr>
-            <a:lvl9pPr marL="3657600" indent="0">
-              <a:buNone/>
-              <a:defRPr sz="1600">
-                <a:solidFill>
-                  <a:schemeClr val="tx1">
-                    <a:tint val="75000"/>
-                  </a:schemeClr>
-                </a:solidFill>
-              </a:defRPr>
-            </a:lvl9pPr>
-          </a:lstStyle>
-          <a:p>
-            <a:pPr lvl="0"/>
-            <a:r>
-              <a:rPr lang="en-US" altLang="zh-TW"/>
-              <a:t>Edit Master text styles</a:t>
-            </a:r>
-          </a:p>
-        </p:txBody>
-      </p:sp>
-      <p:sp>
-        <p:nvSpPr>
-          <p:cNvPr id="4" name="Date Placeholder 3"/>
-          <p:cNvSpPr>
-            <a:spLocks noGrp="1"/>
-          </p:cNvSpPr>
-          <p:nvPr>
-            <p:ph type="dt" sz="half" idx="10"/>
-          </p:nvPr>
-        </p:nvSpPr>
-        <p:spPr/>
-        <p:txBody>
-          <a:bodyPr/>
-          <a:lstStyle/>
-          <a:p>
-            <a:fld id="{17DF1E68-0589-4AB3-A6BD-B973EB6370BF}" type="datetimeFigureOut">
-              <a:rPr lang="zh-TW" altLang="en-US" smtClean="0">
-                <a:solidFill>
-                  <a:prstClr val="black">
-                    <a:tint val="75000"/>
-                  </a:prstClr>
-                </a:solidFill>
-              </a:rPr>
-              <a:pPr/>
-              <a:t>2017/5/3</a:t>
-            </a:fld>
-            <a:endParaRPr lang="zh-TW" altLang="en-US">
-              <a:solidFill>
-                <a:prstClr val="black">
-                  <a:tint val="75000"/>
-                </a:prstClr>
-              </a:solidFill>
-            </a:endParaRPr>
-          </a:p>
-        </p:txBody>
-      </p:sp>
-      <p:sp>
-        <p:nvSpPr>
-          <p:cNvPr id="5" name="Footer Placeholder 4"/>
-          <p:cNvSpPr>
-            <a:spLocks noGrp="1"/>
-          </p:cNvSpPr>
-          <p:nvPr>
-            <p:ph type="ftr" sz="quarter" idx="11"/>
-          </p:nvPr>
-        </p:nvSpPr>
-        <p:spPr/>
-        <p:txBody>
-          <a:bodyPr/>
-          <a:lstStyle/>
-          <a:p>
-            <a:endParaRPr lang="zh-TW" altLang="en-US">
-              <a:solidFill>
-                <a:prstClr val="black">
-                  <a:tint val="75000"/>
-                </a:prstClr>
-              </a:solidFill>
-            </a:endParaRPr>
-          </a:p>
-        </p:txBody>
-      </p:sp>
-      <p:sp>
-        <p:nvSpPr>
-          <p:cNvPr id="6" name="Slide Number Placeholder 5"/>
-          <p:cNvSpPr>
-            <a:spLocks noGrp="1"/>
-          </p:cNvSpPr>
-          <p:nvPr>
-            <p:ph type="sldNum" sz="quarter" idx="12"/>
-          </p:nvPr>
-        </p:nvSpPr>
-        <p:spPr/>
-        <p:txBody>
-          <a:bodyPr/>
-          <a:lstStyle/>
-          <a:p>
-            <a:fld id="{E32D4240-BCF3-4973-A51B-7B4F8665E35F}" type="slidenum">
-              <a:rPr lang="zh-TW" altLang="en-US" smtClean="0">
-                <a:solidFill>
-                  <a:prstClr val="black">
-                    <a:tint val="75000"/>
-                  </a:prstClr>
-                </a:solidFill>
-              </a:rPr>
-              <a:pPr/>
-              <a:t>‹#›</a:t>
-            </a:fld>
-            <a:endParaRPr lang="zh-TW" altLang="en-US">
-              <a:solidFill>
-                <a:prstClr val="black">
-                  <a:tint val="75000"/>
-                </a:prstClr>
-              </a:solidFill>
-            </a:endParaRPr>
-          </a:p>
-        </p:txBody>
-      </p:sp>
-    </p:spTree>
-    <p:extLst>
-      <p:ext uri="{BB962C8B-B14F-4D97-AF65-F5344CB8AC3E}">
-        <p14:creationId xmlns:p14="http://schemas.microsoft.com/office/powerpoint/2010/main" val="1392271120"/>
-      </p:ext>
-    </p:extLst>
-  </p:cSld>
-  <p:clrMapOvr>
-    <a:masterClrMapping/>
-  </p:clrMapOvr>
-</p:sldLayout>
-</file>
-
-<file path=ppt/slideLayouts/slideLayout4.xml><?xml version="1.0" encoding="utf-8"?>
-<p:sldLayout xmlns:a="http://schemas.openxmlformats.org/drawingml/2006/main" xmlns:r="http://schemas.openxmlformats.org/officeDocument/2006/relationships" xmlns:p="http://schemas.openxmlformats.org/presentationml/2006/main" type="twoObj" preserve="1">
-  <p:cSld name="Two Content">
-    <p:spTree>
-      <p:nvGrpSpPr>
-        <p:cNvPr id="1" name=""/>
-        <p:cNvGrpSpPr/>
-        <p:nvPr/>
-      </p:nvGrpSpPr>
-      <p:grpSpPr>
-        <a:xfrm>
-          <a:off x="0" y="0"/>
-          <a:ext cx="0" cy="0"/>
-          <a:chOff x="0" y="0"/>
-          <a:chExt cx="0" cy="0"/>
-        </a:xfrm>
-      </p:grpSpPr>
-      <p:sp>
-        <p:nvSpPr>
-          <p:cNvPr id="2" name="Title 1"/>
-          <p:cNvSpPr>
-            <a:spLocks noGrp="1"/>
-          </p:cNvSpPr>
-          <p:nvPr>
-            <p:ph type="title"/>
-          </p:nvPr>
-        </p:nvSpPr>
-        <p:spPr/>
-        <p:txBody>
-          <a:bodyPr/>
-          <a:lstStyle/>
-          <a:p>
-            <a:r>
-              <a:rPr lang="en-US" altLang="zh-TW"/>
-              <a:t>Click to edit Master title style</a:t>
-            </a:r>
-            <a:endParaRPr lang="zh-TW" altLang="en-US"/>
-          </a:p>
-        </p:txBody>
-      </p:sp>
-      <p:sp>
-        <p:nvSpPr>
-          <p:cNvPr id="3" name="Content Placeholder 2"/>
-          <p:cNvSpPr>
-            <a:spLocks noGrp="1"/>
-          </p:cNvSpPr>
-          <p:nvPr>
-            <p:ph sz="half" idx="1"/>
-          </p:nvPr>
-        </p:nvSpPr>
-        <p:spPr>
-          <a:xfrm>
-            <a:off x="838200" y="1825625"/>
-            <a:ext cx="5181600" cy="4351338"/>
-          </a:xfrm>
-        </p:spPr>
-        <p:txBody>
-          <a:bodyPr/>
-          <a:lstStyle/>
-          <a:p>
-            <a:pPr lvl="0"/>
-            <a:r>
-              <a:rPr lang="en-US" altLang="zh-TW"/>
-              <a:t>Edit Master text styles</a:t>
-            </a:r>
-          </a:p>
-          <a:p>
-            <a:pPr lvl="1"/>
-            <a:r>
-              <a:rPr lang="en-US" altLang="zh-TW"/>
-              <a:t>Second level</a:t>
-            </a:r>
-          </a:p>
-          <a:p>
-            <a:pPr lvl="2"/>
-            <a:r>
-              <a:rPr lang="en-US" altLang="zh-TW"/>
-              <a:t>Third level</a:t>
-            </a:r>
-          </a:p>
-          <a:p>
-            <a:pPr lvl="3"/>
-            <a:r>
-              <a:rPr lang="en-US" altLang="zh-TW"/>
-              <a:t>Fourth level</a:t>
-            </a:r>
-          </a:p>
-          <a:p>
-            <a:pPr lvl="4"/>
-            <a:r>
-              <a:rPr lang="en-US" altLang="zh-TW"/>
-              <a:t>Fifth level</a:t>
-            </a:r>
-            <a:endParaRPr lang="zh-TW" altLang="en-US"/>
-          </a:p>
-        </p:txBody>
-      </p:sp>
-      <p:sp>
-        <p:nvSpPr>
-          <p:cNvPr id="4" name="Content Placeholder 3"/>
-          <p:cNvSpPr>
-            <a:spLocks noGrp="1"/>
-          </p:cNvSpPr>
-          <p:nvPr>
-            <p:ph sz="half" idx="2"/>
-          </p:nvPr>
-        </p:nvSpPr>
-        <p:spPr>
-          <a:xfrm>
-            <a:off x="6172200" y="1825625"/>
-            <a:ext cx="5181600" cy="4351338"/>
-          </a:xfrm>
-        </p:spPr>
-        <p:txBody>
-          <a:bodyPr/>
-          <a:lstStyle/>
-          <a:p>
-            <a:pPr lvl="0"/>
-            <a:r>
-              <a:rPr lang="en-US" altLang="zh-TW"/>
-              <a:t>Edit Master text styles</a:t>
-            </a:r>
-          </a:p>
-          <a:p>
-            <a:pPr lvl="1"/>
-            <a:r>
-              <a:rPr lang="en-US" altLang="zh-TW"/>
-              <a:t>Second level</a:t>
-            </a:r>
-          </a:p>
-          <a:p>
-            <a:pPr lvl="2"/>
-            <a:r>
-              <a:rPr lang="en-US" altLang="zh-TW"/>
-              <a:t>Third level</a:t>
-            </a:r>
-          </a:p>
-          <a:p>
-            <a:pPr lvl="3"/>
-            <a:r>
-              <a:rPr lang="en-US" altLang="zh-TW"/>
-              <a:t>Fourth level</a:t>
-            </a:r>
-          </a:p>
-          <a:p>
-            <a:pPr lvl="4"/>
-            <a:r>
-              <a:rPr lang="en-US" altLang="zh-TW"/>
-              <a:t>Fifth level</a:t>
-            </a:r>
-            <a:endParaRPr lang="zh-TW" altLang="en-US"/>
-          </a:p>
-        </p:txBody>
-      </p:sp>
-      <p:sp>
-        <p:nvSpPr>
-          <p:cNvPr id="5" name="Date Placeholder 4"/>
-          <p:cNvSpPr>
-            <a:spLocks noGrp="1"/>
-          </p:cNvSpPr>
-          <p:nvPr>
-            <p:ph type="dt" sz="half" idx="10"/>
-          </p:nvPr>
-        </p:nvSpPr>
-        <p:spPr/>
-        <p:txBody>
-          <a:bodyPr/>
-          <a:lstStyle/>
-          <a:p>
-            <a:fld id="{17DF1E68-0589-4AB3-A6BD-B973EB6370BF}" type="datetimeFigureOut">
-              <a:rPr lang="zh-TW" altLang="en-US" smtClean="0">
-                <a:solidFill>
-                  <a:prstClr val="black">
-                    <a:tint val="75000"/>
-                  </a:prstClr>
-                </a:solidFill>
-              </a:rPr>
-              <a:pPr/>
-              <a:t>2017/5/3</a:t>
-            </a:fld>
-            <a:endParaRPr lang="zh-TW" altLang="en-US">
-              <a:solidFill>
-                <a:prstClr val="black">
-                  <a:tint val="75000"/>
-                </a:prstClr>
-              </a:solidFill>
-            </a:endParaRPr>
-          </a:p>
-        </p:txBody>
-      </p:sp>
-      <p:sp>
-        <p:nvSpPr>
-          <p:cNvPr id="6" name="Footer Placeholder 5"/>
-          <p:cNvSpPr>
-            <a:spLocks noGrp="1"/>
-          </p:cNvSpPr>
-          <p:nvPr>
-            <p:ph type="ftr" sz="quarter" idx="11"/>
-          </p:nvPr>
-        </p:nvSpPr>
-        <p:spPr/>
-        <p:txBody>
-          <a:bodyPr/>
-          <a:lstStyle/>
-          <a:p>
-            <a:endParaRPr lang="zh-TW" altLang="en-US">
-              <a:solidFill>
-                <a:prstClr val="black">
-                  <a:tint val="75000"/>
-                </a:prstClr>
-              </a:solidFill>
-            </a:endParaRPr>
-          </a:p>
-        </p:txBody>
-      </p:sp>
-      <p:sp>
-        <p:nvSpPr>
-          <p:cNvPr id="7" name="Slide Number Placeholder 6"/>
-          <p:cNvSpPr>
-            <a:spLocks noGrp="1"/>
-          </p:cNvSpPr>
-          <p:nvPr>
-            <p:ph type="sldNum" sz="quarter" idx="12"/>
-          </p:nvPr>
-        </p:nvSpPr>
-        <p:spPr/>
-        <p:txBody>
-          <a:bodyPr/>
-          <a:lstStyle/>
-          <a:p>
-            <a:fld id="{E32D4240-BCF3-4973-A51B-7B4F8665E35F}" type="slidenum">
-              <a:rPr lang="zh-TW" altLang="en-US" smtClean="0">
-                <a:solidFill>
-                  <a:prstClr val="black">
-                    <a:tint val="75000"/>
-                  </a:prstClr>
-                </a:solidFill>
-              </a:rPr>
-              <a:pPr/>
-              <a:t>‹#›</a:t>
-            </a:fld>
-            <a:endParaRPr lang="zh-TW" altLang="en-US">
-              <a:solidFill>
-                <a:prstClr val="black">
-                  <a:tint val="75000"/>
-                </a:prstClr>
-              </a:solidFill>
-            </a:endParaRPr>
-          </a:p>
-        </p:txBody>
-      </p:sp>
-    </p:spTree>
-    <p:extLst>
-      <p:ext uri="{BB962C8B-B14F-4D97-AF65-F5344CB8AC3E}">
-        <p14:creationId xmlns:p14="http://schemas.microsoft.com/office/powerpoint/2010/main" val="3565435929"/>
-      </p:ext>
-    </p:extLst>
-  </p:cSld>
-  <p:clrMapOvr>
-    <a:masterClrMapping/>
-  </p:clrMapOvr>
-</p:sldLayout>
-</file>
-
-<file path=ppt/slideLayouts/slideLayout5.xml><?xml version="1.0" encoding="utf-8"?>
-<p:sldLayout xmlns:a="http://schemas.openxmlformats.org/drawingml/2006/main" xmlns:r="http://schemas.openxmlformats.org/officeDocument/2006/relationships" xmlns:p="http://schemas.openxmlformats.org/presentationml/2006/main" type="twoTxTwoObj" preserve="1">
-  <p:cSld name="Comparison">
-    <p:spTree>
-      <p:nvGrpSpPr>
-        <p:cNvPr id="1" name=""/>
-        <p:cNvGrpSpPr/>
-        <p:nvPr/>
-      </p:nvGrpSpPr>
-      <p:grpSpPr>
-        <a:xfrm>
-          <a:off x="0" y="0"/>
-          <a:ext cx="0" cy="0"/>
-          <a:chOff x="0" y="0"/>
-          <a:chExt cx="0" cy="0"/>
-        </a:xfrm>
-      </p:grpSpPr>
-      <p:sp>
-        <p:nvSpPr>
-          <p:cNvPr id="2" name="Title 1"/>
-          <p:cNvSpPr>
-            <a:spLocks noGrp="1"/>
-          </p:cNvSpPr>
-          <p:nvPr>
-            <p:ph type="title"/>
-          </p:nvPr>
-        </p:nvSpPr>
-        <p:spPr>
-          <a:xfrm>
-            <a:off x="839788" y="365125"/>
-            <a:ext cx="10515600" cy="1325563"/>
-          </a:xfrm>
-        </p:spPr>
-        <p:txBody>
-          <a:bodyPr/>
-          <a:lstStyle/>
-          <a:p>
-            <a:r>
-              <a:rPr lang="en-US" altLang="zh-TW"/>
-              <a:t>Click to edit Master title style</a:t>
-            </a:r>
-            <a:endParaRPr lang="zh-TW" altLang="en-US"/>
-          </a:p>
-        </p:txBody>
-      </p:sp>
-      <p:sp>
-        <p:nvSpPr>
-          <p:cNvPr id="3" name="Text Placeholder 2"/>
-          <p:cNvSpPr>
-            <a:spLocks noGrp="1"/>
-          </p:cNvSpPr>
-          <p:nvPr>
-            <p:ph type="body" idx="1"/>
-          </p:nvPr>
-        </p:nvSpPr>
-        <p:spPr>
-          <a:xfrm>
-            <a:off x="839788" y="1681163"/>
-            <a:ext cx="5157787" cy="823912"/>
-          </a:xfrm>
-        </p:spPr>
-        <p:txBody>
-          <a:bodyPr anchor="b"/>
-          <a:lstStyle>
-            <a:lvl1pPr marL="0" indent="0">
-              <a:buNone/>
-              <a:defRPr sz="2400" b="1"/>
-            </a:lvl1pPr>
-            <a:lvl2pPr marL="457200" indent="0">
-              <a:buNone/>
-              <a:defRPr sz="2000" b="1"/>
-            </a:lvl2pPr>
-            <a:lvl3pPr marL="914400" indent="0">
-              <a:buNone/>
-              <a:defRPr sz="1800" b="1"/>
-            </a:lvl3pPr>
-            <a:lvl4pPr marL="1371600" indent="0">
-              <a:buNone/>
-              <a:defRPr sz="1600" b="1"/>
-            </a:lvl4pPr>
-            <a:lvl5pPr marL="1828800" indent="0">
-              <a:buNone/>
-              <a:defRPr sz="1600" b="1"/>
-            </a:lvl5pPr>
-            <a:lvl6pPr marL="2286000" indent="0">
-              <a:buNone/>
-              <a:defRPr sz="1600" b="1"/>
-            </a:lvl6pPr>
-            <a:lvl7pPr marL="2743200" indent="0">
-              <a:buNone/>
-              <a:defRPr sz="1600" b="1"/>
-            </a:lvl7pPr>
-            <a:lvl8pPr marL="3200400" indent="0">
-              <a:buNone/>
-              <a:defRPr sz="1600" b="1"/>
-            </a:lvl8pPr>
-            <a:lvl9pPr marL="3657600" indent="0">
-              <a:buNone/>
-              <a:defRPr sz="1600" b="1"/>
-            </a:lvl9pPr>
-          </a:lstStyle>
-          <a:p>
-            <a:pPr lvl="0"/>
-            <a:r>
-              <a:rPr lang="en-US" altLang="zh-TW"/>
-              <a:t>Edit Master text styles</a:t>
-            </a:r>
-          </a:p>
-        </p:txBody>
-      </p:sp>
-      <p:sp>
-        <p:nvSpPr>
-          <p:cNvPr id="4" name="Content Placeholder 3"/>
-          <p:cNvSpPr>
-            <a:spLocks noGrp="1"/>
-          </p:cNvSpPr>
-          <p:nvPr>
-            <p:ph sz="half" idx="2"/>
-          </p:nvPr>
-        </p:nvSpPr>
-        <p:spPr>
-          <a:xfrm>
-            <a:off x="839788" y="2505075"/>
-            <a:ext cx="5157787" cy="3684588"/>
-          </a:xfrm>
-        </p:spPr>
-        <p:txBody>
-          <a:bodyPr/>
-          <a:lstStyle/>
-          <a:p>
-            <a:pPr lvl="0"/>
-            <a:r>
-              <a:rPr lang="en-US" altLang="zh-TW"/>
-              <a:t>Edit Master text styles</a:t>
-            </a:r>
-          </a:p>
-          <a:p>
-            <a:pPr lvl="1"/>
-            <a:r>
-              <a:rPr lang="en-US" altLang="zh-TW"/>
-              <a:t>Second level</a:t>
-            </a:r>
-          </a:p>
-          <a:p>
-            <a:pPr lvl="2"/>
-            <a:r>
-              <a:rPr lang="en-US" altLang="zh-TW"/>
-              <a:t>Third level</a:t>
-            </a:r>
-          </a:p>
-          <a:p>
-            <a:pPr lvl="3"/>
-            <a:r>
-              <a:rPr lang="en-US" altLang="zh-TW"/>
-              <a:t>Fourth level</a:t>
-            </a:r>
-          </a:p>
-          <a:p>
-            <a:pPr lvl="4"/>
-            <a:r>
-              <a:rPr lang="en-US" altLang="zh-TW"/>
-              <a:t>Fifth level</a:t>
-            </a:r>
-            <a:endParaRPr lang="zh-TW" altLang="en-US"/>
-          </a:p>
-        </p:txBody>
-      </p:sp>
-      <p:sp>
-        <p:nvSpPr>
-          <p:cNvPr id="5" name="Text Placeholder 4"/>
-          <p:cNvSpPr>
-            <a:spLocks noGrp="1"/>
-          </p:cNvSpPr>
-          <p:nvPr>
-            <p:ph type="body" sz="quarter" idx="3"/>
-          </p:nvPr>
-        </p:nvSpPr>
-        <p:spPr>
-          <a:xfrm>
-            <a:off x="6172200" y="1681163"/>
-            <a:ext cx="5183188" cy="823912"/>
-          </a:xfrm>
-        </p:spPr>
-        <p:txBody>
-          <a:bodyPr anchor="b"/>
-          <a:lstStyle>
-            <a:lvl1pPr marL="0" indent="0">
-              <a:buNone/>
-              <a:defRPr sz="2400" b="1"/>
-            </a:lvl1pPr>
-            <a:lvl2pPr marL="457200" indent="0">
-              <a:buNone/>
-              <a:defRPr sz="2000" b="1"/>
-            </a:lvl2pPr>
-            <a:lvl3pPr marL="914400" indent="0">
-              <a:buNone/>
-              <a:defRPr sz="1800" b="1"/>
-            </a:lvl3pPr>
-            <a:lvl4pPr marL="1371600" indent="0">
-              <a:buNone/>
-              <a:defRPr sz="1600" b="1"/>
-            </a:lvl4pPr>
-            <a:lvl5pPr marL="1828800" indent="0">
-              <a:buNone/>
-              <a:defRPr sz="1600" b="1"/>
-            </a:lvl5pPr>
-            <a:lvl6pPr marL="2286000" indent="0">
-              <a:buNone/>
-              <a:defRPr sz="1600" b="1"/>
-            </a:lvl6pPr>
-            <a:lvl7pPr marL="2743200" indent="0">
-              <a:buNone/>
-              <a:defRPr sz="1600" b="1"/>
-            </a:lvl7pPr>
-            <a:lvl8pPr marL="3200400" indent="0">
-              <a:buNone/>
-              <a:defRPr sz="1600" b="1"/>
-            </a:lvl8pPr>
-            <a:lvl9pPr marL="3657600" indent="0">
-              <a:buNone/>
-              <a:defRPr sz="1600" b="1"/>
-            </a:lvl9pPr>
-          </a:lstStyle>
-          <a:p>
-            <a:pPr lvl="0"/>
-            <a:r>
-              <a:rPr lang="en-US" altLang="zh-TW"/>
-              <a:t>Edit Master text styles</a:t>
-            </a:r>
-          </a:p>
-        </p:txBody>
-      </p:sp>
-      <p:sp>
-        <p:nvSpPr>
-          <p:cNvPr id="6" name="Content Placeholder 5"/>
-          <p:cNvSpPr>
-            <a:spLocks noGrp="1"/>
-          </p:cNvSpPr>
-          <p:nvPr>
-            <p:ph sz="quarter" idx="4"/>
-          </p:nvPr>
-        </p:nvSpPr>
-        <p:spPr>
-          <a:xfrm>
-            <a:off x="6172200" y="2505075"/>
-            <a:ext cx="5183188" cy="3684588"/>
-          </a:xfrm>
-        </p:spPr>
-        <p:txBody>
-          <a:bodyPr/>
-          <a:lstStyle/>
-          <a:p>
-            <a:pPr lvl="0"/>
-            <a:r>
-              <a:rPr lang="en-US" altLang="zh-TW"/>
-              <a:t>Edit Master text styles</a:t>
-            </a:r>
-          </a:p>
-          <a:p>
-            <a:pPr lvl="1"/>
-            <a:r>
-              <a:rPr lang="en-US" altLang="zh-TW"/>
-              <a:t>Second level</a:t>
-            </a:r>
-          </a:p>
-          <a:p>
-            <a:pPr lvl="2"/>
-            <a:r>
-              <a:rPr lang="en-US" altLang="zh-TW"/>
-              <a:t>Third level</a:t>
-            </a:r>
-          </a:p>
-          <a:p>
-            <a:pPr lvl="3"/>
-            <a:r>
-              <a:rPr lang="en-US" altLang="zh-TW"/>
-              <a:t>Fourth level</a:t>
-            </a:r>
-          </a:p>
-          <a:p>
-            <a:pPr lvl="4"/>
-            <a:r>
-              <a:rPr lang="en-US" altLang="zh-TW"/>
-              <a:t>Fifth level</a:t>
-            </a:r>
-            <a:endParaRPr lang="zh-TW" altLang="en-US"/>
-          </a:p>
-        </p:txBody>
-      </p:sp>
-      <p:sp>
-        <p:nvSpPr>
-          <p:cNvPr id="7" name="Date Placeholder 6"/>
-          <p:cNvSpPr>
-            <a:spLocks noGrp="1"/>
-          </p:cNvSpPr>
-          <p:nvPr>
-            <p:ph type="dt" sz="half" idx="10"/>
-          </p:nvPr>
-        </p:nvSpPr>
-        <p:spPr/>
-        <p:txBody>
-          <a:bodyPr/>
-          <a:lstStyle/>
-          <a:p>
-            <a:fld id="{17DF1E68-0589-4AB3-A6BD-B973EB6370BF}" type="datetimeFigureOut">
-              <a:rPr lang="zh-TW" altLang="en-US" smtClean="0">
-                <a:solidFill>
-                  <a:prstClr val="black">
-                    <a:tint val="75000"/>
-                  </a:prstClr>
-                </a:solidFill>
-              </a:rPr>
-              <a:pPr/>
-              <a:t>2017/5/3</a:t>
-            </a:fld>
-            <a:endParaRPr lang="zh-TW" altLang="en-US">
-              <a:solidFill>
-                <a:prstClr val="black">
-                  <a:tint val="75000"/>
-                </a:prstClr>
-              </a:solidFill>
-            </a:endParaRPr>
-          </a:p>
-        </p:txBody>
-      </p:sp>
-      <p:sp>
-        <p:nvSpPr>
-          <p:cNvPr id="8" name="Footer Placeholder 7"/>
-          <p:cNvSpPr>
-            <a:spLocks noGrp="1"/>
-          </p:cNvSpPr>
-          <p:nvPr>
-            <p:ph type="ftr" sz="quarter" idx="11"/>
-          </p:nvPr>
-        </p:nvSpPr>
-        <p:spPr/>
-        <p:txBody>
-          <a:bodyPr/>
-          <a:lstStyle/>
-          <a:p>
-            <a:endParaRPr lang="zh-TW" altLang="en-US">
-              <a:solidFill>
-                <a:prstClr val="black">
-                  <a:tint val="75000"/>
-                </a:prstClr>
-              </a:solidFill>
-            </a:endParaRPr>
-          </a:p>
-        </p:txBody>
-      </p:sp>
-      <p:sp>
-        <p:nvSpPr>
-          <p:cNvPr id="9" name="Slide Number Placeholder 8"/>
-          <p:cNvSpPr>
-            <a:spLocks noGrp="1"/>
-          </p:cNvSpPr>
-          <p:nvPr>
-            <p:ph type="sldNum" sz="quarter" idx="12"/>
-          </p:nvPr>
-        </p:nvSpPr>
-        <p:spPr/>
-        <p:txBody>
-          <a:bodyPr/>
-          <a:lstStyle/>
-          <a:p>
-            <a:fld id="{E32D4240-BCF3-4973-A51B-7B4F8665E35F}" type="slidenum">
-              <a:rPr lang="zh-TW" altLang="en-US" smtClean="0">
-                <a:solidFill>
-                  <a:prstClr val="black">
-                    <a:tint val="75000"/>
-                  </a:prstClr>
-                </a:solidFill>
-              </a:rPr>
-              <a:pPr/>
-              <a:t>‹#›</a:t>
-            </a:fld>
-            <a:endParaRPr lang="zh-TW" altLang="en-US">
-              <a:solidFill>
-                <a:prstClr val="black">
-                  <a:tint val="75000"/>
-                </a:prstClr>
-              </a:solidFill>
-            </a:endParaRPr>
-          </a:p>
-        </p:txBody>
-      </p:sp>
-    </p:spTree>
-    <p:extLst>
-      <p:ext uri="{BB962C8B-B14F-4D97-AF65-F5344CB8AC3E}">
-        <p14:creationId xmlns:p14="http://schemas.microsoft.com/office/powerpoint/2010/main" val="1721368296"/>
-      </p:ext>
-    </p:extLst>
-  </p:cSld>
-  <p:clrMapOvr>
-    <a:masterClrMapping/>
-  </p:clrMapOvr>
-</p:sldLayout>
-</file>
-
-<file path=ppt/slideLayouts/slideLayout6.xml><?xml version="1.0" encoding="utf-8"?>
-<p:sldLayout xmlns:a="http://schemas.openxmlformats.org/drawingml/2006/main" xmlns:r="http://schemas.openxmlformats.org/officeDocument/2006/relationships" xmlns:p="http://schemas.openxmlformats.org/presentationml/2006/main" type="titleOnly" preserve="1">
-  <p:cSld name="Title Only">
-    <p:spTree>
-      <p:nvGrpSpPr>
-        <p:cNvPr id="1" name=""/>
-        <p:cNvGrpSpPr/>
-        <p:nvPr/>
-      </p:nvGrpSpPr>
-      <p:grpSpPr>
-        <a:xfrm>
-          <a:off x="0" y="0"/>
-          <a:ext cx="0" cy="0"/>
-          <a:chOff x="0" y="0"/>
-          <a:chExt cx="0" cy="0"/>
-        </a:xfrm>
-      </p:grpSpPr>
-      <p:sp>
-        <p:nvSpPr>
-          <p:cNvPr id="2" name="Title 1"/>
-          <p:cNvSpPr>
-            <a:spLocks noGrp="1"/>
-          </p:cNvSpPr>
-          <p:nvPr>
-            <p:ph type="title"/>
-          </p:nvPr>
-        </p:nvSpPr>
-        <p:spPr/>
-        <p:txBody>
-          <a:bodyPr/>
-          <a:lstStyle/>
-          <a:p>
-            <a:r>
-              <a:rPr lang="en-US" altLang="zh-TW"/>
-              <a:t>Click to edit Master title style</a:t>
-            </a:r>
-            <a:endParaRPr lang="zh-TW" altLang="en-US"/>
-          </a:p>
-        </p:txBody>
-      </p:sp>
-      <p:sp>
-        <p:nvSpPr>
-          <p:cNvPr id="3" name="Date Placeholder 2"/>
-          <p:cNvSpPr>
-            <a:spLocks noGrp="1"/>
-          </p:cNvSpPr>
-          <p:nvPr>
-            <p:ph type="dt" sz="half" idx="10"/>
-          </p:nvPr>
-        </p:nvSpPr>
-        <p:spPr/>
-        <p:txBody>
-          <a:bodyPr/>
-          <a:lstStyle/>
-          <a:p>
-            <a:fld id="{17DF1E68-0589-4AB3-A6BD-B973EB6370BF}" type="datetimeFigureOut">
-              <a:rPr lang="zh-TW" altLang="en-US" smtClean="0">
-                <a:solidFill>
-                  <a:prstClr val="black">
-                    <a:tint val="75000"/>
-                  </a:prstClr>
-                </a:solidFill>
-              </a:rPr>
-              <a:pPr/>
-              <a:t>2017/5/3</a:t>
-            </a:fld>
-            <a:endParaRPr lang="zh-TW" altLang="en-US">
-              <a:solidFill>
-                <a:prstClr val="black">
-                  <a:tint val="75000"/>
-                </a:prstClr>
-              </a:solidFill>
-            </a:endParaRPr>
-          </a:p>
-        </p:txBody>
-      </p:sp>
-      <p:sp>
-        <p:nvSpPr>
-          <p:cNvPr id="4" name="Footer Placeholder 3"/>
-          <p:cNvSpPr>
-            <a:spLocks noGrp="1"/>
-          </p:cNvSpPr>
-          <p:nvPr>
-            <p:ph type="ftr" sz="quarter" idx="11"/>
-          </p:nvPr>
-        </p:nvSpPr>
-        <p:spPr/>
-        <p:txBody>
-          <a:bodyPr/>
-          <a:lstStyle/>
-          <a:p>
-            <a:endParaRPr lang="zh-TW" altLang="en-US">
-              <a:solidFill>
-                <a:prstClr val="black">
-                  <a:tint val="75000"/>
-                </a:prstClr>
-              </a:solidFill>
-            </a:endParaRPr>
-          </a:p>
-        </p:txBody>
-      </p:sp>
-      <p:sp>
-        <p:nvSpPr>
-          <p:cNvPr id="5" name="Slide Number Placeholder 4"/>
-          <p:cNvSpPr>
-            <a:spLocks noGrp="1"/>
-          </p:cNvSpPr>
-          <p:nvPr>
-            <p:ph type="sldNum" sz="quarter" idx="12"/>
-          </p:nvPr>
-        </p:nvSpPr>
-        <p:spPr/>
-        <p:txBody>
-          <a:bodyPr/>
-          <a:lstStyle/>
-          <a:p>
-            <a:fld id="{E32D4240-BCF3-4973-A51B-7B4F8665E35F}" type="slidenum">
-              <a:rPr lang="zh-TW" altLang="en-US" smtClean="0">
-                <a:solidFill>
-                  <a:prstClr val="black">
-                    <a:tint val="75000"/>
-                  </a:prstClr>
-                </a:solidFill>
-              </a:rPr>
-              <a:pPr/>
-              <a:t>‹#›</a:t>
-            </a:fld>
-            <a:endParaRPr lang="zh-TW" altLang="en-US">
-              <a:solidFill>
-                <a:prstClr val="black">
-                  <a:tint val="75000"/>
-                </a:prstClr>
-              </a:solidFill>
-            </a:endParaRPr>
-          </a:p>
-        </p:txBody>
-      </p:sp>
-    </p:spTree>
-    <p:extLst>
-      <p:ext uri="{BB962C8B-B14F-4D97-AF65-F5344CB8AC3E}">
-        <p14:creationId xmlns:p14="http://schemas.microsoft.com/office/powerpoint/2010/main" val="4053299983"/>
-      </p:ext>
-    </p:extLst>
-  </p:cSld>
-  <p:clrMapOvr>
-    <a:masterClrMapping/>
-  </p:clrMapOvr>
-</p:sldLayout>
-</file>
-
-<file path=ppt/slideLayouts/slideLayout7.xml><?xml version="1.0" encoding="utf-8"?>
-<p:sldLayout xmlns:a="http://schemas.openxmlformats.org/drawingml/2006/main" xmlns:r="http://schemas.openxmlformats.org/officeDocument/2006/relationships" xmlns:p="http://schemas.openxmlformats.org/presentationml/2006/main" type="blank" preserve="1">
-  <p:cSld name="Blank">
-    <p:spTree>
-      <p:nvGrpSpPr>
-        <p:cNvPr id="1" name=""/>
-        <p:cNvGrpSpPr/>
-        <p:nvPr/>
-      </p:nvGrpSpPr>
-      <p:grpSpPr>
-        <a:xfrm>
-          <a:off x="0" y="0"/>
-          <a:ext cx="0" cy="0"/>
-          <a:chOff x="0" y="0"/>
-          <a:chExt cx="0" cy="0"/>
-        </a:xfrm>
-      </p:grpSpPr>
-      <p:sp>
-        <p:nvSpPr>
-          <p:cNvPr id="2" name="Date Placeholder 1"/>
-          <p:cNvSpPr>
-            <a:spLocks noGrp="1"/>
-          </p:cNvSpPr>
-          <p:nvPr>
-            <p:ph type="dt" sz="half" idx="10"/>
-          </p:nvPr>
-        </p:nvSpPr>
-        <p:spPr/>
-        <p:txBody>
-          <a:bodyPr/>
-          <a:lstStyle/>
-          <a:p>
-            <a:fld id="{17DF1E68-0589-4AB3-A6BD-B973EB6370BF}" type="datetimeFigureOut">
-              <a:rPr lang="zh-TW" altLang="en-US" smtClean="0">
-                <a:solidFill>
-                  <a:prstClr val="black">
-                    <a:tint val="75000"/>
-                  </a:prstClr>
-                </a:solidFill>
-              </a:rPr>
-              <a:pPr/>
-              <a:t>2017/5/3</a:t>
-            </a:fld>
-            <a:endParaRPr lang="zh-TW" altLang="en-US">
-              <a:solidFill>
-                <a:prstClr val="black">
-                  <a:tint val="75000"/>
-                </a:prstClr>
-              </a:solidFill>
-            </a:endParaRPr>
-          </a:p>
-        </p:txBody>
-      </p:sp>
-      <p:sp>
-        <p:nvSpPr>
-          <p:cNvPr id="3" name="Footer Placeholder 2"/>
-          <p:cNvSpPr>
-            <a:spLocks noGrp="1"/>
-          </p:cNvSpPr>
-          <p:nvPr>
-            <p:ph type="ftr" sz="quarter" idx="11"/>
-          </p:nvPr>
-        </p:nvSpPr>
-        <p:spPr/>
-        <p:txBody>
-          <a:bodyPr/>
-          <a:lstStyle/>
-          <a:p>
-            <a:endParaRPr lang="zh-TW" altLang="en-US">
-              <a:solidFill>
-                <a:prstClr val="black">
-                  <a:tint val="75000"/>
-                </a:prstClr>
-              </a:solidFill>
-            </a:endParaRPr>
-          </a:p>
-        </p:txBody>
-      </p:sp>
-      <p:sp>
-        <p:nvSpPr>
-          <p:cNvPr id="4" name="Slide Number Placeholder 3"/>
-          <p:cNvSpPr>
-            <a:spLocks noGrp="1"/>
-          </p:cNvSpPr>
-          <p:nvPr>
-            <p:ph type="sldNum" sz="quarter" idx="12"/>
-          </p:nvPr>
-        </p:nvSpPr>
-        <p:spPr/>
-        <p:txBody>
-          <a:bodyPr/>
-          <a:lstStyle/>
-          <a:p>
-            <a:fld id="{E32D4240-BCF3-4973-A51B-7B4F8665E35F}" type="slidenum">
-              <a:rPr lang="zh-TW" altLang="en-US" smtClean="0">
-                <a:solidFill>
-                  <a:prstClr val="black">
-                    <a:tint val="75000"/>
-                  </a:prstClr>
-                </a:solidFill>
-              </a:rPr>
-              <a:pPr/>
-              <a:t>‹#›</a:t>
-            </a:fld>
-            <a:endParaRPr lang="zh-TW" altLang="en-US">
-              <a:solidFill>
-                <a:prstClr val="black">
-                  <a:tint val="75000"/>
-                </a:prstClr>
-              </a:solidFill>
-            </a:endParaRPr>
-          </a:p>
-        </p:txBody>
-      </p:sp>
-    </p:spTree>
-    <p:extLst>
-      <p:ext uri="{BB962C8B-B14F-4D97-AF65-F5344CB8AC3E}">
-        <p14:creationId xmlns:p14="http://schemas.microsoft.com/office/powerpoint/2010/main" val="2147928724"/>
-      </p:ext>
-    </p:extLst>
-  </p:cSld>
-  <p:clrMapOvr>
-    <a:masterClrMapping/>
-  </p:clrMapOvr>
-</p:sldLayout>
-</file>
-
-<file path=ppt/slideLayouts/slideLayout8.xml><?xml version="1.0" encoding="utf-8"?>
-<p:sldLayout xmlns:a="http://schemas.openxmlformats.org/drawingml/2006/main" xmlns:r="http://schemas.openxmlformats.org/officeDocument/2006/relationships" xmlns:p="http://schemas.openxmlformats.org/presentationml/2006/main" type="objTx" preserve="1">
-  <p:cSld name="Content with Caption">
-    <p:spTree>
-      <p:nvGrpSpPr>
-        <p:cNvPr id="1" name=""/>
-        <p:cNvGrpSpPr/>
-        <p:nvPr/>
-      </p:nvGrpSpPr>
-      <p:grpSpPr>
-        <a:xfrm>
-          <a:off x="0" y="0"/>
-          <a:ext cx="0" cy="0"/>
-          <a:chOff x="0" y="0"/>
-          <a:chExt cx="0" cy="0"/>
-        </a:xfrm>
-      </p:grpSpPr>
-      <p:sp>
-        <p:nvSpPr>
-          <p:cNvPr id="2" name="Title 1"/>
-          <p:cNvSpPr>
-            <a:spLocks noGrp="1"/>
-          </p:cNvSpPr>
-          <p:nvPr>
-            <p:ph type="title"/>
-          </p:nvPr>
-        </p:nvSpPr>
-        <p:spPr>
-          <a:xfrm>
-            <a:off x="839788" y="457200"/>
-            <a:ext cx="3932237" cy="1600200"/>
-          </a:xfrm>
-        </p:spPr>
-        <p:txBody>
-          <a:bodyPr anchor="b"/>
-          <a:lstStyle>
-            <a:lvl1pPr>
-              <a:defRPr sz="3200"/>
-            </a:lvl1pPr>
-          </a:lstStyle>
-          <a:p>
-            <a:r>
-              <a:rPr lang="en-US" altLang="zh-TW"/>
-              <a:t>Click to edit Master title style</a:t>
-            </a:r>
-            <a:endParaRPr lang="zh-TW" altLang="en-US"/>
-          </a:p>
-        </p:txBody>
-      </p:sp>
-      <p:sp>
-        <p:nvSpPr>
-          <p:cNvPr id="3" name="Content Placeholder 2"/>
-          <p:cNvSpPr>
-            <a:spLocks noGrp="1"/>
-          </p:cNvSpPr>
-          <p:nvPr>
-            <p:ph idx="1"/>
-          </p:nvPr>
-        </p:nvSpPr>
-        <p:spPr>
-          <a:xfrm>
-            <a:off x="5183188" y="987425"/>
-            <a:ext cx="6172200" cy="4873625"/>
-          </a:xfrm>
-        </p:spPr>
-        <p:txBody>
-          <a:bodyPr/>
-          <a:lstStyle>
-            <a:lvl1pPr>
-              <a:defRPr sz="3200"/>
-            </a:lvl1pPr>
-            <a:lvl2pPr>
-              <a:defRPr sz="2800"/>
-            </a:lvl2pPr>
-            <a:lvl3pPr>
-              <a:defRPr sz="2400"/>
-            </a:lvl3pPr>
-            <a:lvl4pPr>
-              <a:defRPr sz="2000"/>
-            </a:lvl4pPr>
-            <a:lvl5pPr>
-              <a:defRPr sz="2000"/>
-            </a:lvl5pPr>
-            <a:lvl6pPr>
-              <a:defRPr sz="2000"/>
-            </a:lvl6pPr>
-            <a:lvl7pPr>
-              <a:defRPr sz="2000"/>
-            </a:lvl7pPr>
-            <a:lvl8pPr>
-              <a:defRPr sz="2000"/>
-            </a:lvl8pPr>
-            <a:lvl9pPr>
-              <a:defRPr sz="2000"/>
-            </a:lvl9pPr>
-          </a:lstStyle>
-          <a:p>
-            <a:pPr lvl="0"/>
-            <a:r>
-              <a:rPr lang="en-US" altLang="zh-TW"/>
-              <a:t>Edit Master text styles</a:t>
-            </a:r>
-          </a:p>
-          <a:p>
-            <a:pPr lvl="1"/>
-            <a:r>
-              <a:rPr lang="en-US" altLang="zh-TW"/>
-              <a:t>Second level</a:t>
-            </a:r>
-          </a:p>
-          <a:p>
-            <a:pPr lvl="2"/>
-            <a:r>
-              <a:rPr lang="en-US" altLang="zh-TW"/>
-              <a:t>Third level</a:t>
-            </a:r>
-          </a:p>
-          <a:p>
-            <a:pPr lvl="3"/>
-            <a:r>
-              <a:rPr lang="en-US" altLang="zh-TW"/>
-              <a:t>Fourth level</a:t>
-            </a:r>
-          </a:p>
-          <a:p>
-            <a:pPr lvl="4"/>
-            <a:r>
-              <a:rPr lang="en-US" altLang="zh-TW"/>
-              <a:t>Fifth level</a:t>
-            </a:r>
-            <a:endParaRPr lang="zh-TW" altLang="en-US"/>
-          </a:p>
-        </p:txBody>
-      </p:sp>
-      <p:sp>
-        <p:nvSpPr>
-          <p:cNvPr id="4" name="Text Placeholder 3"/>
-          <p:cNvSpPr>
-            <a:spLocks noGrp="1"/>
-          </p:cNvSpPr>
-          <p:nvPr>
-            <p:ph type="body" sz="half" idx="2"/>
-          </p:nvPr>
-        </p:nvSpPr>
-        <p:spPr>
-          <a:xfrm>
-            <a:off x="839788" y="2057400"/>
-            <a:ext cx="3932237" cy="3811588"/>
-          </a:xfrm>
-        </p:spPr>
-        <p:txBody>
-          <a:bodyPr/>
-          <a:lstStyle>
-            <a:lvl1pPr marL="0" indent="0">
-              <a:buNone/>
-              <a:defRPr sz="1600"/>
-            </a:lvl1pPr>
-            <a:lvl2pPr marL="457200" indent="0">
-              <a:buNone/>
-              <a:defRPr sz="1400"/>
-            </a:lvl2pPr>
-            <a:lvl3pPr marL="914400" indent="0">
-              <a:buNone/>
-              <a:defRPr sz="1200"/>
-            </a:lvl3pPr>
-            <a:lvl4pPr marL="1371600" indent="0">
-              <a:buNone/>
-              <a:defRPr sz="1000"/>
-            </a:lvl4pPr>
-            <a:lvl5pPr marL="1828800" indent="0">
-              <a:buNone/>
-              <a:defRPr sz="1000"/>
-            </a:lvl5pPr>
-            <a:lvl6pPr marL="2286000" indent="0">
-              <a:buNone/>
-              <a:defRPr sz="1000"/>
-            </a:lvl6pPr>
-            <a:lvl7pPr marL="2743200" indent="0">
-              <a:buNone/>
-              <a:defRPr sz="1000"/>
-            </a:lvl7pPr>
-            <a:lvl8pPr marL="3200400" indent="0">
-              <a:buNone/>
-              <a:defRPr sz="1000"/>
-            </a:lvl8pPr>
-            <a:lvl9pPr marL="3657600" indent="0">
-              <a:buNone/>
-              <a:defRPr sz="1000"/>
-            </a:lvl9pPr>
-          </a:lstStyle>
-          <a:p>
-            <a:pPr lvl="0"/>
-            <a:r>
-              <a:rPr lang="en-US" altLang="zh-TW"/>
-              <a:t>Edit Master text styles</a:t>
-            </a:r>
-          </a:p>
-        </p:txBody>
-      </p:sp>
-      <p:sp>
-        <p:nvSpPr>
-          <p:cNvPr id="5" name="Date Placeholder 4"/>
-          <p:cNvSpPr>
-            <a:spLocks noGrp="1"/>
-          </p:cNvSpPr>
-          <p:nvPr>
-            <p:ph type="dt" sz="half" idx="10"/>
-          </p:nvPr>
-        </p:nvSpPr>
-        <p:spPr/>
-        <p:txBody>
-          <a:bodyPr/>
-          <a:lstStyle/>
-          <a:p>
-            <a:fld id="{17DF1E68-0589-4AB3-A6BD-B973EB6370BF}" type="datetimeFigureOut">
-              <a:rPr lang="zh-TW" altLang="en-US" smtClean="0">
-                <a:solidFill>
-                  <a:prstClr val="black">
-                    <a:tint val="75000"/>
-                  </a:prstClr>
-                </a:solidFill>
-              </a:rPr>
-              <a:pPr/>
-              <a:t>2017/5/3</a:t>
-            </a:fld>
-            <a:endParaRPr lang="zh-TW" altLang="en-US">
-              <a:solidFill>
-                <a:prstClr val="black">
-                  <a:tint val="75000"/>
-                </a:prstClr>
-              </a:solidFill>
-            </a:endParaRPr>
-          </a:p>
-        </p:txBody>
-      </p:sp>
-      <p:sp>
-        <p:nvSpPr>
-          <p:cNvPr id="6" name="Footer Placeholder 5"/>
-          <p:cNvSpPr>
-            <a:spLocks noGrp="1"/>
-          </p:cNvSpPr>
-          <p:nvPr>
-            <p:ph type="ftr" sz="quarter" idx="11"/>
-          </p:nvPr>
-        </p:nvSpPr>
-        <p:spPr/>
-        <p:txBody>
-          <a:bodyPr/>
-          <a:lstStyle/>
-          <a:p>
-            <a:endParaRPr lang="zh-TW" altLang="en-US">
-              <a:solidFill>
-                <a:prstClr val="black">
-                  <a:tint val="75000"/>
-                </a:prstClr>
-              </a:solidFill>
-            </a:endParaRPr>
-          </a:p>
-        </p:txBody>
-      </p:sp>
-      <p:sp>
-        <p:nvSpPr>
-          <p:cNvPr id="7" name="Slide Number Placeholder 6"/>
-          <p:cNvSpPr>
-            <a:spLocks noGrp="1"/>
-          </p:cNvSpPr>
-          <p:nvPr>
-            <p:ph type="sldNum" sz="quarter" idx="12"/>
-          </p:nvPr>
-        </p:nvSpPr>
-        <p:spPr/>
-        <p:txBody>
-          <a:bodyPr/>
-          <a:lstStyle/>
-          <a:p>
-            <a:fld id="{E32D4240-BCF3-4973-A51B-7B4F8665E35F}" type="slidenum">
-              <a:rPr lang="zh-TW" altLang="en-US" smtClean="0">
-                <a:solidFill>
-                  <a:prstClr val="black">
-                    <a:tint val="75000"/>
-                  </a:prstClr>
-                </a:solidFill>
-              </a:rPr>
-              <a:pPr/>
-              <a:t>‹#›</a:t>
-            </a:fld>
-            <a:endParaRPr lang="zh-TW" altLang="en-US">
-              <a:solidFill>
-                <a:prstClr val="black">
-                  <a:tint val="75000"/>
-                </a:prstClr>
-              </a:solidFill>
-            </a:endParaRPr>
-          </a:p>
-        </p:txBody>
-      </p:sp>
-    </p:spTree>
-    <p:extLst>
-      <p:ext uri="{BB962C8B-B14F-4D97-AF65-F5344CB8AC3E}">
-        <p14:creationId xmlns:p14="http://schemas.microsoft.com/office/powerpoint/2010/main" val="36472553"/>
-      </p:ext>
-    </p:extLst>
-  </p:cSld>
-  <p:clrMapOvr>
-    <a:masterClrMapping/>
-  </p:clrMapOvr>
-</p:sldLayout>
-</file>
-
-<file path=ppt/slideLayouts/slideLayout9.xml><?xml version="1.0" encoding="utf-8"?>
-<p:sldLayout xmlns:a="http://schemas.openxmlformats.org/drawingml/2006/main" xmlns:r="http://schemas.openxmlformats.org/officeDocument/2006/relationships" xmlns:p="http://schemas.openxmlformats.org/presentationml/2006/main" type="picTx" preserve="1">
-  <p:cSld name="Picture with Caption">
-    <p:spTree>
-      <p:nvGrpSpPr>
-        <p:cNvPr id="1" name=""/>
-        <p:cNvGrpSpPr/>
-        <p:nvPr/>
-      </p:nvGrpSpPr>
-      <p:grpSpPr>
-        <a:xfrm>
-          <a:off x="0" y="0"/>
-          <a:ext cx="0" cy="0"/>
-          <a:chOff x="0" y="0"/>
-          <a:chExt cx="0" cy="0"/>
-        </a:xfrm>
-      </p:grpSpPr>
-      <p:sp>
-        <p:nvSpPr>
-          <p:cNvPr id="2" name="Title 1"/>
-          <p:cNvSpPr>
-            <a:spLocks noGrp="1"/>
-          </p:cNvSpPr>
-          <p:nvPr>
-            <p:ph type="title"/>
-          </p:nvPr>
-        </p:nvSpPr>
-        <p:spPr>
-          <a:xfrm>
-            <a:off x="839788" y="457200"/>
-            <a:ext cx="3932237" cy="1600200"/>
-          </a:xfrm>
-        </p:spPr>
-        <p:txBody>
-          <a:bodyPr anchor="b"/>
-          <a:lstStyle>
-            <a:lvl1pPr>
-              <a:defRPr sz="3200"/>
-            </a:lvl1pPr>
-          </a:lstStyle>
-          <a:p>
-            <a:r>
-              <a:rPr lang="en-US" altLang="zh-TW"/>
-              <a:t>Click to edit Master title style</a:t>
-            </a:r>
-            <a:endParaRPr lang="zh-TW" altLang="en-US"/>
-          </a:p>
-        </p:txBody>
-      </p:sp>
-      <p:sp>
-        <p:nvSpPr>
-          <p:cNvPr id="3" name="Picture Placeholder 2"/>
-          <p:cNvSpPr>
-            <a:spLocks noGrp="1"/>
-          </p:cNvSpPr>
-          <p:nvPr>
-            <p:ph type="pic" idx="1"/>
-          </p:nvPr>
-        </p:nvSpPr>
-        <p:spPr>
-          <a:xfrm>
-            <a:off x="5183188" y="987425"/>
-            <a:ext cx="6172200" cy="4873625"/>
-          </a:xfrm>
-        </p:spPr>
-        <p:txBody>
-          <a:bodyPr/>
-          <a:lstStyle>
-            <a:lvl1pPr marL="0" indent="0">
-              <a:buNone/>
-              <a:defRPr sz="3200"/>
-            </a:lvl1pPr>
-            <a:lvl2pPr marL="457200" indent="0">
-              <a:buNone/>
-              <a:defRPr sz="2800"/>
-            </a:lvl2pPr>
-            <a:lvl3pPr marL="914400" indent="0">
-              <a:buNone/>
-              <a:defRPr sz="2400"/>
-            </a:lvl3pPr>
-            <a:lvl4pPr marL="1371600" indent="0">
-              <a:buNone/>
-              <a:defRPr sz="2000"/>
-            </a:lvl4pPr>
-            <a:lvl5pPr marL="1828800" indent="0">
-              <a:buNone/>
-              <a:defRPr sz="2000"/>
-            </a:lvl5pPr>
-            <a:lvl6pPr marL="2286000" indent="0">
-              <a:buNone/>
-              <a:defRPr sz="2000"/>
-            </a:lvl6pPr>
-            <a:lvl7pPr marL="2743200" indent="0">
-              <a:buNone/>
-              <a:defRPr sz="2000"/>
-            </a:lvl7pPr>
-            <a:lvl8pPr marL="3200400" indent="0">
-              <a:buNone/>
-              <a:defRPr sz="2000"/>
-            </a:lvl8pPr>
-            <a:lvl9pPr marL="3657600" indent="0">
-              <a:buNone/>
-              <a:defRPr sz="2000"/>
-            </a:lvl9pPr>
-          </a:lstStyle>
-          <a:p>
-            <a:endParaRPr lang="zh-TW" altLang="en-US"/>
-          </a:p>
-        </p:txBody>
-      </p:sp>
-      <p:sp>
-        <p:nvSpPr>
-          <p:cNvPr id="4" name="Text Placeholder 3"/>
-          <p:cNvSpPr>
-            <a:spLocks noGrp="1"/>
-          </p:cNvSpPr>
-          <p:nvPr>
-            <p:ph type="body" sz="half" idx="2"/>
-          </p:nvPr>
-        </p:nvSpPr>
-        <p:spPr>
-          <a:xfrm>
-            <a:off x="839788" y="2057400"/>
-            <a:ext cx="3932237" cy="3811588"/>
-          </a:xfrm>
-        </p:spPr>
-        <p:txBody>
-          <a:bodyPr/>
-          <a:lstStyle>
-            <a:lvl1pPr marL="0" indent="0">
-              <a:buNone/>
-              <a:defRPr sz="1600"/>
-            </a:lvl1pPr>
-            <a:lvl2pPr marL="457200" indent="0">
-              <a:buNone/>
-              <a:defRPr sz="1400"/>
-            </a:lvl2pPr>
-            <a:lvl3pPr marL="914400" indent="0">
-              <a:buNone/>
-              <a:defRPr sz="1200"/>
-            </a:lvl3pPr>
-            <a:lvl4pPr marL="1371600" indent="0">
-              <a:buNone/>
-              <a:defRPr sz="1000"/>
-            </a:lvl4pPr>
-            <a:lvl5pPr marL="1828800" indent="0">
-              <a:buNone/>
-              <a:defRPr sz="1000"/>
-            </a:lvl5pPr>
-            <a:lvl6pPr marL="2286000" indent="0">
-              <a:buNone/>
-              <a:defRPr sz="1000"/>
-            </a:lvl6pPr>
-            <a:lvl7pPr marL="2743200" indent="0">
-              <a:buNone/>
-              <a:defRPr sz="1000"/>
-            </a:lvl7pPr>
-            <a:lvl8pPr marL="3200400" indent="0">
-              <a:buNone/>
-              <a:defRPr sz="1000"/>
-            </a:lvl8pPr>
-            <a:lvl9pPr marL="3657600" indent="0">
-              <a:buNone/>
-              <a:defRPr sz="1000"/>
-            </a:lvl9pPr>
-          </a:lstStyle>
-          <a:p>
-            <a:pPr lvl="0"/>
-            <a:r>
-              <a:rPr lang="en-US" altLang="zh-TW"/>
-              <a:t>Edit Master text styles</a:t>
-            </a:r>
-          </a:p>
-        </p:txBody>
-      </p:sp>
-      <p:sp>
-        <p:nvSpPr>
-          <p:cNvPr id="5" name="Date Placeholder 4"/>
-          <p:cNvSpPr>
-            <a:spLocks noGrp="1"/>
-          </p:cNvSpPr>
-          <p:nvPr>
-            <p:ph type="dt" sz="half" idx="10"/>
-          </p:nvPr>
-        </p:nvSpPr>
-        <p:spPr/>
-        <p:txBody>
-          <a:bodyPr/>
-          <a:lstStyle/>
-          <a:p>
-            <a:fld id="{17DF1E68-0589-4AB3-A6BD-B973EB6370BF}" type="datetimeFigureOut">
-              <a:rPr lang="zh-TW" altLang="en-US" smtClean="0">
-                <a:solidFill>
-                  <a:prstClr val="black">
-                    <a:tint val="75000"/>
-                  </a:prstClr>
-                </a:solidFill>
-              </a:rPr>
-              <a:pPr/>
-              <a:t>2017/5/3</a:t>
-            </a:fld>
-            <a:endParaRPr lang="zh-TW" altLang="en-US">
-              <a:solidFill>
-                <a:prstClr val="black">
-                  <a:tint val="75000"/>
-                </a:prstClr>
-              </a:solidFill>
-            </a:endParaRPr>
-          </a:p>
-        </p:txBody>
-      </p:sp>
-      <p:sp>
-        <p:nvSpPr>
-          <p:cNvPr id="6" name="Footer Placeholder 5"/>
-          <p:cNvSpPr>
-            <a:spLocks noGrp="1"/>
-          </p:cNvSpPr>
-          <p:nvPr>
-            <p:ph type="ftr" sz="quarter" idx="11"/>
-          </p:nvPr>
-        </p:nvSpPr>
-        <p:spPr/>
-        <p:txBody>
-          <a:bodyPr/>
-          <a:lstStyle/>
-          <a:p>
-            <a:endParaRPr lang="zh-TW" altLang="en-US">
-              <a:solidFill>
-                <a:prstClr val="black">
-                  <a:tint val="75000"/>
-                </a:prstClr>
-              </a:solidFill>
-            </a:endParaRPr>
-          </a:p>
-        </p:txBody>
-      </p:sp>
-      <p:sp>
-        <p:nvSpPr>
-          <p:cNvPr id="7" name="Slide Number Placeholder 6"/>
-          <p:cNvSpPr>
-            <a:spLocks noGrp="1"/>
-          </p:cNvSpPr>
-          <p:nvPr>
-            <p:ph type="sldNum" sz="quarter" idx="12"/>
-          </p:nvPr>
-        </p:nvSpPr>
-        <p:spPr/>
-        <p:txBody>
-          <a:bodyPr/>
-          <a:lstStyle/>
-          <a:p>
-            <a:fld id="{E32D4240-BCF3-4973-A51B-7B4F8665E35F}" type="slidenum">
-              <a:rPr lang="zh-TW" altLang="en-US" smtClean="0">
-                <a:solidFill>
-                  <a:prstClr val="black">
-                    <a:tint val="75000"/>
-                  </a:prstClr>
-                </a:solidFill>
-              </a:rPr>
-              <a:pPr/>
-              <a:t>‹#›</a:t>
-            </a:fld>
-            <a:endParaRPr lang="zh-TW" altLang="en-US">
-              <a:solidFill>
-                <a:prstClr val="black">
-                  <a:tint val="75000"/>
-                </a:prstClr>
-              </a:solidFill>
-            </a:endParaRPr>
-          </a:p>
-        </p:txBody>
-      </p:sp>
-    </p:spTree>
-    <p:extLst>
-      <p:ext uri="{BB962C8B-B14F-4D97-AF65-F5344CB8AC3E}">
-        <p14:creationId xmlns:p14="http://schemas.microsoft.com/office/powerpoint/2010/main" val="307906837"/>
-      </p:ext>
-    </p:extLst>
-  </p:cSld>
-  <p:clrMapOvr>
-    <a:masterClrMapping/>
-  </p:clrMapOvr>
-</p:sldLayout>
-</file>
-
 <file path=ppt/slideMasters/slideMaster1.xml><?xml version="1.0" encoding="utf-8"?>
 <p:sldMaster xmlns:a="http://schemas.openxmlformats.org/drawingml/2006/main" xmlns:r="http://schemas.openxmlformats.org/officeDocument/2006/relationships" xmlns:p="http://schemas.openxmlformats.org/presentationml/2006/main">
   <p:cSld>
     <p:bg>
-      <p:bgRef idx="1001">
-        <a:schemeClr val="bg1"/>
-      </p:bgRef>
+      <p:bgPr>
+        <a:solidFill>
+          <a:srgbClr val="DCDB45"/>
+        </a:solidFill>
+        <a:effectLst/>
+      </p:bgPr>
     </p:bg>
     <p:spTree>
       <p:nvGrpSpPr>
@@ -5873,578 +3230,6 @@
         </p:nvSpPr>
         <p:spPr>
           <a:xfrm>
-            <a:off x="838200" y="365125"/>
-            <a:ext cx="10515600" cy="1325563"/>
-          </a:xfrm>
-          <a:prstGeom prst="rect">
-            <a:avLst/>
-          </a:prstGeom>
-        </p:spPr>
-        <p:txBody>
-          <a:bodyPr vert="horz" lIns="91440" tIns="45720" rIns="91440" bIns="45720" rtlCol="0" anchor="ctr">
-            <a:normAutofit/>
-          </a:bodyPr>
-          <a:lstStyle/>
-          <a:p>
-            <a:r>
-              <a:rPr lang="en-US" altLang="zh-TW"/>
-              <a:t>Click to edit Master title style</a:t>
-            </a:r>
-            <a:endParaRPr lang="zh-TW" altLang="en-US"/>
-          </a:p>
-        </p:txBody>
-      </p:sp>
-      <p:sp>
-        <p:nvSpPr>
-          <p:cNvPr id="3" name="Text Placeholder 2"/>
-          <p:cNvSpPr>
-            <a:spLocks noGrp="1"/>
-          </p:cNvSpPr>
-          <p:nvPr>
-            <p:ph type="body" idx="1"/>
-          </p:nvPr>
-        </p:nvSpPr>
-        <p:spPr>
-          <a:xfrm>
-            <a:off x="838200" y="1825625"/>
-            <a:ext cx="10515600" cy="4351338"/>
-          </a:xfrm>
-          <a:prstGeom prst="rect">
-            <a:avLst/>
-          </a:prstGeom>
-        </p:spPr>
-        <p:txBody>
-          <a:bodyPr vert="horz" lIns="91440" tIns="45720" rIns="91440" bIns="45720" rtlCol="0">
-            <a:normAutofit/>
-          </a:bodyPr>
-          <a:lstStyle/>
-          <a:p>
-            <a:pPr lvl="0"/>
-            <a:r>
-              <a:rPr lang="en-US" altLang="zh-TW"/>
-              <a:t>Edit Master text styles</a:t>
-            </a:r>
-          </a:p>
-          <a:p>
-            <a:pPr lvl="1"/>
-            <a:r>
-              <a:rPr lang="en-US" altLang="zh-TW"/>
-              <a:t>Second level</a:t>
-            </a:r>
-          </a:p>
-          <a:p>
-            <a:pPr lvl="2"/>
-            <a:r>
-              <a:rPr lang="en-US" altLang="zh-TW"/>
-              <a:t>Third level</a:t>
-            </a:r>
-          </a:p>
-          <a:p>
-            <a:pPr lvl="3"/>
-            <a:r>
-              <a:rPr lang="en-US" altLang="zh-TW"/>
-              <a:t>Fourth level</a:t>
-            </a:r>
-          </a:p>
-          <a:p>
-            <a:pPr lvl="4"/>
-            <a:r>
-              <a:rPr lang="en-US" altLang="zh-TW"/>
-              <a:t>Fifth level</a:t>
-            </a:r>
-            <a:endParaRPr lang="zh-TW" altLang="en-US"/>
-          </a:p>
-        </p:txBody>
-      </p:sp>
-      <p:sp>
-        <p:nvSpPr>
-          <p:cNvPr id="4" name="Date Placeholder 3"/>
-          <p:cNvSpPr>
-            <a:spLocks noGrp="1"/>
-          </p:cNvSpPr>
-          <p:nvPr>
-            <p:ph type="dt" sz="half" idx="2"/>
-          </p:nvPr>
-        </p:nvSpPr>
-        <p:spPr>
-          <a:xfrm>
-            <a:off x="838200" y="6356350"/>
-            <a:ext cx="2743200" cy="365125"/>
-          </a:xfrm>
-          <a:prstGeom prst="rect">
-            <a:avLst/>
-          </a:prstGeom>
-        </p:spPr>
-        <p:txBody>
-          <a:bodyPr vert="horz" lIns="91440" tIns="45720" rIns="91440" bIns="45720" rtlCol="0" anchor="ctr"/>
-          <a:lstStyle>
-            <a:lvl1pPr algn="l">
-              <a:defRPr sz="1200">
-                <a:solidFill>
-                  <a:schemeClr val="tx1">
-                    <a:tint val="75000"/>
-                  </a:schemeClr>
-                </a:solidFill>
-              </a:defRPr>
-            </a:lvl1pPr>
-          </a:lstStyle>
-          <a:p>
-            <a:fld id="{17DF1E68-0589-4AB3-A6BD-B973EB6370BF}" type="datetimeFigureOut">
-              <a:rPr lang="zh-TW" altLang="en-US" smtClean="0">
-                <a:solidFill>
-                  <a:prstClr val="black">
-                    <a:tint val="75000"/>
-                  </a:prstClr>
-                </a:solidFill>
-              </a:rPr>
-              <a:pPr/>
-              <a:t>2017/5/3</a:t>
-            </a:fld>
-            <a:endParaRPr lang="zh-TW" altLang="en-US">
-              <a:solidFill>
-                <a:prstClr val="black">
-                  <a:tint val="75000"/>
-                </a:prstClr>
-              </a:solidFill>
-            </a:endParaRPr>
-          </a:p>
-        </p:txBody>
-      </p:sp>
-      <p:sp>
-        <p:nvSpPr>
-          <p:cNvPr id="5" name="Footer Placeholder 4"/>
-          <p:cNvSpPr>
-            <a:spLocks noGrp="1"/>
-          </p:cNvSpPr>
-          <p:nvPr>
-            <p:ph type="ftr" sz="quarter" idx="3"/>
-          </p:nvPr>
-        </p:nvSpPr>
-        <p:spPr>
-          <a:xfrm>
-            <a:off x="4038600" y="6356350"/>
-            <a:ext cx="4114800" cy="365125"/>
-          </a:xfrm>
-          <a:prstGeom prst="rect">
-            <a:avLst/>
-          </a:prstGeom>
-        </p:spPr>
-        <p:txBody>
-          <a:bodyPr vert="horz" lIns="91440" tIns="45720" rIns="91440" bIns="45720" rtlCol="0" anchor="ctr"/>
-          <a:lstStyle>
-            <a:lvl1pPr algn="ctr">
-              <a:defRPr sz="1200">
-                <a:solidFill>
-                  <a:schemeClr val="tx1">
-                    <a:tint val="75000"/>
-                  </a:schemeClr>
-                </a:solidFill>
-              </a:defRPr>
-            </a:lvl1pPr>
-          </a:lstStyle>
-          <a:p>
-            <a:endParaRPr lang="zh-TW" altLang="en-US">
-              <a:solidFill>
-                <a:prstClr val="black">
-                  <a:tint val="75000"/>
-                </a:prstClr>
-              </a:solidFill>
-            </a:endParaRPr>
-          </a:p>
-        </p:txBody>
-      </p:sp>
-      <p:sp>
-        <p:nvSpPr>
-          <p:cNvPr id="6" name="Slide Number Placeholder 5"/>
-          <p:cNvSpPr>
-            <a:spLocks noGrp="1"/>
-          </p:cNvSpPr>
-          <p:nvPr>
-            <p:ph type="sldNum" sz="quarter" idx="4"/>
-          </p:nvPr>
-        </p:nvSpPr>
-        <p:spPr>
-          <a:xfrm>
-            <a:off x="8610600" y="6356350"/>
-            <a:ext cx="2743200" cy="365125"/>
-          </a:xfrm>
-          <a:prstGeom prst="rect">
-            <a:avLst/>
-          </a:prstGeom>
-        </p:spPr>
-        <p:txBody>
-          <a:bodyPr vert="horz" lIns="91440" tIns="45720" rIns="91440" bIns="45720" rtlCol="0" anchor="ctr"/>
-          <a:lstStyle>
-            <a:lvl1pPr algn="r">
-              <a:defRPr sz="1200">
-                <a:solidFill>
-                  <a:schemeClr val="tx1">
-                    <a:tint val="75000"/>
-                  </a:schemeClr>
-                </a:solidFill>
-              </a:defRPr>
-            </a:lvl1pPr>
-          </a:lstStyle>
-          <a:p>
-            <a:fld id="{E32D4240-BCF3-4973-A51B-7B4F8665E35F}" type="slidenum">
-              <a:rPr lang="zh-TW" altLang="en-US" smtClean="0">
-                <a:solidFill>
-                  <a:prstClr val="black">
-                    <a:tint val="75000"/>
-                  </a:prstClr>
-                </a:solidFill>
-              </a:rPr>
-              <a:pPr/>
-              <a:t>‹#›</a:t>
-            </a:fld>
-            <a:endParaRPr lang="zh-TW" altLang="en-US">
-              <a:solidFill>
-                <a:prstClr val="black">
-                  <a:tint val="75000"/>
-                </a:prstClr>
-              </a:solidFill>
-            </a:endParaRPr>
-          </a:p>
-        </p:txBody>
-      </p:sp>
-    </p:spTree>
-    <p:extLst>
-      <p:ext uri="{BB962C8B-B14F-4D97-AF65-F5344CB8AC3E}">
-        <p14:creationId xmlns:p14="http://schemas.microsoft.com/office/powerpoint/2010/main" val="2056762693"/>
-      </p:ext>
-    </p:extLst>
-  </p:cSld>
-  <p:clrMap bg1="lt1" tx1="dk1" bg2="lt2" tx2="dk2" accent1="accent1" accent2="accent2" accent3="accent3" accent4="accent4" accent5="accent5" accent6="accent6" hlink="hlink" folHlink="folHlink"/>
-  <p:sldLayoutIdLst>
-    <p:sldLayoutId id="2147483780" r:id="rId1"/>
-    <p:sldLayoutId id="2147483781" r:id="rId2"/>
-    <p:sldLayoutId id="2147483782" r:id="rId3"/>
-    <p:sldLayoutId id="2147483783" r:id="rId4"/>
-    <p:sldLayoutId id="2147483784" r:id="rId5"/>
-    <p:sldLayoutId id="2147483785" r:id="rId6"/>
-    <p:sldLayoutId id="2147483786" r:id="rId7"/>
-    <p:sldLayoutId id="2147483787" r:id="rId8"/>
-    <p:sldLayoutId id="2147483788" r:id="rId9"/>
-    <p:sldLayoutId id="2147483789" r:id="rId10"/>
-    <p:sldLayoutId id="2147483790" r:id="rId11"/>
-  </p:sldLayoutIdLst>
-  <p:txStyles>
-    <p:titleStyle>
-      <a:lvl1pPr algn="l" defTabSz="914400" rtl="0" eaLnBrk="1" latinLnBrk="0" hangingPunct="1">
-        <a:lnSpc>
-          <a:spcPct val="90000"/>
-        </a:lnSpc>
-        <a:spcBef>
-          <a:spcPct val="0"/>
-        </a:spcBef>
-        <a:buNone/>
-        <a:defRPr sz="4400" kern="1200">
-          <a:solidFill>
-            <a:schemeClr val="tx1"/>
-          </a:solidFill>
-          <a:latin typeface="+mj-lt"/>
-          <a:ea typeface="+mj-ea"/>
-          <a:cs typeface="+mj-cs"/>
-        </a:defRPr>
-      </a:lvl1pPr>
-    </p:titleStyle>
-    <p:bodyStyle>
-      <a:lvl1pPr marL="228600" indent="-228600" algn="l" defTabSz="914400" rtl="0" eaLnBrk="1" latinLnBrk="0" hangingPunct="1">
-        <a:lnSpc>
-          <a:spcPct val="90000"/>
-        </a:lnSpc>
-        <a:spcBef>
-          <a:spcPts val="1000"/>
-        </a:spcBef>
-        <a:buFont typeface="Arial" panose="020B0604020202020204" pitchFamily="34" charset="0"/>
-        <a:buChar char="•"/>
-        <a:defRPr sz="2800" kern="1200">
-          <a:solidFill>
-            <a:schemeClr val="tx1"/>
-          </a:solidFill>
-          <a:latin typeface="+mn-lt"/>
-          <a:ea typeface="+mn-ea"/>
-          <a:cs typeface="+mn-cs"/>
-        </a:defRPr>
-      </a:lvl1pPr>
-      <a:lvl2pPr marL="685800" indent="-228600" algn="l" defTabSz="914400" rtl="0" eaLnBrk="1" latinLnBrk="0" hangingPunct="1">
-        <a:lnSpc>
-          <a:spcPct val="90000"/>
-        </a:lnSpc>
-        <a:spcBef>
-          <a:spcPts val="500"/>
-        </a:spcBef>
-        <a:buFont typeface="Arial" panose="020B0604020202020204" pitchFamily="34" charset="0"/>
-        <a:buChar char="•"/>
-        <a:defRPr sz="2400" kern="1200">
-          <a:solidFill>
-            <a:schemeClr val="tx1"/>
-          </a:solidFill>
-          <a:latin typeface="+mn-lt"/>
-          <a:ea typeface="+mn-ea"/>
-          <a:cs typeface="+mn-cs"/>
-        </a:defRPr>
-      </a:lvl2pPr>
-      <a:lvl3pPr marL="1143000" indent="-228600" algn="l" defTabSz="914400" rtl="0" eaLnBrk="1" latinLnBrk="0" hangingPunct="1">
-        <a:lnSpc>
-          <a:spcPct val="90000"/>
-        </a:lnSpc>
-        <a:spcBef>
-          <a:spcPts val="500"/>
-        </a:spcBef>
-        <a:buFont typeface="Arial" panose="020B0604020202020204" pitchFamily="34" charset="0"/>
-        <a:buChar char="•"/>
-        <a:defRPr sz="2000" kern="1200">
-          <a:solidFill>
-            <a:schemeClr val="tx1"/>
-          </a:solidFill>
-          <a:latin typeface="+mn-lt"/>
-          <a:ea typeface="+mn-ea"/>
-          <a:cs typeface="+mn-cs"/>
-        </a:defRPr>
-      </a:lvl3pPr>
-      <a:lvl4pPr marL="1600200" indent="-228600" algn="l" defTabSz="914400" rtl="0" eaLnBrk="1" latinLnBrk="0" hangingPunct="1">
-        <a:lnSpc>
-          <a:spcPct val="90000"/>
-        </a:lnSpc>
-        <a:spcBef>
-          <a:spcPts val="500"/>
-        </a:spcBef>
-        <a:buFont typeface="Arial" panose="020B0604020202020204" pitchFamily="34" charset="0"/>
-        <a:buChar char="•"/>
-        <a:defRPr sz="1800" kern="1200">
-          <a:solidFill>
-            <a:schemeClr val="tx1"/>
-          </a:solidFill>
-          <a:latin typeface="+mn-lt"/>
-          <a:ea typeface="+mn-ea"/>
-          <a:cs typeface="+mn-cs"/>
-        </a:defRPr>
-      </a:lvl4pPr>
-      <a:lvl5pPr marL="2057400" indent="-228600" algn="l" defTabSz="914400" rtl="0" eaLnBrk="1" latinLnBrk="0" hangingPunct="1">
-        <a:lnSpc>
-          <a:spcPct val="90000"/>
-        </a:lnSpc>
-        <a:spcBef>
-          <a:spcPts val="500"/>
-        </a:spcBef>
-        <a:buFont typeface="Arial" panose="020B0604020202020204" pitchFamily="34" charset="0"/>
-        <a:buChar char="•"/>
-        <a:defRPr sz="1800" kern="1200">
-          <a:solidFill>
-            <a:schemeClr val="tx1"/>
-          </a:solidFill>
-          <a:latin typeface="+mn-lt"/>
-          <a:ea typeface="+mn-ea"/>
-          <a:cs typeface="+mn-cs"/>
-        </a:defRPr>
-      </a:lvl5pPr>
-      <a:lvl6pPr marL="2514600" indent="-228600" algn="l" defTabSz="914400" rtl="0" eaLnBrk="1" latinLnBrk="0" hangingPunct="1">
-        <a:lnSpc>
-          <a:spcPct val="90000"/>
-        </a:lnSpc>
-        <a:spcBef>
-          <a:spcPts val="500"/>
-        </a:spcBef>
-        <a:buFont typeface="Arial" panose="020B0604020202020204" pitchFamily="34" charset="0"/>
-        <a:buChar char="•"/>
-        <a:defRPr sz="1800" kern="1200">
-          <a:solidFill>
-            <a:schemeClr val="tx1"/>
-          </a:solidFill>
-          <a:latin typeface="+mn-lt"/>
-          <a:ea typeface="+mn-ea"/>
-          <a:cs typeface="+mn-cs"/>
-        </a:defRPr>
-      </a:lvl6pPr>
-      <a:lvl7pPr marL="2971800" indent="-228600" algn="l" defTabSz="914400" rtl="0" eaLnBrk="1" latinLnBrk="0" hangingPunct="1">
-        <a:lnSpc>
-          <a:spcPct val="90000"/>
-        </a:lnSpc>
-        <a:spcBef>
-          <a:spcPts val="500"/>
-        </a:spcBef>
-        <a:buFont typeface="Arial" panose="020B0604020202020204" pitchFamily="34" charset="0"/>
-        <a:buChar char="•"/>
-        <a:defRPr sz="1800" kern="1200">
-          <a:solidFill>
-            <a:schemeClr val="tx1"/>
-          </a:solidFill>
-          <a:latin typeface="+mn-lt"/>
-          <a:ea typeface="+mn-ea"/>
-          <a:cs typeface="+mn-cs"/>
-        </a:defRPr>
-      </a:lvl7pPr>
-      <a:lvl8pPr marL="3429000" indent="-228600" algn="l" defTabSz="914400" rtl="0" eaLnBrk="1" latinLnBrk="0" hangingPunct="1">
-        <a:lnSpc>
-          <a:spcPct val="90000"/>
-        </a:lnSpc>
-        <a:spcBef>
-          <a:spcPts val="500"/>
-        </a:spcBef>
-        <a:buFont typeface="Arial" panose="020B0604020202020204" pitchFamily="34" charset="0"/>
-        <a:buChar char="•"/>
-        <a:defRPr sz="1800" kern="1200">
-          <a:solidFill>
-            <a:schemeClr val="tx1"/>
-          </a:solidFill>
-          <a:latin typeface="+mn-lt"/>
-          <a:ea typeface="+mn-ea"/>
-          <a:cs typeface="+mn-cs"/>
-        </a:defRPr>
-      </a:lvl8pPr>
-      <a:lvl9pPr marL="3886200" indent="-228600" algn="l" defTabSz="914400" rtl="0" eaLnBrk="1" latinLnBrk="0" hangingPunct="1">
-        <a:lnSpc>
-          <a:spcPct val="90000"/>
-        </a:lnSpc>
-        <a:spcBef>
-          <a:spcPts val="500"/>
-        </a:spcBef>
-        <a:buFont typeface="Arial" panose="020B0604020202020204" pitchFamily="34" charset="0"/>
-        <a:buChar char="•"/>
-        <a:defRPr sz="1800" kern="1200">
-          <a:solidFill>
-            <a:schemeClr val="tx1"/>
-          </a:solidFill>
-          <a:latin typeface="+mn-lt"/>
-          <a:ea typeface="+mn-ea"/>
-          <a:cs typeface="+mn-cs"/>
-        </a:defRPr>
-      </a:lvl9pPr>
-    </p:bodyStyle>
-    <p:otherStyle>
-      <a:defPPr>
-        <a:defRPr lang="zh-TW"/>
-      </a:defPPr>
-      <a:lvl1pPr marL="0" algn="l" defTabSz="914400" rtl="0" eaLnBrk="1" latinLnBrk="0" hangingPunct="1">
-        <a:defRPr sz="1800" kern="1200">
-          <a:solidFill>
-            <a:schemeClr val="tx1"/>
-          </a:solidFill>
-          <a:latin typeface="+mn-lt"/>
-          <a:ea typeface="+mn-ea"/>
-          <a:cs typeface="+mn-cs"/>
-        </a:defRPr>
-      </a:lvl1pPr>
-      <a:lvl2pPr marL="457200" algn="l" defTabSz="914400" rtl="0" eaLnBrk="1" latinLnBrk="0" hangingPunct="1">
-        <a:defRPr sz="1800" kern="1200">
-          <a:solidFill>
-            <a:schemeClr val="tx1"/>
-          </a:solidFill>
-          <a:latin typeface="+mn-lt"/>
-          <a:ea typeface="+mn-ea"/>
-          <a:cs typeface="+mn-cs"/>
-        </a:defRPr>
-      </a:lvl2pPr>
-      <a:lvl3pPr marL="914400" algn="l" defTabSz="914400" rtl="0" eaLnBrk="1" latinLnBrk="0" hangingPunct="1">
-        <a:defRPr sz="1800" kern="1200">
-          <a:solidFill>
-            <a:schemeClr val="tx1"/>
-          </a:solidFill>
-          <a:latin typeface="+mn-lt"/>
-          <a:ea typeface="+mn-ea"/>
-          <a:cs typeface="+mn-cs"/>
-        </a:defRPr>
-      </a:lvl3pPr>
-      <a:lvl4pPr marL="1371600" algn="l" defTabSz="914400" rtl="0" eaLnBrk="1" latinLnBrk="0" hangingPunct="1">
-        <a:defRPr sz="1800" kern="1200">
-          <a:solidFill>
-            <a:schemeClr val="tx1"/>
-          </a:solidFill>
-          <a:latin typeface="+mn-lt"/>
-          <a:ea typeface="+mn-ea"/>
-          <a:cs typeface="+mn-cs"/>
-        </a:defRPr>
-      </a:lvl4pPr>
-      <a:lvl5pPr marL="1828800" algn="l" defTabSz="914400" rtl="0" eaLnBrk="1" latinLnBrk="0" hangingPunct="1">
-        <a:defRPr sz="1800" kern="1200">
-          <a:solidFill>
-            <a:schemeClr val="tx1"/>
-          </a:solidFill>
-          <a:latin typeface="+mn-lt"/>
-          <a:ea typeface="+mn-ea"/>
-          <a:cs typeface="+mn-cs"/>
-        </a:defRPr>
-      </a:lvl5pPr>
-      <a:lvl6pPr marL="2286000" algn="l" defTabSz="914400" rtl="0" eaLnBrk="1" latinLnBrk="0" hangingPunct="1">
-        <a:defRPr sz="1800" kern="1200">
-          <a:solidFill>
-            <a:schemeClr val="tx1"/>
-          </a:solidFill>
-          <a:latin typeface="+mn-lt"/>
-          <a:ea typeface="+mn-ea"/>
-          <a:cs typeface="+mn-cs"/>
-        </a:defRPr>
-      </a:lvl6pPr>
-      <a:lvl7pPr marL="2743200" algn="l" defTabSz="914400" rtl="0" eaLnBrk="1" latinLnBrk="0" hangingPunct="1">
-        <a:defRPr sz="1800" kern="1200">
-          <a:solidFill>
-            <a:schemeClr val="tx1"/>
-          </a:solidFill>
-          <a:latin typeface="+mn-lt"/>
-          <a:ea typeface="+mn-ea"/>
-          <a:cs typeface="+mn-cs"/>
-        </a:defRPr>
-      </a:lvl7pPr>
-      <a:lvl8pPr marL="3200400" algn="l" defTabSz="914400" rtl="0" eaLnBrk="1" latinLnBrk="0" hangingPunct="1">
-        <a:defRPr sz="1800" kern="1200">
-          <a:solidFill>
-            <a:schemeClr val="tx1"/>
-          </a:solidFill>
-          <a:latin typeface="+mn-lt"/>
-          <a:ea typeface="+mn-ea"/>
-          <a:cs typeface="+mn-cs"/>
-        </a:defRPr>
-      </a:lvl8pPr>
-      <a:lvl9pPr marL="3657600" algn="l" defTabSz="914400" rtl="0" eaLnBrk="1" latinLnBrk="0" hangingPunct="1">
-        <a:defRPr sz="1800" kern="1200">
-          <a:solidFill>
-            <a:schemeClr val="tx1"/>
-          </a:solidFill>
-          <a:latin typeface="+mn-lt"/>
-          <a:ea typeface="+mn-ea"/>
-          <a:cs typeface="+mn-cs"/>
-        </a:defRPr>
-      </a:lvl9pPr>
-    </p:otherStyle>
-  </p:txStyles>
-</p:sldMaster>
-</file>
-
-<file path=ppt/slideMasters/slideMaster2.xml><?xml version="1.0" encoding="utf-8"?>
-<p:sldMaster xmlns:a="http://schemas.openxmlformats.org/drawingml/2006/main" xmlns:r="http://schemas.openxmlformats.org/officeDocument/2006/relationships" xmlns:p="http://schemas.openxmlformats.org/presentationml/2006/main">
-  <p:cSld>
-    <p:bg>
-      <p:bgRef idx="1001">
-        <a:schemeClr val="bg1"/>
-      </p:bgRef>
-    </p:bg>
-    <p:spTree>
-      <p:nvGrpSpPr>
-        <p:cNvPr id="1" name=""/>
-        <p:cNvGrpSpPr/>
-        <p:nvPr/>
-      </p:nvGrpSpPr>
-      <p:grpSpPr>
-        <a:xfrm>
-          <a:off x="0" y="0"/>
-          <a:ext cx="0" cy="0"/>
-          <a:chOff x="0" y="0"/>
-          <a:chExt cx="0" cy="0"/>
-        </a:xfrm>
-      </p:grpSpPr>
-      <p:sp>
-        <p:nvSpPr>
-          <p:cNvPr id="2" name="Title Placeholder 1"/>
-          <p:cNvSpPr>
-            <a:spLocks noGrp="1"/>
-          </p:cNvSpPr>
-          <p:nvPr>
-            <p:ph type="title"/>
-          </p:nvPr>
-        </p:nvSpPr>
-        <p:spPr>
-          <a:xfrm>
             <a:off x="1024128" y="585216"/>
             <a:ext cx="9720072" cy="1499616"/>
           </a:xfrm>
@@ -6572,7 +3357,7 @@
                 </a:solidFill>
               </a:rPr>
               <a:pPr/>
-              <a:t>2017/5/3</a:t>
+              <a:t>2017/5/4</a:t>
             </a:fld>
             <a:endParaRPr lang="zh-TW" altLang="en-US">
               <a:solidFill>
@@ -7088,10 +3873,7 @@
     <p:bg>
       <p:bgPr>
         <a:solidFill>
-          <a:schemeClr val="accent2">
-            <a:lumMod val="20000"/>
-            <a:lumOff val="80000"/>
-          </a:schemeClr>
+          <a:srgbClr val="DCDB45"/>
         </a:solidFill>
         <a:effectLst/>
       </p:bgPr>
@@ -7204,6 +3986,36 @@
           </a:p>
         </p:txBody>
       </p:sp>
+      <p:pic>
+        <p:nvPicPr>
+          <p:cNvPr id="4" name="Picture 3"/>
+          <p:cNvPicPr>
+            <a:picLocks noChangeAspect="1"/>
+          </p:cNvPicPr>
+          <p:nvPr/>
+        </p:nvPicPr>
+        <p:blipFill>
+          <a:blip r:embed="rId2">
+            <a:extLst>
+              <a:ext uri="{28A0092B-C50C-407E-A947-70E740481C1C}">
+                <a14:useLocalDpi xmlns:a14="http://schemas.microsoft.com/office/drawing/2010/main" val="0"/>
+              </a:ext>
+            </a:extLst>
+          </a:blip>
+          <a:stretch>
+            <a:fillRect/>
+          </a:stretch>
+        </p:blipFill>
+        <p:spPr>
+          <a:xfrm>
+            <a:off x="1809468" y="1193629"/>
+            <a:ext cx="2867025" cy="2867025"/>
+          </a:xfrm>
+          <a:prstGeom prst="rect">
+            <a:avLst/>
+          </a:prstGeom>
+        </p:spPr>
+      </p:pic>
     </p:spTree>
     <p:extLst>
       <p:ext uri="{BB962C8B-B14F-4D97-AF65-F5344CB8AC3E}">
@@ -7220,17 +4032,6 @@
 <file path=ppt/slides/slide10.xml><?xml version="1.0" encoding="utf-8"?>
 <p:sld xmlns:a="http://schemas.openxmlformats.org/drawingml/2006/main" xmlns:r="http://schemas.openxmlformats.org/officeDocument/2006/relationships" xmlns:p="http://schemas.openxmlformats.org/presentationml/2006/main">
   <p:cSld>
-    <p:bg>
-      <p:bgPr>
-        <a:solidFill>
-          <a:schemeClr val="accent2">
-            <a:lumMod val="20000"/>
-            <a:lumOff val="80000"/>
-          </a:schemeClr>
-        </a:solidFill>
-        <a:effectLst/>
-      </p:bgPr>
-    </p:bg>
     <p:spTree>
       <p:nvGrpSpPr>
         <p:cNvPr id="1" name=""/>
@@ -7245,6 +4046,490 @@
           <a:chExt cx="0" cy="0"/>
         </a:xfrm>
       </p:grpSpPr>
+      <p:sp>
+        <p:nvSpPr>
+          <p:cNvPr id="2" name="Title 1"/>
+          <p:cNvSpPr>
+            <a:spLocks noGrp="1"/>
+          </p:cNvSpPr>
+          <p:nvPr>
+            <p:ph type="title"/>
+          </p:nvPr>
+        </p:nvSpPr>
+        <p:spPr/>
+        <p:txBody>
+          <a:bodyPr/>
+          <a:lstStyle/>
+          <a:p>
+            <a:r>
+              <a:rPr lang="en-US" dirty="0" smtClean="0"/>
+              <a:t>Wireframe</a:t>
+            </a:r>
+            <a:endParaRPr lang="en-US" dirty="0"/>
+          </a:p>
+        </p:txBody>
+      </p:sp>
+      <p:pic>
+        <p:nvPicPr>
+          <p:cNvPr id="5" name="Content Placeholder 4"/>
+          <p:cNvPicPr>
+            <a:picLocks noGrp="1" noChangeAspect="1"/>
+          </p:cNvPicPr>
+          <p:nvPr>
+            <p:ph idx="1"/>
+          </p:nvPr>
+        </p:nvPicPr>
+        <p:blipFill>
+          <a:blip r:embed="rId2">
+            <a:extLst>
+              <a:ext uri="{28A0092B-C50C-407E-A947-70E740481C1C}">
+                <a14:useLocalDpi xmlns:a14="http://schemas.microsoft.com/office/drawing/2010/main" val="0"/>
+              </a:ext>
+            </a:extLst>
+          </a:blip>
+          <a:stretch>
+            <a:fillRect/>
+          </a:stretch>
+        </p:blipFill>
+        <p:spPr>
+          <a:xfrm>
+            <a:off x="2958089" y="2084832"/>
+            <a:ext cx="5738905" cy="4076817"/>
+          </a:xfrm>
+        </p:spPr>
+      </p:pic>
+      <p:sp>
+        <p:nvSpPr>
+          <p:cNvPr id="4" name="TextBox 3"/>
+          <p:cNvSpPr txBox="1"/>
+          <p:nvPr/>
+        </p:nvSpPr>
+        <p:spPr>
+          <a:xfrm>
+            <a:off x="0" y="6161649"/>
+            <a:ext cx="12192000" cy="696351"/>
+          </a:xfrm>
+          <a:prstGeom prst="rect">
+            <a:avLst/>
+          </a:prstGeom>
+          <a:solidFill>
+            <a:schemeClr val="accent2"/>
+          </a:solidFill>
+        </p:spPr>
+        <p:txBody>
+          <a:bodyPr wrap="square" rtlCol="0">
+            <a:spAutoFit/>
+          </a:bodyPr>
+          <a:lstStyle/>
+          <a:p>
+            <a:endParaRPr lang="en-US" dirty="0"/>
+          </a:p>
+        </p:txBody>
+      </p:sp>
+      <p:sp>
+        <p:nvSpPr>
+          <p:cNvPr id="6" name="TextBox 5"/>
+          <p:cNvSpPr txBox="1"/>
+          <p:nvPr/>
+        </p:nvSpPr>
+        <p:spPr>
+          <a:xfrm>
+            <a:off x="0" y="6189785"/>
+            <a:ext cx="12192000" cy="696351"/>
+          </a:xfrm>
+          <a:prstGeom prst="rect">
+            <a:avLst/>
+          </a:prstGeom>
+          <a:solidFill>
+            <a:srgbClr val="F1DD9E"/>
+          </a:solidFill>
+        </p:spPr>
+        <p:txBody>
+          <a:bodyPr wrap="square" rtlCol="0">
+            <a:spAutoFit/>
+          </a:bodyPr>
+          <a:lstStyle/>
+          <a:p>
+            <a:endParaRPr lang="en-US" dirty="0"/>
+          </a:p>
+        </p:txBody>
+      </p:sp>
+    </p:spTree>
+    <p:extLst>
+      <p:ext uri="{BB962C8B-B14F-4D97-AF65-F5344CB8AC3E}">
+        <p14:creationId xmlns:p14="http://schemas.microsoft.com/office/powerpoint/2010/main" val="3015876741"/>
+      </p:ext>
+    </p:extLst>
+  </p:cSld>
+  <p:clrMapOvr>
+    <a:masterClrMapping/>
+  </p:clrMapOvr>
+  <p:timing>
+    <p:tnLst>
+      <p:par>
+        <p:cTn id="1" dur="indefinite" restart="never" nodeType="tmRoot"/>
+      </p:par>
+    </p:tnLst>
+  </p:timing>
+</p:sld>
+</file>
+
+<file path=ppt/slides/slide11.xml><?xml version="1.0" encoding="utf-8"?>
+<p:sld xmlns:a="http://schemas.openxmlformats.org/drawingml/2006/main" xmlns:r="http://schemas.openxmlformats.org/officeDocument/2006/relationships" xmlns:p="http://schemas.openxmlformats.org/presentationml/2006/main">
+  <p:cSld>
+    <p:spTree>
+      <p:nvGrpSpPr>
+        <p:cNvPr id="1" name=""/>
+        <p:cNvGrpSpPr/>
+        <p:nvPr/>
+      </p:nvGrpSpPr>
+      <p:grpSpPr>
+        <a:xfrm>
+          <a:off x="0" y="0"/>
+          <a:ext cx="0" cy="0"/>
+          <a:chOff x="0" y="0"/>
+          <a:chExt cx="0" cy="0"/>
+        </a:xfrm>
+      </p:grpSpPr>
+      <p:sp>
+        <p:nvSpPr>
+          <p:cNvPr id="10" name="Rectangle 9"/>
+          <p:cNvSpPr/>
+          <p:nvPr/>
+        </p:nvSpPr>
+        <p:spPr>
+          <a:xfrm>
+            <a:off x="2964193" y="4007473"/>
+            <a:ext cx="6612303" cy="2884120"/>
+          </a:xfrm>
+          <a:prstGeom prst="rect">
+            <a:avLst/>
+          </a:prstGeom>
+          <a:solidFill>
+            <a:srgbClr val="2A3BDE"/>
+          </a:solidFill>
+          <a:ln>
+            <a:noFill/>
+          </a:ln>
+        </p:spPr>
+        <p:style>
+          <a:lnRef idx="2">
+            <a:schemeClr val="accent1">
+              <a:shade val="50000"/>
+            </a:schemeClr>
+          </a:lnRef>
+          <a:fillRef idx="1">
+            <a:schemeClr val="accent1"/>
+          </a:fillRef>
+          <a:effectRef idx="0">
+            <a:schemeClr val="accent1"/>
+          </a:effectRef>
+          <a:fontRef idx="minor">
+            <a:schemeClr val="lt1"/>
+          </a:fontRef>
+        </p:style>
+        <p:txBody>
+          <a:bodyPr rtlCol="0" anchor="ctr"/>
+          <a:lstStyle/>
+          <a:p>
+            <a:pPr algn="ctr"/>
+            <a:endParaRPr lang="zh-TW" altLang="en-US"/>
+          </a:p>
+        </p:txBody>
+      </p:sp>
+      <p:sp>
+        <p:nvSpPr>
+          <p:cNvPr id="14" name="Rectangle 13"/>
+          <p:cNvSpPr/>
+          <p:nvPr/>
+        </p:nvSpPr>
+        <p:spPr>
+          <a:xfrm>
+            <a:off x="2926061" y="4059580"/>
+            <a:ext cx="3352376" cy="1424574"/>
+          </a:xfrm>
+          <a:prstGeom prst="rect">
+            <a:avLst/>
+          </a:prstGeom>
+          <a:ln>
+            <a:solidFill>
+              <a:schemeClr val="bg1"/>
+            </a:solidFill>
+          </a:ln>
+        </p:spPr>
+        <p:style>
+          <a:lnRef idx="2">
+            <a:schemeClr val="dk1">
+              <a:shade val="50000"/>
+            </a:schemeClr>
+          </a:lnRef>
+          <a:fillRef idx="1">
+            <a:schemeClr val="dk1"/>
+          </a:fillRef>
+          <a:effectRef idx="0">
+            <a:schemeClr val="dk1"/>
+          </a:effectRef>
+          <a:fontRef idx="minor">
+            <a:schemeClr val="lt1"/>
+          </a:fontRef>
+        </p:style>
+        <p:txBody>
+          <a:bodyPr rtlCol="0" anchor="ctr"/>
+          <a:lstStyle/>
+          <a:p>
+            <a:pPr algn="ctr"/>
+            <a:r>
+              <a:rPr lang="en-US" altLang="zh-TW" sz="6600" dirty="0"/>
+              <a:t>EAT</a:t>
+            </a:r>
+            <a:endParaRPr lang="zh-TW" altLang="en-US" dirty="0"/>
+          </a:p>
+        </p:txBody>
+      </p:sp>
+      <p:sp>
+        <p:nvSpPr>
+          <p:cNvPr id="33" name="Rectangle 32"/>
+          <p:cNvSpPr/>
+          <p:nvPr/>
+        </p:nvSpPr>
+        <p:spPr>
+          <a:xfrm>
+            <a:off x="6281868" y="4064108"/>
+            <a:ext cx="3297908" cy="1424574"/>
+          </a:xfrm>
+          <a:prstGeom prst="rect">
+            <a:avLst/>
+          </a:prstGeom>
+          <a:ln>
+            <a:solidFill>
+              <a:schemeClr val="bg1"/>
+            </a:solidFill>
+          </a:ln>
+        </p:spPr>
+        <p:style>
+          <a:lnRef idx="2">
+            <a:schemeClr val="dk1">
+              <a:shade val="50000"/>
+            </a:schemeClr>
+          </a:lnRef>
+          <a:fillRef idx="1">
+            <a:schemeClr val="dk1"/>
+          </a:fillRef>
+          <a:effectRef idx="0">
+            <a:schemeClr val="dk1"/>
+          </a:effectRef>
+          <a:fontRef idx="minor">
+            <a:schemeClr val="lt1"/>
+          </a:fontRef>
+        </p:style>
+        <p:txBody>
+          <a:bodyPr rtlCol="0" anchor="ctr"/>
+          <a:lstStyle/>
+          <a:p>
+            <a:pPr algn="ctr"/>
+            <a:r>
+              <a:rPr lang="en-US" altLang="zh-TW" sz="6600" dirty="0"/>
+              <a:t>SKILL</a:t>
+            </a:r>
+            <a:endParaRPr lang="zh-TW" altLang="en-US" dirty="0"/>
+          </a:p>
+        </p:txBody>
+      </p:sp>
+      <p:sp>
+        <p:nvSpPr>
+          <p:cNvPr id="37" name="Rectangle 36"/>
+          <p:cNvSpPr/>
+          <p:nvPr/>
+        </p:nvSpPr>
+        <p:spPr>
+          <a:xfrm>
+            <a:off x="2935089" y="5479471"/>
+            <a:ext cx="2231997" cy="1424574"/>
+          </a:xfrm>
+          <a:prstGeom prst="rect">
+            <a:avLst/>
+          </a:prstGeom>
+          <a:ln>
+            <a:solidFill>
+              <a:schemeClr val="bg1"/>
+            </a:solidFill>
+          </a:ln>
+        </p:spPr>
+        <p:style>
+          <a:lnRef idx="2">
+            <a:schemeClr val="dk1">
+              <a:shade val="50000"/>
+            </a:schemeClr>
+          </a:lnRef>
+          <a:fillRef idx="1">
+            <a:schemeClr val="dk1"/>
+          </a:fillRef>
+          <a:effectRef idx="0">
+            <a:schemeClr val="dk1"/>
+          </a:effectRef>
+          <a:fontRef idx="minor">
+            <a:schemeClr val="lt1"/>
+          </a:fontRef>
+        </p:style>
+        <p:txBody>
+          <a:bodyPr rtlCol="0" anchor="ctr"/>
+          <a:lstStyle/>
+          <a:p>
+            <a:pPr algn="ctr"/>
+            <a:r>
+              <a:rPr lang="en-US" altLang="zh-TW" sz="4800" dirty="0"/>
+              <a:t>Item1</a:t>
+            </a:r>
+            <a:endParaRPr lang="zh-TW" altLang="en-US" dirty="0"/>
+          </a:p>
+        </p:txBody>
+      </p:sp>
+      <p:sp>
+        <p:nvSpPr>
+          <p:cNvPr id="40" name="Rectangle 39"/>
+          <p:cNvSpPr/>
+          <p:nvPr/>
+        </p:nvSpPr>
+        <p:spPr>
+          <a:xfrm>
+            <a:off x="5149148" y="5487177"/>
+            <a:ext cx="2231997" cy="1424574"/>
+          </a:xfrm>
+          <a:prstGeom prst="rect">
+            <a:avLst/>
+          </a:prstGeom>
+          <a:ln>
+            <a:solidFill>
+              <a:schemeClr val="bg1"/>
+            </a:solidFill>
+          </a:ln>
+        </p:spPr>
+        <p:style>
+          <a:lnRef idx="2">
+            <a:schemeClr val="dk1">
+              <a:shade val="50000"/>
+            </a:schemeClr>
+          </a:lnRef>
+          <a:fillRef idx="1">
+            <a:schemeClr val="dk1"/>
+          </a:fillRef>
+          <a:effectRef idx="0">
+            <a:schemeClr val="dk1"/>
+          </a:effectRef>
+          <a:fontRef idx="minor">
+            <a:schemeClr val="lt1"/>
+          </a:fontRef>
+        </p:style>
+        <p:txBody>
+          <a:bodyPr rtlCol="0" anchor="ctr"/>
+          <a:lstStyle/>
+          <a:p>
+            <a:pPr algn="ctr"/>
+            <a:r>
+              <a:rPr lang="en-US" altLang="zh-TW" sz="4800" dirty="0"/>
+              <a:t>Item1</a:t>
+            </a:r>
+            <a:endParaRPr lang="zh-TW" altLang="en-US" dirty="0"/>
+          </a:p>
+        </p:txBody>
+      </p:sp>
+      <p:sp>
+        <p:nvSpPr>
+          <p:cNvPr id="41" name="Rectangle 40"/>
+          <p:cNvSpPr/>
+          <p:nvPr/>
+        </p:nvSpPr>
+        <p:spPr>
+          <a:xfrm>
+            <a:off x="7344956" y="5479471"/>
+            <a:ext cx="2231997" cy="1424574"/>
+          </a:xfrm>
+          <a:prstGeom prst="rect">
+            <a:avLst/>
+          </a:prstGeom>
+          <a:ln>
+            <a:solidFill>
+              <a:schemeClr val="bg1"/>
+            </a:solidFill>
+          </a:ln>
+        </p:spPr>
+        <p:style>
+          <a:lnRef idx="2">
+            <a:schemeClr val="dk1">
+              <a:shade val="50000"/>
+            </a:schemeClr>
+          </a:lnRef>
+          <a:fillRef idx="1">
+            <a:schemeClr val="dk1"/>
+          </a:fillRef>
+          <a:effectRef idx="0">
+            <a:schemeClr val="dk1"/>
+          </a:effectRef>
+          <a:fontRef idx="minor">
+            <a:schemeClr val="lt1"/>
+          </a:fontRef>
+        </p:style>
+        <p:txBody>
+          <a:bodyPr rtlCol="0" anchor="ctr"/>
+          <a:lstStyle/>
+          <a:p>
+            <a:pPr algn="ctr"/>
+            <a:r>
+              <a:rPr lang="en-US" altLang="zh-TW" sz="4800" dirty="0"/>
+              <a:t>Item1</a:t>
+            </a:r>
+            <a:endParaRPr lang="zh-TW" altLang="en-US" dirty="0"/>
+          </a:p>
+        </p:txBody>
+      </p:sp>
+      <p:sp>
+        <p:nvSpPr>
+          <p:cNvPr id="9" name="Rectangle 8"/>
+          <p:cNvSpPr/>
+          <p:nvPr/>
+        </p:nvSpPr>
+        <p:spPr>
+          <a:xfrm>
+            <a:off x="2964193" y="25250"/>
+            <a:ext cx="6612303" cy="4009081"/>
+          </a:xfrm>
+          <a:prstGeom prst="rect">
+            <a:avLst/>
+          </a:prstGeom>
+          <a:solidFill>
+            <a:srgbClr val="FFC000"/>
+          </a:solidFill>
+          <a:ln>
+            <a:solidFill>
+              <a:schemeClr val="bg1"/>
+            </a:solidFill>
+          </a:ln>
+        </p:spPr>
+        <p:style>
+          <a:lnRef idx="2">
+            <a:schemeClr val="accent1">
+              <a:shade val="50000"/>
+            </a:schemeClr>
+          </a:lnRef>
+          <a:fillRef idx="1">
+            <a:schemeClr val="accent1"/>
+          </a:fillRef>
+          <a:effectRef idx="0">
+            <a:schemeClr val="accent1"/>
+          </a:effectRef>
+          <a:fontRef idx="minor">
+            <a:schemeClr val="lt1"/>
+          </a:fontRef>
+        </p:style>
+        <p:txBody>
+          <a:bodyPr rtlCol="0" anchor="ctr"/>
+          <a:lstStyle/>
+          <a:p>
+            <a:pPr algn="ctr"/>
+            <a:endParaRPr lang="zh-TW" altLang="en-US"/>
+          </a:p>
+        </p:txBody>
+      </p:sp>
       <p:pic>
         <p:nvPicPr>
           <p:cNvPr id="7" name="Picture 6"/>
@@ -7267,8 +4552,8 @@
         </p:blipFill>
         <p:spPr>
           <a:xfrm>
-            <a:off x="-36239113" y="0"/>
-            <a:ext cx="48431113" cy="6858000"/>
+            <a:off x="-22257283" y="26748"/>
+            <a:ext cx="31823111" cy="4024746"/>
           </a:xfrm>
           <a:prstGeom prst="rect">
             <a:avLst/>
@@ -7297,8 +4582,8 @@
         </p:blipFill>
         <p:spPr>
           <a:xfrm>
-            <a:off x="797758" y="4427074"/>
-            <a:ext cx="1508124" cy="1508124"/>
+            <a:off x="3125601" y="2507230"/>
+            <a:ext cx="990958" cy="990958"/>
           </a:xfrm>
           <a:prstGeom prst="rect">
             <a:avLst/>
@@ -7327,8 +4612,8 @@
         </p:blipFill>
         <p:spPr>
           <a:xfrm flipH="1">
-            <a:off x="5515391" y="3971461"/>
-            <a:ext cx="2419350" cy="2419350"/>
+            <a:off x="5837041" y="2202052"/>
+            <a:ext cx="1589706" cy="1589706"/>
           </a:xfrm>
           <a:prstGeom prst="rect">
             <a:avLst/>
@@ -7337,7 +4622,7 @@
       </p:pic>
       <p:pic>
         <p:nvPicPr>
-          <p:cNvPr id="15" name="Picture 14"/>
+          <p:cNvPr id="17" name="Picture 16"/>
           <p:cNvPicPr>
             <a:picLocks noChangeAspect="1"/>
           </p:cNvPicPr>
@@ -7356,9 +4641,9 @@
           </a:stretch>
         </p:blipFill>
         <p:spPr>
-          <a:xfrm>
-            <a:off x="209229" y="304799"/>
-            <a:ext cx="780200" cy="780200"/>
+          <a:xfrm flipH="1">
+            <a:off x="2927171" y="2658491"/>
+            <a:ext cx="1702363" cy="1063977"/>
           </a:xfrm>
           <a:prstGeom prst="rect">
             <a:avLst/>
@@ -7367,7 +4652,7 @@
       </p:pic>
       <p:pic>
         <p:nvPicPr>
-          <p:cNvPr id="17" name="Picture 16"/>
+          <p:cNvPr id="19" name="Picture 18"/>
           <p:cNvPicPr>
             <a:picLocks noChangeAspect="1"/>
           </p:cNvPicPr>
@@ -7387,8 +4672,8 @@
         </p:blipFill>
         <p:spPr>
           <a:xfrm flipH="1">
-            <a:off x="599329" y="4685372"/>
-            <a:ext cx="2590800" cy="1619250"/>
+            <a:off x="4952794" y="2532065"/>
+            <a:ext cx="1877606" cy="1173504"/>
           </a:xfrm>
           <a:prstGeom prst="rect">
             <a:avLst/>
@@ -7397,14 +4682,14 @@
       </p:pic>
       <p:pic>
         <p:nvPicPr>
-          <p:cNvPr id="19" name="Picture 18"/>
+          <p:cNvPr id="21" name="Picture 20"/>
           <p:cNvPicPr>
             <a:picLocks noChangeAspect="1"/>
           </p:cNvPicPr>
           <p:nvPr/>
         </p:nvPicPr>
         <p:blipFill>
-          <a:blip r:embed="rId7" cstate="print">
+          <a:blip r:embed="rId7">
             <a:extLst>
               <a:ext uri="{28A0092B-C50C-407E-A947-70E740481C1C}">
                 <a14:useLocalDpi xmlns:a14="http://schemas.microsoft.com/office/drawing/2010/main" val="0"/>
@@ -7416,9 +4701,9 @@
           </a:stretch>
         </p:blipFill>
         <p:spPr>
-          <a:xfrm flipH="1">
-            <a:off x="4631144" y="4518684"/>
-            <a:ext cx="2857500" cy="1785938"/>
+          <a:xfrm>
+            <a:off x="4927188" y="1852695"/>
+            <a:ext cx="3000736" cy="2253112"/>
           </a:xfrm>
           <a:prstGeom prst="rect">
             <a:avLst/>
@@ -7427,14 +4712,14 @@
       </p:pic>
       <p:pic>
         <p:nvPicPr>
-          <p:cNvPr id="21" name="Picture 20"/>
+          <p:cNvPr id="23" name="Picture 22"/>
           <p:cNvPicPr>
             <a:picLocks noChangeAspect="1"/>
           </p:cNvPicPr>
           <p:nvPr/>
         </p:nvPicPr>
         <p:blipFill>
-          <a:blip r:embed="rId8">
+          <a:blip r:embed="rId8" cstate="print">
             <a:extLst>
               <a:ext uri="{28A0092B-C50C-407E-A947-70E740481C1C}">
                 <a14:useLocalDpi xmlns:a14="http://schemas.microsoft.com/office/drawing/2010/main" val="0"/>
@@ -7447,17 +4732,332 @@
         </p:blipFill>
         <p:spPr>
           <a:xfrm>
-            <a:off x="4441678" y="3466647"/>
-            <a:ext cx="4566775" cy="3428978"/>
+            <a:off x="7097128" y="1463293"/>
+            <a:ext cx="2162770" cy="2162770"/>
           </a:xfrm>
           <a:prstGeom prst="rect">
             <a:avLst/>
           </a:prstGeom>
         </p:spPr>
       </p:pic>
+      <p:sp>
+        <p:nvSpPr>
+          <p:cNvPr id="24" name="Speech Bubble: Rectangle with Corners Rounded 23"/>
+          <p:cNvSpPr/>
+          <p:nvPr/>
+        </p:nvSpPr>
+        <p:spPr>
+          <a:xfrm>
+            <a:off x="3251200" y="15236"/>
+            <a:ext cx="5689599" cy="1185732"/>
+          </a:xfrm>
+          <a:prstGeom prst="wedgeRoundRectCallout">
+            <a:avLst>
+              <a:gd name="adj1" fmla="val 31621"/>
+              <a:gd name="adj2" fmla="val 68506"/>
+              <a:gd name="adj3" fmla="val 16667"/>
+            </a:avLst>
+          </a:prstGeom>
+        </p:spPr>
+        <p:style>
+          <a:lnRef idx="2">
+            <a:schemeClr val="dk1">
+              <a:shade val="50000"/>
+            </a:schemeClr>
+          </a:lnRef>
+          <a:fillRef idx="1">
+            <a:schemeClr val="dk1"/>
+          </a:fillRef>
+          <a:effectRef idx="0">
+            <a:schemeClr val="dk1"/>
+          </a:effectRef>
+          <a:fontRef idx="minor">
+            <a:schemeClr val="lt1"/>
+          </a:fontRef>
+        </p:style>
+        <p:txBody>
+          <a:bodyPr rtlCol="0" anchor="ctr"/>
+          <a:lstStyle/>
+          <a:p>
+            <a:pPr algn="ctr"/>
+            <a:r>
+              <a:rPr lang="en-US" altLang="zh-TW" sz="2400" dirty="0"/>
+              <a:t>HAHAHAHA</a:t>
+            </a:r>
+            <a:r>
+              <a:rPr lang="zh-TW" altLang="en-US" sz="2400" dirty="0"/>
+              <a:t>，</a:t>
+            </a:r>
+            <a:r>
+              <a:rPr lang="en-US" altLang="zh-TW" sz="2400" dirty="0"/>
+              <a:t>I’m Master Potato.</a:t>
+            </a:r>
+          </a:p>
+          <a:p>
+            <a:pPr algn="ctr"/>
+            <a:r>
+              <a:rPr lang="en-US" altLang="zh-TW" sz="2400" dirty="0"/>
+              <a:t>No</a:t>
+            </a:r>
+            <a:r>
+              <a:rPr lang="zh-TW" altLang="en-US" sz="2400" dirty="0"/>
+              <a:t> </a:t>
+            </a:r>
+            <a:r>
+              <a:rPr lang="en-US" altLang="zh-TW" sz="2400" dirty="0"/>
+              <a:t>one</a:t>
+            </a:r>
+            <a:r>
+              <a:rPr lang="zh-TW" altLang="en-US" sz="2400" dirty="0"/>
+              <a:t> </a:t>
+            </a:r>
+            <a:r>
+              <a:rPr lang="en-US" altLang="zh-TW" sz="2400" dirty="0"/>
+              <a:t>can</a:t>
+            </a:r>
+            <a:r>
+              <a:rPr lang="zh-TW" altLang="en-US" sz="2400" dirty="0"/>
+              <a:t> </a:t>
+            </a:r>
+            <a:r>
+              <a:rPr lang="en-US" altLang="zh-TW" sz="2400" dirty="0"/>
+              <a:t>stop</a:t>
+            </a:r>
+            <a:r>
+              <a:rPr lang="zh-TW" altLang="en-US" sz="2400" dirty="0"/>
+              <a:t> </a:t>
+            </a:r>
+            <a:r>
+              <a:rPr lang="en-US" altLang="zh-TW" sz="2400" dirty="0"/>
+              <a:t>me</a:t>
+            </a:r>
+            <a:r>
+              <a:rPr lang="zh-TW" altLang="en-US" sz="2400" dirty="0"/>
+              <a:t> </a:t>
+            </a:r>
+            <a:r>
+              <a:rPr lang="en-US" altLang="zh-TW" sz="2400" dirty="0"/>
+              <a:t>from</a:t>
+            </a:r>
+            <a:r>
+              <a:rPr lang="zh-TW" altLang="en-US" sz="2400" dirty="0"/>
+              <a:t> </a:t>
+            </a:r>
+            <a:r>
+              <a:rPr lang="en-US" altLang="zh-TW" sz="2400" dirty="0"/>
+              <a:t>becoming</a:t>
+            </a:r>
+            <a:r>
+              <a:rPr lang="zh-TW" altLang="en-US" sz="2400" dirty="0"/>
+              <a:t> </a:t>
+            </a:r>
+            <a:r>
+              <a:rPr lang="en-US" altLang="zh-TW" sz="2400" dirty="0"/>
+              <a:t>a</a:t>
+            </a:r>
+            <a:r>
+              <a:rPr lang="zh-TW" altLang="en-US" sz="2400" dirty="0"/>
+              <a:t> </a:t>
+            </a:r>
+            <a:r>
+              <a:rPr lang="en-US" altLang="zh-TW" sz="2400" dirty="0"/>
+              <a:t>tree!!!</a:t>
+            </a:r>
+            <a:endParaRPr lang="zh-TW" altLang="en-US" sz="1400" dirty="0"/>
+          </a:p>
+        </p:txBody>
+      </p:sp>
+      <p:sp>
+        <p:nvSpPr>
+          <p:cNvPr id="26" name="Speech Bubble: Rectangle with Corners Rounded 25"/>
+          <p:cNvSpPr/>
+          <p:nvPr/>
+        </p:nvSpPr>
+        <p:spPr>
+          <a:xfrm>
+            <a:off x="3251200" y="26748"/>
+            <a:ext cx="5689599" cy="1174219"/>
+          </a:xfrm>
+          <a:prstGeom prst="wedgeRoundRectCallout">
+            <a:avLst>
+              <a:gd name="adj1" fmla="val 32325"/>
+              <a:gd name="adj2" fmla="val 70658"/>
+              <a:gd name="adj3" fmla="val 16667"/>
+            </a:avLst>
+          </a:prstGeom>
+        </p:spPr>
+        <p:style>
+          <a:lnRef idx="2">
+            <a:schemeClr val="dk1">
+              <a:shade val="50000"/>
+            </a:schemeClr>
+          </a:lnRef>
+          <a:fillRef idx="1">
+            <a:schemeClr val="dk1"/>
+          </a:fillRef>
+          <a:effectRef idx="0">
+            <a:schemeClr val="dk1"/>
+          </a:effectRef>
+          <a:fontRef idx="minor">
+            <a:schemeClr val="lt1"/>
+          </a:fontRef>
+        </p:style>
+        <p:txBody>
+          <a:bodyPr rtlCol="0" anchor="ctr"/>
+          <a:lstStyle/>
+          <a:p>
+            <a:r>
+              <a:rPr lang="en-US" altLang="zh-TW" sz="2000" dirty="0"/>
+              <a:t>      Not even YOU ! </a:t>
+            </a:r>
+          </a:p>
+          <a:p>
+            <a:r>
+              <a:rPr lang="en-US" altLang="zh-TW" sz="2000" dirty="0"/>
+              <a:t>	Because you don’t know the following question!</a:t>
+            </a:r>
+          </a:p>
+        </p:txBody>
+      </p:sp>
+      <p:sp>
+        <p:nvSpPr>
+          <p:cNvPr id="27" name="Arrow: Striped Right 26"/>
+          <p:cNvSpPr/>
+          <p:nvPr/>
+        </p:nvSpPr>
+        <p:spPr>
+          <a:xfrm>
+            <a:off x="8132200" y="1026904"/>
+            <a:ext cx="551866" cy="260620"/>
+          </a:xfrm>
+          <a:prstGeom prst="stripedRightArrow">
+            <a:avLst>
+              <a:gd name="adj1" fmla="val 50000"/>
+              <a:gd name="adj2" fmla="val 50000"/>
+            </a:avLst>
+          </a:prstGeom>
+          <a:solidFill>
+            <a:schemeClr val="bg1"/>
+          </a:solidFill>
+        </p:spPr>
+        <p:style>
+          <a:lnRef idx="2">
+            <a:schemeClr val="accent1">
+              <a:shade val="50000"/>
+            </a:schemeClr>
+          </a:lnRef>
+          <a:fillRef idx="1">
+            <a:schemeClr val="accent1"/>
+          </a:fillRef>
+          <a:effectRef idx="0">
+            <a:schemeClr val="accent1"/>
+          </a:effectRef>
+          <a:fontRef idx="minor">
+            <a:schemeClr val="lt1"/>
+          </a:fontRef>
+        </p:style>
+        <p:txBody>
+          <a:bodyPr rtlCol="0" anchor="ctr"/>
+          <a:lstStyle/>
+          <a:p>
+            <a:pPr algn="ctr"/>
+            <a:endParaRPr lang="zh-TW" altLang="en-US"/>
+          </a:p>
+        </p:txBody>
+      </p:sp>
+      <p:sp>
+        <p:nvSpPr>
+          <p:cNvPr id="28" name="Arrow: Striped Right 27"/>
+          <p:cNvSpPr/>
+          <p:nvPr/>
+        </p:nvSpPr>
+        <p:spPr>
+          <a:xfrm>
+            <a:off x="8118312" y="1030299"/>
+            <a:ext cx="570474" cy="269408"/>
+          </a:xfrm>
+          <a:prstGeom prst="stripedRightArrow">
+            <a:avLst>
+              <a:gd name="adj1" fmla="val 50000"/>
+              <a:gd name="adj2" fmla="val 50000"/>
+            </a:avLst>
+          </a:prstGeom>
+          <a:solidFill>
+            <a:schemeClr val="bg1"/>
+          </a:solidFill>
+        </p:spPr>
+        <p:style>
+          <a:lnRef idx="2">
+            <a:schemeClr val="accent1">
+              <a:shade val="50000"/>
+            </a:schemeClr>
+          </a:lnRef>
+          <a:fillRef idx="1">
+            <a:schemeClr val="accent1"/>
+          </a:fillRef>
+          <a:effectRef idx="0">
+            <a:schemeClr val="accent1"/>
+          </a:effectRef>
+          <a:fontRef idx="minor">
+            <a:schemeClr val="lt1"/>
+          </a:fontRef>
+        </p:style>
+        <p:txBody>
+          <a:bodyPr rtlCol="0" anchor="ctr"/>
+          <a:lstStyle/>
+          <a:p>
+            <a:pPr algn="ctr"/>
+            <a:endParaRPr lang="zh-TW" altLang="en-US"/>
+          </a:p>
+        </p:txBody>
+      </p:sp>
+      <p:sp>
+        <p:nvSpPr>
+          <p:cNvPr id="29" name="Rectangle 28"/>
+          <p:cNvSpPr/>
+          <p:nvPr/>
+        </p:nvSpPr>
+        <p:spPr>
+          <a:xfrm>
+            <a:off x="3249564" y="28810"/>
+            <a:ext cx="5689600" cy="1436429"/>
+          </a:xfrm>
+          <a:prstGeom prst="rect">
+            <a:avLst/>
+          </a:prstGeom>
+        </p:spPr>
+        <p:style>
+          <a:lnRef idx="2">
+            <a:schemeClr val="dk1">
+              <a:shade val="50000"/>
+            </a:schemeClr>
+          </a:lnRef>
+          <a:fillRef idx="1">
+            <a:schemeClr val="dk1"/>
+          </a:fillRef>
+          <a:effectRef idx="0">
+            <a:schemeClr val="dk1"/>
+          </a:effectRef>
+          <a:fontRef idx="minor">
+            <a:schemeClr val="lt1"/>
+          </a:fontRef>
+        </p:style>
+        <p:txBody>
+          <a:bodyPr rtlCol="0" anchor="ctr"/>
+          <a:lstStyle/>
+          <a:p>
+            <a:pPr algn="ctr"/>
+            <a:r>
+              <a:rPr lang="en-US" altLang="zh-TW" sz="2000" dirty="0"/>
+              <a:t>How do you PREVENT potatoes from sprouting ??</a:t>
+            </a:r>
+            <a:endParaRPr lang="zh-TW" altLang="en-US" dirty="0"/>
+          </a:p>
+        </p:txBody>
+      </p:sp>
       <p:pic>
         <p:nvPicPr>
-          <p:cNvPr id="23" name="Picture 22"/>
+          <p:cNvPr id="6" name="Picture 5"/>
           <p:cNvPicPr>
             <a:picLocks noChangeAspect="1"/>
           </p:cNvPicPr>
@@ -7477,8 +5077,8 @@
         </p:blipFill>
         <p:spPr>
           <a:xfrm>
-            <a:off x="8545502" y="2875622"/>
-            <a:ext cx="3429000" cy="3429000"/>
+            <a:off x="9016303" y="90738"/>
+            <a:ext cx="560193" cy="560193"/>
           </a:xfrm>
           <a:prstGeom prst="rect">
             <a:avLst/>
@@ -7487,22 +5087,74 @@
       </p:pic>
       <p:sp>
         <p:nvSpPr>
-          <p:cNvPr id="24" name="Speech Bubble: Rectangle with Corners Rounded 23"/>
+          <p:cNvPr id="8" name="Rectangle 7"/>
           <p:cNvSpPr/>
           <p:nvPr/>
         </p:nvSpPr>
         <p:spPr>
           <a:xfrm>
-            <a:off x="989429" y="694899"/>
-            <a:ext cx="8649871" cy="2180723"/>
-          </a:xfrm>
-          <a:prstGeom prst="wedgeRoundRectCallout">
-            <a:avLst>
-              <a:gd name="adj1" fmla="val 42386"/>
-              <a:gd name="adj2" fmla="val 104947"/>
-              <a:gd name="adj3" fmla="val 16667"/>
-            </a:avLst>
+            <a:off x="9565829" y="1"/>
+            <a:ext cx="2626172" cy="6858000"/>
+          </a:xfrm>
+          <a:prstGeom prst="rect">
+            <a:avLst/>
           </a:prstGeom>
+          <a:solidFill>
+            <a:schemeClr val="bg1"/>
+          </a:solidFill>
+          <a:ln>
+            <a:solidFill>
+              <a:schemeClr val="bg1"/>
+            </a:solidFill>
+          </a:ln>
+        </p:spPr>
+        <p:style>
+          <a:lnRef idx="2">
+            <a:schemeClr val="accent1">
+              <a:shade val="50000"/>
+            </a:schemeClr>
+          </a:lnRef>
+          <a:fillRef idx="1">
+            <a:schemeClr val="accent1"/>
+          </a:fillRef>
+          <a:effectRef idx="0">
+            <a:schemeClr val="accent1"/>
+          </a:effectRef>
+          <a:fontRef idx="minor">
+            <a:schemeClr val="lt1"/>
+          </a:fontRef>
+        </p:style>
+        <p:txBody>
+          <a:bodyPr rtlCol="0" anchor="ctr"/>
+          <a:lstStyle/>
+          <a:p>
+            <a:pPr algn="ctr"/>
+            <a:endParaRPr lang="zh-TW" altLang="en-US"/>
+          </a:p>
+        </p:txBody>
+      </p:sp>
+      <p:sp>
+        <p:nvSpPr>
+          <p:cNvPr id="42" name="Rectangle 41"/>
+          <p:cNvSpPr/>
+          <p:nvPr/>
+        </p:nvSpPr>
+        <p:spPr>
+          <a:xfrm>
+            <a:off x="6260098" y="4056854"/>
+            <a:ext cx="3297908" cy="1424574"/>
+          </a:xfrm>
+          <a:prstGeom prst="rect">
+            <a:avLst/>
+          </a:prstGeom>
+          <a:solidFill>
+            <a:schemeClr val="bg1"/>
+          </a:solidFill>
+          <a:ln>
+            <a:solidFill>
+              <a:schemeClr val="bg1"/>
+            </a:solidFill>
+          </a:ln>
         </p:spPr>
         <p:style>
           <a:lnRef idx="2">
@@ -7526,187 +5178,16 @@
           <a:p>
             <a:pPr algn="ctr"/>
             <a:r>
-              <a:rPr lang="en-US" altLang="zh-TW" sz="3200" dirty="0">
+              <a:rPr lang="en-US" altLang="zh-TW" sz="6600" dirty="0">
                 <a:solidFill>
-                  <a:prstClr val="white"/>
+                  <a:schemeClr val="tx1"/>
                 </a:solidFill>
               </a:rPr>
-              <a:t>HAHAHAHA</a:t>
-            </a:r>
-            <a:r>
-              <a:rPr lang="zh-TW" altLang="en-US" sz="3200" dirty="0">
-                <a:solidFill>
-                  <a:prstClr val="white"/>
-                </a:solidFill>
-              </a:rPr>
-              <a:t>，</a:t>
-            </a:r>
-            <a:r>
-              <a:rPr lang="en-US" altLang="zh-TW" sz="3200" dirty="0">
-                <a:solidFill>
-                  <a:prstClr val="white"/>
-                </a:solidFill>
-              </a:rPr>
-              <a:t>I’m Master Potato.</a:t>
-            </a:r>
-          </a:p>
-          <a:p>
-            <a:pPr algn="ctr"/>
-            <a:r>
-              <a:rPr lang="en-US" altLang="zh-TW" sz="3200" dirty="0">
-                <a:solidFill>
-                  <a:prstClr val="white"/>
-                </a:solidFill>
-              </a:rPr>
-              <a:t>No</a:t>
-            </a:r>
-            <a:r>
-              <a:rPr lang="zh-TW" altLang="en-US" sz="3200" dirty="0">
-                <a:solidFill>
-                  <a:prstClr val="white"/>
-                </a:solidFill>
-              </a:rPr>
-              <a:t> </a:t>
-            </a:r>
-            <a:r>
-              <a:rPr lang="en-US" altLang="zh-TW" sz="3200" dirty="0">
-                <a:solidFill>
-                  <a:prstClr val="white"/>
-                </a:solidFill>
-              </a:rPr>
-              <a:t>one</a:t>
-            </a:r>
-            <a:r>
-              <a:rPr lang="zh-TW" altLang="en-US" sz="3200" dirty="0">
-                <a:solidFill>
-                  <a:prstClr val="white"/>
-                </a:solidFill>
-              </a:rPr>
-              <a:t> </a:t>
-            </a:r>
-            <a:r>
-              <a:rPr lang="en-US" altLang="zh-TW" sz="3200" dirty="0">
-                <a:solidFill>
-                  <a:prstClr val="white"/>
-                </a:solidFill>
-              </a:rPr>
-              <a:t>can</a:t>
-            </a:r>
-            <a:r>
-              <a:rPr lang="zh-TW" altLang="en-US" sz="3200" dirty="0">
-                <a:solidFill>
-                  <a:prstClr val="white"/>
-                </a:solidFill>
-              </a:rPr>
-              <a:t> </a:t>
-            </a:r>
-            <a:r>
-              <a:rPr lang="en-US" altLang="zh-TW" sz="3200" dirty="0">
-                <a:solidFill>
-                  <a:prstClr val="white"/>
-                </a:solidFill>
-              </a:rPr>
-              <a:t>stop</a:t>
-            </a:r>
-            <a:r>
-              <a:rPr lang="zh-TW" altLang="en-US" sz="3200" dirty="0">
-                <a:solidFill>
-                  <a:prstClr val="white"/>
-                </a:solidFill>
-              </a:rPr>
-              <a:t> </a:t>
-            </a:r>
-            <a:r>
-              <a:rPr lang="en-US" altLang="zh-TW" sz="3200" dirty="0">
-                <a:solidFill>
-                  <a:prstClr val="white"/>
-                </a:solidFill>
-              </a:rPr>
-              <a:t>us</a:t>
-            </a:r>
-            <a:r>
-              <a:rPr lang="zh-TW" altLang="en-US" sz="3200" dirty="0">
-                <a:solidFill>
-                  <a:prstClr val="white"/>
-                </a:solidFill>
-              </a:rPr>
-              <a:t> </a:t>
-            </a:r>
-            <a:r>
-              <a:rPr lang="en-US" altLang="zh-TW" sz="3200" dirty="0">
-                <a:solidFill>
-                  <a:prstClr val="white"/>
-                </a:solidFill>
-              </a:rPr>
-              <a:t>to</a:t>
-            </a:r>
-            <a:r>
-              <a:rPr lang="zh-TW" altLang="en-US" sz="3200" dirty="0">
-                <a:solidFill>
-                  <a:prstClr val="white"/>
-                </a:solidFill>
-              </a:rPr>
-              <a:t> </a:t>
-            </a:r>
-            <a:r>
-              <a:rPr lang="en-US" altLang="zh-TW" sz="3200" dirty="0">
-                <a:solidFill>
-                  <a:prstClr val="white"/>
-                </a:solidFill>
-              </a:rPr>
-              <a:t>be</a:t>
-            </a:r>
-            <a:r>
-              <a:rPr lang="zh-TW" altLang="en-US" sz="3200" dirty="0">
-                <a:solidFill>
-                  <a:prstClr val="white"/>
-                </a:solidFill>
-              </a:rPr>
-              <a:t> </a:t>
-            </a:r>
-            <a:r>
-              <a:rPr lang="en-US" altLang="zh-TW" sz="3200" dirty="0">
-                <a:solidFill>
-                  <a:prstClr val="white"/>
-                </a:solidFill>
-              </a:rPr>
-              <a:t>come</a:t>
-            </a:r>
-            <a:r>
-              <a:rPr lang="zh-TW" altLang="en-US" sz="3200" dirty="0">
-                <a:solidFill>
-                  <a:prstClr val="white"/>
-                </a:solidFill>
-              </a:rPr>
-              <a:t> </a:t>
-            </a:r>
-            <a:r>
-              <a:rPr lang="en-US" altLang="zh-TW" sz="3200" dirty="0">
-                <a:solidFill>
-                  <a:prstClr val="white"/>
-                </a:solidFill>
-              </a:rPr>
-              <a:t>a</a:t>
-            </a:r>
-            <a:r>
-              <a:rPr lang="zh-TW" altLang="en-US" sz="3200" dirty="0">
-                <a:solidFill>
-                  <a:prstClr val="white"/>
-                </a:solidFill>
-              </a:rPr>
-              <a:t> </a:t>
-            </a:r>
-            <a:r>
-              <a:rPr lang="en-US" altLang="zh-TW" sz="3200" dirty="0">
-                <a:solidFill>
-                  <a:prstClr val="white"/>
-                </a:solidFill>
-              </a:rPr>
-              <a:t>tree!!!</a:t>
+              <a:t>SKILL</a:t>
             </a:r>
             <a:endParaRPr lang="zh-TW" altLang="en-US" dirty="0">
               <a:solidFill>
-                <a:prstClr val="white"/>
+                <a:schemeClr val="tx1"/>
               </a:solidFill>
             </a:endParaRPr>
           </a:p>
@@ -7714,22 +5195,23 @@
       </p:sp>
       <p:sp>
         <p:nvSpPr>
-          <p:cNvPr id="26" name="Speech Bubble: Rectangle with Corners Rounded 25"/>
+          <p:cNvPr id="12" name="Rectangle 11"/>
           <p:cNvSpPr/>
           <p:nvPr/>
         </p:nvSpPr>
         <p:spPr>
           <a:xfrm>
-            <a:off x="989429" y="641684"/>
-            <a:ext cx="8649871" cy="2233938"/>
-          </a:xfrm>
-          <a:prstGeom prst="wedgeRoundRectCallout">
-            <a:avLst>
-              <a:gd name="adj1" fmla="val 42038"/>
-              <a:gd name="adj2" fmla="val 102714"/>
-              <a:gd name="adj3" fmla="val 16667"/>
-            </a:avLst>
+            <a:off x="6281303" y="4051683"/>
+            <a:ext cx="3286823" cy="1420392"/>
+          </a:xfrm>
+          <a:prstGeom prst="rect">
+            <a:avLst/>
           </a:prstGeom>
+          <a:ln>
+            <a:solidFill>
+              <a:schemeClr val="bg1"/>
+            </a:solidFill>
+          </a:ln>
         </p:spPr>
         <p:style>
           <a:lnRef idx="2">
@@ -7751,47 +5233,184 @@
           <a:bodyPr rtlCol="0" anchor="ctr"/>
           <a:lstStyle/>
           <a:p>
-            <a:r>
-              <a:rPr lang="en-US" altLang="zh-TW" sz="2800" dirty="0">
-                <a:solidFill>
-                  <a:prstClr val="white"/>
-                </a:solidFill>
-              </a:rPr>
-              <a:t>      So as YOU ! </a:t>
-            </a:r>
-          </a:p>
-          <a:p>
-            <a:r>
-              <a:rPr lang="en-US" altLang="zh-TW" sz="2800" dirty="0">
-                <a:solidFill>
-                  <a:prstClr val="white"/>
-                </a:solidFill>
-              </a:rPr>
-              <a:t>	Because you don’t know the following question!</a:t>
-            </a:r>
-          </a:p>
-        </p:txBody>
-      </p:sp>
-      <p:sp>
-        <p:nvSpPr>
-          <p:cNvPr id="27" name="Arrow: Striped Right 26"/>
+            <a:pPr algn="ctr"/>
+            <a:r>
+              <a:rPr lang="en-US" altLang="zh-TW" sz="2400" dirty="0"/>
+              <a:t>Put it in a dark place, keep it wet.</a:t>
+            </a:r>
+            <a:endParaRPr lang="zh-TW" altLang="en-US" sz="2400" dirty="0"/>
+          </a:p>
+        </p:txBody>
+      </p:sp>
+      <p:sp>
+        <p:nvSpPr>
+          <p:cNvPr id="13" name="Rectangle 12"/>
           <p:cNvSpPr/>
           <p:nvPr/>
         </p:nvSpPr>
         <p:spPr>
           <a:xfrm>
-            <a:off x="8572857" y="2231880"/>
-            <a:ext cx="871192" cy="411423"/>
-          </a:xfrm>
-          <a:prstGeom prst="stripedRightArrow">
-            <a:avLst>
-              <a:gd name="adj1" fmla="val 50000"/>
-              <a:gd name="adj2" fmla="val 50000"/>
-            </a:avLst>
+            <a:off x="2935090" y="4046598"/>
+            <a:ext cx="3351566" cy="1425288"/>
+          </a:xfrm>
+          <a:prstGeom prst="rect">
+            <a:avLst/>
+          </a:prstGeom>
+          <a:ln>
+            <a:solidFill>
+              <a:schemeClr val="bg1"/>
+            </a:solidFill>
+          </a:ln>
+        </p:spPr>
+        <p:style>
+          <a:lnRef idx="2">
+            <a:schemeClr val="dk1">
+              <a:shade val="50000"/>
+            </a:schemeClr>
+          </a:lnRef>
+          <a:fillRef idx="1">
+            <a:schemeClr val="dk1"/>
+          </a:fillRef>
+          <a:effectRef idx="0">
+            <a:schemeClr val="dk1"/>
+          </a:effectRef>
+          <a:fontRef idx="minor">
+            <a:schemeClr val="lt1"/>
+          </a:fontRef>
+        </p:style>
+        <p:txBody>
+          <a:bodyPr rtlCol="0" anchor="ctr"/>
+          <a:lstStyle/>
+          <a:p>
+            <a:pPr algn="ctr"/>
+            <a:r>
+              <a:rPr lang="en-US" altLang="zh-TW" sz="2400" dirty="0"/>
+              <a:t>Put it in a dark place, keep it wet.</a:t>
+            </a:r>
+            <a:endParaRPr lang="zh-TW" altLang="en-US" sz="2400" dirty="0"/>
+          </a:p>
+        </p:txBody>
+      </p:sp>
+      <p:sp>
+        <p:nvSpPr>
+          <p:cNvPr id="31" name="Rectangle 30"/>
+          <p:cNvSpPr/>
+          <p:nvPr/>
+        </p:nvSpPr>
+        <p:spPr>
+          <a:xfrm>
+            <a:off x="2927171" y="5475373"/>
+            <a:ext cx="3351417" cy="1425288"/>
+          </a:xfrm>
+          <a:prstGeom prst="rect">
+            <a:avLst/>
+          </a:prstGeom>
+          <a:ln>
+            <a:solidFill>
+              <a:schemeClr val="bg1"/>
+            </a:solidFill>
+          </a:ln>
+        </p:spPr>
+        <p:style>
+          <a:lnRef idx="2">
+            <a:schemeClr val="dk1">
+              <a:shade val="50000"/>
+            </a:schemeClr>
+          </a:lnRef>
+          <a:fillRef idx="1">
+            <a:schemeClr val="dk1"/>
+          </a:fillRef>
+          <a:effectRef idx="0">
+            <a:schemeClr val="dk1"/>
+          </a:effectRef>
+          <a:fontRef idx="minor">
+            <a:schemeClr val="lt1"/>
+          </a:fontRef>
+        </p:style>
+        <p:txBody>
+          <a:bodyPr rtlCol="0" anchor="ctr"/>
+          <a:lstStyle/>
+          <a:p>
+            <a:pPr algn="ctr"/>
+            <a:r>
+              <a:rPr lang="en-US" altLang="zh-TW" sz="2400" dirty="0"/>
+              <a:t>Put it in newspaper, keep it dry.</a:t>
+            </a:r>
+            <a:endParaRPr lang="zh-TW" altLang="en-US" sz="2400" dirty="0"/>
+          </a:p>
+        </p:txBody>
+      </p:sp>
+      <p:sp>
+        <p:nvSpPr>
+          <p:cNvPr id="32" name="Rectangle 31"/>
+          <p:cNvSpPr/>
+          <p:nvPr/>
+        </p:nvSpPr>
+        <p:spPr>
+          <a:xfrm>
+            <a:off x="6279698" y="5472661"/>
+            <a:ext cx="3285216" cy="1425288"/>
+          </a:xfrm>
+          <a:prstGeom prst="rect">
+            <a:avLst/>
+          </a:prstGeom>
+          <a:ln>
+            <a:solidFill>
+              <a:schemeClr val="bg1"/>
+            </a:solidFill>
+          </a:ln>
+        </p:spPr>
+        <p:style>
+          <a:lnRef idx="2">
+            <a:schemeClr val="dk1">
+              <a:shade val="50000"/>
+            </a:schemeClr>
+          </a:lnRef>
+          <a:fillRef idx="1">
+            <a:schemeClr val="dk1"/>
+          </a:fillRef>
+          <a:effectRef idx="0">
+            <a:schemeClr val="dk1"/>
+          </a:effectRef>
+          <a:fontRef idx="minor">
+            <a:schemeClr val="lt1"/>
+          </a:fontRef>
+        </p:style>
+        <p:txBody>
+          <a:bodyPr rtlCol="0" anchor="ctr"/>
+          <a:lstStyle/>
+          <a:p>
+            <a:pPr algn="ctr"/>
+            <a:r>
+              <a:rPr lang="en-US" altLang="zh-TW" sz="2400" dirty="0"/>
+              <a:t>Put it into your mouth, just keep it.</a:t>
+            </a:r>
+            <a:endParaRPr lang="zh-TW" altLang="en-US" sz="2400" dirty="0"/>
+          </a:p>
+        </p:txBody>
+      </p:sp>
+      <p:sp>
+        <p:nvSpPr>
+          <p:cNvPr id="25" name="Rectangle 24"/>
+          <p:cNvSpPr/>
+          <p:nvPr/>
+        </p:nvSpPr>
+        <p:spPr>
+          <a:xfrm>
+            <a:off x="14514" y="0"/>
+            <a:ext cx="2951645" cy="6858000"/>
+          </a:xfrm>
+          <a:prstGeom prst="rect">
+            <a:avLst/>
           </a:prstGeom>
           <a:solidFill>
             <a:schemeClr val="bg1"/>
           </a:solidFill>
+          <a:ln>
+            <a:solidFill>
+              <a:schemeClr val="bg1"/>
+            </a:solidFill>
+          </a:ln>
         </p:spPr>
         <p:style>
           <a:lnRef idx="2">
@@ -7814,328 +5433,14 @@
           <a:lstStyle/>
           <a:p>
             <a:pPr algn="ctr"/>
-            <a:endParaRPr lang="zh-TW" altLang="en-US">
-              <a:solidFill>
-                <a:prstClr val="white"/>
-              </a:solidFill>
-            </a:endParaRPr>
-          </a:p>
-        </p:txBody>
-      </p:sp>
-      <p:sp>
-        <p:nvSpPr>
-          <p:cNvPr id="28" name="Arrow: Striped Right 27"/>
-          <p:cNvSpPr/>
-          <p:nvPr/>
-        </p:nvSpPr>
-        <p:spPr>
-          <a:xfrm>
-            <a:off x="8572857" y="2228236"/>
-            <a:ext cx="871192" cy="411423"/>
-          </a:xfrm>
-          <a:prstGeom prst="stripedRightArrow">
-            <a:avLst>
-              <a:gd name="adj1" fmla="val 50000"/>
-              <a:gd name="adj2" fmla="val 50000"/>
-            </a:avLst>
-          </a:prstGeom>
-          <a:solidFill>
-            <a:schemeClr val="bg1"/>
-          </a:solidFill>
-        </p:spPr>
-        <p:style>
-          <a:lnRef idx="2">
-            <a:schemeClr val="accent1">
-              <a:shade val="50000"/>
-            </a:schemeClr>
-          </a:lnRef>
-          <a:fillRef idx="1">
-            <a:schemeClr val="accent1"/>
-          </a:fillRef>
-          <a:effectRef idx="0">
-            <a:schemeClr val="accent1"/>
-          </a:effectRef>
-          <a:fontRef idx="minor">
-            <a:schemeClr val="lt1"/>
-          </a:fontRef>
-        </p:style>
-        <p:txBody>
-          <a:bodyPr rtlCol="0" anchor="ctr"/>
-          <a:lstStyle/>
-          <a:p>
-            <a:pPr algn="ctr"/>
-            <a:endParaRPr lang="zh-TW" altLang="en-US">
-              <a:solidFill>
-                <a:prstClr val="white"/>
-              </a:solidFill>
-            </a:endParaRPr>
-          </a:p>
-        </p:txBody>
-      </p:sp>
-      <p:sp>
-        <p:nvSpPr>
-          <p:cNvPr id="29" name="Rectangle 28"/>
-          <p:cNvSpPr/>
-          <p:nvPr/>
-        </p:nvSpPr>
-        <p:spPr>
-          <a:xfrm>
-            <a:off x="2305882" y="620856"/>
-            <a:ext cx="7674420" cy="1311868"/>
-          </a:xfrm>
-          <a:prstGeom prst="rect">
-            <a:avLst/>
-          </a:prstGeom>
-        </p:spPr>
-        <p:style>
-          <a:lnRef idx="2">
-            <a:schemeClr val="dk1">
-              <a:shade val="50000"/>
-            </a:schemeClr>
-          </a:lnRef>
-          <a:fillRef idx="1">
-            <a:schemeClr val="dk1"/>
-          </a:fillRef>
-          <a:effectRef idx="0">
-            <a:schemeClr val="dk1"/>
-          </a:effectRef>
-          <a:fontRef idx="minor">
-            <a:schemeClr val="lt1"/>
-          </a:fontRef>
-        </p:style>
-        <p:txBody>
-          <a:bodyPr rtlCol="0" anchor="ctr"/>
-          <a:lstStyle/>
-          <a:p>
-            <a:pPr algn="ctr"/>
-            <a:r>
-              <a:rPr lang="en-US" altLang="zh-TW" sz="2800" dirty="0">
-                <a:solidFill>
-                  <a:prstClr val="white"/>
-                </a:solidFill>
-              </a:rPr>
-              <a:t>How do you PEREVENT potatoes to sprout ??</a:t>
-            </a:r>
-            <a:endParaRPr lang="zh-TW" altLang="en-US" dirty="0">
-              <a:solidFill>
-                <a:prstClr val="white"/>
-              </a:solidFill>
-            </a:endParaRPr>
-          </a:p>
-        </p:txBody>
-      </p:sp>
-      <p:sp>
-        <p:nvSpPr>
-          <p:cNvPr id="30" name="Rectangle: Rounded Corners 29"/>
-          <p:cNvSpPr/>
-          <p:nvPr/>
-        </p:nvSpPr>
-        <p:spPr>
-          <a:xfrm>
-            <a:off x="2094787" y="2395335"/>
-            <a:ext cx="3219577" cy="1347139"/>
-          </a:xfrm>
-          <a:prstGeom prst="roundRect">
-            <a:avLst/>
-          </a:prstGeom>
-        </p:spPr>
-        <p:style>
-          <a:lnRef idx="2">
-            <a:schemeClr val="dk1">
-              <a:shade val="50000"/>
-            </a:schemeClr>
-          </a:lnRef>
-          <a:fillRef idx="1">
-            <a:schemeClr val="dk1"/>
-          </a:fillRef>
-          <a:effectRef idx="0">
-            <a:schemeClr val="dk1"/>
-          </a:effectRef>
-          <a:fontRef idx="minor">
-            <a:schemeClr val="lt1"/>
-          </a:fontRef>
-        </p:style>
-        <p:txBody>
-          <a:bodyPr rtlCol="0" anchor="ctr"/>
-          <a:lstStyle/>
-          <a:p>
-            <a:pPr algn="ctr"/>
-            <a:r>
-              <a:rPr lang="en-US" altLang="zh-TW" sz="3200" dirty="0">
-                <a:solidFill>
-                  <a:prstClr val="white"/>
-                </a:solidFill>
-              </a:rPr>
-              <a:t>Put it into water, keep it wet.</a:t>
-            </a:r>
-            <a:endParaRPr lang="zh-TW" altLang="en-US" sz="3200" dirty="0">
-              <a:solidFill>
-                <a:prstClr val="white"/>
-              </a:solidFill>
-            </a:endParaRPr>
-          </a:p>
-        </p:txBody>
-      </p:sp>
-      <p:sp>
-        <p:nvSpPr>
-          <p:cNvPr id="34" name="Rectangle: Rounded Corners 33"/>
-          <p:cNvSpPr/>
-          <p:nvPr/>
-        </p:nvSpPr>
-        <p:spPr>
-          <a:xfrm>
-            <a:off x="6433702" y="4273340"/>
-            <a:ext cx="3219577" cy="1347139"/>
-          </a:xfrm>
-          <a:prstGeom prst="roundRect">
-            <a:avLst/>
-          </a:prstGeom>
-        </p:spPr>
-        <p:style>
-          <a:lnRef idx="2">
-            <a:schemeClr val="dk1">
-              <a:shade val="50000"/>
-            </a:schemeClr>
-          </a:lnRef>
-          <a:fillRef idx="1">
-            <a:schemeClr val="dk1"/>
-          </a:fillRef>
-          <a:effectRef idx="0">
-            <a:schemeClr val="dk1"/>
-          </a:effectRef>
-          <a:fontRef idx="minor">
-            <a:schemeClr val="lt1"/>
-          </a:fontRef>
-        </p:style>
-        <p:txBody>
-          <a:bodyPr rtlCol="0" anchor="ctr"/>
-          <a:lstStyle/>
-          <a:p>
-            <a:pPr algn="ctr"/>
-            <a:r>
-              <a:rPr lang="en-US" altLang="zh-TW" sz="3200" dirty="0">
-                <a:solidFill>
-                  <a:prstClr val="white"/>
-                </a:solidFill>
-              </a:rPr>
-              <a:t>Put it into your mouth, keep it ever.</a:t>
-            </a:r>
-            <a:endParaRPr lang="zh-TW" altLang="en-US" sz="3200" dirty="0">
-              <a:solidFill>
-                <a:prstClr val="white"/>
-              </a:solidFill>
-            </a:endParaRPr>
-          </a:p>
-        </p:txBody>
-      </p:sp>
-      <p:sp>
-        <p:nvSpPr>
-          <p:cNvPr id="35" name="Rectangle: Rounded Corners 34"/>
-          <p:cNvSpPr/>
-          <p:nvPr/>
-        </p:nvSpPr>
-        <p:spPr>
-          <a:xfrm>
-            <a:off x="2179118" y="4273341"/>
-            <a:ext cx="3219577" cy="1347139"/>
-          </a:xfrm>
-          <a:prstGeom prst="roundRect">
-            <a:avLst/>
-          </a:prstGeom>
-        </p:spPr>
-        <p:style>
-          <a:lnRef idx="2">
-            <a:schemeClr val="dk1">
-              <a:shade val="50000"/>
-            </a:schemeClr>
-          </a:lnRef>
-          <a:fillRef idx="1">
-            <a:schemeClr val="dk1"/>
-          </a:fillRef>
-          <a:effectRef idx="0">
-            <a:schemeClr val="dk1"/>
-          </a:effectRef>
-          <a:fontRef idx="minor">
-            <a:schemeClr val="lt1"/>
-          </a:fontRef>
-        </p:style>
-        <p:txBody>
-          <a:bodyPr rtlCol="0" anchor="ctr"/>
-          <a:lstStyle/>
-          <a:p>
-            <a:pPr algn="ctr"/>
-            <a:r>
-              <a:rPr lang="en-US" altLang="zh-TW" sz="3200" dirty="0">
-                <a:solidFill>
-                  <a:prstClr val="white"/>
-                </a:solidFill>
-              </a:rPr>
-              <a:t>Put it on newspaper, keep it dry.</a:t>
-            </a:r>
-            <a:endParaRPr lang="zh-TW" altLang="en-US" sz="3200" dirty="0">
-              <a:solidFill>
-                <a:prstClr val="white"/>
-              </a:solidFill>
-            </a:endParaRPr>
-          </a:p>
-        </p:txBody>
-      </p:sp>
-      <p:sp>
-        <p:nvSpPr>
-          <p:cNvPr id="36" name="Rectangle: Rounded Corners 35"/>
-          <p:cNvSpPr/>
-          <p:nvPr/>
-        </p:nvSpPr>
-        <p:spPr>
-          <a:xfrm>
-            <a:off x="6409472" y="2396036"/>
-            <a:ext cx="3219577" cy="1347139"/>
-          </a:xfrm>
-          <a:prstGeom prst="roundRect">
-            <a:avLst/>
-          </a:prstGeom>
-        </p:spPr>
-        <p:style>
-          <a:lnRef idx="2">
-            <a:schemeClr val="dk1">
-              <a:shade val="50000"/>
-            </a:schemeClr>
-          </a:lnRef>
-          <a:fillRef idx="1">
-            <a:schemeClr val="dk1"/>
-          </a:fillRef>
-          <a:effectRef idx="0">
-            <a:schemeClr val="dk1"/>
-          </a:effectRef>
-          <a:fontRef idx="minor">
-            <a:schemeClr val="lt1"/>
-          </a:fontRef>
-        </p:style>
-        <p:txBody>
-          <a:bodyPr rtlCol="0" anchor="ctr"/>
-          <a:lstStyle/>
-          <a:p>
-            <a:pPr algn="ctr"/>
-            <a:r>
-              <a:rPr lang="en-US" altLang="zh-TW" sz="3200" dirty="0">
-                <a:solidFill>
-                  <a:prstClr val="white"/>
-                </a:solidFill>
-              </a:rPr>
-              <a:t>Put it in a dark place, keep it wet.</a:t>
-            </a:r>
-            <a:endParaRPr lang="zh-TW" altLang="en-US" sz="3200" dirty="0">
-              <a:solidFill>
-                <a:prstClr val="white"/>
-              </a:solidFill>
-            </a:endParaRPr>
+            <a:endParaRPr lang="zh-TW" altLang="en-US"/>
           </a:p>
         </p:txBody>
       </p:sp>
     </p:spTree>
     <p:extLst>
       <p:ext uri="{BB962C8B-B14F-4D97-AF65-F5344CB8AC3E}">
-        <p14:creationId xmlns:p14="http://schemas.microsoft.com/office/powerpoint/2010/main" val="1039223130"/>
+        <p14:creationId xmlns:p14="http://schemas.microsoft.com/office/powerpoint/2010/main" val="99830718"/>
       </p:ext>
     </p:extLst>
   </p:cSld>
@@ -8444,14 +5749,68 @@
                                 </p:cTn>
                               </p:par>
                               <p:par>
-                                <p:cTn id="22" presetID="2" presetClass="entr" presetSubtype="8" fill="hold" nodeType="withEffect">
+                                <p:cTn id="22" presetID="1" presetClass="entr" presetSubtype="0" fill="hold" grpId="0" nodeType="withEffect">
+                                  <p:stCondLst>
+                                    <p:cond delay="0"/>
+                                  </p:stCondLst>
+                                  <p:childTnLst>
+                                    <p:set>
+                                      <p:cBhvr>
+                                        <p:cTn id="23" dur="1" fill="hold">
+                                          <p:stCondLst>
+                                            <p:cond delay="1999"/>
+                                          </p:stCondLst>
+                                        </p:cTn>
+                                        <p:tgtEl>
+                                          <p:spTgt spid="42"/>
+                                        </p:tgtEl>
+                                        <p:attrNameLst>
+                                          <p:attrName>style.visibility</p:attrName>
+                                        </p:attrNameLst>
+                                      </p:cBhvr>
+                                      <p:to>
+                                        <p:strVal val="visible"/>
+                                      </p:to>
+                                    </p:set>
+                                  </p:childTnLst>
+                                </p:cTn>
+                              </p:par>
+                              <p:par>
+                                <p:cTn id="24" presetID="1" presetClass="exit" presetSubtype="0" fill="hold" grpId="1" nodeType="withEffect">
+                                  <p:stCondLst>
+                                    <p:cond delay="1000"/>
+                                  </p:stCondLst>
+                                  <p:childTnLst>
+                                    <p:set>
+                                      <p:cBhvr>
+                                        <p:cTn id="25" dur="1" fill="hold">
+                                          <p:stCondLst>
+                                            <p:cond delay="2999"/>
+                                          </p:stCondLst>
+                                        </p:cTn>
+                                        <p:tgtEl>
+                                          <p:spTgt spid="42"/>
+                                        </p:tgtEl>
+                                        <p:attrNameLst>
+                                          <p:attrName>style.visibility</p:attrName>
+                                        </p:attrNameLst>
+                                      </p:cBhvr>
+                                      <p:to>
+                                        <p:strVal val="hidden"/>
+                                      </p:to>
+                                    </p:set>
+                                  </p:childTnLst>
+                                </p:cTn>
+                              </p:par>
+                              <p:par>
+                                <p:cTn id="26" presetID="2" presetClass="entr" presetSubtype="8" fill="hold" nodeType="withEffect">
                                   <p:stCondLst>
                                     <p:cond delay="4000"/>
                                   </p:stCondLst>
                                   <p:childTnLst>
                                     <p:set>
                                       <p:cBhvr>
-                                        <p:cTn id="23" dur="1" fill="hold">
+                                        <p:cTn id="27" dur="1" fill="hold">
                                           <p:stCondLst>
                                             <p:cond delay="0"/>
                                           </p:stCondLst>
@@ -8469,7 +5828,7 @@
                                     </p:set>
                                     <p:anim calcmode="lin" valueType="num">
                                       <p:cBhvr additive="base">
-                                        <p:cTn id="24" dur="250" fill="hold"/>
+                                        <p:cTn id="28" dur="250" fill="hold"/>
                                         <p:tgtEl>
                                           <p:spTgt spid="19"/>
                                         </p:tgtEl>
@@ -8492,7 +5851,7 @@
                                     </p:anim>
                                     <p:anim calcmode="lin" valueType="num">
                                       <p:cBhvr additive="base">
-                                        <p:cTn id="25" dur="250" fill="hold"/>
+                                        <p:cTn id="29" dur="250" fill="hold"/>
                                         <p:tgtEl>
                                           <p:spTgt spid="19"/>
                                         </p:tgtEl>
@@ -8517,14 +5876,14 @@
                                 </p:cTn>
                               </p:par>
                               <p:par>
-                                <p:cTn id="26" presetID="6" presetClass="entr" presetSubtype="32" fill="hold" nodeType="withEffect">
+                                <p:cTn id="30" presetID="6" presetClass="entr" presetSubtype="32" fill="hold" nodeType="withEffect">
                                   <p:stCondLst>
                                     <p:cond delay="4200"/>
                                   </p:stCondLst>
                                   <p:childTnLst>
                                     <p:set>
                                       <p:cBhvr>
-                                        <p:cTn id="27" dur="1" fill="hold">
+                                        <p:cTn id="31" dur="1" fill="hold">
                                           <p:stCondLst>
                                             <p:cond delay="0"/>
                                           </p:stCondLst>
@@ -8542,7 +5901,7 @@
                                     </p:set>
                                     <p:animEffect transition="in" filter="circle(out)">
                                       <p:cBhvr>
-                                        <p:cTn id="28" dur="500"/>
+                                        <p:cTn id="32" dur="500"/>
                                         <p:tgtEl>
                                           <p:spTgt spid="21"/>
                                         </p:tgtEl>
@@ -8552,14 +5911,14 @@
                                 </p:cTn>
                               </p:par>
                               <p:par>
-                                <p:cTn id="29" presetID="1" presetClass="exit" presetSubtype="0" fill="hold" nodeType="withEffect">
+                                <p:cTn id="33" presetID="1" presetClass="exit" presetSubtype="0" fill="hold" nodeType="withEffect">
                                   <p:stCondLst>
                                     <p:cond delay="4500"/>
                                   </p:stCondLst>
                                   <p:childTnLst>
                                     <p:set>
                                       <p:cBhvr>
-                                        <p:cTn id="30" dur="1" fill="hold">
+                                        <p:cTn id="34" dur="1" fill="hold">
                                           <p:stCondLst>
                                             <p:cond delay="249"/>
                                           </p:stCondLst>
@@ -8579,14 +5938,14 @@
                                 </p:cTn>
                               </p:par>
                               <p:par>
-                                <p:cTn id="31" presetID="1" presetClass="exit" presetSubtype="0" fill="hold" nodeType="withEffect">
+                                <p:cTn id="35" presetID="1" presetClass="exit" presetSubtype="0" fill="hold" nodeType="withEffect">
                                   <p:stCondLst>
                                     <p:cond delay="4250"/>
                                   </p:stCondLst>
                                   <p:childTnLst>
                                     <p:set>
                                       <p:cBhvr>
-                                        <p:cTn id="32" dur="1" fill="hold">
+                                        <p:cTn id="36" dur="1" fill="hold">
                                           <p:stCondLst>
                                             <p:cond delay="249"/>
                                           </p:stCondLst>
@@ -8606,14 +5965,14 @@
                                 </p:cTn>
                               </p:par>
                               <p:par>
-                                <p:cTn id="33" presetID="53" presetClass="exit" presetSubtype="32" fill="hold" nodeType="withEffect">
+                                <p:cTn id="37" presetID="53" presetClass="exit" presetSubtype="32" fill="hold" nodeType="withEffect">
                                   <p:stCondLst>
                                     <p:cond delay="4750"/>
                                   </p:stCondLst>
                                   <p:childTnLst>
                                     <p:anim calcmode="lin" valueType="num">
                                       <p:cBhvr>
-                                        <p:cTn id="34" dur="500"/>
+                                        <p:cTn id="38" dur="500"/>
                                         <p:tgtEl>
                                           <p:spTgt spid="21"/>
                                         </p:tgtEl>
@@ -8636,7 +5995,7 @@
                                     </p:anim>
                                     <p:anim calcmode="lin" valueType="num">
                                       <p:cBhvr>
-                                        <p:cTn id="35" dur="500"/>
+                                        <p:cTn id="39" dur="500"/>
                                         <p:tgtEl>
                                           <p:spTgt spid="21"/>
                                         </p:tgtEl>
@@ -8659,7 +6018,7 @@
                                     </p:anim>
                                     <p:animEffect transition="out" filter="fade">
                                       <p:cBhvr>
-                                        <p:cTn id="36" dur="500"/>
+                                        <p:cTn id="40" dur="500"/>
                                         <p:tgtEl>
                                           <p:spTgt spid="21"/>
                                         </p:tgtEl>
@@ -8667,7 +6026,7 @@
                                     </p:animEffect>
                                     <p:set>
                                       <p:cBhvr>
-                                        <p:cTn id="37" dur="1" fill="hold">
+                                        <p:cTn id="41" dur="1" fill="hold">
                                           <p:stCondLst>
                                             <p:cond delay="499"/>
                                           </p:stCondLst>
@@ -8690,20 +6049,20 @@
                           </p:cTn>
                         </p:par>
                         <p:par>
-                          <p:cTn id="38" fill="hold">
+                          <p:cTn id="42" fill="hold">
                             <p:stCondLst>
                               <p:cond delay="7000"/>
                             </p:stCondLst>
                             <p:childTnLst>
                               <p:par>
-                                <p:cTn id="39" presetID="2" presetClass="entr" presetSubtype="3" fill="hold" nodeType="afterEffect">
+                                <p:cTn id="43" presetID="2" presetClass="entr" presetSubtype="3" fill="hold" nodeType="afterEffect">
                                   <p:stCondLst>
                                     <p:cond delay="0"/>
                                   </p:stCondLst>
                                   <p:childTnLst>
                                     <p:set>
                                       <p:cBhvr>
-                                        <p:cTn id="40" dur="1" fill="hold">
+                                        <p:cTn id="44" dur="1" fill="hold">
                                           <p:stCondLst>
                                             <p:cond delay="0"/>
                                           </p:stCondLst>
@@ -8721,7 +6080,7 @@
                                     </p:set>
                                     <p:anim calcmode="lin" valueType="num">
                                       <p:cBhvr additive="base">
-                                        <p:cTn id="41" dur="500" fill="hold"/>
+                                        <p:cTn id="45" dur="500" fill="hold"/>
                                         <p:tgtEl>
                                           <p:spTgt spid="23"/>
                                         </p:tgtEl>
@@ -8744,7 +6103,7 @@
                                     </p:anim>
                                     <p:anim calcmode="lin" valueType="num">
                                       <p:cBhvr additive="base">
-                                        <p:cTn id="42" dur="500" fill="hold"/>
+                                        <p:cTn id="46" dur="500" fill="hold"/>
                                         <p:tgtEl>
                                           <p:spTgt spid="23"/>
                                         </p:tgtEl>
@@ -8772,20 +6131,20 @@
                           </p:cTn>
                         </p:par>
                         <p:par>
-                          <p:cTn id="43" fill="hold">
+                          <p:cTn id="47" fill="hold">
                             <p:stCondLst>
                               <p:cond delay="7500"/>
                             </p:stCondLst>
                             <p:childTnLst>
                               <p:par>
-                                <p:cTn id="44" presetID="10" presetClass="entr" presetSubtype="0" fill="hold" grpId="0" nodeType="afterEffect">
+                                <p:cTn id="48" presetID="10" presetClass="entr" presetSubtype="0" fill="hold" grpId="0" nodeType="afterEffect">
                                   <p:stCondLst>
                                     <p:cond delay="0"/>
                                   </p:stCondLst>
                                   <p:childTnLst>
                                     <p:set>
                                       <p:cBhvr>
-                                        <p:cTn id="45" dur="1" fill="hold">
+                                        <p:cTn id="49" dur="1" fill="hold">
                                           <p:stCondLst>
                                             <p:cond delay="0"/>
                                           </p:stCondLst>
@@ -8803,7 +6162,7 @@
                                     </p:set>
                                     <p:animEffect transition="in" filter="fade">
                                       <p:cBhvr>
-                                        <p:cTn id="46" dur="500"/>
+                                        <p:cTn id="50" dur="500"/>
                                         <p:tgtEl>
                                           <p:spTgt spid="24"/>
                                         </p:tgtEl>
@@ -8813,14 +6172,14 @@
                                 </p:cTn>
                               </p:par>
                               <p:par>
-                                <p:cTn id="47" presetID="10" presetClass="entr" presetSubtype="0" fill="hold" grpId="0" nodeType="withEffect">
+                                <p:cTn id="51" presetID="10" presetClass="entr" presetSubtype="0" fill="hold" grpId="0" nodeType="withEffect">
                                   <p:stCondLst>
                                     <p:cond delay="0"/>
                                   </p:stCondLst>
                                   <p:childTnLst>
                                     <p:set>
                                       <p:cBhvr>
-                                        <p:cTn id="48" dur="1" fill="hold">
+                                        <p:cTn id="52" dur="1" fill="hold">
                                           <p:stCondLst>
                                             <p:cond delay="0"/>
                                           </p:stCondLst>
@@ -8838,7 +6197,7 @@
                                     </p:set>
                                     <p:animEffect transition="in" filter="fade">
                                       <p:cBhvr>
-                                        <p:cTn id="49" dur="500"/>
+                                        <p:cTn id="53" dur="500"/>
                                         <p:tgtEl>
                                           <p:spTgt spid="28"/>
                                         </p:tgtEl>
@@ -8854,26 +6213,26 @@
                     </p:cTn>
                   </p:par>
                   <p:par>
-                    <p:cTn id="50" fill="hold">
+                    <p:cTn id="54" fill="hold">
                       <p:stCondLst>
                         <p:cond delay="indefinite"/>
                       </p:stCondLst>
                       <p:childTnLst>
                         <p:par>
-                          <p:cTn id="51" fill="hold">
+                          <p:cTn id="55" fill="hold">
                             <p:stCondLst>
                               <p:cond delay="0"/>
                             </p:stCondLst>
                             <p:childTnLst>
                               <p:par>
-                                <p:cTn id="52" presetID="10" presetClass="entr" presetSubtype="0" fill="hold" grpId="0" nodeType="clickEffect">
+                                <p:cTn id="56" presetID="10" presetClass="entr" presetSubtype="0" fill="hold" grpId="0" nodeType="clickEffect">
                                   <p:stCondLst>
                                     <p:cond delay="0"/>
                                   </p:stCondLst>
                                   <p:childTnLst>
                                     <p:set>
                                       <p:cBhvr>
-                                        <p:cTn id="53" dur="1" fill="hold">
+                                        <p:cTn id="57" dur="1" fill="hold">
                                           <p:stCondLst>
                                             <p:cond delay="0"/>
                                           </p:stCondLst>
@@ -8891,7 +6250,7 @@
                                     </p:set>
                                     <p:animEffect transition="in" filter="fade">
                                       <p:cBhvr>
-                                        <p:cTn id="54" dur="500"/>
+                                        <p:cTn id="58" dur="500"/>
                                         <p:tgtEl>
                                           <p:spTgt spid="26"/>
                                         </p:tgtEl>
@@ -8901,14 +6260,14 @@
                                 </p:cTn>
                               </p:par>
                               <p:par>
-                                <p:cTn id="55" presetID="10" presetClass="entr" presetSubtype="0" fill="hold" grpId="0" nodeType="withEffect">
+                                <p:cTn id="59" presetID="10" presetClass="entr" presetSubtype="0" fill="hold" grpId="0" nodeType="withEffect">
                                   <p:stCondLst>
                                     <p:cond delay="0"/>
                                   </p:stCondLst>
                                   <p:childTnLst>
                                     <p:set>
                                       <p:cBhvr>
-                                        <p:cTn id="56" dur="1" fill="hold">
+                                        <p:cTn id="60" dur="1" fill="hold">
                                           <p:stCondLst>
                                             <p:cond delay="0"/>
                                           </p:stCondLst>
@@ -8926,7 +6285,7 @@
                                     </p:set>
                                     <p:animEffect transition="in" filter="fade">
                                       <p:cBhvr>
-                                        <p:cTn id="57" dur="500"/>
+                                        <p:cTn id="61" dur="500"/>
                                         <p:tgtEl>
                                           <p:spTgt spid="27"/>
                                         </p:tgtEl>
@@ -8939,20 +6298,20 @@
                           </p:cTn>
                         </p:par>
                         <p:par>
-                          <p:cTn id="58" fill="hold">
+                          <p:cTn id="62" fill="hold">
                             <p:stCondLst>
                               <p:cond delay="500"/>
                             </p:stCondLst>
                             <p:childTnLst>
                               <p:par>
-                                <p:cTn id="59" presetID="10" presetClass="exit" presetSubtype="0" fill="hold" grpId="1" nodeType="afterEffect">
+                                <p:cTn id="63" presetID="10" presetClass="exit" presetSubtype="0" fill="hold" grpId="1" nodeType="afterEffect">
                                   <p:stCondLst>
                                     <p:cond delay="0"/>
                                   </p:stCondLst>
                                   <p:childTnLst>
                                     <p:animEffect transition="out" filter="fade">
                                       <p:cBhvr>
-                                        <p:cTn id="60" dur="500"/>
+                                        <p:cTn id="64" dur="500"/>
                                         <p:tgtEl>
                                           <p:spTgt spid="24"/>
                                         </p:tgtEl>
@@ -8960,7 +6319,7 @@
                                     </p:animEffect>
                                     <p:set>
                                       <p:cBhvr>
-                                        <p:cTn id="61" dur="1" fill="hold">
+                                        <p:cTn id="65" dur="1" fill="hold">
                                           <p:stCondLst>
                                             <p:cond delay="499"/>
                                           </p:stCondLst>
@@ -8983,20 +6342,20 @@
                           </p:cTn>
                         </p:par>
                         <p:par>
-                          <p:cTn id="62" fill="hold">
+                          <p:cTn id="66" fill="hold">
                             <p:stCondLst>
                               <p:cond delay="1000"/>
                             </p:stCondLst>
                             <p:childTnLst>
                               <p:par>
-                                <p:cTn id="63" presetID="10" presetClass="exit" presetSubtype="0" fill="hold" grpId="2" nodeType="afterEffect">
+                                <p:cTn id="67" presetID="10" presetClass="exit" presetSubtype="0" fill="hold" grpId="2" nodeType="afterEffect">
                                   <p:stCondLst>
                                     <p:cond delay="0"/>
                                   </p:stCondLst>
                                   <p:childTnLst>
                                     <p:animEffect transition="out" filter="fade">
                                       <p:cBhvr>
-                                        <p:cTn id="64" dur="500"/>
+                                        <p:cTn id="68" dur="500"/>
                                         <p:tgtEl>
                                           <p:spTgt spid="28"/>
                                         </p:tgtEl>
@@ -9004,7 +6363,7 @@
                                     </p:animEffect>
                                     <p:set>
                                       <p:cBhvr>
-                                        <p:cTn id="65" dur="1" fill="hold">
+                                        <p:cTn id="69" dur="1" fill="hold">
                                           <p:stCondLst>
                                             <p:cond delay="499"/>
                                           </p:stCondLst>
@@ -9030,26 +6389,26 @@
                     </p:cTn>
                   </p:par>
                   <p:par>
-                    <p:cTn id="66" fill="hold">
+                    <p:cTn id="70" fill="hold">
                       <p:stCondLst>
                         <p:cond delay="indefinite"/>
                       </p:stCondLst>
                       <p:childTnLst>
                         <p:par>
-                          <p:cTn id="67" fill="hold">
+                          <p:cTn id="71" fill="hold">
                             <p:stCondLst>
                               <p:cond delay="0"/>
                             </p:stCondLst>
                             <p:childTnLst>
                               <p:par>
-                                <p:cTn id="68" presetID="10" presetClass="exit" presetSubtype="0" fill="hold" grpId="1" nodeType="clickEffect">
+                                <p:cTn id="72" presetID="10" presetClass="exit" presetSubtype="0" fill="hold" grpId="1" nodeType="clickEffect">
                                   <p:stCondLst>
                                     <p:cond delay="0"/>
                                   </p:stCondLst>
                                   <p:childTnLst>
                                     <p:animEffect transition="out" filter="fade">
                                       <p:cBhvr>
-                                        <p:cTn id="69" dur="500"/>
+                                        <p:cTn id="73" dur="500"/>
                                         <p:tgtEl>
                                           <p:spTgt spid="26"/>
                                         </p:tgtEl>
@@ -9057,7 +6416,7 @@
                                     </p:animEffect>
                                     <p:set>
                                       <p:cBhvr>
-                                        <p:cTn id="70" dur="1" fill="hold">
+                                        <p:cTn id="74" dur="1" fill="hold">
                                           <p:stCondLst>
                                             <p:cond delay="499"/>
                                           </p:stCondLst>
@@ -9077,14 +6436,14 @@
                                 </p:cTn>
                               </p:par>
                               <p:par>
-                                <p:cTn id="71" presetID="10" presetClass="exit" presetSubtype="0" fill="hold" grpId="1" nodeType="withEffect">
+                                <p:cTn id="75" presetID="10" presetClass="exit" presetSubtype="0" fill="hold" grpId="1" nodeType="withEffect">
                                   <p:stCondLst>
                                     <p:cond delay="0"/>
                                   </p:stCondLst>
                                   <p:childTnLst>
                                     <p:animEffect transition="out" filter="fade">
                                       <p:cBhvr>
-                                        <p:cTn id="72" dur="500"/>
+                                        <p:cTn id="76" dur="500"/>
                                         <p:tgtEl>
                                           <p:spTgt spid="28"/>
                                         </p:tgtEl>
@@ -9092,7 +6451,7 @@
                                     </p:animEffect>
                                     <p:set>
                                       <p:cBhvr>
-                                        <p:cTn id="73" dur="1" fill="hold">
+                                        <p:cTn id="77" dur="1" fill="hold">
                                           <p:stCondLst>
                                             <p:cond delay="499"/>
                                           </p:stCondLst>
@@ -9115,20 +6474,20 @@
                           </p:cTn>
                         </p:par>
                         <p:par>
-                          <p:cTn id="74" fill="hold">
+                          <p:cTn id="78" fill="hold">
                             <p:stCondLst>
                               <p:cond delay="500"/>
                             </p:stCondLst>
                             <p:childTnLst>
                               <p:par>
-                                <p:cTn id="75" presetID="22" presetClass="entr" presetSubtype="1" fill="hold" grpId="0" nodeType="afterEffect">
+                                <p:cTn id="79" presetID="22" presetClass="entr" presetSubtype="1" fill="hold" grpId="0" nodeType="afterEffect">
                                   <p:stCondLst>
                                     <p:cond delay="0"/>
                                   </p:stCondLst>
                                   <p:childTnLst>
                                     <p:set>
                                       <p:cBhvr>
-                                        <p:cTn id="76" dur="1" fill="hold">
+                                        <p:cTn id="80" dur="1" fill="hold">
                                           <p:stCondLst>
                                             <p:cond delay="0"/>
                                           </p:stCondLst>
@@ -9146,7 +6505,7 @@
                                     </p:set>
                                     <p:animEffect transition="in" filter="wipe(up)">
                                       <p:cBhvr>
-                                        <p:cTn id="77" dur="500"/>
+                                        <p:cTn id="81" dur="500"/>
                                         <p:tgtEl>
                                           <p:spTgt spid="29"/>
                                         </p:tgtEl>
@@ -9159,53 +6518,9 @@
                           </p:cTn>
                         </p:par>
                         <p:par>
-                          <p:cTn id="78" fill="hold">
+                          <p:cTn id="82" fill="hold">
                             <p:stCondLst>
                               <p:cond delay="1000"/>
-                            </p:stCondLst>
-                            <p:childTnLst>
-                              <p:par>
-                                <p:cTn id="79" presetID="22" presetClass="entr" presetSubtype="1" fill="hold" grpId="0" nodeType="afterEffect">
-                                  <p:stCondLst>
-                                    <p:cond delay="0"/>
-                                  </p:stCondLst>
-                                  <p:childTnLst>
-                                    <p:set>
-                                      <p:cBhvr>
-                                        <p:cTn id="80" dur="1" fill="hold">
-                                          <p:stCondLst>
-                                            <p:cond delay="0"/>
-                                          </p:stCondLst>
-                                        </p:cTn>
-                                        <p:tgtEl>
-                                          <p:spTgt spid="36"/>
-                                        </p:tgtEl>
-                                        <p:attrNameLst>
-                                          <p:attrName>style.visibility</p:attrName>
-                                        </p:attrNameLst>
-                                      </p:cBhvr>
-                                      <p:to>
-                                        <p:strVal val="visible"/>
-                                      </p:to>
-                                    </p:set>
-                                    <p:animEffect transition="in" filter="wipe(up)">
-                                      <p:cBhvr>
-                                        <p:cTn id="81" dur="500"/>
-                                        <p:tgtEl>
-                                          <p:spTgt spid="36"/>
-                                        </p:tgtEl>
-                                      </p:cBhvr>
-                                    </p:animEffect>
-                                  </p:childTnLst>
-                                </p:cTn>
-                              </p:par>
-                            </p:childTnLst>
-                          </p:cTn>
-                        </p:par>
-                        <p:par>
-                          <p:cTn id="82" fill="hold">
-                            <p:stCondLst>
-                              <p:cond delay="1500"/>
                             </p:stCondLst>
                             <p:childTnLst>
                               <p:par>
@@ -9222,7 +6537,7 @@
                                           </p:stCondLst>
                                         </p:cTn>
                                         <p:tgtEl>
-                                          <p:spTgt spid="30"/>
+                                          <p:spTgt spid="12"/>
                                         </p:tgtEl>
                                         <p:attrNameLst>
                                           <p:attrName>style.visibility</p:attrName>
@@ -9236,37 +6551,28 @@
                                       <p:cBhvr>
                                         <p:cTn id="85" dur="500"/>
                                         <p:tgtEl>
-                                          <p:spTgt spid="30"/>
+                                          <p:spTgt spid="12"/>
                                         </p:tgtEl>
                                       </p:cBhvr>
                                     </p:animEffect>
                                   </p:childTnLst>
                                 </p:cTn>
                               </p:par>
-                            </p:childTnLst>
-                          </p:cTn>
-                        </p:par>
-                        <p:par>
-                          <p:cTn id="86" fill="hold">
-                            <p:stCondLst>
-                              <p:cond delay="2000"/>
-                            </p:stCondLst>
-                            <p:childTnLst>
                               <p:par>
-                                <p:cTn id="87" presetID="22" presetClass="entr" presetSubtype="1" fill="hold" grpId="0" nodeType="afterEffect">
+                                <p:cTn id="86" presetID="22" presetClass="entr" presetSubtype="1" fill="hold" grpId="0" nodeType="withEffect">
                                   <p:stCondLst>
                                     <p:cond delay="0"/>
                                   </p:stCondLst>
                                   <p:childTnLst>
                                     <p:set>
                                       <p:cBhvr>
-                                        <p:cTn id="88" dur="1" fill="hold">
+                                        <p:cTn id="87" dur="1" fill="hold">
                                           <p:stCondLst>
                                             <p:cond delay="0"/>
                                           </p:stCondLst>
                                         </p:cTn>
                                         <p:tgtEl>
-                                          <p:spTgt spid="34"/>
+                                          <p:spTgt spid="13"/>
                                         </p:tgtEl>
                                         <p:attrNameLst>
                                           <p:attrName>style.visibility</p:attrName>
@@ -9278,39 +6584,30 @@
                                     </p:set>
                                     <p:animEffect transition="in" filter="wipe(up)">
                                       <p:cBhvr>
-                                        <p:cTn id="89" dur="500"/>
+                                        <p:cTn id="88" dur="500"/>
                                         <p:tgtEl>
-                                          <p:spTgt spid="34"/>
+                                          <p:spTgt spid="13"/>
                                         </p:tgtEl>
                                       </p:cBhvr>
                                     </p:animEffect>
                                   </p:childTnLst>
                                 </p:cTn>
                               </p:par>
-                            </p:childTnLst>
-                          </p:cTn>
-                        </p:par>
-                        <p:par>
-                          <p:cTn id="90" fill="hold">
-                            <p:stCondLst>
-                              <p:cond delay="2500"/>
-                            </p:stCondLst>
-                            <p:childTnLst>
                               <p:par>
-                                <p:cTn id="91" presetID="22" presetClass="entr" presetSubtype="1" fill="hold" grpId="0" nodeType="afterEffect">
+                                <p:cTn id="89" presetID="22" presetClass="entr" presetSubtype="1" fill="hold" grpId="0" nodeType="withEffect">
                                   <p:stCondLst>
                                     <p:cond delay="0"/>
                                   </p:stCondLst>
                                   <p:childTnLst>
                                     <p:set>
                                       <p:cBhvr>
-                                        <p:cTn id="92" dur="1" fill="hold">
+                                        <p:cTn id="90" dur="1" fill="hold">
                                           <p:stCondLst>
                                             <p:cond delay="0"/>
                                           </p:stCondLst>
                                         </p:cTn>
                                         <p:tgtEl>
-                                          <p:spTgt spid="35"/>
+                                          <p:spTgt spid="31"/>
                                         </p:tgtEl>
                                         <p:attrNameLst>
                                           <p:attrName>style.visibility</p:attrName>
@@ -9322,9 +6619,44 @@
                                     </p:set>
                                     <p:animEffect transition="in" filter="wipe(up)">
                                       <p:cBhvr>
-                                        <p:cTn id="93" dur="500"/>
+                                        <p:cTn id="91" dur="500"/>
                                         <p:tgtEl>
-                                          <p:spTgt spid="35"/>
+                                          <p:spTgt spid="31"/>
+                                        </p:tgtEl>
+                                      </p:cBhvr>
+                                    </p:animEffect>
+                                  </p:childTnLst>
+                                </p:cTn>
+                              </p:par>
+                              <p:par>
+                                <p:cTn id="92" presetID="22" presetClass="entr" presetSubtype="1" fill="hold" grpId="0" nodeType="withEffect">
+                                  <p:stCondLst>
+                                    <p:cond delay="0"/>
+                                  </p:stCondLst>
+                                  <p:childTnLst>
+                                    <p:set>
+                                      <p:cBhvr>
+                                        <p:cTn id="93" dur="1" fill="hold">
+                                          <p:stCondLst>
+                                            <p:cond delay="0"/>
+                                          </p:stCondLst>
+                                        </p:cTn>
+                                        <p:tgtEl>
+                                          <p:spTgt spid="32"/>
+                                        </p:tgtEl>
+                                        <p:attrNameLst>
+                                          <p:attrName>style.visibility</p:attrName>
+                                        </p:attrNameLst>
+                                      </p:cBhvr>
+                                      <p:to>
+                                        <p:strVal val="visible"/>
+                                      </p:to>
+                                    </p:set>
+                                    <p:animEffect transition="in" filter="wipe(up)">
+                                      <p:cBhvr>
+                                        <p:cTn id="94" dur="500"/>
+                                        <p:tgtEl>
+                                          <p:spTgt spid="32"/>
                                         </p:tgtEl>
                                       </p:cBhvr>
                                     </p:animEffect>
@@ -9368,29 +6700,234 @@
       <p:bldP spid="28" grpId="1" animBg="1"/>
       <p:bldP spid="28" grpId="2" animBg="1"/>
       <p:bldP spid="29" grpId="0" animBg="1"/>
-      <p:bldP spid="30" grpId="0" animBg="1"/>
-      <p:bldP spid="34" grpId="0" animBg="1"/>
-      <p:bldP spid="35" grpId="0" animBg="1"/>
-      <p:bldP spid="36" grpId="0" animBg="1"/>
+      <p:bldP spid="42" grpId="0" animBg="1"/>
+      <p:bldP spid="42" grpId="1" animBg="1"/>
+      <p:bldP spid="12" grpId="0" animBg="1"/>
+      <p:bldP spid="13" grpId="0" animBg="1"/>
+      <p:bldP spid="31" grpId="0" animBg="1"/>
+      <p:bldP spid="32" grpId="0" animBg="1"/>
     </p:bldLst>
   </p:timing>
+</p:sld>
+</file>
+
+<file path=ppt/slides/slide12.xml><?xml version="1.0" encoding="utf-8"?>
+<p:sld xmlns:a="http://schemas.openxmlformats.org/drawingml/2006/main" xmlns:r="http://schemas.openxmlformats.org/officeDocument/2006/relationships" xmlns:p="http://schemas.openxmlformats.org/presentationml/2006/main">
+  <p:cSld>
+    <p:bg>
+      <p:bgPr>
+        <a:solidFill>
+          <a:srgbClr val="DCDB45"/>
+        </a:solidFill>
+        <a:effectLst/>
+      </p:bgPr>
+    </p:bg>
+    <p:spTree>
+      <p:nvGrpSpPr>
+        <p:cNvPr id="1" name=""/>
+        <p:cNvGrpSpPr/>
+        <p:nvPr/>
+      </p:nvGrpSpPr>
+      <p:grpSpPr>
+        <a:xfrm>
+          <a:off x="0" y="0"/>
+          <a:ext cx="0" cy="0"/>
+          <a:chOff x="0" y="0"/>
+          <a:chExt cx="0" cy="0"/>
+        </a:xfrm>
+      </p:grpSpPr>
+      <p:sp>
+        <p:nvSpPr>
+          <p:cNvPr id="2" name="Title 1"/>
+          <p:cNvSpPr>
+            <a:spLocks noGrp="1"/>
+          </p:cNvSpPr>
+          <p:nvPr>
+            <p:ph type="ctrTitle"/>
+          </p:nvPr>
+        </p:nvSpPr>
+        <p:spPr>
+          <a:xfrm>
+            <a:off x="2741613" y="5467650"/>
+            <a:ext cx="8915399" cy="795269"/>
+          </a:xfrm>
+        </p:spPr>
+        <p:txBody>
+          <a:bodyPr>
+            <a:normAutofit/>
+          </a:bodyPr>
+          <a:lstStyle/>
+          <a:p>
+            <a:r>
+              <a:rPr lang="en-US" dirty="0" smtClean="0"/>
+              <a:t>Fork and Potato: The RPG</a:t>
+            </a:r>
+            <a:endParaRPr lang="en-US" dirty="0"/>
+          </a:p>
+        </p:txBody>
+      </p:sp>
+      <p:sp>
+        <p:nvSpPr>
+          <p:cNvPr id="3" name="Subtitle 2"/>
+          <p:cNvSpPr>
+            <a:spLocks noGrp="1"/>
+          </p:cNvSpPr>
+          <p:nvPr>
+            <p:ph type="subTitle" idx="1"/>
+          </p:nvPr>
+        </p:nvSpPr>
+        <p:spPr>
+          <a:xfrm>
+            <a:off x="380585" y="4354360"/>
+            <a:ext cx="5724793" cy="2503640"/>
+          </a:xfrm>
+        </p:spPr>
+        <p:txBody>
+          <a:bodyPr>
+            <a:normAutofit/>
+          </a:bodyPr>
+          <a:lstStyle/>
+          <a:p>
+            <a:r>
+              <a:rPr lang="en-US" sz="2000" b="1" dirty="0" smtClean="0"/>
+              <a:t>Group 37</a:t>
+            </a:r>
+          </a:p>
+          <a:p>
+            <a:r>
+              <a:rPr lang="en-US" sz="2000" dirty="0" smtClean="0"/>
+              <a:t>Nick Milton</a:t>
+            </a:r>
+          </a:p>
+          <a:p>
+            <a:r>
+              <a:rPr lang="en-US" sz="2000" dirty="0" smtClean="0"/>
+              <a:t>Stephanie Reed</a:t>
+            </a:r>
+          </a:p>
+          <a:p>
+            <a:r>
+              <a:rPr lang="en-US" sz="2000" dirty="0" smtClean="0"/>
+              <a:t>Simon Chen</a:t>
+            </a:r>
+          </a:p>
+          <a:p>
+            <a:r>
+              <a:rPr lang="en-US" sz="2000" dirty="0" smtClean="0"/>
+              <a:t>Adam Shu</a:t>
+            </a:r>
+          </a:p>
+          <a:p>
+            <a:r>
+              <a:rPr lang="en-US" sz="2000" dirty="0" smtClean="0"/>
+              <a:t>Sean </a:t>
+            </a:r>
+            <a:r>
+              <a:rPr lang="en-US" sz="2000" dirty="0" err="1" smtClean="0"/>
+              <a:t>Miyaoka</a:t>
+            </a:r>
+            <a:endParaRPr lang="en-US" sz="2000" dirty="0"/>
+          </a:p>
+        </p:txBody>
+      </p:sp>
+      <p:pic>
+        <p:nvPicPr>
+          <p:cNvPr id="4" name="Picture 3"/>
+          <p:cNvPicPr>
+            <a:picLocks noChangeAspect="1"/>
+          </p:cNvPicPr>
+          <p:nvPr/>
+        </p:nvPicPr>
+        <p:blipFill>
+          <a:blip r:embed="rId2">
+            <a:extLst>
+              <a:ext uri="{28A0092B-C50C-407E-A947-70E740481C1C}">
+                <a14:useLocalDpi xmlns:a14="http://schemas.microsoft.com/office/drawing/2010/main" val="0"/>
+              </a:ext>
+            </a:extLst>
+          </a:blip>
+          <a:stretch>
+            <a:fillRect/>
+          </a:stretch>
+        </p:blipFill>
+        <p:spPr>
+          <a:xfrm>
+            <a:off x="1809468" y="1193629"/>
+            <a:ext cx="2867025" cy="2867025"/>
+          </a:xfrm>
+          <a:prstGeom prst="rect">
+            <a:avLst/>
+          </a:prstGeom>
+        </p:spPr>
+      </p:pic>
+      <p:sp>
+        <p:nvSpPr>
+          <p:cNvPr id="5" name="Title 1"/>
+          <p:cNvSpPr txBox="1">
+            <a:spLocks/>
+          </p:cNvSpPr>
+          <p:nvPr/>
+        </p:nvSpPr>
+        <p:spPr>
+          <a:xfrm>
+            <a:off x="786204" y="1193629"/>
+            <a:ext cx="8915399" cy="795269"/>
+          </a:xfrm>
+          <a:prstGeom prst="rect">
+            <a:avLst/>
+          </a:prstGeom>
+        </p:spPr>
+        <p:txBody>
+          <a:bodyPr vert="horz" lIns="91440" tIns="45720" rIns="91440" bIns="45720" rtlCol="0" anchor="ctr">
+            <a:noAutofit/>
+          </a:bodyPr>
+          <a:lstStyle>
+            <a:lvl1pPr algn="r" defTabSz="914400" rtl="0" eaLnBrk="1" latinLnBrk="0" hangingPunct="1">
+              <a:lnSpc>
+                <a:spcPct val="80000"/>
+              </a:lnSpc>
+              <a:spcBef>
+                <a:spcPct val="0"/>
+              </a:spcBef>
+              <a:buNone/>
+              <a:defRPr sz="5000" kern="1200" cap="all" spc="200" baseline="0">
+                <a:solidFill>
+                  <a:schemeClr val="tx1">
+                    <a:lumMod val="90000"/>
+                    <a:lumOff val="10000"/>
+                  </a:schemeClr>
+                </a:solidFill>
+                <a:latin typeface="+mj-lt"/>
+                <a:ea typeface="+mj-ea"/>
+                <a:cs typeface="+mj-cs"/>
+              </a:defRPr>
+            </a:lvl1pPr>
+          </a:lstStyle>
+          <a:p>
+            <a:r>
+              <a:rPr lang="en-US" sz="8000" dirty="0" smtClean="0"/>
+              <a:t>Questions?</a:t>
+            </a:r>
+            <a:endParaRPr lang="en-US" sz="8000" dirty="0"/>
+          </a:p>
+        </p:txBody>
+      </p:sp>
+    </p:spTree>
+    <p:extLst>
+      <p:ext uri="{BB962C8B-B14F-4D97-AF65-F5344CB8AC3E}">
+        <p14:creationId xmlns:p14="http://schemas.microsoft.com/office/powerpoint/2010/main" val="1365905090"/>
+      </p:ext>
+    </p:extLst>
+  </p:cSld>
+  <p:clrMapOvr>
+    <a:masterClrMapping/>
+  </p:clrMapOvr>
 </p:sld>
 </file>
 
 <file path=ppt/slides/slide2.xml><?xml version="1.0" encoding="utf-8"?>
 <p:sld xmlns:a="http://schemas.openxmlformats.org/drawingml/2006/main" xmlns:r="http://schemas.openxmlformats.org/officeDocument/2006/relationships" xmlns:p="http://schemas.openxmlformats.org/presentationml/2006/main">
   <p:cSld>
-    <p:bg>
-      <p:bgPr>
-        <a:solidFill>
-          <a:schemeClr val="accent2">
-            <a:lumMod val="20000"/>
-            <a:lumOff val="80000"/>
-          </a:schemeClr>
-        </a:solidFill>
-        <a:effectLst/>
-      </p:bgPr>
-    </p:bg>
     <p:spTree>
       <p:nvGrpSpPr>
         <p:cNvPr id="1" name=""/>
@@ -9540,20 +7077,20 @@
       </p:pic>
       <p:sp>
         <p:nvSpPr>
-          <p:cNvPr id="5" name="TextBox 4"/>
+          <p:cNvPr id="6" name="TextBox 5"/>
           <p:cNvSpPr txBox="1"/>
           <p:nvPr/>
         </p:nvSpPr>
         <p:spPr>
           <a:xfrm>
-            <a:off x="0" y="6161649"/>
+            <a:off x="0" y="6189785"/>
             <a:ext cx="12192000" cy="696351"/>
           </a:xfrm>
           <a:prstGeom prst="rect">
             <a:avLst/>
           </a:prstGeom>
           <a:solidFill>
-            <a:schemeClr val="accent2"/>
+            <a:srgbClr val="F1DD9E"/>
           </a:solidFill>
         </p:spPr>
         <p:txBody>
@@ -9582,17 +7119,6 @@
 <file path=ppt/slides/slide3.xml><?xml version="1.0" encoding="utf-8"?>
 <p:sld xmlns:a="http://schemas.openxmlformats.org/drawingml/2006/main" xmlns:r="http://schemas.openxmlformats.org/officeDocument/2006/relationships" xmlns:p="http://schemas.openxmlformats.org/presentationml/2006/main">
   <p:cSld>
-    <p:bg>
-      <p:bgPr>
-        <a:solidFill>
-          <a:schemeClr val="accent2">
-            <a:lumMod val="20000"/>
-            <a:lumOff val="80000"/>
-          </a:schemeClr>
-        </a:solidFill>
-        <a:effectLst/>
-      </p:bgPr>
-    </p:bg>
     <p:spTree>
       <p:nvGrpSpPr>
         <p:cNvPr id="1" name=""/>
@@ -9723,20 +7249,20 @@
       </p:pic>
       <p:sp>
         <p:nvSpPr>
-          <p:cNvPr id="5" name="TextBox 4"/>
+          <p:cNvPr id="6" name="TextBox 5"/>
           <p:cNvSpPr txBox="1"/>
           <p:nvPr/>
         </p:nvSpPr>
         <p:spPr>
           <a:xfrm>
-            <a:off x="0" y="6175717"/>
+            <a:off x="0" y="6189785"/>
             <a:ext cx="12192000" cy="696351"/>
           </a:xfrm>
           <a:prstGeom prst="rect">
             <a:avLst/>
           </a:prstGeom>
           <a:solidFill>
-            <a:schemeClr val="accent2"/>
+            <a:srgbClr val="F1DD9E"/>
           </a:solidFill>
         </p:spPr>
         <p:txBody>
@@ -9765,17 +7291,6 @@
 <file path=ppt/slides/slide4.xml><?xml version="1.0" encoding="utf-8"?>
 <p:sld xmlns:a="http://schemas.openxmlformats.org/drawingml/2006/main" xmlns:r="http://schemas.openxmlformats.org/officeDocument/2006/relationships" xmlns:p="http://schemas.openxmlformats.org/presentationml/2006/main">
   <p:cSld>
-    <p:bg>
-      <p:bgPr>
-        <a:solidFill>
-          <a:schemeClr val="accent2">
-            <a:lumMod val="20000"/>
-            <a:lumOff val="80000"/>
-          </a:schemeClr>
-        </a:solidFill>
-        <a:effectLst/>
-      </p:bgPr>
-    </p:bg>
     <p:spTree>
       <p:nvGrpSpPr>
         <p:cNvPr id="1" name=""/>
@@ -9807,7 +7322,11 @@
           <a:p>
             <a:r>
               <a:rPr lang="en-US" dirty="0" smtClean="0"/>
-              <a:t>Orientation and Screen size</a:t>
+              <a:t>Orientation and </a:t>
+            </a:r>
+            <a:r>
+              <a:rPr lang="en-US" dirty="0" smtClean="0"/>
+              <a:t>Layout</a:t>
             </a:r>
             <a:endParaRPr lang="en-US" dirty="0"/>
           </a:p>
@@ -9815,39 +7334,339 @@
       </p:sp>
       <p:sp>
         <p:nvSpPr>
-          <p:cNvPr id="3" name="Content Placeholder 2"/>
-          <p:cNvSpPr>
-            <a:spLocks noGrp="1"/>
+          <p:cNvPr id="7" name="Content Placeholder 2"/>
+          <p:cNvSpPr txBox="1">
+            <a:spLocks/>
           </p:cNvSpPr>
+          <p:nvPr/>
+        </p:nvSpPr>
+        <p:spPr>
+          <a:xfrm>
+            <a:off x="1024128" y="2286000"/>
+            <a:ext cx="9720071" cy="4023360"/>
+          </a:xfrm>
+          <a:prstGeom prst="rect">
+            <a:avLst/>
+          </a:prstGeom>
+        </p:spPr>
+        <p:txBody>
+          <a:bodyPr vert="horz" lIns="45720" tIns="45720" rIns="45720" bIns="45720" rtlCol="0">
+            <a:normAutofit/>
+          </a:bodyPr>
+          <a:lstStyle>
+            <a:lvl1pPr marL="91440" indent="-91440" algn="l" defTabSz="914400" rtl="0" eaLnBrk="1" latinLnBrk="0" hangingPunct="1">
+              <a:lnSpc>
+                <a:spcPct val="90000"/>
+              </a:lnSpc>
+              <a:spcBef>
+                <a:spcPts val="1200"/>
+              </a:spcBef>
+              <a:spcAft>
+                <a:spcPts val="200"/>
+              </a:spcAft>
+              <a:buClr>
+                <a:schemeClr val="accent2"/>
+              </a:buClr>
+              <a:buSzPct val="100000"/>
+              <a:buFont typeface="Tw Cen MT" panose="020B0602020104020603" pitchFamily="34" charset="0"/>
+              <a:buChar char=" "/>
+              <a:defRPr sz="2200" kern="1200">
+                <a:solidFill>
+                  <a:schemeClr val="tx1"/>
+                </a:solidFill>
+                <a:latin typeface="+mn-lt"/>
+                <a:ea typeface="+mn-ea"/>
+                <a:cs typeface="+mn-cs"/>
+              </a:defRPr>
+            </a:lvl1pPr>
+            <a:lvl2pPr marL="265176" indent="-137160" algn="l" defTabSz="914400" rtl="0" eaLnBrk="1" latinLnBrk="0" hangingPunct="1">
+              <a:lnSpc>
+                <a:spcPct val="90000"/>
+              </a:lnSpc>
+              <a:spcBef>
+                <a:spcPts val="200"/>
+              </a:spcBef>
+              <a:spcAft>
+                <a:spcPts val="400"/>
+              </a:spcAft>
+              <a:buClr>
+                <a:schemeClr val="accent2"/>
+              </a:buClr>
+              <a:buFont typeface="Wingdings 3" pitchFamily="18" charset="2"/>
+              <a:buChar char=""/>
+              <a:defRPr sz="1800" kern="1200">
+                <a:solidFill>
+                  <a:schemeClr val="tx1"/>
+                </a:solidFill>
+                <a:latin typeface="+mn-lt"/>
+                <a:ea typeface="+mn-ea"/>
+                <a:cs typeface="+mn-cs"/>
+              </a:defRPr>
+            </a:lvl2pPr>
+            <a:lvl3pPr marL="448056" indent="-137160" algn="l" defTabSz="914400" rtl="0" eaLnBrk="1" latinLnBrk="0" hangingPunct="1">
+              <a:lnSpc>
+                <a:spcPct val="90000"/>
+              </a:lnSpc>
+              <a:spcBef>
+                <a:spcPts val="200"/>
+              </a:spcBef>
+              <a:spcAft>
+                <a:spcPts val="400"/>
+              </a:spcAft>
+              <a:buClr>
+                <a:schemeClr val="accent2"/>
+              </a:buClr>
+              <a:buFont typeface="Wingdings 3" pitchFamily="18" charset="2"/>
+              <a:buChar char=""/>
+              <a:defRPr sz="1400" kern="1200">
+                <a:solidFill>
+                  <a:schemeClr val="tx1"/>
+                </a:solidFill>
+                <a:latin typeface="+mn-lt"/>
+                <a:ea typeface="+mn-ea"/>
+                <a:cs typeface="+mn-cs"/>
+              </a:defRPr>
+            </a:lvl3pPr>
+            <a:lvl4pPr marL="594360" indent="-137160" algn="l" defTabSz="914400" rtl="0" eaLnBrk="1" latinLnBrk="0" hangingPunct="1">
+              <a:lnSpc>
+                <a:spcPct val="90000"/>
+              </a:lnSpc>
+              <a:spcBef>
+                <a:spcPts val="200"/>
+              </a:spcBef>
+              <a:spcAft>
+                <a:spcPts val="400"/>
+              </a:spcAft>
+              <a:buClr>
+                <a:schemeClr val="accent2"/>
+              </a:buClr>
+              <a:buFont typeface="Wingdings 3" pitchFamily="18" charset="2"/>
+              <a:buChar char=""/>
+              <a:defRPr sz="1400" kern="1200">
+                <a:solidFill>
+                  <a:schemeClr val="tx1"/>
+                </a:solidFill>
+                <a:latin typeface="+mn-lt"/>
+                <a:ea typeface="+mn-ea"/>
+                <a:cs typeface="+mn-cs"/>
+              </a:defRPr>
+            </a:lvl4pPr>
+            <a:lvl5pPr marL="777240" indent="-137160" algn="l" defTabSz="914400" rtl="0" eaLnBrk="1" latinLnBrk="0" hangingPunct="1">
+              <a:lnSpc>
+                <a:spcPct val="90000"/>
+              </a:lnSpc>
+              <a:spcBef>
+                <a:spcPts val="200"/>
+              </a:spcBef>
+              <a:spcAft>
+                <a:spcPts val="400"/>
+              </a:spcAft>
+              <a:buClr>
+                <a:schemeClr val="accent2"/>
+              </a:buClr>
+              <a:buFont typeface="Wingdings 3" pitchFamily="18" charset="2"/>
+              <a:buChar char=""/>
+              <a:defRPr sz="1400" kern="1200">
+                <a:solidFill>
+                  <a:schemeClr val="tx1"/>
+                </a:solidFill>
+                <a:latin typeface="+mn-lt"/>
+                <a:ea typeface="+mn-ea"/>
+                <a:cs typeface="+mn-cs"/>
+              </a:defRPr>
+            </a:lvl5pPr>
+            <a:lvl6pPr marL="914400" indent="-137160" algn="l" defTabSz="914400" rtl="0" eaLnBrk="1" latinLnBrk="0" hangingPunct="1">
+              <a:lnSpc>
+                <a:spcPct val="90000"/>
+              </a:lnSpc>
+              <a:spcBef>
+                <a:spcPts val="200"/>
+              </a:spcBef>
+              <a:spcAft>
+                <a:spcPts val="400"/>
+              </a:spcAft>
+              <a:buClr>
+                <a:schemeClr val="accent2"/>
+              </a:buClr>
+              <a:buFont typeface="Wingdings 3" pitchFamily="18" charset="2"/>
+              <a:buChar char=""/>
+              <a:defRPr sz="1400" kern="1200">
+                <a:solidFill>
+                  <a:schemeClr val="tx1"/>
+                </a:solidFill>
+                <a:latin typeface="+mn-lt"/>
+                <a:ea typeface="+mn-ea"/>
+                <a:cs typeface="+mn-cs"/>
+              </a:defRPr>
+            </a:lvl6pPr>
+            <a:lvl7pPr marL="1060704" indent="-137160" algn="l" defTabSz="914400" rtl="0" eaLnBrk="1" latinLnBrk="0" hangingPunct="1">
+              <a:lnSpc>
+                <a:spcPct val="90000"/>
+              </a:lnSpc>
+              <a:spcBef>
+                <a:spcPts val="200"/>
+              </a:spcBef>
+              <a:spcAft>
+                <a:spcPts val="400"/>
+              </a:spcAft>
+              <a:buClr>
+                <a:schemeClr val="accent2"/>
+              </a:buClr>
+              <a:buFont typeface="Wingdings 3" pitchFamily="18" charset="2"/>
+              <a:buChar char=""/>
+              <a:defRPr sz="1400" kern="1200">
+                <a:solidFill>
+                  <a:schemeClr val="tx1"/>
+                </a:solidFill>
+                <a:latin typeface="+mn-lt"/>
+                <a:ea typeface="+mn-ea"/>
+                <a:cs typeface="+mn-cs"/>
+              </a:defRPr>
+            </a:lvl7pPr>
+            <a:lvl8pPr marL="1216152" indent="-137160" algn="l" defTabSz="914400" rtl="0" eaLnBrk="1" latinLnBrk="0" hangingPunct="1">
+              <a:lnSpc>
+                <a:spcPct val="90000"/>
+              </a:lnSpc>
+              <a:spcBef>
+                <a:spcPts val="200"/>
+              </a:spcBef>
+              <a:spcAft>
+                <a:spcPts val="400"/>
+              </a:spcAft>
+              <a:buClr>
+                <a:schemeClr val="accent2"/>
+              </a:buClr>
+              <a:buFont typeface="Wingdings 3" pitchFamily="18" charset="2"/>
+              <a:buChar char=""/>
+              <a:defRPr sz="1400" kern="1200">
+                <a:solidFill>
+                  <a:schemeClr val="tx1"/>
+                </a:solidFill>
+                <a:latin typeface="+mn-lt"/>
+                <a:ea typeface="+mn-ea"/>
+                <a:cs typeface="+mn-cs"/>
+              </a:defRPr>
+            </a:lvl8pPr>
+            <a:lvl9pPr marL="1362456" indent="-137160" algn="l" defTabSz="914400" rtl="0" eaLnBrk="1" latinLnBrk="0" hangingPunct="1">
+              <a:lnSpc>
+                <a:spcPct val="90000"/>
+              </a:lnSpc>
+              <a:spcBef>
+                <a:spcPts val="200"/>
+              </a:spcBef>
+              <a:spcAft>
+                <a:spcPts val="400"/>
+              </a:spcAft>
+              <a:buClr>
+                <a:schemeClr val="accent2"/>
+              </a:buClr>
+              <a:buFont typeface="Wingdings 3" pitchFamily="18" charset="2"/>
+              <a:buChar char=""/>
+              <a:defRPr sz="1400" kern="1200">
+                <a:solidFill>
+                  <a:schemeClr val="tx1"/>
+                </a:solidFill>
+                <a:latin typeface="+mn-lt"/>
+                <a:ea typeface="+mn-ea"/>
+                <a:cs typeface="+mn-cs"/>
+              </a:defRPr>
+            </a:lvl9pPr>
+          </a:lstStyle>
+          <a:p>
+            <a:pPr lvl="1"/>
+            <a:r>
+              <a:rPr lang="en-US" sz="2800" dirty="0" smtClean="0"/>
+              <a:t>Fixed vertical orientation</a:t>
+            </a:r>
+          </a:p>
+          <a:p>
+            <a:pPr lvl="2"/>
+            <a:r>
+              <a:rPr lang="en-US" sz="2400" dirty="0" smtClean="0"/>
+              <a:t>User doesn’t have to rotate the screen</a:t>
+            </a:r>
+          </a:p>
+          <a:p>
+            <a:pPr lvl="2"/>
+            <a:r>
+              <a:rPr lang="en-US" sz="2400" dirty="0" smtClean="0"/>
+              <a:t>Game controls fit the bottom third of the screen</a:t>
+            </a:r>
+          </a:p>
+          <a:p>
+            <a:pPr lvl="1"/>
+            <a:r>
+              <a:rPr lang="en-US" sz="2800" dirty="0" smtClean="0"/>
+              <a:t>No page scrolling</a:t>
+            </a:r>
+          </a:p>
+          <a:p>
+            <a:pPr lvl="1"/>
+            <a:r>
+              <a:rPr lang="en-US" sz="2800" dirty="0" smtClean="0"/>
+              <a:t>Scale the content to fit the window</a:t>
+            </a:r>
+          </a:p>
+          <a:p>
+            <a:pPr lvl="1"/>
+            <a:r>
+              <a:rPr lang="en-US" sz="2800" dirty="0" smtClean="0"/>
+              <a:t>Rotation locked </a:t>
+            </a:r>
+          </a:p>
+          <a:p>
+            <a:pPr marL="128016" lvl="1" indent="0">
+              <a:buNone/>
+            </a:pPr>
+            <a:endParaRPr lang="en-US" sz="2800" dirty="0"/>
+          </a:p>
+        </p:txBody>
+      </p:sp>
+      <p:pic>
+        <p:nvPicPr>
+          <p:cNvPr id="11" name="Content Placeholder 10"/>
+          <p:cNvPicPr>
+            <a:picLocks noGrp="1" noChangeAspect="1"/>
+          </p:cNvPicPr>
           <p:nvPr>
             <p:ph idx="1"/>
           </p:nvPr>
-        </p:nvSpPr>
-        <p:spPr/>
-        <p:txBody>
-          <a:bodyPr/>
-          <a:lstStyle/>
-          <a:p>
-            <a:endParaRPr lang="en-US"/>
-          </a:p>
-        </p:txBody>
-      </p:sp>
-      <p:sp>
-        <p:nvSpPr>
-          <p:cNvPr id="4" name="TextBox 3"/>
+        </p:nvPicPr>
+        <p:blipFill>
+          <a:blip r:embed="rId2">
+            <a:extLst>
+              <a:ext uri="{28A0092B-C50C-407E-A947-70E740481C1C}">
+                <a14:useLocalDpi xmlns:a14="http://schemas.microsoft.com/office/drawing/2010/main" val="0"/>
+              </a:ext>
+            </a:extLst>
+          </a:blip>
+          <a:stretch>
+            <a:fillRect/>
+          </a:stretch>
+        </p:blipFill>
+        <p:spPr>
+          <a:xfrm>
+            <a:off x="8571621" y="1610891"/>
+            <a:ext cx="2172578" cy="4002118"/>
+          </a:xfrm>
+        </p:spPr>
+      </p:pic>
+      <p:sp>
+        <p:nvSpPr>
+          <p:cNvPr id="12" name="TextBox 11"/>
           <p:cNvSpPr txBox="1"/>
           <p:nvPr/>
         </p:nvSpPr>
         <p:spPr>
           <a:xfrm>
-            <a:off x="0" y="6161649"/>
+            <a:off x="0" y="6189785"/>
             <a:ext cx="12192000" cy="696351"/>
           </a:xfrm>
           <a:prstGeom prst="rect">
             <a:avLst/>
           </a:prstGeom>
           <a:solidFill>
-            <a:schemeClr val="accent2"/>
+            <a:srgbClr val="F1DD9E"/>
           </a:solidFill>
         </p:spPr>
         <p:txBody>
@@ -9876,17 +7695,6 @@
 <file path=ppt/slides/slide5.xml><?xml version="1.0" encoding="utf-8"?>
 <p:sld xmlns:a="http://schemas.openxmlformats.org/drawingml/2006/main" xmlns:r="http://schemas.openxmlformats.org/officeDocument/2006/relationships" xmlns:p="http://schemas.openxmlformats.org/presentationml/2006/main">
   <p:cSld>
-    <p:bg>
-      <p:bgPr>
-        <a:solidFill>
-          <a:schemeClr val="accent2">
-            <a:lumMod val="20000"/>
-            <a:lumOff val="80000"/>
-          </a:schemeClr>
-        </a:solidFill>
-        <a:effectLst/>
-      </p:bgPr>
-    </p:bg>
     <p:spTree>
       <p:nvGrpSpPr>
         <p:cNvPr id="1" name=""/>
@@ -9918,31 +7726,41 @@
           <a:p>
             <a:r>
               <a:rPr lang="en-US" dirty="0" smtClean="0"/>
-              <a:t>Layout</a:t>
+              <a:t>Color Scheme</a:t>
             </a:r>
             <a:endParaRPr lang="en-US" dirty="0"/>
           </a:p>
         </p:txBody>
       </p:sp>
-      <p:sp>
-        <p:nvSpPr>
-          <p:cNvPr id="3" name="Content Placeholder 2"/>
-          <p:cNvSpPr>
-            <a:spLocks noGrp="1"/>
-          </p:cNvSpPr>
+      <p:pic>
+        <p:nvPicPr>
+          <p:cNvPr id="5" name="Content Placeholder 4"/>
+          <p:cNvPicPr>
+            <a:picLocks noGrp="1" noChangeAspect="1"/>
+          </p:cNvPicPr>
           <p:nvPr>
             <p:ph idx="1"/>
           </p:nvPr>
-        </p:nvSpPr>
-        <p:spPr/>
-        <p:txBody>
-          <a:bodyPr/>
-          <a:lstStyle/>
-          <a:p>
-            <a:endParaRPr lang="en-US"/>
-          </a:p>
-        </p:txBody>
-      </p:sp>
+        </p:nvPicPr>
+        <p:blipFill>
+          <a:blip r:embed="rId2">
+            <a:extLst>
+              <a:ext uri="{28A0092B-C50C-407E-A947-70E740481C1C}">
+                <a14:useLocalDpi xmlns:a14="http://schemas.microsoft.com/office/drawing/2010/main" val="0"/>
+              </a:ext>
+            </a:extLst>
+          </a:blip>
+          <a:stretch>
+            <a:fillRect/>
+          </a:stretch>
+        </p:blipFill>
+        <p:spPr>
+          <a:xfrm>
+            <a:off x="3198971" y="3226367"/>
+            <a:ext cx="4638675" cy="2762250"/>
+          </a:xfrm>
+        </p:spPr>
+      </p:pic>
       <p:sp>
         <p:nvSpPr>
           <p:cNvPr id="4" name="TextBox 3"/>
@@ -9951,14 +7769,14 @@
         </p:nvSpPr>
         <p:spPr>
           <a:xfrm>
-            <a:off x="0" y="6161649"/>
+            <a:off x="0" y="6189785"/>
             <a:ext cx="12192000" cy="696351"/>
           </a:xfrm>
           <a:prstGeom prst="rect">
             <a:avLst/>
           </a:prstGeom>
           <a:solidFill>
-            <a:schemeClr val="accent2"/>
+            <a:srgbClr val="F1DD9E"/>
           </a:solidFill>
         </p:spPr>
         <p:txBody>
@@ -9971,10 +7789,274 @@
           </a:p>
         </p:txBody>
       </p:sp>
+      <p:sp>
+        <p:nvSpPr>
+          <p:cNvPr id="6" name="Content Placeholder 2"/>
+          <p:cNvSpPr txBox="1">
+            <a:spLocks/>
+          </p:cNvSpPr>
+          <p:nvPr/>
+        </p:nvSpPr>
+        <p:spPr>
+          <a:xfrm>
+            <a:off x="1024128" y="2286000"/>
+            <a:ext cx="9720071" cy="4023360"/>
+          </a:xfrm>
+          <a:prstGeom prst="rect">
+            <a:avLst/>
+          </a:prstGeom>
+        </p:spPr>
+        <p:txBody>
+          <a:bodyPr vert="horz" lIns="45720" tIns="45720" rIns="45720" bIns="45720" rtlCol="0">
+            <a:normAutofit/>
+          </a:bodyPr>
+          <a:lstStyle>
+            <a:lvl1pPr marL="91440" indent="-91440" algn="l" defTabSz="914400" rtl="0" eaLnBrk="1" latinLnBrk="0" hangingPunct="1">
+              <a:lnSpc>
+                <a:spcPct val="90000"/>
+              </a:lnSpc>
+              <a:spcBef>
+                <a:spcPts val="1200"/>
+              </a:spcBef>
+              <a:spcAft>
+                <a:spcPts val="200"/>
+              </a:spcAft>
+              <a:buClr>
+                <a:schemeClr val="accent2"/>
+              </a:buClr>
+              <a:buSzPct val="100000"/>
+              <a:buFont typeface="Tw Cen MT" panose="020B0602020104020603" pitchFamily="34" charset="0"/>
+              <a:buChar char=" "/>
+              <a:defRPr sz="2200" kern="1200">
+                <a:solidFill>
+                  <a:schemeClr val="tx1"/>
+                </a:solidFill>
+                <a:latin typeface="+mn-lt"/>
+                <a:ea typeface="+mn-ea"/>
+                <a:cs typeface="+mn-cs"/>
+              </a:defRPr>
+            </a:lvl1pPr>
+            <a:lvl2pPr marL="265176" indent="-137160" algn="l" defTabSz="914400" rtl="0" eaLnBrk="1" latinLnBrk="0" hangingPunct="1">
+              <a:lnSpc>
+                <a:spcPct val="90000"/>
+              </a:lnSpc>
+              <a:spcBef>
+                <a:spcPts val="200"/>
+              </a:spcBef>
+              <a:spcAft>
+                <a:spcPts val="400"/>
+              </a:spcAft>
+              <a:buClr>
+                <a:schemeClr val="accent2"/>
+              </a:buClr>
+              <a:buFont typeface="Wingdings 3" pitchFamily="18" charset="2"/>
+              <a:buChar char=""/>
+              <a:defRPr sz="1800" kern="1200">
+                <a:solidFill>
+                  <a:schemeClr val="tx1"/>
+                </a:solidFill>
+                <a:latin typeface="+mn-lt"/>
+                <a:ea typeface="+mn-ea"/>
+                <a:cs typeface="+mn-cs"/>
+              </a:defRPr>
+            </a:lvl2pPr>
+            <a:lvl3pPr marL="448056" indent="-137160" algn="l" defTabSz="914400" rtl="0" eaLnBrk="1" latinLnBrk="0" hangingPunct="1">
+              <a:lnSpc>
+                <a:spcPct val="90000"/>
+              </a:lnSpc>
+              <a:spcBef>
+                <a:spcPts val="200"/>
+              </a:spcBef>
+              <a:spcAft>
+                <a:spcPts val="400"/>
+              </a:spcAft>
+              <a:buClr>
+                <a:schemeClr val="accent2"/>
+              </a:buClr>
+              <a:buFont typeface="Wingdings 3" pitchFamily="18" charset="2"/>
+              <a:buChar char=""/>
+              <a:defRPr sz="1400" kern="1200">
+                <a:solidFill>
+                  <a:schemeClr val="tx1"/>
+                </a:solidFill>
+                <a:latin typeface="+mn-lt"/>
+                <a:ea typeface="+mn-ea"/>
+                <a:cs typeface="+mn-cs"/>
+              </a:defRPr>
+            </a:lvl3pPr>
+            <a:lvl4pPr marL="594360" indent="-137160" algn="l" defTabSz="914400" rtl="0" eaLnBrk="1" latinLnBrk="0" hangingPunct="1">
+              <a:lnSpc>
+                <a:spcPct val="90000"/>
+              </a:lnSpc>
+              <a:spcBef>
+                <a:spcPts val="200"/>
+              </a:spcBef>
+              <a:spcAft>
+                <a:spcPts val="400"/>
+              </a:spcAft>
+              <a:buClr>
+                <a:schemeClr val="accent2"/>
+              </a:buClr>
+              <a:buFont typeface="Wingdings 3" pitchFamily="18" charset="2"/>
+              <a:buChar char=""/>
+              <a:defRPr sz="1400" kern="1200">
+                <a:solidFill>
+                  <a:schemeClr val="tx1"/>
+                </a:solidFill>
+                <a:latin typeface="+mn-lt"/>
+                <a:ea typeface="+mn-ea"/>
+                <a:cs typeface="+mn-cs"/>
+              </a:defRPr>
+            </a:lvl4pPr>
+            <a:lvl5pPr marL="777240" indent="-137160" algn="l" defTabSz="914400" rtl="0" eaLnBrk="1" latinLnBrk="0" hangingPunct="1">
+              <a:lnSpc>
+                <a:spcPct val="90000"/>
+              </a:lnSpc>
+              <a:spcBef>
+                <a:spcPts val="200"/>
+              </a:spcBef>
+              <a:spcAft>
+                <a:spcPts val="400"/>
+              </a:spcAft>
+              <a:buClr>
+                <a:schemeClr val="accent2"/>
+              </a:buClr>
+              <a:buFont typeface="Wingdings 3" pitchFamily="18" charset="2"/>
+              <a:buChar char=""/>
+              <a:defRPr sz="1400" kern="1200">
+                <a:solidFill>
+                  <a:schemeClr val="tx1"/>
+                </a:solidFill>
+                <a:latin typeface="+mn-lt"/>
+                <a:ea typeface="+mn-ea"/>
+                <a:cs typeface="+mn-cs"/>
+              </a:defRPr>
+            </a:lvl5pPr>
+            <a:lvl6pPr marL="914400" indent="-137160" algn="l" defTabSz="914400" rtl="0" eaLnBrk="1" latinLnBrk="0" hangingPunct="1">
+              <a:lnSpc>
+                <a:spcPct val="90000"/>
+              </a:lnSpc>
+              <a:spcBef>
+                <a:spcPts val="200"/>
+              </a:spcBef>
+              <a:spcAft>
+                <a:spcPts val="400"/>
+              </a:spcAft>
+              <a:buClr>
+                <a:schemeClr val="accent2"/>
+              </a:buClr>
+              <a:buFont typeface="Wingdings 3" pitchFamily="18" charset="2"/>
+              <a:buChar char=""/>
+              <a:defRPr sz="1400" kern="1200">
+                <a:solidFill>
+                  <a:schemeClr val="tx1"/>
+                </a:solidFill>
+                <a:latin typeface="+mn-lt"/>
+                <a:ea typeface="+mn-ea"/>
+                <a:cs typeface="+mn-cs"/>
+              </a:defRPr>
+            </a:lvl6pPr>
+            <a:lvl7pPr marL="1060704" indent="-137160" algn="l" defTabSz="914400" rtl="0" eaLnBrk="1" latinLnBrk="0" hangingPunct="1">
+              <a:lnSpc>
+                <a:spcPct val="90000"/>
+              </a:lnSpc>
+              <a:spcBef>
+                <a:spcPts val="200"/>
+              </a:spcBef>
+              <a:spcAft>
+                <a:spcPts val="400"/>
+              </a:spcAft>
+              <a:buClr>
+                <a:schemeClr val="accent2"/>
+              </a:buClr>
+              <a:buFont typeface="Wingdings 3" pitchFamily="18" charset="2"/>
+              <a:buChar char=""/>
+              <a:defRPr sz="1400" kern="1200">
+                <a:solidFill>
+                  <a:schemeClr val="tx1"/>
+                </a:solidFill>
+                <a:latin typeface="+mn-lt"/>
+                <a:ea typeface="+mn-ea"/>
+                <a:cs typeface="+mn-cs"/>
+              </a:defRPr>
+            </a:lvl7pPr>
+            <a:lvl8pPr marL="1216152" indent="-137160" algn="l" defTabSz="914400" rtl="0" eaLnBrk="1" latinLnBrk="0" hangingPunct="1">
+              <a:lnSpc>
+                <a:spcPct val="90000"/>
+              </a:lnSpc>
+              <a:spcBef>
+                <a:spcPts val="200"/>
+              </a:spcBef>
+              <a:spcAft>
+                <a:spcPts val="400"/>
+              </a:spcAft>
+              <a:buClr>
+                <a:schemeClr val="accent2"/>
+              </a:buClr>
+              <a:buFont typeface="Wingdings 3" pitchFamily="18" charset="2"/>
+              <a:buChar char=""/>
+              <a:defRPr sz="1400" kern="1200">
+                <a:solidFill>
+                  <a:schemeClr val="tx1"/>
+                </a:solidFill>
+                <a:latin typeface="+mn-lt"/>
+                <a:ea typeface="+mn-ea"/>
+                <a:cs typeface="+mn-cs"/>
+              </a:defRPr>
+            </a:lvl8pPr>
+            <a:lvl9pPr marL="1362456" indent="-137160" algn="l" defTabSz="914400" rtl="0" eaLnBrk="1" latinLnBrk="0" hangingPunct="1">
+              <a:lnSpc>
+                <a:spcPct val="90000"/>
+              </a:lnSpc>
+              <a:spcBef>
+                <a:spcPts val="200"/>
+              </a:spcBef>
+              <a:spcAft>
+                <a:spcPts val="400"/>
+              </a:spcAft>
+              <a:buClr>
+                <a:schemeClr val="accent2"/>
+              </a:buClr>
+              <a:buFont typeface="Wingdings 3" pitchFamily="18" charset="2"/>
+              <a:buChar char=""/>
+              <a:defRPr sz="1400" kern="1200">
+                <a:solidFill>
+                  <a:schemeClr val="tx1"/>
+                </a:solidFill>
+                <a:latin typeface="+mn-lt"/>
+                <a:ea typeface="+mn-ea"/>
+                <a:cs typeface="+mn-cs"/>
+              </a:defRPr>
+            </a:lvl9pPr>
+          </a:lstStyle>
+          <a:p>
+            <a:pPr lvl="1"/>
+            <a:r>
+              <a:rPr lang="en-US" sz="2800" dirty="0" smtClean="0"/>
+              <a:t>Color scheme is softer and balanced</a:t>
+            </a:r>
+          </a:p>
+          <a:p>
+            <a:pPr lvl="1"/>
+            <a:r>
+              <a:rPr lang="en-US" sz="2800" dirty="0" smtClean="0"/>
+              <a:t>Includes greens that can be associated with vegetables and nature</a:t>
+            </a:r>
+          </a:p>
+          <a:p>
+            <a:pPr lvl="1"/>
+            <a:endParaRPr lang="en-US" sz="2800" dirty="0" smtClean="0"/>
+          </a:p>
+          <a:p>
+            <a:pPr lvl="1"/>
+            <a:endParaRPr lang="en-US" sz="2800" dirty="0" smtClean="0"/>
+          </a:p>
+        </p:txBody>
+      </p:sp>
     </p:spTree>
     <p:extLst>
       <p:ext uri="{BB962C8B-B14F-4D97-AF65-F5344CB8AC3E}">
-        <p14:creationId xmlns:p14="http://schemas.microsoft.com/office/powerpoint/2010/main" val="3384307103"/>
+        <p14:creationId xmlns:p14="http://schemas.microsoft.com/office/powerpoint/2010/main" val="792929009"/>
       </p:ext>
     </p:extLst>
   </p:cSld>
@@ -9987,17 +8069,6 @@
 <file path=ppt/slides/slide6.xml><?xml version="1.0" encoding="utf-8"?>
 <p:sld xmlns:a="http://schemas.openxmlformats.org/drawingml/2006/main" xmlns:r="http://schemas.openxmlformats.org/officeDocument/2006/relationships" xmlns:p="http://schemas.openxmlformats.org/presentationml/2006/main">
   <p:cSld>
-    <p:bg>
-      <p:bgPr>
-        <a:solidFill>
-          <a:schemeClr val="accent2">
-            <a:lumMod val="20000"/>
-            <a:lumOff val="80000"/>
-          </a:schemeClr>
-        </a:solidFill>
-        <a:effectLst/>
-      </p:bgPr>
-    </p:bg>
     <p:spTree>
       <p:nvGrpSpPr>
         <p:cNvPr id="1" name=""/>
@@ -10037,7 +8108,7 @@
       </p:sp>
       <p:sp>
         <p:nvSpPr>
-          <p:cNvPr id="3" name="Content Placeholder 2"/>
+          <p:cNvPr id="5" name="Content Placeholder 2"/>
           <p:cNvSpPr>
             <a:spLocks noGrp="1"/>
           </p:cNvSpPr>
@@ -10047,29 +8118,73 @@
         </p:nvSpPr>
         <p:spPr/>
         <p:txBody>
-          <a:bodyPr/>
-          <a:lstStyle/>
-          <a:p>
-            <a:endParaRPr lang="en-US"/>
-          </a:p>
-        </p:txBody>
-      </p:sp>
-      <p:sp>
-        <p:nvSpPr>
-          <p:cNvPr id="4" name="TextBox 3"/>
+          <a:bodyPr>
+            <a:normAutofit/>
+          </a:bodyPr>
+          <a:lstStyle/>
+          <a:p>
+            <a:pPr lvl="1"/>
+            <a:r>
+              <a:rPr lang="en-US" sz="2800" dirty="0" smtClean="0"/>
+              <a:t>Fewer and larger </a:t>
+            </a:r>
+            <a:r>
+              <a:rPr lang="en-US" sz="2800" dirty="0"/>
+              <a:t>buttons for target </a:t>
+            </a:r>
+            <a:r>
+              <a:rPr lang="en-US" sz="2800" dirty="0" smtClean="0"/>
+              <a:t>audience (at least thumb size)</a:t>
+            </a:r>
+            <a:endParaRPr lang="en-US" sz="2800" dirty="0" smtClean="0"/>
+          </a:p>
+          <a:p>
+            <a:pPr lvl="1"/>
+            <a:r>
+              <a:rPr lang="en-US" sz="2800" dirty="0" smtClean="0"/>
+              <a:t>Every screen will have way to exit to the main menu</a:t>
+            </a:r>
+          </a:p>
+          <a:p>
+            <a:pPr lvl="1"/>
+            <a:r>
+              <a:rPr lang="en-US" sz="2800" dirty="0" smtClean="0"/>
+              <a:t>Pause and player messages will be overlaid Battle screen</a:t>
+            </a:r>
+          </a:p>
+          <a:p>
+            <a:pPr lvl="1"/>
+            <a:r>
+              <a:rPr lang="en-US" sz="2800" dirty="0" smtClean="0"/>
+              <a:t>Starting gameplay from the Welcome screen is 3 clicks </a:t>
+            </a:r>
+          </a:p>
+          <a:p>
+            <a:pPr lvl="1"/>
+            <a:endParaRPr lang="en-US" sz="2800" dirty="0" smtClean="0"/>
+          </a:p>
+          <a:p>
+            <a:pPr lvl="1"/>
+            <a:endParaRPr lang="en-US" sz="2800" dirty="0" smtClean="0"/>
+          </a:p>
+        </p:txBody>
+      </p:sp>
+      <p:sp>
+        <p:nvSpPr>
+          <p:cNvPr id="6" name="TextBox 5"/>
           <p:cNvSpPr txBox="1"/>
           <p:nvPr/>
         </p:nvSpPr>
         <p:spPr>
           <a:xfrm>
-            <a:off x="0" y="6161649"/>
+            <a:off x="0" y="6189785"/>
             <a:ext cx="12192000" cy="696351"/>
           </a:xfrm>
           <a:prstGeom prst="rect">
             <a:avLst/>
           </a:prstGeom>
           <a:solidFill>
-            <a:schemeClr val="accent2"/>
+            <a:srgbClr val="F1DD9E"/>
           </a:solidFill>
         </p:spPr>
         <p:txBody>
@@ -10098,128 +8213,6 @@
 <file path=ppt/slides/slide7.xml><?xml version="1.0" encoding="utf-8"?>
 <p:sld xmlns:a="http://schemas.openxmlformats.org/drawingml/2006/main" xmlns:r="http://schemas.openxmlformats.org/officeDocument/2006/relationships" xmlns:p="http://schemas.openxmlformats.org/presentationml/2006/main">
   <p:cSld>
-    <p:bg>
-      <p:bgPr>
-        <a:solidFill>
-          <a:schemeClr val="accent2">
-            <a:lumMod val="20000"/>
-            <a:lumOff val="80000"/>
-          </a:schemeClr>
-        </a:solidFill>
-        <a:effectLst/>
-      </p:bgPr>
-    </p:bg>
-    <p:spTree>
-      <p:nvGrpSpPr>
-        <p:cNvPr id="1" name=""/>
-        <p:cNvGrpSpPr/>
-        <p:nvPr/>
-      </p:nvGrpSpPr>
-      <p:grpSpPr>
-        <a:xfrm>
-          <a:off x="0" y="0"/>
-          <a:ext cx="0" cy="0"/>
-          <a:chOff x="0" y="0"/>
-          <a:chExt cx="0" cy="0"/>
-        </a:xfrm>
-      </p:grpSpPr>
-      <p:sp>
-        <p:nvSpPr>
-          <p:cNvPr id="2" name="Title 1"/>
-          <p:cNvSpPr>
-            <a:spLocks noGrp="1"/>
-          </p:cNvSpPr>
-          <p:nvPr>
-            <p:ph type="title"/>
-          </p:nvPr>
-        </p:nvSpPr>
-        <p:spPr/>
-        <p:txBody>
-          <a:bodyPr/>
-          <a:lstStyle/>
-          <a:p>
-            <a:r>
-              <a:rPr lang="en-US" dirty="0" smtClean="0"/>
-              <a:t>Color Scheme</a:t>
-            </a:r>
-            <a:endParaRPr lang="en-US" dirty="0"/>
-          </a:p>
-        </p:txBody>
-      </p:sp>
-      <p:sp>
-        <p:nvSpPr>
-          <p:cNvPr id="3" name="Content Placeholder 2"/>
-          <p:cNvSpPr>
-            <a:spLocks noGrp="1"/>
-          </p:cNvSpPr>
-          <p:nvPr>
-            <p:ph idx="1"/>
-          </p:nvPr>
-        </p:nvSpPr>
-        <p:spPr/>
-        <p:txBody>
-          <a:bodyPr/>
-          <a:lstStyle/>
-          <a:p>
-            <a:endParaRPr lang="en-US"/>
-          </a:p>
-        </p:txBody>
-      </p:sp>
-      <p:sp>
-        <p:nvSpPr>
-          <p:cNvPr id="4" name="TextBox 3"/>
-          <p:cNvSpPr txBox="1"/>
-          <p:nvPr/>
-        </p:nvSpPr>
-        <p:spPr>
-          <a:xfrm>
-            <a:off x="0" y="6189785"/>
-            <a:ext cx="12192000" cy="696351"/>
-          </a:xfrm>
-          <a:prstGeom prst="rect">
-            <a:avLst/>
-          </a:prstGeom>
-          <a:solidFill>
-            <a:schemeClr val="accent2"/>
-          </a:solidFill>
-        </p:spPr>
-        <p:txBody>
-          <a:bodyPr wrap="square" rtlCol="0">
-            <a:spAutoFit/>
-          </a:bodyPr>
-          <a:lstStyle/>
-          <a:p>
-            <a:endParaRPr lang="en-US" dirty="0"/>
-          </a:p>
-        </p:txBody>
-      </p:sp>
-    </p:spTree>
-    <p:extLst>
-      <p:ext uri="{BB962C8B-B14F-4D97-AF65-F5344CB8AC3E}">
-        <p14:creationId xmlns:p14="http://schemas.microsoft.com/office/powerpoint/2010/main" val="792929009"/>
-      </p:ext>
-    </p:extLst>
-  </p:cSld>
-  <p:clrMapOvr>
-    <a:masterClrMapping/>
-  </p:clrMapOvr>
-</p:sld>
-</file>
-
-<file path=ppt/slides/slide8.xml><?xml version="1.0" encoding="utf-8"?>
-<p:sld xmlns:a="http://schemas.openxmlformats.org/drawingml/2006/main" xmlns:r="http://schemas.openxmlformats.org/officeDocument/2006/relationships" xmlns:p="http://schemas.openxmlformats.org/presentationml/2006/main">
-  <p:cSld>
-    <p:bg>
-      <p:bgPr>
-        <a:solidFill>
-          <a:schemeClr val="accent2">
-            <a:lumMod val="20000"/>
-            <a:lumOff val="80000"/>
-          </a:schemeClr>
-        </a:solidFill>
-        <a:effectLst/>
-      </p:bgPr>
-    </p:bg>
     <p:spTree>
       <p:nvGrpSpPr>
         <p:cNvPr id="1" name=""/>
@@ -10318,20 +8311,20 @@
       </p:pic>
       <p:sp>
         <p:nvSpPr>
-          <p:cNvPr id="7" name="TextBox 6"/>
+          <p:cNvPr id="8" name="TextBox 7"/>
           <p:cNvSpPr txBox="1"/>
           <p:nvPr/>
         </p:nvSpPr>
         <p:spPr>
           <a:xfrm>
-            <a:off x="0" y="6161649"/>
+            <a:off x="0" y="6189785"/>
             <a:ext cx="12192000" cy="696351"/>
           </a:xfrm>
           <a:prstGeom prst="rect">
             <a:avLst/>
           </a:prstGeom>
           <a:solidFill>
-            <a:schemeClr val="accent2"/>
+            <a:srgbClr val="F1DD9E"/>
           </a:solidFill>
         </p:spPr>
         <p:txBody>
@@ -10354,23 +8347,19 @@
   <p:clrMapOvr>
     <a:masterClrMapping/>
   </p:clrMapOvr>
+  <p:timing>
+    <p:tnLst>
+      <p:par>
+        <p:cTn id="1" dur="indefinite" restart="never" nodeType="tmRoot"/>
+      </p:par>
+    </p:tnLst>
+  </p:timing>
 </p:sld>
 </file>
 
-<file path=ppt/slides/slide9.xml><?xml version="1.0" encoding="utf-8"?>
+<file path=ppt/slides/slide8.xml><?xml version="1.0" encoding="utf-8"?>
 <p:sld xmlns:a="http://schemas.openxmlformats.org/drawingml/2006/main" xmlns:r="http://schemas.openxmlformats.org/officeDocument/2006/relationships" xmlns:p="http://schemas.openxmlformats.org/presentationml/2006/main">
   <p:cSld>
-    <p:bg>
-      <p:bgPr>
-        <a:solidFill>
-          <a:schemeClr val="accent2">
-            <a:lumMod val="20000"/>
-            <a:lumOff val="80000"/>
-          </a:schemeClr>
-        </a:solidFill>
-        <a:effectLst/>
-      </p:bgPr>
-    </p:bg>
     <p:spTree>
       <p:nvGrpSpPr>
         <p:cNvPr id="1" name=""/>
@@ -10402,47 +8391,87 @@
           <a:p>
             <a:r>
               <a:rPr lang="en-US" dirty="0" smtClean="0"/>
-              <a:t>Slide Design</a:t>
+              <a:t>Wireframe</a:t>
             </a:r>
             <a:endParaRPr lang="en-US" dirty="0"/>
           </a:p>
         </p:txBody>
       </p:sp>
-      <p:sp>
-        <p:nvSpPr>
-          <p:cNvPr id="3" name="Content Placeholder 2"/>
-          <p:cNvSpPr>
-            <a:spLocks noGrp="1"/>
-          </p:cNvSpPr>
+      <p:pic>
+        <p:nvPicPr>
+          <p:cNvPr id="5" name="Content Placeholder 4"/>
+          <p:cNvPicPr>
+            <a:picLocks noGrp="1" noChangeAspect="1"/>
+          </p:cNvPicPr>
           <p:nvPr>
             <p:ph idx="1"/>
           </p:nvPr>
-        </p:nvSpPr>
-        <p:spPr/>
-        <p:txBody>
-          <a:bodyPr/>
-          <a:lstStyle/>
-          <a:p>
-            <a:endParaRPr lang="en-US"/>
-          </a:p>
-        </p:txBody>
-      </p:sp>
-      <p:sp>
-        <p:nvSpPr>
-          <p:cNvPr id="4" name="TextBox 3"/>
+        </p:nvPicPr>
+        <p:blipFill>
+          <a:blip r:embed="rId2">
+            <a:extLst>
+              <a:ext uri="{28A0092B-C50C-407E-A947-70E740481C1C}">
+                <a14:useLocalDpi xmlns:a14="http://schemas.microsoft.com/office/drawing/2010/main" val="0"/>
+              </a:ext>
+            </a:extLst>
+          </a:blip>
+          <a:stretch>
+            <a:fillRect/>
+          </a:stretch>
+        </p:blipFill>
+        <p:spPr>
+          <a:xfrm>
+            <a:off x="1633094" y="2089264"/>
+            <a:ext cx="2734196" cy="4022725"/>
+          </a:xfrm>
+        </p:spPr>
+      </p:pic>
+      <p:pic>
+        <p:nvPicPr>
+          <p:cNvPr id="6" name="Picture 5"/>
+          <p:cNvPicPr>
+            <a:picLocks noChangeAspect="1"/>
+          </p:cNvPicPr>
+          <p:nvPr/>
+        </p:nvPicPr>
+        <p:blipFill>
+          <a:blip r:embed="rId3">
+            <a:extLst>
+              <a:ext uri="{28A0092B-C50C-407E-A947-70E740481C1C}">
+                <a14:useLocalDpi xmlns:a14="http://schemas.microsoft.com/office/drawing/2010/main" val="0"/>
+              </a:ext>
+            </a:extLst>
+          </a:blip>
+          <a:stretch>
+            <a:fillRect/>
+          </a:stretch>
+        </p:blipFill>
+        <p:spPr>
+          <a:xfrm>
+            <a:off x="4367290" y="2084832"/>
+            <a:ext cx="5677042" cy="4018218"/>
+          </a:xfrm>
+          <a:prstGeom prst="rect">
+            <a:avLst/>
+          </a:prstGeom>
+        </p:spPr>
+      </p:pic>
+      <p:sp>
+        <p:nvSpPr>
+          <p:cNvPr id="7" name="TextBox 6"/>
           <p:cNvSpPr txBox="1"/>
           <p:nvPr/>
         </p:nvSpPr>
         <p:spPr>
           <a:xfrm>
-            <a:off x="0" y="6161649"/>
+            <a:off x="0" y="6189785"/>
             <a:ext cx="12192000" cy="696351"/>
           </a:xfrm>
           <a:prstGeom prst="rect">
             <a:avLst/>
           </a:prstGeom>
           <a:solidFill>
-            <a:schemeClr val="accent2"/>
+            <a:srgbClr val="F1DD9E"/>
           </a:solidFill>
         </p:spPr>
         <p:txBody>
@@ -10465,308 +8494,137 @@
   <p:clrMapOvr>
     <a:masterClrMapping/>
   </p:clrMapOvr>
+  <p:timing>
+    <p:tnLst>
+      <p:par>
+        <p:cTn id="1" dur="indefinite" restart="never" nodeType="tmRoot"/>
+      </p:par>
+    </p:tnLst>
+  </p:timing>
+</p:sld>
+</file>
+
+<file path=ppt/slides/slide9.xml><?xml version="1.0" encoding="utf-8"?>
+<p:sld xmlns:a="http://schemas.openxmlformats.org/drawingml/2006/main" xmlns:r="http://schemas.openxmlformats.org/officeDocument/2006/relationships" xmlns:p="http://schemas.openxmlformats.org/presentationml/2006/main">
+  <p:cSld>
+    <p:spTree>
+      <p:nvGrpSpPr>
+        <p:cNvPr id="1" name=""/>
+        <p:cNvGrpSpPr/>
+        <p:nvPr/>
+      </p:nvGrpSpPr>
+      <p:grpSpPr>
+        <a:xfrm>
+          <a:off x="0" y="0"/>
+          <a:ext cx="0" cy="0"/>
+          <a:chOff x="0" y="0"/>
+          <a:chExt cx="0" cy="0"/>
+        </a:xfrm>
+      </p:grpSpPr>
+      <p:sp>
+        <p:nvSpPr>
+          <p:cNvPr id="2" name="Title 1"/>
+          <p:cNvSpPr>
+            <a:spLocks noGrp="1"/>
+          </p:cNvSpPr>
+          <p:nvPr>
+            <p:ph type="title"/>
+          </p:nvPr>
+        </p:nvSpPr>
+        <p:spPr/>
+        <p:txBody>
+          <a:bodyPr/>
+          <a:lstStyle/>
+          <a:p>
+            <a:r>
+              <a:rPr lang="en-US" dirty="0" smtClean="0"/>
+              <a:t>Wireframe</a:t>
+            </a:r>
+            <a:endParaRPr lang="en-US" dirty="0"/>
+          </a:p>
+        </p:txBody>
+      </p:sp>
+      <p:pic>
+        <p:nvPicPr>
+          <p:cNvPr id="5" name="Content Placeholder 4"/>
+          <p:cNvPicPr>
+            <a:picLocks noGrp="1" noChangeAspect="1"/>
+          </p:cNvPicPr>
+          <p:nvPr>
+            <p:ph idx="1"/>
+          </p:nvPr>
+        </p:nvPicPr>
+        <p:blipFill>
+          <a:blip r:embed="rId2">
+            <a:extLst>
+              <a:ext uri="{28A0092B-C50C-407E-A947-70E740481C1C}">
+                <a14:useLocalDpi xmlns:a14="http://schemas.microsoft.com/office/drawing/2010/main" val="0"/>
+              </a:ext>
+            </a:extLst>
+          </a:blip>
+          <a:stretch>
+            <a:fillRect/>
+          </a:stretch>
+        </p:blipFill>
+        <p:spPr>
+          <a:xfrm>
+            <a:off x="3322027" y="2084832"/>
+            <a:ext cx="5318696" cy="4025352"/>
+          </a:xfrm>
+        </p:spPr>
+      </p:pic>
+      <p:sp>
+        <p:nvSpPr>
+          <p:cNvPr id="6" name="TextBox 5"/>
+          <p:cNvSpPr txBox="1"/>
+          <p:nvPr/>
+        </p:nvSpPr>
+        <p:spPr>
+          <a:xfrm>
+            <a:off x="0" y="6189785"/>
+            <a:ext cx="12192000" cy="696351"/>
+          </a:xfrm>
+          <a:prstGeom prst="rect">
+            <a:avLst/>
+          </a:prstGeom>
+          <a:solidFill>
+            <a:srgbClr val="F1DD9E"/>
+          </a:solidFill>
+        </p:spPr>
+        <p:txBody>
+          <a:bodyPr wrap="square" rtlCol="0">
+            <a:spAutoFit/>
+          </a:bodyPr>
+          <a:lstStyle/>
+          <a:p>
+            <a:endParaRPr lang="en-US" dirty="0"/>
+          </a:p>
+        </p:txBody>
+      </p:sp>
+    </p:spTree>
+    <p:extLst>
+      <p:ext uri="{BB962C8B-B14F-4D97-AF65-F5344CB8AC3E}">
+        <p14:creationId xmlns:p14="http://schemas.microsoft.com/office/powerpoint/2010/main" val="113963061"/>
+      </p:ext>
+    </p:extLst>
+  </p:cSld>
+  <p:clrMapOvr>
+    <a:masterClrMapping/>
+  </p:clrMapOvr>
+  <p:timing>
+    <p:tnLst>
+      <p:par>
+        <p:cTn id="1" dur="indefinite" restart="never" nodeType="tmRoot"/>
+      </p:par>
+    </p:tnLst>
+  </p:timing>
 </p:sld>
 </file>
 
 <file path=ppt/theme/theme1.xml><?xml version="1.0" encoding="utf-8"?>
-<a:theme xmlns:a="http://schemas.openxmlformats.org/drawingml/2006/main" name="Office Theme">
-  <a:themeElements>
-    <a:clrScheme name="Office">
-      <a:dk1>
-        <a:sysClr val="windowText" lastClr="000000"/>
-      </a:dk1>
-      <a:lt1>
-        <a:sysClr val="window" lastClr="FFFFFF"/>
-      </a:lt1>
-      <a:dk2>
-        <a:srgbClr val="44546A"/>
-      </a:dk2>
-      <a:lt2>
-        <a:srgbClr val="E7E6E6"/>
-      </a:lt2>
-      <a:accent1>
-        <a:srgbClr val="4472C4"/>
-      </a:accent1>
-      <a:accent2>
-        <a:srgbClr val="ED7D31"/>
-      </a:accent2>
-      <a:accent3>
-        <a:srgbClr val="A5A5A5"/>
-      </a:accent3>
-      <a:accent4>
-        <a:srgbClr val="FFC000"/>
-      </a:accent4>
-      <a:accent5>
-        <a:srgbClr val="5B9BD5"/>
-      </a:accent5>
-      <a:accent6>
-        <a:srgbClr val="70AD47"/>
-      </a:accent6>
-      <a:hlink>
-        <a:srgbClr val="0563C1"/>
-      </a:hlink>
-      <a:folHlink>
-        <a:srgbClr val="954F72"/>
-      </a:folHlink>
-    </a:clrScheme>
-    <a:fontScheme name="Office">
-      <a:majorFont>
-        <a:latin typeface="Calibri Light" panose="020F0302020204030204"/>
-        <a:ea typeface=""/>
-        <a:cs typeface=""/>
-        <a:font script="Jpan" typeface="游ゴシック Light"/>
-        <a:font script="Hang" typeface="맑은 고딕"/>
-        <a:font script="Hans" typeface="等线 Light"/>
-        <a:font script="Hant" typeface="新細明體"/>
-        <a:font script="Arab" typeface="Times New Roman"/>
-        <a:font script="Hebr" typeface="Times New Roman"/>
-        <a:font script="Thai" typeface="Angsana New"/>
-        <a:font script="Ethi" typeface="Nyala"/>
-        <a:font script="Beng" typeface="Vrinda"/>
-        <a:font script="Gujr" typeface="Shruti"/>
-        <a:font script="Khmr" typeface="MoolBoran"/>
-        <a:font script="Knda" typeface="Tunga"/>
-        <a:font script="Guru" typeface="Raavi"/>
-        <a:font script="Cans" typeface="Euphemia"/>
-        <a:font script="Cher" typeface="Plantagenet Cherokee"/>
-        <a:font script="Yiii" typeface="Microsoft Yi Baiti"/>
-        <a:font script="Tibt" typeface="Microsoft Himalaya"/>
-        <a:font script="Thaa" typeface="MV Boli"/>
-        <a:font script="Deva" typeface="Mangal"/>
-        <a:font script="Telu" typeface="Gautami"/>
-        <a:font script="Taml" typeface="Latha"/>
-        <a:font script="Syrc" typeface="Estrangelo Edessa"/>
-        <a:font script="Orya" typeface="Kalinga"/>
-        <a:font script="Mlym" typeface="Kartika"/>
-        <a:font script="Laoo" typeface="DokChampa"/>
-        <a:font script="Sinh" typeface="Iskoola Pota"/>
-        <a:font script="Mong" typeface="Mongolian Baiti"/>
-        <a:font script="Viet" typeface="Times New Roman"/>
-        <a:font script="Uigh" typeface="Microsoft Uighur"/>
-        <a:font script="Geor" typeface="Sylfaen"/>
-        <a:font script="Armn" typeface="Arial"/>
-        <a:font script="Bugi" typeface="Leelawadee UI"/>
-        <a:font script="Bopo" typeface="Microsoft JhengHei"/>
-        <a:font script="Java" typeface="Javanese Text"/>
-        <a:font script="Lisu" typeface="Segoe UI"/>
-        <a:font script="Mymr" typeface="Myanmar Text"/>
-        <a:font script="Nkoo" typeface="Ebrima"/>
-        <a:font script="Olck" typeface="Nirmala UI"/>
-        <a:font script="Osma" typeface="Ebrima"/>
-        <a:font script="Phag" typeface="Phagspa"/>
-        <a:font script="Syrn" typeface="Estrangelo Edessa"/>
-        <a:font script="Syrj" typeface="Estrangelo Edessa"/>
-        <a:font script="Syre" typeface="Estrangelo Edessa"/>
-        <a:font script="Sora" typeface="Nirmala UI"/>
-        <a:font script="Tale" typeface="Microsoft Tai Le"/>
-        <a:font script="Talu" typeface="Microsoft New Tai Lue"/>
-        <a:font script="Tfng" typeface="Ebrima"/>
-      </a:majorFont>
-      <a:minorFont>
-        <a:latin typeface="Calibri" panose="020F0502020204030204"/>
-        <a:ea typeface=""/>
-        <a:cs typeface=""/>
-        <a:font script="Jpan" typeface="游ゴシック"/>
-        <a:font script="Hang" typeface="맑은 고딕"/>
-        <a:font script="Hans" typeface="等线"/>
-        <a:font script="Hant" typeface="新細明體"/>
-        <a:font script="Arab" typeface="Arial"/>
-        <a:font script="Hebr" typeface="Arial"/>
-        <a:font script="Thai" typeface="Cordia New"/>
-        <a:font script="Ethi" typeface="Nyala"/>
-        <a:font script="Beng" typeface="Vrinda"/>
-        <a:font script="Gujr" typeface="Shruti"/>
-        <a:font script="Khmr" typeface="DaunPenh"/>
-        <a:font script="Knda" typeface="Tunga"/>
-        <a:font script="Guru" typeface="Raavi"/>
-        <a:font script="Cans" typeface="Euphemia"/>
-        <a:font script="Cher" typeface="Plantagenet Cherokee"/>
-        <a:font script="Yiii" typeface="Microsoft Yi Baiti"/>
-        <a:font script="Tibt" typeface="Microsoft Himalaya"/>
-        <a:font script="Thaa" typeface="MV Boli"/>
-        <a:font script="Deva" typeface="Mangal"/>
-        <a:font script="Telu" typeface="Gautami"/>
-        <a:font script="Taml" typeface="Latha"/>
-        <a:font script="Syrc" typeface="Estrangelo Edessa"/>
-        <a:font script="Orya" typeface="Kalinga"/>
-        <a:font script="Mlym" typeface="Kartika"/>
-        <a:font script="Laoo" typeface="DokChampa"/>
-        <a:font script="Sinh" typeface="Iskoola Pota"/>
-        <a:font script="Mong" typeface="Mongolian Baiti"/>
-        <a:font script="Viet" typeface="Arial"/>
-        <a:font script="Uigh" typeface="Microsoft Uighur"/>
-        <a:font script="Geor" typeface="Sylfaen"/>
-        <a:font script="Armn" typeface="Arial"/>
-        <a:font script="Bugi" typeface="Leelawadee UI"/>
-        <a:font script="Bopo" typeface="Microsoft JhengHei"/>
-        <a:font script="Java" typeface="Javanese Text"/>
-        <a:font script="Lisu" typeface="Segoe UI"/>
-        <a:font script="Mymr" typeface="Myanmar Text"/>
-        <a:font script="Nkoo" typeface="Ebrima"/>
-        <a:font script="Olck" typeface="Nirmala UI"/>
-        <a:font script="Osma" typeface="Ebrima"/>
-        <a:font script="Phag" typeface="Phagspa"/>
-        <a:font script="Syrn" typeface="Estrangelo Edessa"/>
-        <a:font script="Syrj" typeface="Estrangelo Edessa"/>
-        <a:font script="Syre" typeface="Estrangelo Edessa"/>
-        <a:font script="Sora" typeface="Nirmala UI"/>
-        <a:font script="Tale" typeface="Microsoft Tai Le"/>
-        <a:font script="Talu" typeface="Microsoft New Tai Lue"/>
-        <a:font script="Tfng" typeface="Ebrima"/>
-      </a:minorFont>
-    </a:fontScheme>
-    <a:fmtScheme name="Office">
-      <a:fillStyleLst>
-        <a:solidFill>
-          <a:schemeClr val="phClr"/>
-        </a:solidFill>
-        <a:gradFill rotWithShape="1">
-          <a:gsLst>
-            <a:gs pos="0">
-              <a:schemeClr val="phClr">
-                <a:lumMod val="110000"/>
-                <a:satMod val="105000"/>
-                <a:tint val="67000"/>
-              </a:schemeClr>
-            </a:gs>
-            <a:gs pos="50000">
-              <a:schemeClr val="phClr">
-                <a:lumMod val="105000"/>
-                <a:satMod val="103000"/>
-                <a:tint val="73000"/>
-              </a:schemeClr>
-            </a:gs>
-            <a:gs pos="100000">
-              <a:schemeClr val="phClr">
-                <a:lumMod val="105000"/>
-                <a:satMod val="109000"/>
-                <a:tint val="81000"/>
-              </a:schemeClr>
-            </a:gs>
-          </a:gsLst>
-          <a:lin ang="5400000" scaled="0"/>
-        </a:gradFill>
-        <a:gradFill rotWithShape="1">
-          <a:gsLst>
-            <a:gs pos="0">
-              <a:schemeClr val="phClr">
-                <a:satMod val="103000"/>
-                <a:lumMod val="102000"/>
-                <a:tint val="94000"/>
-              </a:schemeClr>
-            </a:gs>
-            <a:gs pos="50000">
-              <a:schemeClr val="phClr">
-                <a:satMod val="110000"/>
-                <a:lumMod val="100000"/>
-                <a:shade val="100000"/>
-              </a:schemeClr>
-            </a:gs>
-            <a:gs pos="100000">
-              <a:schemeClr val="phClr">
-                <a:lumMod val="99000"/>
-                <a:satMod val="120000"/>
-                <a:shade val="78000"/>
-              </a:schemeClr>
-            </a:gs>
-          </a:gsLst>
-          <a:lin ang="5400000" scaled="0"/>
-        </a:gradFill>
-      </a:fillStyleLst>
-      <a:lnStyleLst>
-        <a:ln w="6350" cap="flat" cmpd="sng" algn="ctr">
-          <a:solidFill>
-            <a:schemeClr val="phClr"/>
-          </a:solidFill>
-          <a:prstDash val="solid"/>
-          <a:miter lim="800000"/>
-        </a:ln>
-        <a:ln w="12700" cap="flat" cmpd="sng" algn="ctr">
-          <a:solidFill>
-            <a:schemeClr val="phClr"/>
-          </a:solidFill>
-          <a:prstDash val="solid"/>
-          <a:miter lim="800000"/>
-        </a:ln>
-        <a:ln w="19050" cap="flat" cmpd="sng" algn="ctr">
-          <a:solidFill>
-            <a:schemeClr val="phClr"/>
-          </a:solidFill>
-          <a:prstDash val="solid"/>
-          <a:miter lim="800000"/>
-        </a:ln>
-      </a:lnStyleLst>
-      <a:effectStyleLst>
-        <a:effectStyle>
-          <a:effectLst/>
-        </a:effectStyle>
-        <a:effectStyle>
-          <a:effectLst/>
-        </a:effectStyle>
-        <a:effectStyle>
-          <a:effectLst>
-            <a:outerShdw blurRad="57150" dist="19050" dir="5400000" algn="ctr" rotWithShape="0">
-              <a:srgbClr val="000000">
-                <a:alpha val="63000"/>
-              </a:srgbClr>
-            </a:outerShdw>
-          </a:effectLst>
-        </a:effectStyle>
-      </a:effectStyleLst>
-      <a:bgFillStyleLst>
-        <a:solidFill>
-          <a:schemeClr val="phClr"/>
-        </a:solidFill>
-        <a:solidFill>
-          <a:schemeClr val="phClr">
-            <a:tint val="95000"/>
-            <a:satMod val="170000"/>
-          </a:schemeClr>
-        </a:solidFill>
-        <a:gradFill rotWithShape="1">
-          <a:gsLst>
-            <a:gs pos="0">
-              <a:schemeClr val="phClr">
-                <a:tint val="93000"/>
-                <a:satMod val="150000"/>
-                <a:shade val="98000"/>
-                <a:lumMod val="102000"/>
-              </a:schemeClr>
-            </a:gs>
-            <a:gs pos="50000">
-              <a:schemeClr val="phClr">
-                <a:tint val="98000"/>
-                <a:satMod val="130000"/>
-                <a:shade val="90000"/>
-                <a:lumMod val="103000"/>
-              </a:schemeClr>
-            </a:gs>
-            <a:gs pos="100000">
-              <a:schemeClr val="phClr">
-                <a:shade val="63000"/>
-                <a:satMod val="120000"/>
-              </a:schemeClr>
-            </a:gs>
-          </a:gsLst>
-          <a:lin ang="5400000" scaled="0"/>
-        </a:gradFill>
-      </a:bgFillStyleLst>
-    </a:fmtScheme>
-  </a:themeElements>
-  <a:objectDefaults/>
-  <a:extraClrSchemeLst/>
-  <a:extLst>
-    <a:ext uri="{05A4C25C-085E-4340-85A3-A5531E510DB2}">
-      <thm15:themeFamily xmlns:thm15="http://schemas.microsoft.com/office/thememl/2012/main" name="Office Theme" id="{62F939B6-93AF-4DB8-9C6B-D6C7DFDC589F}" vid="{4A3C46E8-61CC-4603-A589-7422A47A8E4A}"/>
-    </a:ext>
-  </a:extLst>
-</a:theme>
-</file>
-
-<file path=ppt/theme/theme2.xml><?xml version="1.0" encoding="utf-8"?>
 <a:theme xmlns:a="http://schemas.openxmlformats.org/drawingml/2006/main" name="Integral">
   <a:themeElements>
-    <a:clrScheme name="Office">
+    <a:clrScheme name="Custom 1">
       <a:dk1>
         <a:sysClr val="windowText" lastClr="000000"/>
       </a:dk1>
@@ -10783,7 +8641,7 @@
         <a:srgbClr val="5B9BD5"/>
       </a:accent1>
       <a:accent2>
-        <a:srgbClr val="ED7D31"/>
+        <a:srgbClr val="F1DD9E"/>
       </a:accent2>
       <a:accent3>
         <a:srgbClr val="A5A5A5"/>
@@ -11034,7 +8892,7 @@
 </a:theme>
 </file>
 
-<file path=ppt/theme/theme3.xml><?xml version="1.0" encoding="utf-8"?>
+<file path=ppt/theme/theme2.xml><?xml version="1.0" encoding="utf-8"?>
 <a:theme xmlns:a="http://schemas.openxmlformats.org/drawingml/2006/main" name="Office Theme">
   <a:themeElements>
     <a:clrScheme name="Office">

--- a/ForkandPotatoUI.pptx
+++ b/ForkandPotatoUI.pptx
@@ -5,7 +5,7 @@
     <p:sldMasterId id="2147484005" r:id="rId1"/>
   </p:sldMasterIdLst>
   <p:notesMasterIdLst>
-    <p:notesMasterId r:id="rId14"/>
+    <p:notesMasterId r:id="rId15"/>
   </p:notesMasterIdLst>
   <p:sldIdLst>
     <p:sldId id="256" r:id="rId2"/>
@@ -16,10 +16,11 @@
     <p:sldId id="264" r:id="rId7"/>
     <p:sldId id="261" r:id="rId8"/>
     <p:sldId id="260" r:id="rId9"/>
-    <p:sldId id="267" r:id="rId10"/>
-    <p:sldId id="266" r:id="rId11"/>
-    <p:sldId id="265" r:id="rId12"/>
-    <p:sldId id="268" r:id="rId13"/>
+    <p:sldId id="269" r:id="rId10"/>
+    <p:sldId id="267" r:id="rId11"/>
+    <p:sldId id="266" r:id="rId12"/>
+    <p:sldId id="265" r:id="rId13"/>
+    <p:sldId id="268" r:id="rId14"/>
   </p:sldIdLst>
   <p:sldSz cx="12192000" cy="6858000"/>
   <p:notesSz cx="6858000" cy="9144000"/>
@@ -4063,41 +4064,160 @@
           <a:p>
             <a:r>
               <a:rPr lang="en-US" dirty="0" smtClean="0"/>
-              <a:t>Wireframe</a:t>
-            </a:r>
+              <a:t>Wireframe </a:t>
+            </a:r>
+            <a:r>
+              <a:rPr lang="en-US" sz="3600" dirty="0" smtClean="0"/>
+              <a:t>– </a:t>
+            </a:r>
+            <a:r>
+              <a:rPr lang="en-US" sz="3600" dirty="0" err="1" smtClean="0"/>
+              <a:t>Battlescreens</a:t>
+            </a:r>
+            <a:endParaRPr lang="en-US" dirty="0"/>
+          </a:p>
+        </p:txBody>
+      </p:sp>
+      <p:sp>
+        <p:nvSpPr>
+          <p:cNvPr id="6" name="TextBox 5"/>
+          <p:cNvSpPr txBox="1"/>
+          <p:nvPr/>
+        </p:nvSpPr>
+        <p:spPr>
+          <a:xfrm>
+            <a:off x="0" y="6189785"/>
+            <a:ext cx="12192000" cy="696351"/>
+          </a:xfrm>
+          <a:prstGeom prst="rect">
+            <a:avLst/>
+          </a:prstGeom>
+          <a:solidFill>
+            <a:srgbClr val="F1DD9E"/>
+          </a:solidFill>
+        </p:spPr>
+        <p:txBody>
+          <a:bodyPr wrap="square" rtlCol="0">
+            <a:spAutoFit/>
+          </a:bodyPr>
+          <a:lstStyle/>
+          <a:p>
             <a:endParaRPr lang="en-US" dirty="0"/>
           </a:p>
         </p:txBody>
       </p:sp>
       <p:pic>
         <p:nvPicPr>
-          <p:cNvPr id="5" name="Content Placeholder 4"/>
+          <p:cNvPr id="7" name="Picture 6"/>
           <p:cNvPicPr>
-            <a:picLocks noGrp="1" noChangeAspect="1"/>
+            <a:picLocks noChangeAspect="1"/>
           </p:cNvPicPr>
-          <p:nvPr>
-            <p:ph idx="1"/>
-          </p:nvPr>
+          <p:nvPr/>
         </p:nvPicPr>
         <p:blipFill>
-          <a:blip r:embed="rId2">
-            <a:extLst>
-              <a:ext uri="{28A0092B-C50C-407E-A947-70E740481C1C}">
-                <a14:useLocalDpi xmlns:a14="http://schemas.microsoft.com/office/drawing/2010/main" val="0"/>
-              </a:ext>
-            </a:extLst>
-          </a:blip>
+          <a:blip r:embed="rId2"/>
           <a:stretch>
             <a:fillRect/>
           </a:stretch>
         </p:blipFill>
         <p:spPr>
           <a:xfrm>
-            <a:off x="2958089" y="2084832"/>
-            <a:ext cx="5738905" cy="4076817"/>
-          </a:xfrm>
+            <a:off x="2819087" y="1834649"/>
+            <a:ext cx="2824067" cy="4319740"/>
+          </a:xfrm>
+          <a:prstGeom prst="rect">
+            <a:avLst/>
+          </a:prstGeom>
         </p:spPr>
       </p:pic>
+      <p:pic>
+        <p:nvPicPr>
+          <p:cNvPr id="8" name="Picture 7"/>
+          <p:cNvPicPr>
+            <a:picLocks noChangeAspect="1"/>
+          </p:cNvPicPr>
+          <p:nvPr/>
+        </p:nvPicPr>
+        <p:blipFill>
+          <a:blip r:embed="rId3"/>
+          <a:stretch>
+            <a:fillRect/>
+          </a:stretch>
+        </p:blipFill>
+        <p:spPr>
+          <a:xfrm>
+            <a:off x="5767116" y="1848168"/>
+            <a:ext cx="2775993" cy="4306222"/>
+          </a:xfrm>
+          <a:prstGeom prst="rect">
+            <a:avLst/>
+          </a:prstGeom>
+        </p:spPr>
+      </p:pic>
+    </p:spTree>
+    <p:extLst>
+      <p:ext uri="{BB962C8B-B14F-4D97-AF65-F5344CB8AC3E}">
+        <p14:creationId xmlns:p14="http://schemas.microsoft.com/office/powerpoint/2010/main" val="113963061"/>
+      </p:ext>
+    </p:extLst>
+  </p:cSld>
+  <p:clrMapOvr>
+    <a:masterClrMapping/>
+  </p:clrMapOvr>
+  <p:timing>
+    <p:tnLst>
+      <p:par>
+        <p:cTn id="1" dur="indefinite" restart="never" nodeType="tmRoot"/>
+      </p:par>
+    </p:tnLst>
+  </p:timing>
+</p:sld>
+</file>
+
+<file path=ppt/slides/slide11.xml><?xml version="1.0" encoding="utf-8"?>
+<p:sld xmlns:a="http://schemas.openxmlformats.org/drawingml/2006/main" xmlns:r="http://schemas.openxmlformats.org/officeDocument/2006/relationships" xmlns:p="http://schemas.openxmlformats.org/presentationml/2006/main">
+  <p:cSld>
+    <p:spTree>
+      <p:nvGrpSpPr>
+        <p:cNvPr id="1" name=""/>
+        <p:cNvGrpSpPr/>
+        <p:nvPr/>
+      </p:nvGrpSpPr>
+      <p:grpSpPr>
+        <a:xfrm>
+          <a:off x="0" y="0"/>
+          <a:ext cx="0" cy="0"/>
+          <a:chOff x="0" y="0"/>
+          <a:chExt cx="0" cy="0"/>
+        </a:xfrm>
+      </p:grpSpPr>
+      <p:sp>
+        <p:nvSpPr>
+          <p:cNvPr id="2" name="Title 1"/>
+          <p:cNvSpPr>
+            <a:spLocks noGrp="1"/>
+          </p:cNvSpPr>
+          <p:nvPr>
+            <p:ph type="title"/>
+          </p:nvPr>
+        </p:nvSpPr>
+        <p:spPr/>
+        <p:txBody>
+          <a:bodyPr/>
+          <a:lstStyle/>
+          <a:p>
+            <a:r>
+              <a:rPr lang="en-US" dirty="0" smtClean="0"/>
+              <a:t>Wireframe </a:t>
+            </a:r>
+            <a:r>
+              <a:rPr lang="en-US" sz="3600" dirty="0" smtClean="0"/>
+              <a:t>– Paused Overlay, Game Complete screen</a:t>
+            </a:r>
+            <a:endParaRPr lang="en-US" dirty="0"/>
+          </a:p>
+        </p:txBody>
+      </p:sp>
       <p:sp>
         <p:nvSpPr>
           <p:cNvPr id="4" name="TextBox 3"/>
@@ -4154,6 +4274,54 @@
           </a:p>
         </p:txBody>
       </p:sp>
+      <p:pic>
+        <p:nvPicPr>
+          <p:cNvPr id="8" name="Picture 7"/>
+          <p:cNvPicPr>
+            <a:picLocks noChangeAspect="1"/>
+          </p:cNvPicPr>
+          <p:nvPr/>
+        </p:nvPicPr>
+        <p:blipFill>
+          <a:blip r:embed="rId2"/>
+          <a:stretch>
+            <a:fillRect/>
+          </a:stretch>
+        </p:blipFill>
+        <p:spPr>
+          <a:xfrm>
+            <a:off x="3015614" y="2049693"/>
+            <a:ext cx="2836545" cy="4083820"/>
+          </a:xfrm>
+          <a:prstGeom prst="rect">
+            <a:avLst/>
+          </a:prstGeom>
+        </p:spPr>
+      </p:pic>
+      <p:pic>
+        <p:nvPicPr>
+          <p:cNvPr id="9" name="Picture 8"/>
+          <p:cNvPicPr>
+            <a:picLocks noChangeAspect="1"/>
+          </p:cNvPicPr>
+          <p:nvPr/>
+        </p:nvPicPr>
+        <p:blipFill>
+          <a:blip r:embed="rId3"/>
+          <a:stretch>
+            <a:fillRect/>
+          </a:stretch>
+        </p:blipFill>
+        <p:spPr>
+          <a:xfrm>
+            <a:off x="5958838" y="2048099"/>
+            <a:ext cx="2819401" cy="4080189"/>
+          </a:xfrm>
+          <a:prstGeom prst="rect">
+            <a:avLst/>
+          </a:prstGeom>
+        </p:spPr>
+      </p:pic>
     </p:spTree>
     <p:extLst>
       <p:ext uri="{BB962C8B-B14F-4D97-AF65-F5344CB8AC3E}">
@@ -4174,7 +4342,7 @@
 </p:sld>
 </file>
 
-<file path=ppt/slides/slide11.xml><?xml version="1.0" encoding="utf-8"?>
+<file path=ppt/slides/slide12.xml><?xml version="1.0" encoding="utf-8"?>
 <p:sld xmlns:a="http://schemas.openxmlformats.org/drawingml/2006/main" xmlns:r="http://schemas.openxmlformats.org/officeDocument/2006/relationships" xmlns:p="http://schemas.openxmlformats.org/presentationml/2006/main">
   <p:cSld>
     <p:spTree>
@@ -6711,7 +6879,7 @@
 </p:sld>
 </file>
 
-<file path=ppt/slides/slide12.xml><?xml version="1.0" encoding="utf-8"?>
+<file path=ppt/slides/slide13.xml><?xml version="1.0" encoding="utf-8"?>
 <p:sld xmlns:a="http://schemas.openxmlformats.org/drawingml/2006/main" xmlns:r="http://schemas.openxmlformats.org/officeDocument/2006/relationships" xmlns:p="http://schemas.openxmlformats.org/presentationml/2006/main">
   <p:cSld>
     <p:bg>
@@ -7322,11 +7490,7 @@
           <a:p>
             <a:r>
               <a:rPr lang="en-US" dirty="0" smtClean="0"/>
-              <a:t>Orientation and </a:t>
-            </a:r>
-            <a:r>
-              <a:rPr lang="en-US" dirty="0" smtClean="0"/>
-              <a:t>Layout</a:t>
+              <a:t>Orientation and Layout</a:t>
             </a:r>
             <a:endParaRPr lang="en-US" dirty="0"/>
           </a:p>
@@ -8136,7 +8300,6 @@
               <a:rPr lang="en-US" sz="2800" dirty="0" smtClean="0"/>
               <a:t>audience (at least thumb size)</a:t>
             </a:r>
-            <a:endParaRPr lang="en-US" sz="2800" dirty="0" smtClean="0"/>
           </a:p>
           <a:p>
             <a:pPr lvl="1"/>
@@ -8391,7 +8554,11 @@
           <a:p>
             <a:r>
               <a:rPr lang="en-US" dirty="0" smtClean="0"/>
-              <a:t>Wireframe</a:t>
+              <a:t>Wireframe </a:t>
+            </a:r>
+            <a:r>
+              <a:rPr lang="en-US" sz="3600" dirty="0" smtClean="0"/>
+              <a:t>– Start and Home screens</a:t>
             </a:r>
             <a:endParaRPr lang="en-US" dirty="0"/>
           </a:p>
@@ -8421,69 +8588,87 @@
         </p:blipFill>
         <p:spPr>
           <a:xfrm>
-            <a:off x="1633094" y="2089264"/>
+            <a:off x="1528591" y="2080325"/>
             <a:ext cx="2734196" cy="4022725"/>
           </a:xfrm>
         </p:spPr>
       </p:pic>
+      <p:sp>
+        <p:nvSpPr>
+          <p:cNvPr id="7" name="TextBox 6"/>
+          <p:cNvSpPr txBox="1"/>
+          <p:nvPr/>
+        </p:nvSpPr>
+        <p:spPr>
+          <a:xfrm>
+            <a:off x="0" y="6189785"/>
+            <a:ext cx="12192000" cy="696351"/>
+          </a:xfrm>
+          <a:prstGeom prst="rect">
+            <a:avLst/>
+          </a:prstGeom>
+          <a:solidFill>
+            <a:srgbClr val="F1DD9E"/>
+          </a:solidFill>
+        </p:spPr>
+        <p:txBody>
+          <a:bodyPr wrap="square" rtlCol="0">
+            <a:spAutoFit/>
+          </a:bodyPr>
+          <a:lstStyle/>
+          <a:p>
+            <a:endParaRPr lang="en-US" dirty="0"/>
+          </a:p>
+        </p:txBody>
+      </p:sp>
       <p:pic>
         <p:nvPicPr>
-          <p:cNvPr id="6" name="Picture 5"/>
+          <p:cNvPr id="3" name="Picture 2"/>
           <p:cNvPicPr>
             <a:picLocks noChangeAspect="1"/>
           </p:cNvPicPr>
           <p:nvPr/>
         </p:nvPicPr>
         <p:blipFill>
-          <a:blip r:embed="rId3">
-            <a:extLst>
-              <a:ext uri="{28A0092B-C50C-407E-A947-70E740481C1C}">
-                <a14:useLocalDpi xmlns:a14="http://schemas.microsoft.com/office/drawing/2010/main" val="0"/>
-              </a:ext>
-            </a:extLst>
-          </a:blip>
+          <a:blip r:embed="rId3"/>
           <a:stretch>
             <a:fillRect/>
           </a:stretch>
         </p:blipFill>
         <p:spPr>
           <a:xfrm>
-            <a:off x="4367290" y="2084832"/>
-            <a:ext cx="5677042" cy="4018218"/>
+            <a:off x="4438105" y="2080326"/>
+            <a:ext cx="2765487" cy="4021642"/>
           </a:xfrm>
           <a:prstGeom prst="rect">
             <a:avLst/>
           </a:prstGeom>
         </p:spPr>
       </p:pic>
-      <p:sp>
-        <p:nvSpPr>
-          <p:cNvPr id="7" name="TextBox 6"/>
-          <p:cNvSpPr txBox="1"/>
+      <p:pic>
+        <p:nvPicPr>
+          <p:cNvPr id="4" name="Picture 3"/>
+          <p:cNvPicPr>
+            <a:picLocks noChangeAspect="1"/>
+          </p:cNvPicPr>
           <p:nvPr/>
-        </p:nvSpPr>
+        </p:nvPicPr>
+        <p:blipFill>
+          <a:blip r:embed="rId4"/>
+          <a:stretch>
+            <a:fillRect/>
+          </a:stretch>
+        </p:blipFill>
         <p:spPr>
           <a:xfrm>
-            <a:off x="0" y="6189785"/>
-            <a:ext cx="12192000" cy="696351"/>
+            <a:off x="7378910" y="2080325"/>
+            <a:ext cx="2726538" cy="4021643"/>
           </a:xfrm>
           <a:prstGeom prst="rect">
             <a:avLst/>
           </a:prstGeom>
-          <a:solidFill>
-            <a:srgbClr val="F1DD9E"/>
-          </a:solidFill>
-        </p:spPr>
-        <p:txBody>
-          <a:bodyPr wrap="square" rtlCol="0">
-            <a:spAutoFit/>
-          </a:bodyPr>
-          <a:lstStyle/>
-          <a:p>
-            <a:endParaRPr lang="en-US" dirty="0"/>
-          </a:p>
-        </p:txBody>
-      </p:sp>
+        </p:spPr>
+      </p:pic>
     </p:spTree>
     <p:extLst>
       <p:ext uri="{BB962C8B-B14F-4D97-AF65-F5344CB8AC3E}">
@@ -8538,44 +8723,19 @@
           <a:p>
             <a:r>
               <a:rPr lang="en-US" dirty="0" smtClean="0"/>
-              <a:t>Wireframe</a:t>
-            </a:r>
-            <a:endParaRPr lang="en-US" dirty="0"/>
-          </a:p>
-        </p:txBody>
-      </p:sp>
-      <p:pic>
-        <p:nvPicPr>
-          <p:cNvPr id="5" name="Content Placeholder 4"/>
-          <p:cNvPicPr>
-            <a:picLocks noGrp="1" noChangeAspect="1"/>
-          </p:cNvPicPr>
-          <p:nvPr>
-            <p:ph idx="1"/>
-          </p:nvPr>
-        </p:nvPicPr>
-        <p:blipFill>
-          <a:blip r:embed="rId2">
-            <a:extLst>
-              <a:ext uri="{28A0092B-C50C-407E-A947-70E740481C1C}">
-                <a14:useLocalDpi xmlns:a14="http://schemas.microsoft.com/office/drawing/2010/main" val="0"/>
-              </a:ext>
-            </a:extLst>
-          </a:blip>
-          <a:stretch>
-            <a:fillRect/>
-          </a:stretch>
-        </p:blipFill>
-        <p:spPr>
-          <a:xfrm>
-            <a:off x="3322027" y="2084832"/>
-            <a:ext cx="5318696" cy="4025352"/>
-          </a:xfrm>
-        </p:spPr>
-      </p:pic>
-      <p:sp>
-        <p:nvSpPr>
-          <p:cNvPr id="6" name="TextBox 5"/>
+              <a:t>Wireframe – </a:t>
+            </a:r>
+            <a:r>
+              <a:rPr lang="en-US" sz="3600" dirty="0" smtClean="0"/>
+              <a:t>Login/Registration overlay, Character Select</a:t>
+            </a:r>
+            <a:endParaRPr lang="en-US" sz="3600" dirty="0"/>
+          </a:p>
+        </p:txBody>
+      </p:sp>
+      <p:sp>
+        <p:nvSpPr>
+          <p:cNvPr id="7" name="TextBox 6"/>
           <p:cNvSpPr txBox="1"/>
           <p:nvPr/>
         </p:nvSpPr>
@@ -8601,10 +8761,58 @@
           </a:p>
         </p:txBody>
       </p:sp>
+      <p:pic>
+        <p:nvPicPr>
+          <p:cNvPr id="4" name="Picture 3"/>
+          <p:cNvPicPr>
+            <a:picLocks noChangeAspect="1"/>
+          </p:cNvPicPr>
+          <p:nvPr/>
+        </p:nvPicPr>
+        <p:blipFill>
+          <a:blip r:embed="rId2"/>
+          <a:stretch>
+            <a:fillRect/>
+          </a:stretch>
+        </p:blipFill>
+        <p:spPr>
+          <a:xfrm>
+            <a:off x="2559639" y="1928733"/>
+            <a:ext cx="3571875" cy="4133850"/>
+          </a:xfrm>
+          <a:prstGeom prst="rect">
+            <a:avLst/>
+          </a:prstGeom>
+        </p:spPr>
+      </p:pic>
+      <p:pic>
+        <p:nvPicPr>
+          <p:cNvPr id="8" name="Picture 7"/>
+          <p:cNvPicPr>
+            <a:picLocks noChangeAspect="1"/>
+          </p:cNvPicPr>
+          <p:nvPr/>
+        </p:nvPicPr>
+        <p:blipFill>
+          <a:blip r:embed="rId3"/>
+          <a:stretch>
+            <a:fillRect/>
+          </a:stretch>
+        </p:blipFill>
+        <p:spPr>
+          <a:xfrm>
+            <a:off x="6256020" y="1645432"/>
+            <a:ext cx="2971800" cy="4391025"/>
+          </a:xfrm>
+          <a:prstGeom prst="rect">
+            <a:avLst/>
+          </a:prstGeom>
+        </p:spPr>
+      </p:pic>
     </p:spTree>
     <p:extLst>
       <p:ext uri="{BB962C8B-B14F-4D97-AF65-F5344CB8AC3E}">
-        <p14:creationId xmlns:p14="http://schemas.microsoft.com/office/powerpoint/2010/main" val="113963061"/>
+        <p14:creationId xmlns:p14="http://schemas.microsoft.com/office/powerpoint/2010/main" val="3805859483"/>
       </p:ext>
     </p:extLst>
   </p:cSld>

--- a/ForkandPotatoUI.pptx
+++ b/ForkandPotatoUI.pptx
@@ -8413,15 +8413,41 @@
           </a:p>
         </p:txBody>
       </p:sp>
+      <p:sp>
+        <p:nvSpPr>
+          <p:cNvPr id="8" name="TextBox 7"/>
+          <p:cNvSpPr txBox="1"/>
+          <p:nvPr/>
+        </p:nvSpPr>
+        <p:spPr>
+          <a:xfrm>
+            <a:off x="0" y="6189785"/>
+            <a:ext cx="12192000" cy="696351"/>
+          </a:xfrm>
+          <a:prstGeom prst="rect">
+            <a:avLst/>
+          </a:prstGeom>
+          <a:solidFill>
+            <a:srgbClr val="F1DD9E"/>
+          </a:solidFill>
+        </p:spPr>
+        <p:txBody>
+          <a:bodyPr wrap="square" rtlCol="0">
+            <a:spAutoFit/>
+          </a:bodyPr>
+          <a:lstStyle/>
+          <a:p>
+            <a:endParaRPr lang="en-US" dirty="0"/>
+          </a:p>
+        </p:txBody>
+      </p:sp>
       <p:pic>
         <p:nvPicPr>
-          <p:cNvPr id="4" name="Content Placeholder 3"/>
+          <p:cNvPr id="5" name="Picture 4"/>
           <p:cNvPicPr>
-            <a:picLocks noGrp="1" noChangeAspect="1"/>
+            <a:picLocks noChangeAspect="1"/>
           </p:cNvPicPr>
-          <p:nvPr>
-            <p:ph idx="1"/>
-          </p:nvPr>
+          <p:nvPr/>
         </p:nvPicPr>
         <p:blipFill>
           <a:blip r:embed="rId2">
@@ -8437,9 +8463,12 @@
         </p:blipFill>
         <p:spPr>
           <a:xfrm>
-            <a:off x="1024128" y="2084833"/>
-            <a:ext cx="9580480" cy="3862446"/>
-          </a:xfrm>
+            <a:off x="2336746" y="1690322"/>
+            <a:ext cx="7112054" cy="4499463"/>
+          </a:xfrm>
+          <a:prstGeom prst="rect">
+            <a:avLst/>
+          </a:prstGeom>
         </p:spPr>
       </p:pic>
       <p:pic>
@@ -8472,34 +8501,6 @@
           </a:prstGeom>
         </p:spPr>
       </p:pic>
-      <p:sp>
-        <p:nvSpPr>
-          <p:cNvPr id="8" name="TextBox 7"/>
-          <p:cNvSpPr txBox="1"/>
-          <p:nvPr/>
-        </p:nvSpPr>
-        <p:spPr>
-          <a:xfrm>
-            <a:off x="0" y="6189785"/>
-            <a:ext cx="12192000" cy="696351"/>
-          </a:xfrm>
-          <a:prstGeom prst="rect">
-            <a:avLst/>
-          </a:prstGeom>
-          <a:solidFill>
-            <a:srgbClr val="F1DD9E"/>
-          </a:solidFill>
-        </p:spPr>
-        <p:txBody>
-          <a:bodyPr wrap="square" rtlCol="0">
-            <a:spAutoFit/>
-          </a:bodyPr>
-          <a:lstStyle/>
-          <a:p>
-            <a:endParaRPr lang="en-US" dirty="0"/>
-          </a:p>
-        </p:txBody>
-      </p:sp>
     </p:spTree>
     <p:extLst>
       <p:ext uri="{BB962C8B-B14F-4D97-AF65-F5344CB8AC3E}">

--- a/ForkandPotatoUI.pptx
+++ b/ForkandPotatoUI.pptx
@@ -127,6 +127,10 @@
 </p:presentation>
 </file>
 
+<file path=ppt/revisionInfo.xml><?xml version="1.0" encoding="utf-8"?>
+<p1510:revInfo xmlns:a="http://schemas.openxmlformats.org/drawingml/2006/main" xmlns:r="http://schemas.openxmlformats.org/officeDocument/2006/relationships" xmlns:p1510="http://schemas.microsoft.com/office/powerpoint/2015/10/main"/>
+</file>
+
 <file path=ppt/notesMasters/notesMaster1.xml><?xml version="1.0" encoding="utf-8"?>
 <p:notesMaster xmlns:a="http://schemas.openxmlformats.org/drawingml/2006/main" xmlns:r="http://schemas.openxmlformats.org/officeDocument/2006/relationships" xmlns:p="http://schemas.openxmlformats.org/presentationml/2006/main">
   <p:cSld>
@@ -273,38 +277,37 @@
           <a:p>
             <a:pPr lvl="0"/>
             <a:r>
-              <a:rPr lang="en-US" smtClean="0"/>
+              <a:rPr lang="en-US"/>
               <a:t>Click to edit Master text styles</a:t>
             </a:r>
           </a:p>
           <a:p>
             <a:pPr lvl="1"/>
             <a:r>
-              <a:rPr lang="en-US" smtClean="0"/>
+              <a:rPr lang="en-US"/>
               <a:t>Second level</a:t>
             </a:r>
           </a:p>
           <a:p>
             <a:pPr lvl="2"/>
             <a:r>
-              <a:rPr lang="en-US" smtClean="0"/>
+              <a:rPr lang="en-US"/>
               <a:t>Third level</a:t>
             </a:r>
           </a:p>
           <a:p>
             <a:pPr lvl="3"/>
             <a:r>
-              <a:rPr lang="en-US" smtClean="0"/>
+              <a:rPr lang="en-US"/>
               <a:t>Fourth level</a:t>
             </a:r>
           </a:p>
           <a:p>
             <a:pPr lvl="4"/>
             <a:r>
-              <a:rPr lang="en-US" smtClean="0"/>
+              <a:rPr lang="en-US"/>
               <a:t>Fifth level</a:t>
             </a:r>
-            <a:endParaRPr lang="en-US"/>
           </a:p>
         </p:txBody>
       </p:sp>
@@ -643,7 +646,7 @@
           </a:lstStyle>
           <a:p>
             <a:r>
-              <a:rPr lang="en-US" smtClean="0"/>
+              <a:rPr lang="en-US"/>
               <a:t>Click to edit Master title style</a:t>
             </a:r>
             <a:endParaRPr lang="en-US" dirty="0"/>
@@ -723,7 +726,7 @@
           </a:lstStyle>
           <a:p>
             <a:r>
-              <a:rPr lang="en-US" smtClean="0"/>
+              <a:rPr lang="en-US"/>
               <a:t>Click to edit Master subtitle style</a:t>
             </a:r>
             <a:endParaRPr lang="en-US" dirty="0"/>
@@ -880,7 +883,7 @@
           <a:lstStyle/>
           <a:p>
             <a:r>
-              <a:rPr lang="en-US" smtClean="0"/>
+              <a:rPr lang="en-US"/>
               <a:t>Click to edit Master title style</a:t>
             </a:r>
             <a:endParaRPr lang="en-US" dirty="0"/>
@@ -904,35 +907,35 @@
           <a:p>
             <a:pPr lvl="0"/>
             <a:r>
-              <a:rPr lang="en-US" smtClean="0"/>
+              <a:rPr lang="en-US"/>
               <a:t>Click to edit Master text styles</a:t>
             </a:r>
           </a:p>
           <a:p>
             <a:pPr lvl="1"/>
             <a:r>
-              <a:rPr lang="en-US" smtClean="0"/>
+              <a:rPr lang="en-US"/>
               <a:t>Second level</a:t>
             </a:r>
           </a:p>
           <a:p>
             <a:pPr lvl="2"/>
             <a:r>
-              <a:rPr lang="en-US" smtClean="0"/>
+              <a:rPr lang="en-US"/>
               <a:t>Third level</a:t>
             </a:r>
           </a:p>
           <a:p>
             <a:pPr lvl="3"/>
             <a:r>
-              <a:rPr lang="en-US" smtClean="0"/>
+              <a:rPr lang="en-US"/>
               <a:t>Fourth level</a:t>
             </a:r>
           </a:p>
           <a:p>
             <a:pPr lvl="4"/>
             <a:r>
-              <a:rPr lang="en-US" smtClean="0"/>
+              <a:rPr lang="en-US"/>
               <a:t>Fifth level</a:t>
             </a:r>
             <a:endParaRPr lang="en-US" dirty="0"/>
@@ -1055,7 +1058,7 @@
           <a:lstStyle/>
           <a:p>
             <a:r>
-              <a:rPr lang="en-US" smtClean="0"/>
+              <a:rPr lang="en-US"/>
               <a:t>Click to edit Master title style</a:t>
             </a:r>
             <a:endParaRPr lang="en-US" dirty="0"/>
@@ -1084,35 +1087,35 @@
           <a:p>
             <a:pPr lvl="0"/>
             <a:r>
-              <a:rPr lang="en-US" smtClean="0"/>
+              <a:rPr lang="en-US"/>
               <a:t>Click to edit Master text styles</a:t>
             </a:r>
           </a:p>
           <a:p>
             <a:pPr lvl="1"/>
             <a:r>
-              <a:rPr lang="en-US" smtClean="0"/>
+              <a:rPr lang="en-US"/>
               <a:t>Second level</a:t>
             </a:r>
           </a:p>
           <a:p>
             <a:pPr lvl="2"/>
             <a:r>
-              <a:rPr lang="en-US" smtClean="0"/>
+              <a:rPr lang="en-US"/>
               <a:t>Third level</a:t>
             </a:r>
           </a:p>
           <a:p>
             <a:pPr lvl="3"/>
             <a:r>
-              <a:rPr lang="en-US" smtClean="0"/>
+              <a:rPr lang="en-US"/>
               <a:t>Fourth level</a:t>
             </a:r>
           </a:p>
           <a:p>
             <a:pPr lvl="4"/>
             <a:r>
-              <a:rPr lang="en-US" smtClean="0"/>
+              <a:rPr lang="en-US"/>
               <a:t>Fifth level</a:t>
             </a:r>
             <a:endParaRPr lang="en-US" dirty="0"/>
@@ -1265,7 +1268,7 @@
           <a:lstStyle/>
           <a:p>
             <a:r>
-              <a:rPr lang="en-US" smtClean="0"/>
+              <a:rPr lang="en-US"/>
               <a:t>Click to edit Master title style</a:t>
             </a:r>
             <a:endParaRPr lang="en-US" dirty="0"/>
@@ -1289,35 +1292,35 @@
           <a:p>
             <a:pPr lvl="0"/>
             <a:r>
-              <a:rPr lang="en-US" smtClean="0"/>
+              <a:rPr lang="en-US"/>
               <a:t>Click to edit Master text styles</a:t>
             </a:r>
           </a:p>
           <a:p>
             <a:pPr lvl="1"/>
             <a:r>
-              <a:rPr lang="en-US" smtClean="0"/>
+              <a:rPr lang="en-US"/>
               <a:t>Second level</a:t>
             </a:r>
           </a:p>
           <a:p>
             <a:pPr lvl="2"/>
             <a:r>
-              <a:rPr lang="en-US" smtClean="0"/>
+              <a:rPr lang="en-US"/>
               <a:t>Third level</a:t>
             </a:r>
           </a:p>
           <a:p>
             <a:pPr lvl="3"/>
             <a:r>
-              <a:rPr lang="en-US" smtClean="0"/>
+              <a:rPr lang="en-US"/>
               <a:t>Fourth level</a:t>
             </a:r>
           </a:p>
           <a:p>
             <a:pPr lvl="4"/>
             <a:r>
-              <a:rPr lang="en-US" smtClean="0"/>
+              <a:rPr lang="en-US"/>
               <a:t>Fifth level</a:t>
             </a:r>
             <a:endParaRPr lang="en-US" dirty="0"/>
@@ -1484,7 +1487,7 @@
           </a:lstStyle>
           <a:p>
             <a:r>
-              <a:rPr lang="en-US" smtClean="0"/>
+              <a:rPr lang="en-US"/>
               <a:t>Click to edit Master title style</a:t>
             </a:r>
             <a:endParaRPr lang="en-US" dirty="0"/>
@@ -1613,7 +1616,7 @@
           <a:p>
             <a:pPr lvl="0"/>
             <a:r>
-              <a:rPr lang="en-US" smtClean="0"/>
+              <a:rPr lang="en-US"/>
               <a:t>Click to edit Master text styles</a:t>
             </a:r>
           </a:p>
@@ -1770,7 +1773,7 @@
           <a:lstStyle/>
           <a:p>
             <a:r>
-              <a:rPr lang="en-US" smtClean="0"/>
+              <a:rPr lang="en-US"/>
               <a:t>Click to edit Master title style</a:t>
             </a:r>
             <a:endParaRPr lang="en-US" dirty="0"/>
@@ -1799,35 +1802,35 @@
           <a:p>
             <a:pPr lvl="0"/>
             <a:r>
-              <a:rPr lang="en-US" smtClean="0"/>
+              <a:rPr lang="en-US"/>
               <a:t>Click to edit Master text styles</a:t>
             </a:r>
           </a:p>
           <a:p>
             <a:pPr lvl="1"/>
             <a:r>
-              <a:rPr lang="en-US" smtClean="0"/>
+              <a:rPr lang="en-US"/>
               <a:t>Second level</a:t>
             </a:r>
           </a:p>
           <a:p>
             <a:pPr lvl="2"/>
             <a:r>
-              <a:rPr lang="en-US" smtClean="0"/>
+              <a:rPr lang="en-US"/>
               <a:t>Third level</a:t>
             </a:r>
           </a:p>
           <a:p>
             <a:pPr lvl="3"/>
             <a:r>
-              <a:rPr lang="en-US" smtClean="0"/>
+              <a:rPr lang="en-US"/>
               <a:t>Fourth level</a:t>
             </a:r>
           </a:p>
           <a:p>
             <a:pPr lvl="4"/>
             <a:r>
-              <a:rPr lang="en-US" smtClean="0"/>
+              <a:rPr lang="en-US"/>
               <a:t>Fifth level</a:t>
             </a:r>
             <a:endParaRPr lang="en-US" dirty="0"/>
@@ -1856,35 +1859,35 @@
           <a:p>
             <a:pPr lvl="0"/>
             <a:r>
-              <a:rPr lang="en-US" smtClean="0"/>
+              <a:rPr lang="en-US"/>
               <a:t>Click to edit Master text styles</a:t>
             </a:r>
           </a:p>
           <a:p>
             <a:pPr lvl="1"/>
             <a:r>
-              <a:rPr lang="en-US" smtClean="0"/>
+              <a:rPr lang="en-US"/>
               <a:t>Second level</a:t>
             </a:r>
           </a:p>
           <a:p>
             <a:pPr lvl="2"/>
             <a:r>
-              <a:rPr lang="en-US" smtClean="0"/>
+              <a:rPr lang="en-US"/>
               <a:t>Third level</a:t>
             </a:r>
           </a:p>
           <a:p>
             <a:pPr lvl="3"/>
             <a:r>
-              <a:rPr lang="en-US" smtClean="0"/>
+              <a:rPr lang="en-US"/>
               <a:t>Fourth level</a:t>
             </a:r>
           </a:p>
           <a:p>
             <a:pPr lvl="4"/>
             <a:r>
-              <a:rPr lang="en-US" smtClean="0"/>
+              <a:rPr lang="en-US"/>
               <a:t>Fifth level</a:t>
             </a:r>
             <a:endParaRPr lang="en-US" dirty="0"/>
@@ -2007,7 +2010,7 @@
           <a:lstStyle/>
           <a:p>
             <a:r>
-              <a:rPr lang="en-US" smtClean="0"/>
+              <a:rPr lang="en-US"/>
               <a:t>Click to edit Master title style</a:t>
             </a:r>
             <a:endParaRPr lang="en-US" dirty="0"/>
@@ -2088,7 +2091,7 @@
           <a:p>
             <a:pPr lvl="0"/>
             <a:r>
-              <a:rPr lang="en-US" smtClean="0"/>
+              <a:rPr lang="en-US"/>
               <a:t>Click to edit Master text styles</a:t>
             </a:r>
           </a:p>
@@ -2116,35 +2119,35 @@
           <a:p>
             <a:pPr lvl="0"/>
             <a:r>
-              <a:rPr lang="en-US" smtClean="0"/>
+              <a:rPr lang="en-US"/>
               <a:t>Click to edit Master text styles</a:t>
             </a:r>
           </a:p>
           <a:p>
             <a:pPr lvl="1"/>
             <a:r>
-              <a:rPr lang="en-US" smtClean="0"/>
+              <a:rPr lang="en-US"/>
               <a:t>Second level</a:t>
             </a:r>
           </a:p>
           <a:p>
             <a:pPr lvl="2"/>
             <a:r>
-              <a:rPr lang="en-US" smtClean="0"/>
+              <a:rPr lang="en-US"/>
               <a:t>Third level</a:t>
             </a:r>
           </a:p>
           <a:p>
             <a:pPr lvl="3"/>
             <a:r>
-              <a:rPr lang="en-US" smtClean="0"/>
+              <a:rPr lang="en-US"/>
               <a:t>Fourth level</a:t>
             </a:r>
           </a:p>
           <a:p>
             <a:pPr lvl="4"/>
             <a:r>
-              <a:rPr lang="en-US" smtClean="0"/>
+              <a:rPr lang="en-US"/>
               <a:t>Fifth level</a:t>
             </a:r>
             <a:endParaRPr lang="en-US" dirty="0"/>
@@ -2235,7 +2238,7 @@
               <a:buNone/>
             </a:pPr>
             <a:r>
-              <a:rPr lang="en-US" smtClean="0"/>
+              <a:rPr lang="en-US"/>
               <a:t>Click to edit Master text styles</a:t>
             </a:r>
           </a:p>
@@ -2263,35 +2266,35 @@
           <a:p>
             <a:pPr lvl="0"/>
             <a:r>
-              <a:rPr lang="en-US" smtClean="0"/>
+              <a:rPr lang="en-US"/>
               <a:t>Click to edit Master text styles</a:t>
             </a:r>
           </a:p>
           <a:p>
             <a:pPr lvl="1"/>
             <a:r>
-              <a:rPr lang="en-US" smtClean="0"/>
+              <a:rPr lang="en-US"/>
               <a:t>Second level</a:t>
             </a:r>
           </a:p>
           <a:p>
             <a:pPr lvl="2"/>
             <a:r>
-              <a:rPr lang="en-US" smtClean="0"/>
+              <a:rPr lang="en-US"/>
               <a:t>Third level</a:t>
             </a:r>
           </a:p>
           <a:p>
             <a:pPr lvl="3"/>
             <a:r>
-              <a:rPr lang="en-US" smtClean="0"/>
+              <a:rPr lang="en-US"/>
               <a:t>Fourth level</a:t>
             </a:r>
           </a:p>
           <a:p>
             <a:pPr lvl="4"/>
             <a:r>
-              <a:rPr lang="en-US" smtClean="0"/>
+              <a:rPr lang="en-US"/>
               <a:t>Fifth level</a:t>
             </a:r>
             <a:endParaRPr lang="en-US" dirty="0"/>
@@ -2409,7 +2412,7 @@
           <a:lstStyle/>
           <a:p>
             <a:r>
-              <a:rPr lang="en-US" smtClean="0"/>
+              <a:rPr lang="en-US"/>
               <a:t>Click to edit Master title style</a:t>
             </a:r>
             <a:endParaRPr lang="en-US" dirty="0"/>
@@ -2636,7 +2639,7 @@
           </a:lstStyle>
           <a:p>
             <a:r>
-              <a:rPr lang="en-US" smtClean="0"/>
+              <a:rPr lang="en-US"/>
               <a:t>Click to edit Master title style</a:t>
             </a:r>
             <a:endParaRPr lang="en-US" dirty="0"/>
@@ -2693,35 +2696,35 @@
           <a:p>
             <a:pPr lvl="0"/>
             <a:r>
-              <a:rPr lang="en-US" smtClean="0"/>
+              <a:rPr lang="en-US"/>
               <a:t>Click to edit Master text styles</a:t>
             </a:r>
           </a:p>
           <a:p>
             <a:pPr lvl="1"/>
             <a:r>
-              <a:rPr lang="en-US" smtClean="0"/>
+              <a:rPr lang="en-US"/>
               <a:t>Second level</a:t>
             </a:r>
           </a:p>
           <a:p>
             <a:pPr lvl="2"/>
             <a:r>
-              <a:rPr lang="en-US" smtClean="0"/>
+              <a:rPr lang="en-US"/>
               <a:t>Third level</a:t>
             </a:r>
           </a:p>
           <a:p>
             <a:pPr lvl="3"/>
             <a:r>
-              <a:rPr lang="en-US" smtClean="0"/>
+              <a:rPr lang="en-US"/>
               <a:t>Fourth level</a:t>
             </a:r>
           </a:p>
           <a:p>
             <a:pPr lvl="4"/>
             <a:r>
-              <a:rPr lang="en-US" smtClean="0"/>
+              <a:rPr lang="en-US"/>
               <a:t>Fifth level</a:t>
             </a:r>
             <a:endParaRPr lang="en-US" dirty="0"/>
@@ -2795,7 +2798,7 @@
           <a:p>
             <a:pPr lvl="0"/>
             <a:r>
-              <a:rPr lang="en-US" smtClean="0"/>
+              <a:rPr lang="en-US"/>
               <a:t>Click to edit Master text styles</a:t>
             </a:r>
           </a:p>
@@ -2923,7 +2926,7 @@
           </a:lstStyle>
           <a:p>
             <a:r>
-              <a:rPr lang="en-US" smtClean="0"/>
+              <a:rPr lang="en-US"/>
               <a:t>Click to edit Master title style</a:t>
             </a:r>
             <a:endParaRPr lang="en-US" dirty="0"/>
@@ -2994,7 +2997,7 @@
           </a:lstStyle>
           <a:p>
             <a:r>
-              <a:rPr lang="en-US" smtClean="0"/>
+              <a:rPr lang="en-US"/>
               <a:t>Click icon to add picture</a:t>
             </a:r>
             <a:endParaRPr lang="en-US" dirty="0"/>
@@ -3075,7 +3078,7 @@
           <a:p>
             <a:pPr lvl="0"/>
             <a:r>
-              <a:rPr lang="en-US" smtClean="0"/>
+              <a:rPr lang="en-US"/>
               <a:t>Click to edit Master text styles</a:t>
             </a:r>
           </a:p>
@@ -3245,7 +3248,7 @@
           <a:lstStyle/>
           <a:p>
             <a:r>
-              <a:rPr lang="en-US" smtClean="0"/>
+              <a:rPr lang="en-US"/>
               <a:t>Click to edit Master title style</a:t>
             </a:r>
             <a:endParaRPr lang="en-US" dirty="0"/>
@@ -3279,35 +3282,35 @@
           <a:p>
             <a:pPr lvl="0"/>
             <a:r>
-              <a:rPr lang="en-US" smtClean="0"/>
+              <a:rPr lang="en-US"/>
               <a:t>Click to edit Master text styles</a:t>
             </a:r>
           </a:p>
           <a:p>
             <a:pPr lvl="1"/>
             <a:r>
-              <a:rPr lang="en-US" smtClean="0"/>
+              <a:rPr lang="en-US"/>
               <a:t>Second level</a:t>
             </a:r>
           </a:p>
           <a:p>
             <a:pPr lvl="2"/>
             <a:r>
-              <a:rPr lang="en-US" smtClean="0"/>
+              <a:rPr lang="en-US"/>
               <a:t>Third level</a:t>
             </a:r>
           </a:p>
           <a:p>
             <a:pPr lvl="3"/>
             <a:r>
-              <a:rPr lang="en-US" smtClean="0"/>
+              <a:rPr lang="en-US"/>
               <a:t>Fourth level</a:t>
             </a:r>
           </a:p>
           <a:p>
             <a:pPr lvl="4"/>
             <a:r>
-              <a:rPr lang="en-US" smtClean="0"/>
+              <a:rPr lang="en-US"/>
               <a:t>Fifth level</a:t>
             </a:r>
             <a:endParaRPr lang="en-US" dirty="0"/>
@@ -3916,10 +3919,9 @@
           <a:lstStyle/>
           <a:p>
             <a:r>
-              <a:rPr lang="en-US" dirty="0" smtClean="0"/>
+              <a:rPr lang="en-US" dirty="0"/>
               <a:t>Fork and Potato: The RPG</a:t>
             </a:r>
-            <a:endParaRPr lang="en-US" dirty="0"/>
           </a:p>
         </p:txBody>
       </p:sp>
@@ -3946,41 +3948,41 @@
           <a:lstStyle/>
           <a:p>
             <a:r>
-              <a:rPr lang="en-US" sz="2000" b="1" dirty="0" smtClean="0"/>
+              <a:rPr lang="en-US" sz="2000" b="1" dirty="0"/>
               <a:t>Group 37</a:t>
             </a:r>
           </a:p>
           <a:p>
             <a:r>
-              <a:rPr lang="en-US" sz="2000" dirty="0" smtClean="0"/>
+              <a:rPr lang="en-US" sz="2000" dirty="0"/>
               <a:t>Nick Milton</a:t>
             </a:r>
           </a:p>
           <a:p>
             <a:r>
-              <a:rPr lang="en-US" sz="2000" dirty="0" smtClean="0"/>
+              <a:rPr lang="en-US" sz="2000" dirty="0"/>
               <a:t>Stephanie Reed</a:t>
             </a:r>
           </a:p>
           <a:p>
             <a:r>
-              <a:rPr lang="en-US" sz="2000" dirty="0" smtClean="0"/>
+              <a:rPr lang="en-US" sz="2000" dirty="0"/>
               <a:t>Simon Chen</a:t>
             </a:r>
           </a:p>
           <a:p>
             <a:r>
-              <a:rPr lang="en-US" sz="2000" dirty="0" smtClean="0"/>
+              <a:rPr lang="en-US" sz="2000" dirty="0"/>
               <a:t>Adam Shu</a:t>
             </a:r>
           </a:p>
           <a:p>
             <a:r>
-              <a:rPr lang="en-US" sz="2000" dirty="0" smtClean="0"/>
+              <a:rPr lang="en-US" sz="2000" dirty="0"/>
               <a:t>Sean </a:t>
             </a:r>
             <a:r>
-              <a:rPr lang="en-US" sz="2000" dirty="0" err="1" smtClean="0"/>
+              <a:rPr lang="en-US" sz="2000" dirty="0" err="1"/>
               <a:t>Miyaoka</a:t>
             </a:r>
             <a:endParaRPr lang="en-US" sz="2000" dirty="0"/>
@@ -4063,15 +4065,15 @@
           <a:lstStyle/>
           <a:p>
             <a:r>
-              <a:rPr lang="en-US" dirty="0" smtClean="0"/>
+              <a:rPr lang="en-US" dirty="0"/>
               <a:t>Wireframe </a:t>
             </a:r>
             <a:r>
-              <a:rPr lang="en-US" sz="3600" dirty="0" smtClean="0"/>
+              <a:rPr lang="en-US" sz="3600" dirty="0"/>
               <a:t>– </a:t>
             </a:r>
             <a:r>
-              <a:rPr lang="en-US" sz="3600" dirty="0" err="1" smtClean="0"/>
+              <a:rPr lang="en-US" sz="3600" dirty="0" err="1"/>
               <a:t>Battlescreens</a:t>
             </a:r>
             <a:endParaRPr lang="en-US" dirty="0"/>
@@ -4164,13 +4166,6 @@
   <p:clrMapOvr>
     <a:masterClrMapping/>
   </p:clrMapOvr>
-  <p:timing>
-    <p:tnLst>
-      <p:par>
-        <p:cTn id="1" dur="indefinite" restart="never" nodeType="tmRoot"/>
-      </p:par>
-    </p:tnLst>
-  </p:timing>
 </p:sld>
 </file>
 
@@ -4207,11 +4202,11 @@
           <a:lstStyle/>
           <a:p>
             <a:r>
-              <a:rPr lang="en-US" dirty="0" smtClean="0"/>
+              <a:rPr lang="en-US" dirty="0"/>
               <a:t>Wireframe </a:t>
             </a:r>
             <a:r>
-              <a:rPr lang="en-US" sz="3600" dirty="0" smtClean="0"/>
+              <a:rPr lang="en-US" sz="3600" dirty="0"/>
               <a:t>– Paused Overlay, Game Complete screen</a:t>
             </a:r>
             <a:endParaRPr lang="en-US" dirty="0"/>
@@ -4332,13 +4327,6 @@
   <p:clrMapOvr>
     <a:masterClrMapping/>
   </p:clrMapOvr>
-  <p:timing>
-    <p:tnLst>
-      <p:par>
-        <p:cTn id="1" dur="indefinite" restart="never" nodeType="tmRoot"/>
-      </p:par>
-    </p:tnLst>
-  </p:timing>
 </p:sld>
 </file>
 
@@ -6927,10 +6915,9 @@
           <a:lstStyle/>
           <a:p>
             <a:r>
-              <a:rPr lang="en-US" dirty="0" smtClean="0"/>
+              <a:rPr lang="en-US" dirty="0"/>
               <a:t>Fork and Potato: The RPG</a:t>
             </a:r>
-            <a:endParaRPr lang="en-US" dirty="0"/>
           </a:p>
         </p:txBody>
       </p:sp>
@@ -6957,41 +6944,41 @@
           <a:lstStyle/>
           <a:p>
             <a:r>
-              <a:rPr lang="en-US" sz="2000" b="1" dirty="0" smtClean="0"/>
+              <a:rPr lang="en-US" sz="2000" b="1" dirty="0"/>
               <a:t>Group 37</a:t>
             </a:r>
           </a:p>
           <a:p>
             <a:r>
-              <a:rPr lang="en-US" sz="2000" dirty="0" smtClean="0"/>
+              <a:rPr lang="en-US" sz="2000" dirty="0"/>
               <a:t>Nick Milton</a:t>
             </a:r>
           </a:p>
           <a:p>
             <a:r>
-              <a:rPr lang="en-US" sz="2000" dirty="0" smtClean="0"/>
+              <a:rPr lang="en-US" sz="2000" dirty="0"/>
               <a:t>Stephanie Reed</a:t>
             </a:r>
           </a:p>
           <a:p>
             <a:r>
-              <a:rPr lang="en-US" sz="2000" dirty="0" smtClean="0"/>
+              <a:rPr lang="en-US" sz="2000" dirty="0"/>
               <a:t>Simon Chen</a:t>
             </a:r>
           </a:p>
           <a:p>
             <a:r>
-              <a:rPr lang="en-US" sz="2000" dirty="0" smtClean="0"/>
+              <a:rPr lang="en-US" sz="2000" dirty="0"/>
               <a:t>Adam Shu</a:t>
             </a:r>
           </a:p>
           <a:p>
             <a:r>
-              <a:rPr lang="en-US" sz="2000" dirty="0" smtClean="0"/>
+              <a:rPr lang="en-US" sz="2000" dirty="0"/>
               <a:t>Sean </a:t>
             </a:r>
             <a:r>
-              <a:rPr lang="en-US" sz="2000" dirty="0" err="1" smtClean="0"/>
+              <a:rPr lang="en-US" sz="2000" dirty="0" err="1"/>
               <a:t>Miyaoka</a:t>
             </a:r>
             <a:endParaRPr lang="en-US" sz="2000" dirty="0"/>
@@ -7073,10 +7060,9 @@
           </a:lstStyle>
           <a:p>
             <a:r>
-              <a:rPr lang="en-US" sz="8000" dirty="0" smtClean="0"/>
+              <a:rPr lang="en-US" sz="8000" dirty="0"/>
               <a:t>Questions?</a:t>
             </a:r>
-            <a:endParaRPr lang="en-US" sz="8000" dirty="0"/>
           </a:p>
         </p:txBody>
       </p:sp>
@@ -7133,12 +7119,8 @@
           <a:lstStyle/>
           <a:p>
             <a:r>
-              <a:rPr lang="en-US" dirty="0" smtClean="0"/>
-              <a:t>Primary Target User: </a:t>
-            </a:r>
-            <a:r>
               <a:rPr lang="en-US" dirty="0"/>
-              <a:t>Elementary School Children</a:t>
+              <a:t>Primary Target User: Elementary School Children</a:t>
             </a:r>
             <a:br>
               <a:rPr lang="en-US" dirty="0"/>
@@ -7165,49 +7147,49 @@
           <a:lstStyle/>
           <a:p>
             <a:r>
-              <a:rPr lang="en-US" sz="3200" dirty="0" smtClean="0"/>
+              <a:rPr lang="en-US" sz="3200" dirty="0"/>
               <a:t>Accessibility</a:t>
             </a:r>
           </a:p>
           <a:p>
             <a:pPr lvl="1"/>
             <a:r>
-              <a:rPr lang="en-US" sz="2800" dirty="0" smtClean="0"/>
+              <a:rPr lang="en-US" sz="2800" dirty="0"/>
               <a:t>Using parent’s smartphone or touchpad</a:t>
             </a:r>
           </a:p>
           <a:p>
             <a:pPr lvl="1"/>
             <a:r>
-              <a:rPr lang="en-US" sz="2800" dirty="0" smtClean="0"/>
+              <a:rPr lang="en-US" sz="2800" dirty="0"/>
               <a:t>Will have small hands and device will be heavy to them</a:t>
             </a:r>
           </a:p>
           <a:p>
             <a:pPr lvl="2"/>
             <a:r>
-              <a:rPr lang="en-US" sz="2400" dirty="0" smtClean="0"/>
+              <a:rPr lang="en-US" sz="2400" dirty="0"/>
               <a:t>May hold with one hand and touch with the other</a:t>
             </a:r>
           </a:p>
           <a:p>
             <a:pPr lvl="2"/>
             <a:r>
-              <a:rPr lang="en-US" sz="2400" dirty="0" smtClean="0"/>
+              <a:rPr lang="en-US" sz="2400" dirty="0"/>
               <a:t>May use a smartphone in two hands</a:t>
             </a:r>
           </a:p>
           <a:p>
             <a:pPr lvl="1"/>
             <a:r>
-              <a:rPr lang="en-US" sz="2800" dirty="0" smtClean="0"/>
+              <a:rPr lang="en-US" sz="2800" dirty="0"/>
               <a:t>Drawn to graphics rather than excessive text content</a:t>
             </a:r>
           </a:p>
           <a:p>
             <a:pPr lvl="1"/>
             <a:r>
-              <a:rPr lang="en-US" sz="2800" dirty="0" smtClean="0"/>
+              <a:rPr lang="en-US" sz="2800" dirty="0"/>
               <a:t>Lots of free time</a:t>
             </a:r>
           </a:p>
@@ -7343,45 +7325,44 @@
           <a:lstStyle/>
           <a:p>
             <a:r>
-              <a:rPr lang="en-US" sz="2800" dirty="0" smtClean="0"/>
+              <a:rPr lang="en-US" sz="2800" dirty="0"/>
               <a:t>Habits/Characteristics</a:t>
             </a:r>
           </a:p>
           <a:p>
             <a:pPr lvl="1"/>
             <a:r>
-              <a:rPr lang="en-US" sz="2800" dirty="0" smtClean="0"/>
+              <a:rPr lang="en-US" sz="2800" dirty="0"/>
               <a:t>Will mostly play games or watch videos</a:t>
             </a:r>
           </a:p>
           <a:p>
             <a:pPr lvl="1"/>
             <a:r>
-              <a:rPr lang="en-US" sz="2800" dirty="0" smtClean="0"/>
+              <a:rPr lang="en-US" sz="2800" dirty="0"/>
               <a:t>Learns quickly and highly susceptible to messages</a:t>
             </a:r>
           </a:p>
           <a:p>
             <a:pPr lvl="1"/>
             <a:r>
-              <a:rPr lang="en-US" sz="2800" dirty="0" smtClean="0"/>
+              <a:rPr lang="en-US" sz="2800" dirty="0"/>
               <a:t>Will nag parents if they want something</a:t>
             </a:r>
           </a:p>
           <a:p>
             <a:pPr lvl="1"/>
             <a:r>
-              <a:rPr lang="en-US" sz="2800" dirty="0" smtClean="0"/>
+              <a:rPr lang="en-US" sz="2800" dirty="0"/>
               <a:t>Ages 6 to 8 will take messages literally</a:t>
             </a:r>
           </a:p>
           <a:p>
             <a:pPr lvl="1"/>
             <a:r>
-              <a:rPr lang="en-US" sz="2800" dirty="0" smtClean="0"/>
+              <a:rPr lang="en-US" sz="2800" dirty="0"/>
               <a:t>Ages 8 to 12 will have started to develop a sense of identity</a:t>
             </a:r>
-            <a:endParaRPr lang="en-US" sz="2800" dirty="0"/>
           </a:p>
         </p:txBody>
       </p:sp>
@@ -7489,10 +7470,9 @@
           <a:lstStyle/>
           <a:p>
             <a:r>
-              <a:rPr lang="en-US" dirty="0" smtClean="0"/>
+              <a:rPr lang="en-US" dirty="0"/>
               <a:t>Orientation and Layout</a:t>
             </a:r>
-            <a:endParaRPr lang="en-US" dirty="0"/>
           </a:p>
         </p:txBody>
       </p:sp>
@@ -7739,50 +7719,44 @@
           <a:p>
             <a:pPr lvl="1"/>
             <a:r>
-              <a:rPr lang="en-US" sz="2800" dirty="0" smtClean="0"/>
-              <a:t>Fixed vertical orientation</a:t>
+              <a:rPr lang="en-US" sz="2800" dirty="0"/>
+              <a:t>Fixed portrait/vertical orientation</a:t>
             </a:r>
           </a:p>
           <a:p>
             <a:pPr lvl="2"/>
             <a:r>
-              <a:rPr lang="en-US" sz="2400" dirty="0" smtClean="0"/>
-              <a:t>User doesn’t have to rotate the screen</a:t>
+              <a:rPr lang="en-US" sz="2400" dirty="0"/>
+              <a:t>Common for websites</a:t>
             </a:r>
           </a:p>
           <a:p>
             <a:pPr lvl="2"/>
             <a:r>
-              <a:rPr lang="en-US" sz="2400" dirty="0" smtClean="0"/>
-              <a:t>Game controls fit the bottom third of the screen</a:t>
+              <a:rPr lang="en-US" sz="2400" dirty="0"/>
+              <a:t>Game controls on the bottom third of the screen</a:t>
             </a:r>
           </a:p>
           <a:p>
             <a:pPr lvl="1"/>
             <a:r>
-              <a:rPr lang="en-US" sz="2800" dirty="0" smtClean="0"/>
+              <a:rPr lang="en-US" sz="2800" dirty="0"/>
               <a:t>No page scrolling</a:t>
             </a:r>
           </a:p>
           <a:p>
             <a:pPr lvl="1"/>
             <a:r>
-              <a:rPr lang="en-US" sz="2800" dirty="0" smtClean="0"/>
+              <a:rPr lang="en-US" sz="2800" dirty="0"/>
+              <a:t>No page zooming</a:t>
+            </a:r>
+          </a:p>
+          <a:p>
+            <a:pPr lvl="1"/>
+            <a:r>
+              <a:rPr lang="en-US" sz="2800" dirty="0"/>
               <a:t>Scale the content to fit the window</a:t>
             </a:r>
-          </a:p>
-          <a:p>
-            <a:pPr lvl="1"/>
-            <a:r>
-              <a:rPr lang="en-US" sz="2800" dirty="0" smtClean="0"/>
-              <a:t>Rotation locked </a:t>
-            </a:r>
-          </a:p>
-          <a:p>
-            <a:pPr marL="128016" lvl="1" indent="0">
-              <a:buNone/>
-            </a:pPr>
-            <a:endParaRPr lang="en-US" sz="2800" dirty="0"/>
           </a:p>
         </p:txBody>
       </p:sp>
@@ -7889,10 +7863,9 @@
           <a:lstStyle/>
           <a:p>
             <a:r>
-              <a:rPr lang="en-US" dirty="0" smtClean="0"/>
+              <a:rPr lang="en-US" dirty="0"/>
               <a:t>Color Scheme</a:t>
             </a:r>
-            <a:endParaRPr lang="en-US" dirty="0"/>
           </a:p>
         </p:txBody>
       </p:sp>
@@ -8196,24 +8169,24 @@
           <a:p>
             <a:pPr lvl="1"/>
             <a:r>
-              <a:rPr lang="en-US" sz="2800" dirty="0" smtClean="0"/>
+              <a:rPr lang="en-US" sz="2800" dirty="0"/>
               <a:t>Color scheme is softer and balanced</a:t>
             </a:r>
           </a:p>
           <a:p>
             <a:pPr lvl="1"/>
             <a:r>
-              <a:rPr lang="en-US" sz="2800" dirty="0" smtClean="0"/>
+              <a:rPr lang="en-US" sz="2800" dirty="0"/>
               <a:t>Includes greens that can be associated with vegetables and nature</a:t>
             </a:r>
           </a:p>
           <a:p>
             <a:pPr lvl="1"/>
-            <a:endParaRPr lang="en-US" sz="2800" dirty="0" smtClean="0"/>
+            <a:endParaRPr lang="en-US" sz="2800" dirty="0"/>
           </a:p>
           <a:p>
             <a:pPr lvl="1"/>
-            <a:endParaRPr lang="en-US" sz="2800" dirty="0" smtClean="0"/>
+            <a:endParaRPr lang="en-US" sz="2800" dirty="0"/>
           </a:p>
         </p:txBody>
       </p:sp>
@@ -8263,10 +8236,9 @@
           <a:lstStyle/>
           <a:p>
             <a:r>
-              <a:rPr lang="en-US" dirty="0" smtClean="0"/>
+              <a:rPr lang="en-US" dirty="0"/>
               <a:t>Controls and Navigation</a:t>
             </a:r>
-            <a:endParaRPr lang="en-US" dirty="0"/>
           </a:p>
         </p:txBody>
       </p:sp>
@@ -8289,46 +8261,38 @@
           <a:p>
             <a:pPr lvl="1"/>
             <a:r>
-              <a:rPr lang="en-US" sz="2800" dirty="0" smtClean="0"/>
-              <a:t>Fewer and larger </a:t>
-            </a:r>
-            <a:r>
               <a:rPr lang="en-US" sz="2800" dirty="0"/>
-              <a:t>buttons for target </a:t>
-            </a:r>
-            <a:r>
-              <a:rPr lang="en-US" sz="2800" dirty="0" smtClean="0"/>
-              <a:t>audience (at least thumb size)</a:t>
+              <a:t>Fewer and larger buttons for target audience (at least thumb size)</a:t>
             </a:r>
           </a:p>
           <a:p>
             <a:pPr lvl="1"/>
             <a:r>
-              <a:rPr lang="en-US" sz="2800" dirty="0" smtClean="0"/>
+              <a:rPr lang="en-US" sz="2800" dirty="0"/>
               <a:t>Every screen will have way to exit to the main menu</a:t>
             </a:r>
           </a:p>
           <a:p>
             <a:pPr lvl="1"/>
             <a:r>
-              <a:rPr lang="en-US" sz="2800" dirty="0" smtClean="0"/>
+              <a:rPr lang="en-US" sz="2800" dirty="0"/>
               <a:t>Pause and player messages will be overlaid Battle screen</a:t>
             </a:r>
           </a:p>
           <a:p>
             <a:pPr lvl="1"/>
             <a:r>
-              <a:rPr lang="en-US" sz="2800" dirty="0" smtClean="0"/>
+              <a:rPr lang="en-US" sz="2800" dirty="0"/>
               <a:t>Starting gameplay from the Welcome screen is 3 clicks </a:t>
             </a:r>
           </a:p>
           <a:p>
             <a:pPr lvl="1"/>
-            <a:endParaRPr lang="en-US" sz="2800" dirty="0" smtClean="0"/>
+            <a:endParaRPr lang="en-US" sz="2800" dirty="0"/>
           </a:p>
           <a:p>
             <a:pPr lvl="1"/>
-            <a:endParaRPr lang="en-US" sz="2800" dirty="0" smtClean="0"/>
+            <a:endParaRPr lang="en-US" sz="2800" dirty="0"/>
           </a:p>
         </p:txBody>
       </p:sp>
@@ -8376,6 +8340,14 @@
 <file path=ppt/slides/slide7.xml><?xml version="1.0" encoding="utf-8"?>
 <p:sld xmlns:a="http://schemas.openxmlformats.org/drawingml/2006/main" xmlns:r="http://schemas.openxmlformats.org/officeDocument/2006/relationships" xmlns:p="http://schemas.openxmlformats.org/presentationml/2006/main">
   <p:cSld>
+    <p:bg>
+      <p:bgPr>
+        <a:solidFill>
+          <a:schemeClr val="bg1"/>
+        </a:solidFill>
+        <a:effectLst/>
+      </p:bgPr>
+    </p:bg>
     <p:spTree>
       <p:nvGrpSpPr>
         <p:cNvPr id="1" name=""/>
@@ -8400,16 +8372,23 @@
             <p:ph type="title"/>
           </p:nvPr>
         </p:nvSpPr>
-        <p:spPr/>
+        <p:spPr>
+          <a:xfrm>
+            <a:off x="119253" y="542544"/>
+            <a:ext cx="9720072" cy="1499616"/>
+          </a:xfrm>
+          <a:solidFill>
+            <a:schemeClr val="bg1"/>
+          </a:solidFill>
+        </p:spPr>
         <p:txBody>
           <a:bodyPr/>
           <a:lstStyle/>
           <a:p>
             <a:r>
-              <a:rPr lang="en-US" dirty="0" smtClean="0"/>
-              <a:t>Site Map</a:t>
-            </a:r>
-            <a:endParaRPr lang="en-US" dirty="0"/>
+              <a:rPr lang="en-US" dirty="0"/>
+              <a:t>Screen Flow</a:t>
+            </a:r>
           </a:p>
         </p:txBody>
       </p:sp>
@@ -8463,8 +8442,8 @@
         </p:blipFill>
         <p:spPr>
           <a:xfrm>
-            <a:off x="2336746" y="1690322"/>
-            <a:ext cx="7112054" cy="4499463"/>
+            <a:off x="2867025" y="542544"/>
+            <a:ext cx="8677275" cy="5489705"/>
           </a:xfrm>
           <a:prstGeom prst="rect">
             <a:avLst/>
@@ -8493,7 +8472,7 @@
         </p:blipFill>
         <p:spPr>
           <a:xfrm>
-            <a:off x="7756684" y="9144"/>
+            <a:off x="9035166" y="147322"/>
             <a:ext cx="2290059" cy="2290059"/>
           </a:xfrm>
           <a:prstGeom prst="rect">
@@ -8511,13 +8490,6 @@
   <p:clrMapOvr>
     <a:masterClrMapping/>
   </p:clrMapOvr>
-  <p:timing>
-    <p:tnLst>
-      <p:par>
-        <p:cTn id="1" dur="indefinite" restart="never" nodeType="tmRoot"/>
-      </p:par>
-    </p:tnLst>
-  </p:timing>
 </p:sld>
 </file>
 
@@ -8554,11 +8526,11 @@
           <a:lstStyle/>
           <a:p>
             <a:r>
-              <a:rPr lang="en-US" dirty="0" smtClean="0"/>
+              <a:rPr lang="en-US" dirty="0"/>
               <a:t>Wireframe </a:t>
             </a:r>
             <a:r>
-              <a:rPr lang="en-US" sz="3600" dirty="0" smtClean="0"/>
+              <a:rPr lang="en-US" sz="3600" dirty="0"/>
               <a:t>– Start and Home screens</a:t>
             </a:r>
             <a:endParaRPr lang="en-US" dirty="0"/>
@@ -8680,13 +8652,6 @@
   <p:clrMapOvr>
     <a:masterClrMapping/>
   </p:clrMapOvr>
-  <p:timing>
-    <p:tnLst>
-      <p:par>
-        <p:cTn id="1" dur="indefinite" restart="never" nodeType="tmRoot"/>
-      </p:par>
-    </p:tnLst>
-  </p:timing>
 </p:sld>
 </file>
 
@@ -8723,14 +8688,13 @@
           <a:lstStyle/>
           <a:p>
             <a:r>
-              <a:rPr lang="en-US" dirty="0" smtClean="0"/>
+              <a:rPr lang="en-US" dirty="0"/>
               <a:t>Wireframe – </a:t>
             </a:r>
             <a:r>
-              <a:rPr lang="en-US" sz="3600" dirty="0" smtClean="0"/>
+              <a:rPr lang="en-US" sz="3600" dirty="0"/>
               <a:t>Login/Registration overlay, Character Select</a:t>
             </a:r>
-            <a:endParaRPr lang="en-US" sz="3600" dirty="0"/>
           </a:p>
         </p:txBody>
       </p:sp>
@@ -8820,13 +8784,6 @@
   <p:clrMapOvr>
     <a:masterClrMapping/>
   </p:clrMapOvr>
-  <p:timing>
-    <p:tnLst>
-      <p:par>
-        <p:cTn id="1" dur="indefinite" restart="never" nodeType="tmRoot"/>
-      </p:par>
-    </p:tnLst>
-  </p:timing>
 </p:sld>
 </file>
 
